--- a/_포트폴리오/최종/포트폴리오_송진규.pptx
+++ b/_포트폴리오/최종/포트폴리오_송진규.pptx
@@ -5,13 +5,16 @@
     <p:sldMasterId id="2147483768" r:id="rId1"/>
   </p:sldMasterIdLst>
   <p:notesMasterIdLst>
-    <p:notesMasterId r:id="rId6"/>
+    <p:notesMasterId r:id="rId9"/>
   </p:notesMasterIdLst>
   <p:sldIdLst>
     <p:sldId id="270" r:id="rId2"/>
     <p:sldId id="271" r:id="rId3"/>
     <p:sldId id="272" r:id="rId4"/>
     <p:sldId id="273" r:id="rId5"/>
+    <p:sldId id="274" r:id="rId6"/>
+    <p:sldId id="278" r:id="rId7"/>
+    <p:sldId id="276" r:id="rId8"/>
   </p:sldIdLst>
   <p:sldSz cx="21602700" cy="21602700"/>
   <p:notesSz cx="6858000" cy="9144000"/>
@@ -195,7 +198,7 @@
           <a:p>
             <a:fld id="{EB762C6C-61A4-4A96-BF6C-CDA03ADAA243}" type="datetimeFigureOut">
               <a:rPr lang="ko-KR" altLang="en-US" smtClean="0"/>
-              <a:t>2019-01-16</a:t>
+              <a:t>2019-01-17</a:t>
             </a:fld>
             <a:endParaRPr lang="ko-KR" altLang="en-US"/>
           </a:p>
@@ -463,6 +466,174 @@
 </p:notesMaster>
 </file>
 
+<file path=ppt/notesSlides/notesSlide1.xml><?xml version="1.0" encoding="utf-8"?>
+<p:notes xmlns:a="http://schemas.openxmlformats.org/drawingml/2006/main" xmlns:r="http://schemas.openxmlformats.org/officeDocument/2006/relationships" xmlns:p="http://schemas.openxmlformats.org/presentationml/2006/main">
+  <p:cSld>
+    <p:spTree>
+      <p:nvGrpSpPr>
+        <p:cNvPr id="1" name=""/>
+        <p:cNvGrpSpPr/>
+        <p:nvPr/>
+      </p:nvGrpSpPr>
+      <p:grpSpPr>
+        <a:xfrm>
+          <a:off x="0" y="0"/>
+          <a:ext cx="0" cy="0"/>
+          <a:chOff x="0" y="0"/>
+          <a:chExt cx="0" cy="0"/>
+        </a:xfrm>
+      </p:grpSpPr>
+      <p:sp>
+        <p:nvSpPr>
+          <p:cNvPr id="2" name="슬라이드 이미지 개체 틀 1"/>
+          <p:cNvSpPr>
+            <a:spLocks noGrp="1" noRot="1" noChangeAspect="1"/>
+          </p:cNvSpPr>
+          <p:nvPr>
+            <p:ph type="sldImg"/>
+          </p:nvPr>
+        </p:nvSpPr>
+        <p:spPr/>
+      </p:sp>
+      <p:sp>
+        <p:nvSpPr>
+          <p:cNvPr id="3" name="슬라이드 노트 개체 틀 2"/>
+          <p:cNvSpPr>
+            <a:spLocks noGrp="1"/>
+          </p:cNvSpPr>
+          <p:nvPr>
+            <p:ph type="body" idx="1"/>
+          </p:nvPr>
+        </p:nvSpPr>
+        <p:spPr/>
+        <p:txBody>
+          <a:bodyPr/>
+          <a:lstStyle/>
+          <a:p>
+            <a:endParaRPr lang="ko-KR" altLang="en-US" dirty="0"/>
+          </a:p>
+        </p:txBody>
+      </p:sp>
+      <p:sp>
+        <p:nvSpPr>
+          <p:cNvPr id="4" name="슬라이드 번호 개체 틀 3"/>
+          <p:cNvSpPr>
+            <a:spLocks noGrp="1"/>
+          </p:cNvSpPr>
+          <p:nvPr>
+            <p:ph type="sldNum" sz="quarter" idx="10"/>
+          </p:nvPr>
+        </p:nvSpPr>
+        <p:spPr/>
+        <p:txBody>
+          <a:bodyPr/>
+          <a:lstStyle/>
+          <a:p>
+            <a:fld id="{4746F287-A522-482A-A4F7-FF8B69BD67B2}" type="slidenum">
+              <a:rPr lang="ko-KR" altLang="en-US" smtClean="0"/>
+              <a:t>6</a:t>
+            </a:fld>
+            <a:endParaRPr lang="ko-KR" altLang="en-US"/>
+          </a:p>
+        </p:txBody>
+      </p:sp>
+    </p:spTree>
+    <p:extLst>
+      <p:ext uri="{BB962C8B-B14F-4D97-AF65-F5344CB8AC3E}">
+        <p14:creationId xmlns:p14="http://schemas.microsoft.com/office/powerpoint/2010/main" val="3794755016"/>
+      </p:ext>
+    </p:extLst>
+  </p:cSld>
+  <p:clrMapOvr>
+    <a:masterClrMapping/>
+  </p:clrMapOvr>
+</p:notes>
+</file>
+
+<file path=ppt/notesSlides/notesSlide2.xml><?xml version="1.0" encoding="utf-8"?>
+<p:notes xmlns:a="http://schemas.openxmlformats.org/drawingml/2006/main" xmlns:r="http://schemas.openxmlformats.org/officeDocument/2006/relationships" xmlns:p="http://schemas.openxmlformats.org/presentationml/2006/main">
+  <p:cSld>
+    <p:spTree>
+      <p:nvGrpSpPr>
+        <p:cNvPr id="1" name=""/>
+        <p:cNvGrpSpPr/>
+        <p:nvPr/>
+      </p:nvGrpSpPr>
+      <p:grpSpPr>
+        <a:xfrm>
+          <a:off x="0" y="0"/>
+          <a:ext cx="0" cy="0"/>
+          <a:chOff x="0" y="0"/>
+          <a:chExt cx="0" cy="0"/>
+        </a:xfrm>
+      </p:grpSpPr>
+      <p:sp>
+        <p:nvSpPr>
+          <p:cNvPr id="2" name="슬라이드 이미지 개체 틀 1"/>
+          <p:cNvSpPr>
+            <a:spLocks noGrp="1" noRot="1" noChangeAspect="1"/>
+          </p:cNvSpPr>
+          <p:nvPr>
+            <p:ph type="sldImg"/>
+          </p:nvPr>
+        </p:nvSpPr>
+        <p:spPr/>
+      </p:sp>
+      <p:sp>
+        <p:nvSpPr>
+          <p:cNvPr id="3" name="슬라이드 노트 개체 틀 2"/>
+          <p:cNvSpPr>
+            <a:spLocks noGrp="1"/>
+          </p:cNvSpPr>
+          <p:nvPr>
+            <p:ph type="body" idx="1"/>
+          </p:nvPr>
+        </p:nvSpPr>
+        <p:spPr/>
+        <p:txBody>
+          <a:bodyPr/>
+          <a:lstStyle/>
+          <a:p>
+            <a:endParaRPr lang="ko-KR" altLang="en-US" dirty="0"/>
+          </a:p>
+        </p:txBody>
+      </p:sp>
+      <p:sp>
+        <p:nvSpPr>
+          <p:cNvPr id="4" name="슬라이드 번호 개체 틀 3"/>
+          <p:cNvSpPr>
+            <a:spLocks noGrp="1"/>
+          </p:cNvSpPr>
+          <p:nvPr>
+            <p:ph type="sldNum" sz="quarter" idx="10"/>
+          </p:nvPr>
+        </p:nvSpPr>
+        <p:spPr/>
+        <p:txBody>
+          <a:bodyPr/>
+          <a:lstStyle/>
+          <a:p>
+            <a:fld id="{4746F287-A522-482A-A4F7-FF8B69BD67B2}" type="slidenum">
+              <a:rPr lang="ko-KR" altLang="en-US" smtClean="0"/>
+              <a:t>7</a:t>
+            </a:fld>
+            <a:endParaRPr lang="ko-KR" altLang="en-US"/>
+          </a:p>
+        </p:txBody>
+      </p:sp>
+    </p:spTree>
+    <p:extLst>
+      <p:ext uri="{BB962C8B-B14F-4D97-AF65-F5344CB8AC3E}">
+        <p14:creationId xmlns:p14="http://schemas.microsoft.com/office/powerpoint/2010/main" val="3794755016"/>
+      </p:ext>
+    </p:extLst>
+  </p:cSld>
+  <p:clrMapOvr>
+    <a:masterClrMapping/>
+  </p:clrMapOvr>
+</p:notes>
+</file>
+
 <file path=ppt/slideLayouts/slideLayout1.xml><?xml version="1.0" encoding="utf-8"?>
 <p:sldLayout xmlns:a="http://schemas.openxmlformats.org/drawingml/2006/main" xmlns:r="http://schemas.openxmlformats.org/officeDocument/2006/relationships" xmlns:p="http://schemas.openxmlformats.org/presentationml/2006/main" type="title" preserve="1">
   <p:cSld name="제목 슬라이드">
@@ -644,7 +815,7 @@
           <a:p>
             <a:fld id="{7124A09B-C8D5-4831-A103-306AD3D3BC49}" type="datetimeFigureOut">
               <a:rPr lang="ko-KR" altLang="en-US" smtClean="0"/>
-              <a:t>2019-01-16</a:t>
+              <a:t>2019-01-17</a:t>
             </a:fld>
             <a:endParaRPr lang="ko-KR" altLang="en-US"/>
           </a:p>
@@ -814,7 +985,7 @@
           <a:p>
             <a:fld id="{7124A09B-C8D5-4831-A103-306AD3D3BC49}" type="datetimeFigureOut">
               <a:rPr lang="ko-KR" altLang="en-US" smtClean="0"/>
-              <a:t>2019-01-16</a:t>
+              <a:t>2019-01-17</a:t>
             </a:fld>
             <a:endParaRPr lang="ko-KR" altLang="en-US"/>
           </a:p>
@@ -994,7 +1165,7 @@
           <a:p>
             <a:fld id="{7124A09B-C8D5-4831-A103-306AD3D3BC49}" type="datetimeFigureOut">
               <a:rPr lang="ko-KR" altLang="en-US" smtClean="0"/>
-              <a:t>2019-01-16</a:t>
+              <a:t>2019-01-17</a:t>
             </a:fld>
             <a:endParaRPr lang="ko-KR" altLang="en-US"/>
           </a:p>
@@ -1164,7 +1335,7 @@
           <a:p>
             <a:fld id="{7124A09B-C8D5-4831-A103-306AD3D3BC49}" type="datetimeFigureOut">
               <a:rPr lang="ko-KR" altLang="en-US" smtClean="0"/>
-              <a:t>2019-01-16</a:t>
+              <a:t>2019-01-17</a:t>
             </a:fld>
             <a:endParaRPr lang="ko-KR" altLang="en-US"/>
           </a:p>
@@ -1410,7 +1581,7 @@
           <a:p>
             <a:fld id="{7124A09B-C8D5-4831-A103-306AD3D3BC49}" type="datetimeFigureOut">
               <a:rPr lang="ko-KR" altLang="en-US" smtClean="0"/>
-              <a:t>2019-01-16</a:t>
+              <a:t>2019-01-17</a:t>
             </a:fld>
             <a:endParaRPr lang="ko-KR" altLang="en-US"/>
           </a:p>
@@ -1698,7 +1869,7 @@
           <a:p>
             <a:fld id="{7124A09B-C8D5-4831-A103-306AD3D3BC49}" type="datetimeFigureOut">
               <a:rPr lang="ko-KR" altLang="en-US" smtClean="0"/>
-              <a:t>2019-01-16</a:t>
+              <a:t>2019-01-17</a:t>
             </a:fld>
             <a:endParaRPr lang="ko-KR" altLang="en-US"/>
           </a:p>
@@ -2120,7 +2291,7 @@
           <a:p>
             <a:fld id="{7124A09B-C8D5-4831-A103-306AD3D3BC49}" type="datetimeFigureOut">
               <a:rPr lang="ko-KR" altLang="en-US" smtClean="0"/>
-              <a:t>2019-01-16</a:t>
+              <a:t>2019-01-17</a:t>
             </a:fld>
             <a:endParaRPr lang="ko-KR" altLang="en-US"/>
           </a:p>
@@ -2238,7 +2409,7 @@
           <a:p>
             <a:fld id="{7124A09B-C8D5-4831-A103-306AD3D3BC49}" type="datetimeFigureOut">
               <a:rPr lang="ko-KR" altLang="en-US" smtClean="0"/>
-              <a:t>2019-01-16</a:t>
+              <a:t>2019-01-17</a:t>
             </a:fld>
             <a:endParaRPr lang="ko-KR" altLang="en-US"/>
           </a:p>
@@ -2333,7 +2504,7 @@
           <a:p>
             <a:fld id="{7124A09B-C8D5-4831-A103-306AD3D3BC49}" type="datetimeFigureOut">
               <a:rPr lang="ko-KR" altLang="en-US" smtClean="0"/>
-              <a:t>2019-01-16</a:t>
+              <a:t>2019-01-17</a:t>
             </a:fld>
             <a:endParaRPr lang="ko-KR" altLang="en-US"/>
           </a:p>
@@ -2610,7 +2781,7 @@
           <a:p>
             <a:fld id="{7124A09B-C8D5-4831-A103-306AD3D3BC49}" type="datetimeFigureOut">
               <a:rPr lang="ko-KR" altLang="en-US" smtClean="0"/>
-              <a:t>2019-01-16</a:t>
+              <a:t>2019-01-17</a:t>
             </a:fld>
             <a:endParaRPr lang="ko-KR" altLang="en-US"/>
           </a:p>
@@ -2863,7 +3034,7 @@
           <a:p>
             <a:fld id="{7124A09B-C8D5-4831-A103-306AD3D3BC49}" type="datetimeFigureOut">
               <a:rPr lang="ko-KR" altLang="en-US" smtClean="0"/>
-              <a:t>2019-01-16</a:t>
+              <a:t>2019-01-17</a:t>
             </a:fld>
             <a:endParaRPr lang="ko-KR" altLang="en-US"/>
           </a:p>
@@ -3076,7 +3247,7 @@
           <a:p>
             <a:fld id="{7124A09B-C8D5-4831-A103-306AD3D3BC49}" type="datetimeFigureOut">
               <a:rPr lang="ko-KR" altLang="en-US" smtClean="0"/>
-              <a:t>2019-01-16</a:t>
+              <a:t>2019-01-17</a:t>
             </a:fld>
             <a:endParaRPr lang="ko-KR" altLang="en-US"/>
           </a:p>
@@ -4670,15 +4841,7 @@
                   <a:schemeClr val="tx1"/>
                 </a:solidFill>
               </a:rPr>
-              <a:t> 서버 정보 </a:t>
-            </a:r>
-            <a:r>
-              <a:rPr lang="ko-KR" altLang="en-US" sz="1200" dirty="0" smtClean="0">
-                <a:solidFill>
-                  <a:schemeClr val="tx1"/>
-                </a:solidFill>
-              </a:rPr>
-              <a:t>얻기</a:t>
+              <a:t> 서버 정보 얻기</a:t>
             </a:r>
             <a:endParaRPr lang="ko-KR" altLang="en-US" sz="1200" dirty="0">
               <a:solidFill>
@@ -5078,11 +5241,7 @@
           <a:p>
             <a:r>
               <a:rPr lang="en-US" altLang="ko-KR" sz="2500" b="1" dirty="0" smtClean="0"/>
-              <a:t>Matchmaking </a:t>
-            </a:r>
-            <a:r>
-              <a:rPr lang="en-US" altLang="ko-KR" sz="2500" b="1" dirty="0" smtClean="0"/>
-              <a:t>DB (Replication)</a:t>
+              <a:t>Matchmaking DB (Replication)</a:t>
             </a:r>
             <a:endParaRPr lang="en-US" altLang="ko-KR" sz="2500" b="1" dirty="0"/>
           </a:p>
@@ -6704,31 +6863,7 @@
                   <a:schemeClr val="tx1"/>
                 </a:solidFill>
               </a:rPr>
-              <a:t> </a:t>
-            </a:r>
-            <a:r>
-              <a:rPr lang="ko-KR" altLang="en-US" sz="1500" dirty="0" smtClean="0">
-                <a:solidFill>
-                  <a:schemeClr val="tx1"/>
-                </a:solidFill>
-              </a:rPr>
-              <a:t>서버를 </a:t>
-            </a:r>
-            <a:r>
-              <a:rPr lang="ko-KR" altLang="en-US" sz="1500" dirty="0" smtClean="0">
-                <a:solidFill>
-                  <a:schemeClr val="tx1"/>
-                </a:solidFill>
-              </a:rPr>
-              <a:t>클라이언트에게 </a:t>
-            </a:r>
-            <a:r>
-              <a:rPr lang="ko-KR" altLang="en-US" sz="1500" dirty="0" smtClean="0">
-                <a:solidFill>
-                  <a:schemeClr val="tx1"/>
-                </a:solidFill>
-              </a:rPr>
-              <a:t>전달</a:t>
+              <a:t> 서버를 클라이언트에게 전달</a:t>
             </a:r>
             <a:r>
               <a:rPr lang="en-US" altLang="ko-KR" sz="1500" dirty="0" smtClean="0">
@@ -7068,15 +7203,7 @@
                   <a:schemeClr val="tx1"/>
                 </a:solidFill>
               </a:rPr>
-              <a:t> </a:t>
-            </a:r>
-            <a:r>
-              <a:rPr lang="ko-KR" altLang="en-US" sz="1500" dirty="0" smtClean="0">
-                <a:solidFill>
-                  <a:schemeClr val="tx1"/>
-                </a:solidFill>
-              </a:rPr>
-              <a:t>알아온다</a:t>
+              <a:t> 알아온다</a:t>
             </a:r>
             <a:r>
               <a:rPr lang="en-US" altLang="ko-KR" sz="1500" dirty="0" smtClean="0">
@@ -7105,15 +7232,7 @@
                   <a:schemeClr val="tx1"/>
                 </a:solidFill>
               </a:rPr>
-              <a:t> </a:t>
-            </a:r>
-            <a:r>
-              <a:rPr lang="ko-KR" altLang="en-US" sz="1500" dirty="0" smtClean="0">
-                <a:solidFill>
-                  <a:schemeClr val="tx1"/>
-                </a:solidFill>
-              </a:rPr>
-              <a:t>서버에서</a:t>
+              <a:t> 서버에서</a:t>
             </a:r>
             <a:r>
               <a:rPr lang="en-US" altLang="ko-KR" sz="1500" dirty="0" smtClean="0">
@@ -7230,15 +7349,7 @@
                   <a:schemeClr val="tx1"/>
                 </a:solidFill>
               </a:rPr>
-              <a:t>배틀서버</a:t>
-            </a:r>
-            <a:r>
-              <a:rPr lang="ko-KR" altLang="en-US" sz="1500" dirty="0" err="1" smtClean="0">
-                <a:solidFill>
-                  <a:schemeClr val="tx1"/>
-                </a:solidFill>
-              </a:rPr>
-              <a:t>와</a:t>
+              <a:t>배틀서버와</a:t>
             </a:r>
             <a:r>
               <a:rPr lang="ko-KR" altLang="en-US" sz="1500" dirty="0" smtClean="0">
@@ -7246,15 +7357,7 @@
                   <a:schemeClr val="tx1"/>
                 </a:solidFill>
               </a:rPr>
-              <a:t> </a:t>
-            </a:r>
-            <a:r>
-              <a:rPr lang="ko-KR" altLang="en-US" sz="1500" dirty="0" smtClean="0">
-                <a:solidFill>
-                  <a:schemeClr val="tx1"/>
-                </a:solidFill>
-              </a:rPr>
-              <a:t>채팅서버에 로그인 후</a:t>
+              <a:t> 채팅서버에 로그인 후</a:t>
             </a:r>
             <a:r>
               <a:rPr lang="en-US" altLang="ko-KR" sz="1500" dirty="0" smtClean="0">
@@ -8236,6 +8339,13 @@
   <p:clrMapOvr>
     <a:masterClrMapping/>
   </p:clrMapOvr>
+  <p:timing>
+    <p:tnLst>
+      <p:par>
+        <p:cTn id="1" dur="indefinite" restart="never" nodeType="tmRoot"/>
+      </p:par>
+    </p:tnLst>
+  </p:timing>
 </p:sld>
 </file>
 
@@ -8379,7 +8489,15 @@
                   <a:schemeClr val="tx1"/>
                 </a:solidFill>
               </a:rPr>
-              <a:t>, Content </a:t>
+              <a:t>, Content DB(</a:t>
+            </a:r>
+            <a:r>
+              <a:rPr lang="en-US" altLang="ko-KR" sz="1500" dirty="0" err="1" smtClean="0">
+                <a:solidFill>
+                  <a:schemeClr val="tx1"/>
+                </a:solidFill>
+              </a:rPr>
+              <a:t>Sharding</a:t>
             </a:r>
             <a:r>
               <a:rPr lang="en-US" altLang="ko-KR" sz="1500" dirty="0" smtClean="0">
@@ -8387,22 +8505,6 @@
                   <a:schemeClr val="tx1"/>
                 </a:solidFill>
               </a:rPr>
-              <a:t>DB(</a:t>
-            </a:r>
-            <a:r>
-              <a:rPr lang="en-US" altLang="ko-KR" sz="1500" dirty="0" err="1" smtClean="0">
-                <a:solidFill>
-                  <a:schemeClr val="tx1"/>
-                </a:solidFill>
-              </a:rPr>
-              <a:t>Sharding</a:t>
-            </a:r>
-            <a:r>
-              <a:rPr lang="en-US" altLang="ko-KR" sz="1500" dirty="0" smtClean="0">
-                <a:solidFill>
-                  <a:schemeClr val="tx1"/>
-                </a:solidFill>
-              </a:rPr>
               <a:t>)</a:t>
             </a:r>
             <a:r>
@@ -8411,15 +8513,7 @@
                   <a:schemeClr val="tx1"/>
                 </a:solidFill>
               </a:rPr>
-              <a:t>에 </a:t>
-            </a:r>
-            <a:r>
-              <a:rPr lang="ko-KR" altLang="en-US" sz="1500" dirty="0" smtClean="0">
-                <a:solidFill>
-                  <a:schemeClr val="tx1"/>
-                </a:solidFill>
-              </a:rPr>
-              <a:t>접속</a:t>
+              <a:t>에 접속</a:t>
             </a:r>
             <a:endParaRPr lang="en-US" altLang="ko-KR" sz="1500" dirty="0" smtClean="0">
               <a:solidFill>
@@ -8476,15 +8570,7 @@
                   <a:schemeClr val="tx1"/>
                 </a:solidFill>
               </a:rPr>
-              <a:t>를 </a:t>
-            </a:r>
-            <a:r>
-              <a:rPr lang="ko-KR" altLang="en-US" sz="1500" dirty="0" smtClean="0">
-                <a:solidFill>
-                  <a:schemeClr val="tx1"/>
-                </a:solidFill>
-              </a:rPr>
-              <a:t>알아온다</a:t>
+              <a:t>를 알아온다</a:t>
             </a:r>
             <a:r>
               <a:rPr lang="en-US" altLang="ko-KR" sz="1500" dirty="0" smtClean="0">
@@ -8518,11 +8604,6 @@
               </a:rPr>
               <a:t>)</a:t>
             </a:r>
-            <a:endParaRPr lang="en-US" altLang="ko-KR" sz="1500" b="1" dirty="0" smtClean="0">
-              <a:solidFill>
-                <a:schemeClr val="tx1"/>
-              </a:solidFill>
-            </a:endParaRPr>
           </a:p>
           <a:p>
             <a:pPr marL="342900" indent="-342900">
@@ -8542,7 +8623,7 @@
                   <a:schemeClr val="tx1"/>
                 </a:solidFill>
               </a:rPr>
-              <a:t>로</a:t>
+              <a:t>를 이용해</a:t>
             </a:r>
             <a:r>
               <a:rPr lang="en-US" altLang="ko-KR" sz="1500" dirty="0" smtClean="0">
@@ -8590,15 +8671,7 @@
                   <a:schemeClr val="tx1"/>
                 </a:solidFill>
               </a:rPr>
-              <a:t>등의 </a:t>
-            </a:r>
-            <a:r>
-              <a:rPr lang="ko-KR" altLang="en-US" sz="1500" dirty="0" smtClean="0">
-                <a:solidFill>
-                  <a:schemeClr val="tx1"/>
-                </a:solidFill>
-              </a:rPr>
-              <a:t>접속정보를 알아온다</a:t>
+              <a:t>등의 접속정보를 알아온다</a:t>
             </a:r>
             <a:r>
               <a:rPr lang="en-US" altLang="ko-KR" sz="1500" dirty="0" smtClean="0">
@@ -8632,11 +8705,6 @@
               </a:rPr>
               <a:t>)</a:t>
             </a:r>
-            <a:endParaRPr lang="en-US" altLang="ko-KR" sz="1500" b="1" dirty="0" smtClean="0">
-              <a:solidFill>
-                <a:schemeClr val="tx1"/>
-              </a:solidFill>
-            </a:endParaRPr>
           </a:p>
           <a:p>
             <a:pPr marL="342900" indent="-342900">
@@ -8772,7 +8840,7 @@
         </p:nvSpPr>
         <p:spPr>
           <a:xfrm>
-            <a:off x="7128942" y="8419200"/>
+            <a:off x="7200950" y="8419200"/>
             <a:ext cx="553341" cy="508851"/>
           </a:xfrm>
           <a:prstGeom prst="ellipse">
@@ -10940,13 +11008,13 @@
         </p:nvSpPr>
         <p:spPr>
           <a:xfrm>
-            <a:off x="890647" y="3193745"/>
-            <a:ext cx="3088727" cy="899146"/>
+            <a:off x="175144" y="3202081"/>
+            <a:ext cx="4485792" cy="899146"/>
           </a:xfrm>
           <a:prstGeom prst="wedgeRoundRectCallout">
             <a:avLst>
-              <a:gd name="adj1" fmla="val 86210"/>
-              <a:gd name="adj2" fmla="val 24962"/>
+              <a:gd name="adj1" fmla="val 64949"/>
+              <a:gd name="adj2" fmla="val 33033"/>
               <a:gd name="adj3" fmla="val 16667"/>
             </a:avLst>
           </a:prstGeom>
@@ -11001,7 +11069,23 @@
                   <a:schemeClr val="tx1"/>
                 </a:solidFill>
               </a:rPr>
-              <a:t>,</a:t>
+              <a:t>(</a:t>
+            </a:r>
+            <a:r>
+              <a:rPr lang="en-US" altLang="ko-KR" sz="1500" dirty="0" err="1" smtClean="0">
+                <a:solidFill>
+                  <a:schemeClr val="tx1"/>
+                </a:solidFill>
+              </a:rPr>
+              <a:t>AccountNo</a:t>
+            </a:r>
+            <a:r>
+              <a:rPr lang="en-US" altLang="ko-KR" sz="1500" dirty="0" smtClean="0">
+                <a:solidFill>
+                  <a:schemeClr val="tx1"/>
+                </a:solidFill>
+              </a:rPr>
+              <a:t>),</a:t>
             </a:r>
             <a:r>
               <a:rPr lang="ko-KR" altLang="en-US" sz="1500" dirty="0" smtClean="0">
@@ -11041,14 +11125,53 @@
                   <a:schemeClr val="tx1"/>
                 </a:solidFill>
               </a:rPr>
-              <a:t> 번호</a:t>
-            </a:r>
-            <a:endParaRPr lang="ko-KR" altLang="en-US" sz="1500" dirty="0">
+              <a:t> </a:t>
+            </a:r>
+            <a:r>
+              <a:rPr lang="en-US" altLang="ko-KR" sz="1500" dirty="0" smtClean="0">
+                <a:solidFill>
+                  <a:schemeClr val="tx1"/>
+                </a:solidFill>
+              </a:rPr>
+              <a:t>Number</a:t>
+            </a:r>
+            <a:endParaRPr lang="en-US" altLang="ko-KR" sz="1500" dirty="0" smtClean="0">
               <a:solidFill>
                 <a:schemeClr val="tx1"/>
               </a:solidFill>
             </a:endParaRPr>
           </a:p>
+          <a:p>
+            <a:r>
+              <a:rPr lang="en-US" altLang="ko-KR" sz="1500" b="1" dirty="0" smtClean="0">
+                <a:solidFill>
+                  <a:schemeClr val="tx1"/>
+                </a:solidFill>
+              </a:rPr>
+              <a:t>(PK : </a:t>
+            </a:r>
+            <a:r>
+              <a:rPr lang="en-US" altLang="ko-KR" sz="1500" b="1" dirty="0" err="1">
+                <a:solidFill>
+                  <a:schemeClr val="tx1"/>
+                </a:solidFill>
+              </a:rPr>
+              <a:t>AccountNo</a:t>
+            </a:r>
+            <a:r>
+              <a:rPr lang="en-US" altLang="ko-KR" sz="1500" b="1" dirty="0" smtClean="0">
+                <a:solidFill>
+                  <a:schemeClr val="tx1"/>
+                </a:solidFill>
+              </a:rPr>
+              <a:t>)</a:t>
+            </a:r>
+            <a:endParaRPr lang="ko-KR" altLang="en-US" sz="1500" b="1" dirty="0">
+              <a:solidFill>
+                <a:schemeClr val="tx1"/>
+              </a:solidFill>
+            </a:endParaRPr>
+          </a:p>
         </p:txBody>
       </p:sp>
       <p:sp>
@@ -11059,8 +11182,8 @@
         </p:nvSpPr>
         <p:spPr>
           <a:xfrm>
-            <a:off x="175144" y="5164465"/>
-            <a:ext cx="3806349" cy="2019668"/>
+            <a:off x="175144" y="4980916"/>
+            <a:ext cx="3806349" cy="2203217"/>
           </a:xfrm>
           <a:prstGeom prst="wedgeRoundRectCallout">
             <a:avLst>
@@ -11098,38 +11221,6 @@
           <a:bodyPr lIns="91422" tIns="45711" rIns="91422" bIns="45711" rtlCol="0" anchor="ctr"/>
           <a:lstStyle/>
           <a:p>
-            <a:r>
-              <a:rPr lang="en-US" altLang="ko-KR" sz="1500" dirty="0" smtClean="0">
-                <a:solidFill>
-                  <a:schemeClr val="tx1"/>
-                </a:solidFill>
-              </a:rPr>
-              <a:t>Content</a:t>
-            </a:r>
-            <a:r>
-              <a:rPr lang="ko-KR" altLang="en-US" sz="1500" dirty="0" smtClean="0">
-                <a:solidFill>
-                  <a:schemeClr val="tx1"/>
-                </a:solidFill>
-              </a:rPr>
-              <a:t> </a:t>
-            </a:r>
-            <a:r>
-              <a:rPr lang="en-US" altLang="ko-KR" sz="1500" dirty="0" smtClean="0">
-                <a:solidFill>
-                  <a:schemeClr val="tx1"/>
-                </a:solidFill>
-              </a:rPr>
-              <a:t>DB </a:t>
-            </a:r>
-            <a:r>
-              <a:rPr lang="ko-KR" altLang="en-US" sz="1500" dirty="0" smtClean="0">
-                <a:solidFill>
-                  <a:schemeClr val="tx1"/>
-                </a:solidFill>
-              </a:rPr>
-              <a:t>별 저장 가능한 유저 수</a:t>
-            </a:r>
             <a:endParaRPr lang="en-US" altLang="ko-KR" sz="1500" dirty="0" smtClean="0">
               <a:solidFill>
                 <a:schemeClr val="tx1"/>
@@ -11137,6 +11228,46 @@
             </a:endParaRPr>
           </a:p>
           <a:p>
+            <a:r>
+              <a:rPr lang="en-US" altLang="ko-KR" sz="1500" dirty="0" smtClean="0">
+                <a:solidFill>
+                  <a:schemeClr val="tx1"/>
+                </a:solidFill>
+              </a:rPr>
+              <a:t>Content</a:t>
+            </a:r>
+            <a:r>
+              <a:rPr lang="ko-KR" altLang="en-US" sz="1500" dirty="0" smtClean="0">
+                <a:solidFill>
+                  <a:schemeClr val="tx1"/>
+                </a:solidFill>
+              </a:rPr>
+              <a:t> </a:t>
+            </a:r>
+            <a:r>
+              <a:rPr lang="en-US" altLang="ko-KR" sz="1500" dirty="0" smtClean="0">
+                <a:solidFill>
+                  <a:schemeClr val="tx1"/>
+                </a:solidFill>
+              </a:rPr>
+              <a:t>DB </a:t>
+            </a:r>
+            <a:r>
+              <a:rPr lang="ko-KR" altLang="en-US" sz="1500" dirty="0" smtClean="0">
+                <a:solidFill>
+                  <a:schemeClr val="tx1"/>
+                </a:solidFill>
+              </a:rPr>
+              <a:t>별 저장 가능한 유저 </a:t>
+            </a:r>
+            <a:r>
+              <a:rPr lang="ko-KR" altLang="en-US" sz="1500" dirty="0" smtClean="0">
+                <a:solidFill>
+                  <a:schemeClr val="tx1"/>
+                </a:solidFill>
+              </a:rPr>
+              <a:t>수</a:t>
+            </a:r>
             <a:endParaRPr lang="en-US" altLang="ko-KR" sz="1500" dirty="0" smtClean="0">
               <a:solidFill>
                 <a:schemeClr val="tx1"/>
@@ -11144,6 +11275,29 @@
             </a:endParaRPr>
           </a:p>
           <a:p>
+            <a:r>
+              <a:rPr lang="en-US" altLang="ko-KR" sz="1500" b="1" dirty="0">
+                <a:solidFill>
+                  <a:schemeClr val="tx1"/>
+                </a:solidFill>
+              </a:rPr>
+              <a:t>(PK : </a:t>
+            </a:r>
+            <a:r>
+              <a:rPr lang="en-US" altLang="ko-KR" sz="1500" b="1" dirty="0" smtClean="0">
+                <a:solidFill>
+                  <a:schemeClr val="tx1"/>
+                </a:solidFill>
+              </a:rPr>
+              <a:t>DB Number)</a:t>
+            </a:r>
+            <a:endParaRPr lang="ko-KR" altLang="en-US" sz="1500" b="1" dirty="0">
+              <a:solidFill>
+                <a:schemeClr val="tx1"/>
+              </a:solidFill>
+            </a:endParaRPr>
+          </a:p>
+          <a:p>
             <a:endParaRPr lang="en-US" altLang="ko-KR" sz="1500" dirty="0" smtClean="0">
               <a:solidFill>
                 <a:schemeClr val="tx1"/>
@@ -11151,6 +11305,20 @@
             </a:endParaRPr>
           </a:p>
           <a:p>
+            <a:endParaRPr lang="en-US" altLang="ko-KR" sz="1500" dirty="0" smtClean="0">
+              <a:solidFill>
+                <a:schemeClr val="tx1"/>
+              </a:solidFill>
+            </a:endParaRPr>
+          </a:p>
+          <a:p>
+            <a:endParaRPr lang="en-US" altLang="ko-KR" sz="1500" dirty="0" smtClean="0">
+              <a:solidFill>
+                <a:schemeClr val="tx1"/>
+              </a:solidFill>
+            </a:endParaRPr>
+          </a:p>
+          <a:p>
             <a:endParaRPr lang="en-US" altLang="ko-KR" sz="1500" dirty="0">
               <a:solidFill>
                 <a:schemeClr val="tx1"/>
@@ -11188,13 +11356,13 @@
         </p:nvSpPr>
         <p:spPr>
           <a:xfrm>
-            <a:off x="175144" y="7459026"/>
-            <a:ext cx="3806349" cy="742275"/>
+            <a:off x="561542" y="7459026"/>
+            <a:ext cx="4145486" cy="742275"/>
           </a:xfrm>
           <a:prstGeom prst="wedgeRoundRectCallout">
             <a:avLst>
-              <a:gd name="adj1" fmla="val 85254"/>
-              <a:gd name="adj2" fmla="val -84464"/>
+              <a:gd name="adj1" fmla="val 66698"/>
+              <a:gd name="adj2" fmla="val -60999"/>
               <a:gd name="adj3" fmla="val 16667"/>
             </a:avLst>
           </a:prstGeom>
@@ -11252,12 +11420,36 @@
               <a:t>DB </a:t>
             </a:r>
             <a:r>
+              <a:rPr lang="en-US" altLang="ko-KR" sz="1500" dirty="0" smtClean="0">
+                <a:solidFill>
+                  <a:schemeClr val="tx1"/>
+                </a:solidFill>
+              </a:rPr>
+              <a:t>Number</a:t>
+            </a:r>
+            <a:r>
+              <a:rPr lang="en-US" altLang="ko-KR" sz="1500" dirty="0" smtClean="0">
+                <a:solidFill>
+                  <a:schemeClr val="tx1"/>
+                </a:solidFill>
+              </a:rPr>
+              <a:t>, </a:t>
+            </a:r>
+            <a:r>
+              <a:rPr lang="en-US" altLang="ko-KR" sz="1500" dirty="0" smtClean="0">
+                <a:solidFill>
+                  <a:schemeClr val="tx1"/>
+                </a:solidFill>
+              </a:rPr>
+              <a:t>Content</a:t>
+            </a:r>
+            <a:r>
               <a:rPr lang="ko-KR" altLang="en-US" sz="1500" dirty="0" smtClean="0">
                 <a:solidFill>
                   <a:schemeClr val="tx1"/>
                 </a:solidFill>
               </a:rPr>
-              <a:t>번호</a:t>
+              <a:t> </a:t>
             </a:r>
             <a:r>
               <a:rPr lang="en-US" altLang="ko-KR" sz="1500" dirty="0" smtClean="0">
@@ -11265,7 +11457,7 @@
                   <a:schemeClr val="tx1"/>
                 </a:solidFill>
               </a:rPr>
-              <a:t>, Content</a:t>
+              <a:t>DB </a:t>
             </a:r>
             <a:r>
               <a:rPr lang="ko-KR" altLang="en-US" sz="1500" dirty="0" smtClean="0">
@@ -11273,15 +11465,7 @@
                   <a:schemeClr val="tx1"/>
                 </a:solidFill>
               </a:rPr>
-              <a:t> </a:t>
-            </a:r>
-            <a:r>
-              <a:rPr lang="en-US" altLang="ko-KR" sz="1500" dirty="0" smtClean="0">
-                <a:solidFill>
-                  <a:schemeClr val="tx1"/>
-                </a:solidFill>
-              </a:rPr>
-              <a:t>DB </a:t>
+              <a:t>접속 </a:t>
             </a:r>
             <a:r>
               <a:rPr lang="ko-KR" altLang="en-US" sz="1500" dirty="0" smtClean="0">
@@ -11289,14 +11473,37 @@
                   <a:schemeClr val="tx1"/>
                 </a:solidFill>
               </a:rPr>
-              <a:t>접속 정보</a:t>
-            </a:r>
-            <a:endParaRPr lang="ko-KR" altLang="en-US" sz="1500" dirty="0">
+              <a:t>정보</a:t>
+            </a:r>
+            <a:endParaRPr lang="en-US" altLang="ko-KR" sz="1500" dirty="0" smtClean="0">
               <a:solidFill>
                 <a:schemeClr val="tx1"/>
               </a:solidFill>
             </a:endParaRPr>
           </a:p>
+          <a:p>
+            <a:r>
+              <a:rPr lang="en-US" altLang="ko-KR" sz="1500" b="1" dirty="0">
+                <a:solidFill>
+                  <a:schemeClr val="tx1"/>
+                </a:solidFill>
+              </a:rPr>
+              <a:t>(PK : DB Number</a:t>
+            </a:r>
+            <a:r>
+              <a:rPr lang="en-US" altLang="ko-KR" sz="1500" b="1" dirty="0" smtClean="0">
+                <a:solidFill>
+                  <a:schemeClr val="tx1"/>
+                </a:solidFill>
+              </a:rPr>
+              <a:t>)</a:t>
+            </a:r>
+            <a:endParaRPr lang="ko-KR" altLang="en-US" sz="1500" b="1" dirty="0">
+              <a:solidFill>
+                <a:schemeClr val="tx1"/>
+              </a:solidFill>
+            </a:endParaRPr>
+          </a:p>
         </p:txBody>
       </p:sp>
       <p:sp>
@@ -11307,7 +11514,7 @@
         </p:nvSpPr>
         <p:spPr>
           <a:xfrm>
-            <a:off x="424636" y="5819932"/>
+            <a:off x="424636" y="5820430"/>
             <a:ext cx="3319930" cy="1092488"/>
           </a:xfrm>
           <a:prstGeom prst="rect">
@@ -11418,15 +11625,7 @@
                   <a:schemeClr val="tx1"/>
                 </a:solidFill>
               </a:rPr>
-              <a:t> </a:t>
-            </a:r>
-            <a:r>
-              <a:rPr lang="ko-KR" altLang="en-US" sz="1500" dirty="0" smtClean="0">
-                <a:solidFill>
-                  <a:schemeClr val="tx1"/>
-                </a:solidFill>
-              </a:rPr>
-              <a:t>저장될 </a:t>
+              <a:t> 저장될 </a:t>
             </a:r>
             <a:r>
               <a:rPr lang="en-US" altLang="ko-KR" sz="1500" dirty="0" smtClean="0">
@@ -11461,12 +11660,12 @@
         <p:spPr>
           <a:xfrm>
             <a:off x="16998714" y="5444537"/>
-            <a:ext cx="3816424" cy="485525"/>
+            <a:ext cx="3816424" cy="788441"/>
           </a:xfrm>
           <a:prstGeom prst="wedgeRoundRectCallout">
             <a:avLst>
-              <a:gd name="adj1" fmla="val -34499"/>
-              <a:gd name="adj2" fmla="val -216065"/>
+              <a:gd name="adj1" fmla="val -25752"/>
+              <a:gd name="adj2" fmla="val -157157"/>
               <a:gd name="adj3" fmla="val 16667"/>
             </a:avLst>
           </a:prstGeom>
@@ -11545,9 +11744,48 @@
                   <a:schemeClr val="tx1"/>
                 </a:solidFill>
               </a:rPr>
-              <a:t> 정보</a:t>
-            </a:r>
-            <a:endParaRPr lang="ko-KR" altLang="en-US" sz="1500" dirty="0">
+              <a:t> </a:t>
+            </a:r>
+            <a:r>
+              <a:rPr lang="ko-KR" altLang="en-US" sz="1500" dirty="0" smtClean="0">
+                <a:solidFill>
+                  <a:schemeClr val="tx1"/>
+                </a:solidFill>
+              </a:rPr>
+              <a:t>정보</a:t>
+            </a:r>
+            <a:endParaRPr lang="en-US" altLang="ko-KR" sz="1500" dirty="0" smtClean="0">
+              <a:solidFill>
+                <a:schemeClr val="tx1"/>
+              </a:solidFill>
+            </a:endParaRPr>
+          </a:p>
+          <a:p>
+            <a:r>
+              <a:rPr lang="en-US" altLang="ko-KR" sz="1500" b="1" dirty="0">
+                <a:solidFill>
+                  <a:schemeClr val="tx1"/>
+                </a:solidFill>
+              </a:rPr>
+              <a:t>(PK : </a:t>
+            </a:r>
+            <a:r>
+              <a:rPr lang="en-US" altLang="ko-KR" sz="1500" b="1" dirty="0" err="1">
+                <a:solidFill>
+                  <a:schemeClr val="tx1"/>
+                </a:solidFill>
+              </a:rPr>
+              <a:t>AccountNo</a:t>
+            </a:r>
+            <a:r>
+              <a:rPr lang="en-US" altLang="ko-KR" sz="1500" b="1" dirty="0" smtClean="0">
+                <a:solidFill>
+                  <a:schemeClr val="tx1"/>
+                </a:solidFill>
+              </a:rPr>
+              <a:t>)</a:t>
+            </a:r>
+            <a:endParaRPr lang="ko-KR" altLang="en-US" sz="1500" b="1" dirty="0">
               <a:solidFill>
                 <a:schemeClr val="tx1"/>
               </a:solidFill>
@@ -11641,6 +11879,13 @@
   <p:clrMapOvr>
     <a:masterClrMapping/>
   </p:clrMapOvr>
+  <p:timing>
+    <p:tnLst>
+      <p:par>
+        <p:cTn id="1" dur="indefinite" restart="never" nodeType="tmRoot"/>
+      </p:par>
+    </p:tnLst>
+  </p:timing>
 </p:sld>
 </file>
 
@@ -13993,11 +14238,7 @@
             </a:r>
             <a:r>
               <a:rPr lang="ko-KR" altLang="en-US" sz="2000" dirty="0" smtClean="0"/>
-              <a:t> </a:t>
-            </a:r>
-            <a:r>
-              <a:rPr lang="ko-KR" altLang="en-US" sz="2000" dirty="0" smtClean="0"/>
-              <a:t>통신</a:t>
+              <a:t> 통신</a:t>
             </a:r>
             <a:endParaRPr lang="en-US" altLang="ko-KR" sz="2000" dirty="0"/>
           </a:p>
@@ -14141,7 +14382,6 @@
               <a:rPr lang="en-US" altLang="ko-KR" sz="1200" b="1" dirty="0"/>
               <a:t>Accept Thread x 1</a:t>
             </a:r>
-            <a:endParaRPr lang="en-US" altLang="ko-KR" sz="1200" b="1" dirty="0"/>
           </a:p>
         </p:txBody>
       </p:sp>
@@ -14170,7 +14410,6 @@
               <a:rPr lang="en-US" altLang="ko-KR" sz="1200" b="1" dirty="0"/>
               <a:t>Worker Thread x N</a:t>
             </a:r>
-            <a:endParaRPr lang="en-US" altLang="ko-KR" sz="1200" b="1" dirty="0"/>
           </a:p>
         </p:txBody>
       </p:sp>
@@ -14629,15 +14868,7 @@
                   <a:schemeClr val="tx1"/>
                 </a:solidFill>
               </a:rPr>
-              <a:t>배열 </a:t>
-            </a:r>
-            <a:r>
-              <a:rPr lang="ko-KR" altLang="en-US" sz="1200" dirty="0" smtClean="0">
-                <a:solidFill>
-                  <a:schemeClr val="tx1"/>
-                </a:solidFill>
-              </a:rPr>
-              <a:t>재사용 </a:t>
+              <a:t>배열 재사용 </a:t>
             </a:r>
             <a:endParaRPr lang="en-US" altLang="ko-KR" sz="1200" dirty="0" smtClean="0">
               <a:solidFill>
@@ -15722,11 +15953,7 @@
           <a:p>
             <a:r>
               <a:rPr lang="ko-KR" altLang="en-US" sz="1200" dirty="0" smtClean="0"/>
-              <a:t>배열 </a:t>
-            </a:r>
-            <a:r>
-              <a:rPr lang="ko-KR" altLang="en-US" sz="1200" dirty="0" smtClean="0"/>
-              <a:t>재사용을 위해 </a:t>
+              <a:t>배열 재사용을 위해 </a:t>
             </a:r>
             <a:r>
               <a:rPr lang="en-US" altLang="ko-KR" sz="1200" dirty="0" smtClean="0"/>
@@ -18193,7 +18420,7 @@
         <p:spPr>
           <a:xfrm>
             <a:off x="2436610" y="1008262"/>
-            <a:ext cx="13699778" cy="2477573"/>
+            <a:ext cx="14058081" cy="2477573"/>
           </a:xfrm>
           <a:prstGeom prst="rect">
             <a:avLst/>
@@ -18392,52 +18619,38 @@
               <a:buChar char="-"/>
             </a:pPr>
             <a:r>
+              <a:rPr lang="ko-KR" altLang="en-US" sz="2000" dirty="0" smtClean="0"/>
+              <a:t>모듈 내부에 </a:t>
+            </a:r>
+            <a:r>
               <a:rPr lang="ko-KR" altLang="en-US" sz="2000" dirty="0" err="1" smtClean="0"/>
               <a:t>컨텐츠</a:t>
             </a:r>
             <a:r>
               <a:rPr lang="ko-KR" altLang="en-US" sz="2000" dirty="0" smtClean="0"/>
-              <a:t> 처리를 위한 </a:t>
+              <a:t> 처리 </a:t>
             </a:r>
             <a:r>
               <a:rPr lang="ko-KR" altLang="en-US" sz="2000" dirty="0" err="1" smtClean="0"/>
-              <a:t>스레드를</a:t>
+              <a:t>스레드와</a:t>
+            </a:r>
+            <a:r>
+              <a:rPr lang="ko-KR" altLang="en-US" sz="2000" dirty="0" smtClean="0"/>
+              <a:t> </a:t>
+            </a:r>
+            <a:r>
+              <a:rPr lang="ko-KR" altLang="en-US" sz="2000" dirty="0" err="1" smtClean="0"/>
+              <a:t>패킷</a:t>
+            </a:r>
+            <a:r>
+              <a:rPr lang="ko-KR" altLang="en-US" sz="2000" dirty="0" smtClean="0"/>
+              <a:t> 처리 기능을 포함</a:t>
             </a:r>
             <a:r>
               <a:rPr lang="en-US" altLang="ko-KR" sz="2000" dirty="0" smtClean="0"/>
-              <a:t> </a:t>
-            </a:r>
-            <a:r>
-              <a:rPr lang="ko-KR" altLang="en-US" sz="2000" dirty="0" smtClean="0"/>
-              <a:t>모듈에서 제공해</a:t>
-            </a:r>
-            <a:r>
-              <a:rPr lang="en-US" altLang="ko-KR" sz="2000" dirty="0" smtClean="0"/>
-              <a:t>,</a:t>
-            </a:r>
-            <a:r>
-              <a:rPr lang="en-US" altLang="ko-KR" sz="2000" dirty="0" smtClean="0">
-                <a:sym typeface="Wingdings" pitchFamily="2" charset="2"/>
-              </a:rPr>
-              <a:t> </a:t>
-            </a:r>
-            <a:r>
-              <a:rPr lang="ko-KR" altLang="en-US" sz="2000" dirty="0" err="1" smtClean="0"/>
-              <a:t>컨텐츠</a:t>
-            </a:r>
-            <a:r>
-              <a:rPr lang="ko-KR" altLang="en-US" sz="2000" dirty="0" smtClean="0"/>
-              <a:t> 처리 </a:t>
-            </a:r>
-            <a:r>
-              <a:rPr lang="ko-KR" altLang="en-US" sz="2000" dirty="0" err="1" smtClean="0"/>
-              <a:t>스레드를</a:t>
-            </a:r>
-            <a:r>
-              <a:rPr lang="ko-KR" altLang="en-US" sz="2000" dirty="0" smtClean="0"/>
-              <a:t> 따로 만들 필요 없음</a:t>
-            </a:r>
-            <a:endParaRPr lang="en-US" altLang="ko-KR" sz="2000" dirty="0" smtClean="0"/>
+              <a:t>.</a:t>
+            </a:r>
+            <a:endParaRPr lang="en-US" altLang="ko-KR" sz="2000" dirty="0"/>
           </a:p>
         </p:txBody>
       </p:sp>
@@ -19601,6 +19814,5175 @@
     <p:extLst>
       <p:ext uri="{BB962C8B-B14F-4D97-AF65-F5344CB8AC3E}">
         <p14:creationId xmlns:p14="http://schemas.microsoft.com/office/powerpoint/2010/main" val="322861551"/>
+      </p:ext>
+    </p:extLst>
+  </p:cSld>
+  <p:clrMapOvr>
+    <a:masterClrMapping/>
+  </p:clrMapOvr>
+  <p:timing>
+    <p:tnLst>
+      <p:par>
+        <p:cTn id="1" dur="indefinite" restart="never" nodeType="tmRoot"/>
+      </p:par>
+    </p:tnLst>
+  </p:timing>
+</p:sld>
+</file>
+
+<file path=ppt/slides/slide5.xml><?xml version="1.0" encoding="utf-8"?>
+<p:sld xmlns:a="http://schemas.openxmlformats.org/drawingml/2006/main" xmlns:r="http://schemas.openxmlformats.org/officeDocument/2006/relationships" xmlns:p="http://schemas.openxmlformats.org/presentationml/2006/main">
+  <p:cSld>
+    <p:spTree>
+      <p:nvGrpSpPr>
+        <p:cNvPr id="1" name=""/>
+        <p:cNvGrpSpPr/>
+        <p:nvPr/>
+      </p:nvGrpSpPr>
+      <p:grpSpPr>
+        <a:xfrm>
+          <a:off x="0" y="0"/>
+          <a:ext cx="0" cy="0"/>
+          <a:chOff x="0" y="0"/>
+          <a:chExt cx="0" cy="0"/>
+        </a:xfrm>
+      </p:grpSpPr>
+      <p:sp>
+        <p:nvSpPr>
+          <p:cNvPr id="4" name="TextBox 3"/>
+          <p:cNvSpPr txBox="1"/>
+          <p:nvPr/>
+        </p:nvSpPr>
+        <p:spPr>
+          <a:xfrm>
+            <a:off x="7849022" y="238268"/>
+            <a:ext cx="5750230" cy="553970"/>
+          </a:xfrm>
+          <a:prstGeom prst="rect">
+            <a:avLst/>
+          </a:prstGeom>
+          <a:noFill/>
+        </p:spPr>
+        <p:txBody>
+          <a:bodyPr wrap="none" lIns="91409" tIns="45706" rIns="91409" bIns="45706" rtlCol="0">
+            <a:spAutoFit/>
+          </a:bodyPr>
+          <a:lstStyle/>
+          <a:p>
+            <a:r>
+              <a:rPr lang="ko-KR" altLang="en-US" sz="3000" b="1" dirty="0" smtClean="0"/>
+              <a:t>라이브러리 제작 </a:t>
+            </a:r>
+            <a:r>
+              <a:rPr lang="en-US" altLang="ko-KR" sz="3000" b="1" dirty="0" smtClean="0"/>
+              <a:t>– </a:t>
+            </a:r>
+            <a:r>
+              <a:rPr lang="ko-KR" altLang="en-US" sz="3000" b="1" dirty="0" err="1" smtClean="0"/>
+              <a:t>메모리풀</a:t>
+            </a:r>
+            <a:r>
+              <a:rPr lang="ko-KR" altLang="en-US" sz="3000" b="1" dirty="0" smtClean="0"/>
+              <a:t> </a:t>
+            </a:r>
+            <a:r>
+              <a:rPr lang="en-US" altLang="ko-KR" sz="3000" b="1" dirty="0" smtClean="0"/>
+              <a:t>TLS</a:t>
+            </a:r>
+            <a:endParaRPr lang="en-US" altLang="ko-KR" sz="3000" b="1" dirty="0"/>
+          </a:p>
+        </p:txBody>
+      </p:sp>
+      <p:sp>
+        <p:nvSpPr>
+          <p:cNvPr id="5" name="TextBox 4"/>
+          <p:cNvSpPr txBox="1"/>
+          <p:nvPr/>
+        </p:nvSpPr>
+        <p:spPr>
+          <a:xfrm>
+            <a:off x="2436610" y="1008262"/>
+            <a:ext cx="5220982" cy="1400355"/>
+          </a:xfrm>
+          <a:prstGeom prst="rect">
+            <a:avLst/>
+          </a:prstGeom>
+          <a:noFill/>
+        </p:spPr>
+        <p:txBody>
+          <a:bodyPr wrap="none" lIns="91409" tIns="45706" rIns="91409" bIns="45706" rtlCol="0">
+            <a:spAutoFit/>
+          </a:bodyPr>
+          <a:lstStyle/>
+          <a:p>
+            <a:r>
+              <a:rPr lang="ko-KR" altLang="en-US" sz="2500" b="1" dirty="0" smtClean="0"/>
+              <a:t>특징</a:t>
+            </a:r>
+            <a:endParaRPr lang="en-US" altLang="ko-KR" sz="2500" b="1" dirty="0" smtClean="0"/>
+          </a:p>
+          <a:p>
+            <a:endParaRPr lang="en-US" altLang="ko-KR" sz="2000" dirty="0"/>
+          </a:p>
+          <a:p>
+            <a:pPr marL="342900" indent="-342900">
+              <a:buFontTx/>
+              <a:buChar char="-"/>
+            </a:pPr>
+            <a:r>
+              <a:rPr lang="en-US" altLang="ko-KR" sz="2000" dirty="0" smtClean="0"/>
+              <a:t>Thread</a:t>
+            </a:r>
+            <a:r>
+              <a:rPr lang="ko-KR" altLang="en-US" sz="2000" dirty="0"/>
+              <a:t> </a:t>
+            </a:r>
+            <a:r>
+              <a:rPr lang="en-US" altLang="ko-KR" sz="2000" dirty="0" smtClean="0"/>
+              <a:t>Local Storage</a:t>
+            </a:r>
+            <a:r>
+              <a:rPr lang="ko-KR" altLang="en-US" sz="2000" dirty="0" smtClean="0"/>
+              <a:t>를 이용한 </a:t>
+            </a:r>
+            <a:r>
+              <a:rPr lang="ko-KR" altLang="en-US" sz="2000" dirty="0" err="1" smtClean="0"/>
+              <a:t>메모리풀</a:t>
+            </a:r>
+            <a:endParaRPr lang="en-US" altLang="ko-KR" sz="2000" dirty="0" smtClean="0"/>
+          </a:p>
+          <a:p>
+            <a:pPr marL="342900" indent="-342900">
+              <a:buFontTx/>
+              <a:buChar char="-"/>
+            </a:pPr>
+            <a:r>
+              <a:rPr lang="en-US" altLang="ko-KR" sz="2000" dirty="0" smtClean="0"/>
+              <a:t>new / delete</a:t>
+            </a:r>
+            <a:r>
+              <a:rPr lang="ko-KR" altLang="en-US" sz="2000" dirty="0" smtClean="0"/>
+              <a:t>보다 빠른 속도</a:t>
+            </a:r>
+            <a:endParaRPr lang="en-US" altLang="ko-KR" sz="2000" dirty="0" smtClean="0"/>
+          </a:p>
+        </p:txBody>
+      </p:sp>
+      <p:sp>
+        <p:nvSpPr>
+          <p:cNvPr id="8" name="모서리가 둥근 직사각형 7"/>
+          <p:cNvSpPr/>
+          <p:nvPr/>
+        </p:nvSpPr>
+        <p:spPr>
+          <a:xfrm>
+            <a:off x="9519892" y="2408344"/>
+            <a:ext cx="8602354" cy="7744934"/>
+          </a:xfrm>
+          <a:prstGeom prst="roundRect">
+            <a:avLst>
+              <a:gd name="adj" fmla="val 2647"/>
+            </a:avLst>
+          </a:prstGeom>
+          <a:solidFill>
+            <a:schemeClr val="accent6">
+              <a:lumMod val="20000"/>
+              <a:lumOff val="80000"/>
+            </a:schemeClr>
+          </a:solidFill>
+          <a:ln w="3175">
+            <a:solidFill>
+              <a:schemeClr val="tx1"/>
+            </a:solidFill>
+          </a:ln>
+        </p:spPr>
+        <p:style>
+          <a:lnRef idx="2">
+            <a:schemeClr val="accent1">
+              <a:shade val="50000"/>
+            </a:schemeClr>
+          </a:lnRef>
+          <a:fillRef idx="1">
+            <a:schemeClr val="accent1"/>
+          </a:fillRef>
+          <a:effectRef idx="0">
+            <a:schemeClr val="accent1"/>
+          </a:effectRef>
+          <a:fontRef idx="minor">
+            <a:schemeClr val="lt1"/>
+          </a:fontRef>
+        </p:style>
+        <p:txBody>
+          <a:bodyPr lIns="91409" tIns="45706" rIns="91409" bIns="45706" rtlCol="0" anchor="ctr"/>
+          <a:lstStyle/>
+          <a:p>
+            <a:pPr algn="ctr"/>
+            <a:endParaRPr lang="ko-KR" altLang="en-US" dirty="0"/>
+          </a:p>
+        </p:txBody>
+      </p:sp>
+      <p:sp>
+        <p:nvSpPr>
+          <p:cNvPr id="7" name="TextBox 6"/>
+          <p:cNvSpPr txBox="1"/>
+          <p:nvPr/>
+        </p:nvSpPr>
+        <p:spPr>
+          <a:xfrm>
+            <a:off x="12865662" y="2480352"/>
+            <a:ext cx="2479013" cy="523192"/>
+          </a:xfrm>
+          <a:prstGeom prst="rect">
+            <a:avLst/>
+          </a:prstGeom>
+          <a:noFill/>
+        </p:spPr>
+        <p:txBody>
+          <a:bodyPr wrap="none" lIns="91409" tIns="45706" rIns="91409" bIns="45706" rtlCol="0">
+            <a:spAutoFit/>
+          </a:bodyPr>
+          <a:lstStyle/>
+          <a:p>
+            <a:pPr algn="ctr"/>
+            <a:r>
+              <a:rPr lang="en-US" altLang="ko-KR" sz="1400" b="1" dirty="0" err="1" smtClean="0"/>
+              <a:t>CMemoryPool</a:t>
+            </a:r>
+            <a:r>
+              <a:rPr lang="en-US" altLang="ko-KR" sz="1400" b="1" dirty="0" err="1" smtClean="0"/>
+              <a:t>TLS</a:t>
+            </a:r>
+            <a:r>
+              <a:rPr lang="en-US" altLang="ko-KR" sz="1400" b="1" dirty="0" smtClean="0"/>
+              <a:t> &lt;DATA&gt;</a:t>
+            </a:r>
+          </a:p>
+          <a:p>
+            <a:pPr algn="ctr"/>
+            <a:r>
+              <a:rPr lang="en-US" altLang="ko-KR" sz="1400" dirty="0" smtClean="0"/>
+              <a:t>(</a:t>
+            </a:r>
+            <a:r>
+              <a:rPr lang="ko-KR" altLang="en-US" sz="1400" dirty="0" err="1" smtClean="0"/>
+              <a:t>메모리풀</a:t>
+            </a:r>
+            <a:r>
+              <a:rPr lang="ko-KR" altLang="en-US" sz="1400" dirty="0" smtClean="0"/>
+              <a:t> </a:t>
+            </a:r>
+            <a:r>
+              <a:rPr lang="en-US" altLang="ko-KR" sz="1400" dirty="0" smtClean="0"/>
+              <a:t>TLS </a:t>
+            </a:r>
+            <a:r>
+              <a:rPr lang="ko-KR" altLang="en-US" sz="1400" dirty="0" smtClean="0"/>
+              <a:t>버전</a:t>
+            </a:r>
+            <a:r>
+              <a:rPr lang="en-US" altLang="ko-KR" sz="1400" dirty="0" smtClean="0"/>
+              <a:t>)</a:t>
+            </a:r>
+            <a:endParaRPr lang="en-US" altLang="ko-KR" sz="1400" dirty="0"/>
+          </a:p>
+        </p:txBody>
+      </p:sp>
+      <p:sp>
+        <p:nvSpPr>
+          <p:cNvPr id="15" name="원통 14"/>
+          <p:cNvSpPr/>
+          <p:nvPr/>
+        </p:nvSpPr>
+        <p:spPr>
+          <a:xfrm>
+            <a:off x="15043873" y="3251488"/>
+            <a:ext cx="1762050" cy="1274037"/>
+          </a:xfrm>
+          <a:prstGeom prst="can">
+            <a:avLst/>
+          </a:prstGeom>
+          <a:solidFill>
+            <a:schemeClr val="bg1"/>
+          </a:solidFill>
+          <a:ln w="3175">
+            <a:solidFill>
+              <a:schemeClr val="tx1"/>
+            </a:solidFill>
+          </a:ln>
+        </p:spPr>
+        <p:style>
+          <a:lnRef idx="2">
+            <a:schemeClr val="accent1">
+              <a:shade val="50000"/>
+            </a:schemeClr>
+          </a:lnRef>
+          <a:fillRef idx="1">
+            <a:schemeClr val="accent1"/>
+          </a:fillRef>
+          <a:effectRef idx="0">
+            <a:schemeClr val="accent1"/>
+          </a:effectRef>
+          <a:fontRef idx="minor">
+            <a:schemeClr val="lt1"/>
+          </a:fontRef>
+        </p:style>
+        <p:txBody>
+          <a:bodyPr lIns="91422" tIns="45711" rIns="91422" bIns="45711" rtlCol="0" anchor="ctr"/>
+          <a:lstStyle/>
+          <a:p>
+            <a:pPr algn="ctr"/>
+            <a:r>
+              <a:rPr lang="en-US" altLang="ko-KR" sz="1200" dirty="0" smtClean="0">
+                <a:solidFill>
+                  <a:schemeClr val="tx1"/>
+                </a:solidFill>
+              </a:rPr>
+              <a:t>Memory Pool</a:t>
+            </a:r>
+          </a:p>
+          <a:p>
+            <a:pPr algn="ctr"/>
+            <a:r>
+              <a:rPr lang="en-US" altLang="ko-KR" sz="1200" dirty="0" smtClean="0">
+                <a:solidFill>
+                  <a:schemeClr val="tx1"/>
+                </a:solidFill>
+              </a:rPr>
+              <a:t>(</a:t>
+            </a:r>
+            <a:r>
+              <a:rPr lang="en-US" altLang="ko-KR" sz="1200" dirty="0" err="1" smtClean="0">
+                <a:solidFill>
+                  <a:schemeClr val="tx1"/>
+                </a:solidFill>
+              </a:rPr>
+              <a:t>LockFree</a:t>
+            </a:r>
+            <a:r>
+              <a:rPr lang="en-US" altLang="ko-KR" sz="1200" dirty="0" smtClean="0">
+                <a:solidFill>
+                  <a:schemeClr val="tx1"/>
+                </a:solidFill>
+              </a:rPr>
+              <a:t> </a:t>
+            </a:r>
+            <a:r>
+              <a:rPr lang="ko-KR" altLang="en-US" sz="1200" dirty="0" smtClean="0">
+                <a:solidFill>
+                  <a:schemeClr val="tx1"/>
+                </a:solidFill>
+              </a:rPr>
+              <a:t>구조</a:t>
+            </a:r>
+            <a:r>
+              <a:rPr lang="en-US" altLang="ko-KR" sz="1200" dirty="0" smtClean="0">
+                <a:solidFill>
+                  <a:schemeClr val="tx1"/>
+                </a:solidFill>
+              </a:rPr>
+              <a:t>)</a:t>
+            </a:r>
+            <a:endParaRPr lang="ko-KR" altLang="en-US" sz="1200" dirty="0">
+              <a:solidFill>
+                <a:schemeClr val="tx1"/>
+              </a:solidFill>
+            </a:endParaRPr>
+          </a:p>
+        </p:txBody>
+      </p:sp>
+      <p:sp>
+        <p:nvSpPr>
+          <p:cNvPr id="16" name="모서리가 둥근 직사각형 15"/>
+          <p:cNvSpPr/>
+          <p:nvPr/>
+        </p:nvSpPr>
+        <p:spPr>
+          <a:xfrm>
+            <a:off x="10431718" y="8275475"/>
+            <a:ext cx="2970280" cy="550371"/>
+          </a:xfrm>
+          <a:prstGeom prst="roundRect">
+            <a:avLst/>
+          </a:prstGeom>
+          <a:solidFill>
+            <a:schemeClr val="accent4">
+              <a:lumMod val="40000"/>
+              <a:lumOff val="60000"/>
+            </a:schemeClr>
+          </a:solidFill>
+          <a:ln>
+            <a:solidFill>
+              <a:schemeClr val="bg1">
+                <a:lumMod val="75000"/>
+              </a:schemeClr>
+            </a:solidFill>
+          </a:ln>
+        </p:spPr>
+        <p:style>
+          <a:lnRef idx="2">
+            <a:schemeClr val="accent1">
+              <a:shade val="50000"/>
+            </a:schemeClr>
+          </a:lnRef>
+          <a:fillRef idx="1">
+            <a:schemeClr val="accent1"/>
+          </a:fillRef>
+          <a:effectRef idx="0">
+            <a:schemeClr val="accent1"/>
+          </a:effectRef>
+          <a:fontRef idx="minor">
+            <a:schemeClr val="lt1"/>
+          </a:fontRef>
+        </p:style>
+        <p:txBody>
+          <a:bodyPr lIns="91426" tIns="45713" rIns="91426" bIns="45713" rtlCol="0" anchor="ctr"/>
+          <a:lstStyle/>
+          <a:p>
+            <a:pPr algn="ctr"/>
+            <a:r>
+              <a:rPr lang="en-US" altLang="ko-KR" sz="1500" dirty="0" smtClean="0">
+                <a:solidFill>
+                  <a:schemeClr val="tx1"/>
+                </a:solidFill>
+              </a:rPr>
+              <a:t>DATA* </a:t>
+            </a:r>
+            <a:r>
+              <a:rPr lang="en-US" altLang="ko-KR" sz="1500" dirty="0" err="1" smtClean="0">
+                <a:solidFill>
+                  <a:schemeClr val="tx1"/>
+                </a:solidFill>
+              </a:rPr>
+              <a:t>Alloc</a:t>
+            </a:r>
+            <a:endParaRPr lang="en-US" altLang="ko-KR" sz="1500" dirty="0">
+              <a:solidFill>
+                <a:schemeClr val="tx1"/>
+              </a:solidFill>
+            </a:endParaRPr>
+          </a:p>
+        </p:txBody>
+      </p:sp>
+      <p:sp>
+        <p:nvSpPr>
+          <p:cNvPr id="17" name="모서리가 둥근 직사각형 16"/>
+          <p:cNvSpPr/>
+          <p:nvPr/>
+        </p:nvSpPr>
+        <p:spPr>
+          <a:xfrm>
+            <a:off x="2376414" y="4629032"/>
+            <a:ext cx="3533596" cy="3244388"/>
+          </a:xfrm>
+          <a:prstGeom prst="roundRect">
+            <a:avLst/>
+          </a:prstGeom>
+          <a:solidFill>
+            <a:schemeClr val="bg1">
+              <a:lumMod val="95000"/>
+            </a:schemeClr>
+          </a:solidFill>
+          <a:ln>
+            <a:solidFill>
+              <a:schemeClr val="bg1">
+                <a:lumMod val="75000"/>
+              </a:schemeClr>
+            </a:solidFill>
+          </a:ln>
+        </p:spPr>
+        <p:style>
+          <a:lnRef idx="2">
+            <a:schemeClr val="accent1">
+              <a:shade val="50000"/>
+            </a:schemeClr>
+          </a:lnRef>
+          <a:fillRef idx="1">
+            <a:schemeClr val="accent1"/>
+          </a:fillRef>
+          <a:effectRef idx="0">
+            <a:schemeClr val="accent1"/>
+          </a:effectRef>
+          <a:fontRef idx="minor">
+            <a:schemeClr val="lt1"/>
+          </a:fontRef>
+        </p:style>
+        <p:txBody>
+          <a:bodyPr lIns="91409" tIns="45706" rIns="91409" bIns="45706" rtlCol="0" anchor="ctr"/>
+          <a:lstStyle/>
+          <a:p>
+            <a:pPr algn="ctr"/>
+            <a:endParaRPr lang="ko-KR" altLang="en-US" sz="1100" b="1" dirty="0">
+              <a:solidFill>
+                <a:schemeClr val="tx1"/>
+              </a:solidFill>
+            </a:endParaRPr>
+          </a:p>
+        </p:txBody>
+      </p:sp>
+      <p:sp>
+        <p:nvSpPr>
+          <p:cNvPr id="12" name="모서리가 둥근 직사각형 11"/>
+          <p:cNvSpPr/>
+          <p:nvPr/>
+        </p:nvSpPr>
+        <p:spPr>
+          <a:xfrm>
+            <a:off x="2553832" y="4790475"/>
+            <a:ext cx="3533596" cy="3244388"/>
+          </a:xfrm>
+          <a:prstGeom prst="roundRect">
+            <a:avLst/>
+          </a:prstGeom>
+          <a:solidFill>
+            <a:schemeClr val="bg1">
+              <a:lumMod val="95000"/>
+            </a:schemeClr>
+          </a:solidFill>
+          <a:ln>
+            <a:solidFill>
+              <a:schemeClr val="bg1">
+                <a:lumMod val="75000"/>
+              </a:schemeClr>
+            </a:solidFill>
+          </a:ln>
+        </p:spPr>
+        <p:style>
+          <a:lnRef idx="2">
+            <a:schemeClr val="accent1">
+              <a:shade val="50000"/>
+            </a:schemeClr>
+          </a:lnRef>
+          <a:fillRef idx="1">
+            <a:schemeClr val="accent1"/>
+          </a:fillRef>
+          <a:effectRef idx="0">
+            <a:schemeClr val="accent1"/>
+          </a:effectRef>
+          <a:fontRef idx="minor">
+            <a:schemeClr val="lt1"/>
+          </a:fontRef>
+        </p:style>
+        <p:txBody>
+          <a:bodyPr lIns="91409" tIns="45706" rIns="91409" bIns="45706" rtlCol="0" anchor="ctr"/>
+          <a:lstStyle/>
+          <a:p>
+            <a:pPr algn="ctr"/>
+            <a:endParaRPr lang="ko-KR" altLang="en-US" sz="1100" b="1" dirty="0">
+              <a:solidFill>
+                <a:schemeClr val="tx1"/>
+              </a:solidFill>
+            </a:endParaRPr>
+          </a:p>
+        </p:txBody>
+      </p:sp>
+      <p:sp>
+        <p:nvSpPr>
+          <p:cNvPr id="13" name="TextBox 12"/>
+          <p:cNvSpPr txBox="1"/>
+          <p:nvPr/>
+        </p:nvSpPr>
+        <p:spPr>
+          <a:xfrm>
+            <a:off x="3389274" y="4960613"/>
+            <a:ext cx="1587975" cy="553970"/>
+          </a:xfrm>
+          <a:prstGeom prst="rect">
+            <a:avLst/>
+          </a:prstGeom>
+          <a:noFill/>
+        </p:spPr>
+        <p:txBody>
+          <a:bodyPr wrap="square" lIns="91409" tIns="45706" rIns="91409" bIns="45706" rtlCol="0">
+            <a:spAutoFit/>
+          </a:bodyPr>
+          <a:lstStyle/>
+          <a:p>
+            <a:r>
+              <a:rPr lang="en-US" altLang="ko-KR" sz="3000" b="1" dirty="0" smtClean="0"/>
+              <a:t>Thread</a:t>
+            </a:r>
+            <a:endParaRPr lang="en-US" altLang="ko-KR" sz="3000" b="1" dirty="0" smtClean="0"/>
+          </a:p>
+        </p:txBody>
+      </p:sp>
+      <p:sp>
+        <p:nvSpPr>
+          <p:cNvPr id="10" name="원통 9"/>
+          <p:cNvSpPr/>
+          <p:nvPr/>
+        </p:nvSpPr>
+        <p:spPr>
+          <a:xfrm>
+            <a:off x="3389274" y="6328778"/>
+            <a:ext cx="1762050" cy="1274037"/>
+          </a:xfrm>
+          <a:prstGeom prst="can">
+            <a:avLst/>
+          </a:prstGeom>
+          <a:solidFill>
+            <a:schemeClr val="bg1"/>
+          </a:solidFill>
+          <a:ln w="3175">
+            <a:solidFill>
+              <a:schemeClr val="tx1"/>
+            </a:solidFill>
+          </a:ln>
+        </p:spPr>
+        <p:style>
+          <a:lnRef idx="2">
+            <a:schemeClr val="accent1">
+              <a:shade val="50000"/>
+            </a:schemeClr>
+          </a:lnRef>
+          <a:fillRef idx="1">
+            <a:schemeClr val="accent1"/>
+          </a:fillRef>
+          <a:effectRef idx="0">
+            <a:schemeClr val="accent1"/>
+          </a:effectRef>
+          <a:fontRef idx="minor">
+            <a:schemeClr val="lt1"/>
+          </a:fontRef>
+        </p:style>
+        <p:txBody>
+          <a:bodyPr lIns="91422" tIns="45711" rIns="91422" bIns="45711" rtlCol="0" anchor="ctr"/>
+          <a:lstStyle/>
+          <a:p>
+            <a:pPr algn="ctr"/>
+            <a:r>
+              <a:rPr lang="en-US" altLang="ko-KR" sz="1200" dirty="0" smtClean="0">
+                <a:solidFill>
+                  <a:schemeClr val="tx1"/>
+                </a:solidFill>
+              </a:rPr>
+              <a:t>Thread Local Storage</a:t>
+            </a:r>
+          </a:p>
+          <a:p>
+            <a:pPr algn="ctr"/>
+            <a:r>
+              <a:rPr lang="en-US" altLang="ko-KR" sz="1200" dirty="0" smtClean="0">
+                <a:solidFill>
+                  <a:schemeClr val="tx1"/>
+                </a:solidFill>
+              </a:rPr>
+              <a:t>(Chuck </a:t>
+            </a:r>
+            <a:r>
+              <a:rPr lang="ko-KR" altLang="en-US" sz="1200" dirty="0" smtClean="0">
+                <a:solidFill>
+                  <a:schemeClr val="tx1"/>
+                </a:solidFill>
+              </a:rPr>
+              <a:t>보관</a:t>
+            </a:r>
+            <a:r>
+              <a:rPr lang="en-US" altLang="ko-KR" sz="1200" dirty="0" smtClean="0">
+                <a:solidFill>
+                  <a:schemeClr val="tx1"/>
+                </a:solidFill>
+              </a:rPr>
+              <a:t>)</a:t>
+            </a:r>
+            <a:endParaRPr lang="en-US" altLang="ko-KR" sz="1200" dirty="0">
+              <a:solidFill>
+                <a:schemeClr val="tx1"/>
+              </a:solidFill>
+            </a:endParaRPr>
+          </a:p>
+        </p:txBody>
+      </p:sp>
+      <p:sp>
+        <p:nvSpPr>
+          <p:cNvPr id="30" name="모서리가 둥근 직사각형 29"/>
+          <p:cNvSpPr/>
+          <p:nvPr/>
+        </p:nvSpPr>
+        <p:spPr>
+          <a:xfrm>
+            <a:off x="9956809" y="3034471"/>
+            <a:ext cx="3240361" cy="2027043"/>
+          </a:xfrm>
+          <a:prstGeom prst="roundRect">
+            <a:avLst>
+              <a:gd name="adj" fmla="val 4958"/>
+            </a:avLst>
+          </a:prstGeom>
+          <a:solidFill>
+            <a:schemeClr val="bg1"/>
+          </a:solidFill>
+          <a:ln w="3175">
+            <a:solidFill>
+              <a:schemeClr val="tx1"/>
+            </a:solidFill>
+          </a:ln>
+        </p:spPr>
+        <p:style>
+          <a:lnRef idx="2">
+            <a:schemeClr val="accent1">
+              <a:shade val="50000"/>
+            </a:schemeClr>
+          </a:lnRef>
+          <a:fillRef idx="1">
+            <a:schemeClr val="accent1"/>
+          </a:fillRef>
+          <a:effectRef idx="0">
+            <a:schemeClr val="accent1"/>
+          </a:effectRef>
+          <a:fontRef idx="minor">
+            <a:schemeClr val="lt1"/>
+          </a:fontRef>
+        </p:style>
+        <p:txBody>
+          <a:bodyPr lIns="91426" tIns="45713" rIns="91426" bIns="45713" rtlCol="0" anchor="ctr"/>
+          <a:lstStyle/>
+          <a:p>
+            <a:pPr algn="ctr"/>
+            <a:endParaRPr lang="ko-KR" altLang="en-US" dirty="0"/>
+          </a:p>
+        </p:txBody>
+      </p:sp>
+      <p:sp>
+        <p:nvSpPr>
+          <p:cNvPr id="31" name="TextBox 30"/>
+          <p:cNvSpPr txBox="1"/>
+          <p:nvPr/>
+        </p:nvSpPr>
+        <p:spPr>
+          <a:xfrm>
+            <a:off x="10941429" y="3092487"/>
+            <a:ext cx="1101556" cy="461651"/>
+          </a:xfrm>
+          <a:prstGeom prst="rect">
+            <a:avLst/>
+          </a:prstGeom>
+          <a:noFill/>
+        </p:spPr>
+        <p:txBody>
+          <a:bodyPr wrap="none" lIns="91426" tIns="45713" rIns="91426" bIns="45713" rtlCol="0">
+            <a:spAutoFit/>
+          </a:bodyPr>
+          <a:lstStyle/>
+          <a:p>
+            <a:pPr algn="ctr"/>
+            <a:r>
+              <a:rPr lang="en-US" altLang="ko-KR" sz="1200" dirty="0" err="1" smtClean="0"/>
+              <a:t>stChuck</a:t>
+            </a:r>
+            <a:endParaRPr lang="en-US" altLang="ko-KR" sz="1200" dirty="0" smtClean="0"/>
+          </a:p>
+          <a:p>
+            <a:pPr algn="ctr"/>
+            <a:r>
+              <a:rPr lang="en-US" altLang="ko-KR" sz="1200" dirty="0" smtClean="0"/>
+              <a:t>(</a:t>
+            </a:r>
+            <a:r>
+              <a:rPr lang="ko-KR" altLang="en-US" sz="1200" dirty="0" err="1" smtClean="0"/>
+              <a:t>노드의</a:t>
+            </a:r>
+            <a:r>
+              <a:rPr lang="ko-KR" altLang="en-US" sz="1200" dirty="0" smtClean="0"/>
+              <a:t> 집합</a:t>
+            </a:r>
+            <a:r>
+              <a:rPr lang="en-US" altLang="ko-KR" sz="1200" dirty="0" smtClean="0"/>
+              <a:t>)</a:t>
+            </a:r>
+            <a:endParaRPr lang="en-US" altLang="ko-KR" sz="1200" dirty="0"/>
+          </a:p>
+        </p:txBody>
+      </p:sp>
+      <p:sp>
+        <p:nvSpPr>
+          <p:cNvPr id="32" name="모서리가 둥근 직사각형 31"/>
+          <p:cNvSpPr/>
+          <p:nvPr/>
+        </p:nvSpPr>
+        <p:spPr>
+          <a:xfrm>
+            <a:off x="10330049" y="3621354"/>
+            <a:ext cx="2448272" cy="1057855"/>
+          </a:xfrm>
+          <a:prstGeom prst="roundRect">
+            <a:avLst>
+              <a:gd name="adj" fmla="val 4958"/>
+            </a:avLst>
+          </a:prstGeom>
+          <a:solidFill>
+            <a:schemeClr val="bg1"/>
+          </a:solidFill>
+          <a:ln w="3175">
+            <a:solidFill>
+              <a:schemeClr val="tx1"/>
+            </a:solidFill>
+          </a:ln>
+        </p:spPr>
+        <p:style>
+          <a:lnRef idx="2">
+            <a:schemeClr val="accent1">
+              <a:shade val="50000"/>
+            </a:schemeClr>
+          </a:lnRef>
+          <a:fillRef idx="1">
+            <a:schemeClr val="accent1"/>
+          </a:fillRef>
+          <a:effectRef idx="0">
+            <a:schemeClr val="accent1"/>
+          </a:effectRef>
+          <a:fontRef idx="minor">
+            <a:schemeClr val="lt1"/>
+          </a:fontRef>
+        </p:style>
+        <p:txBody>
+          <a:bodyPr lIns="91426" tIns="45713" rIns="91426" bIns="45713" rtlCol="0" anchor="ctr"/>
+          <a:lstStyle/>
+          <a:p>
+            <a:pPr algn="ctr"/>
+            <a:r>
+              <a:rPr lang="en-US" altLang="ko-KR" b="1" dirty="0" smtClean="0">
+                <a:solidFill>
+                  <a:schemeClr val="tx1"/>
+                </a:solidFill>
+              </a:rPr>
+              <a:t>Node</a:t>
+            </a:r>
+            <a:endParaRPr lang="ko-KR" altLang="en-US" b="1" dirty="0">
+              <a:solidFill>
+                <a:schemeClr val="tx1"/>
+              </a:solidFill>
+            </a:endParaRPr>
+          </a:p>
+        </p:txBody>
+      </p:sp>
+      <p:sp>
+        <p:nvSpPr>
+          <p:cNvPr id="33" name="모서리가 둥근 직사각형 32"/>
+          <p:cNvSpPr/>
+          <p:nvPr/>
+        </p:nvSpPr>
+        <p:spPr>
+          <a:xfrm>
+            <a:off x="10417324" y="3736449"/>
+            <a:ext cx="2448272" cy="1057855"/>
+          </a:xfrm>
+          <a:prstGeom prst="roundRect">
+            <a:avLst>
+              <a:gd name="adj" fmla="val 4958"/>
+            </a:avLst>
+          </a:prstGeom>
+          <a:solidFill>
+            <a:schemeClr val="bg1"/>
+          </a:solidFill>
+          <a:ln w="3175">
+            <a:solidFill>
+              <a:schemeClr val="tx1"/>
+            </a:solidFill>
+          </a:ln>
+        </p:spPr>
+        <p:style>
+          <a:lnRef idx="2">
+            <a:schemeClr val="accent1">
+              <a:shade val="50000"/>
+            </a:schemeClr>
+          </a:lnRef>
+          <a:fillRef idx="1">
+            <a:schemeClr val="accent1"/>
+          </a:fillRef>
+          <a:effectRef idx="0">
+            <a:schemeClr val="accent1"/>
+          </a:effectRef>
+          <a:fontRef idx="minor">
+            <a:schemeClr val="lt1"/>
+          </a:fontRef>
+        </p:style>
+        <p:txBody>
+          <a:bodyPr lIns="91426" tIns="45713" rIns="91426" bIns="45713" rtlCol="0" anchor="ctr"/>
+          <a:lstStyle/>
+          <a:p>
+            <a:pPr algn="ctr"/>
+            <a:r>
+              <a:rPr lang="en-US" altLang="ko-KR" b="1" dirty="0" smtClean="0">
+                <a:solidFill>
+                  <a:schemeClr val="tx1"/>
+                </a:solidFill>
+              </a:rPr>
+              <a:t>Node</a:t>
+            </a:r>
+            <a:endParaRPr lang="ko-KR" altLang="en-US" b="1" dirty="0">
+              <a:solidFill>
+                <a:schemeClr val="tx1"/>
+              </a:solidFill>
+            </a:endParaRPr>
+          </a:p>
+        </p:txBody>
+      </p:sp>
+      <p:sp>
+        <p:nvSpPr>
+          <p:cNvPr id="37" name="모서리가 둥근 직사각형 36"/>
+          <p:cNvSpPr/>
+          <p:nvPr/>
+        </p:nvSpPr>
+        <p:spPr>
+          <a:xfrm>
+            <a:off x="10431718" y="7211401"/>
+            <a:ext cx="2970280" cy="550371"/>
+          </a:xfrm>
+          <a:prstGeom prst="roundRect">
+            <a:avLst/>
+          </a:prstGeom>
+          <a:solidFill>
+            <a:schemeClr val="accent4">
+              <a:lumMod val="40000"/>
+              <a:lumOff val="60000"/>
+            </a:schemeClr>
+          </a:solidFill>
+          <a:ln>
+            <a:solidFill>
+              <a:schemeClr val="bg1">
+                <a:lumMod val="75000"/>
+              </a:schemeClr>
+            </a:solidFill>
+          </a:ln>
+        </p:spPr>
+        <p:style>
+          <a:lnRef idx="2">
+            <a:schemeClr val="accent1">
+              <a:shade val="50000"/>
+            </a:schemeClr>
+          </a:lnRef>
+          <a:fillRef idx="1">
+            <a:schemeClr val="accent1"/>
+          </a:fillRef>
+          <a:effectRef idx="0">
+            <a:schemeClr val="accent1"/>
+          </a:effectRef>
+          <a:fontRef idx="minor">
+            <a:schemeClr val="lt1"/>
+          </a:fontRef>
+        </p:style>
+        <p:txBody>
+          <a:bodyPr lIns="91426" tIns="45713" rIns="91426" bIns="45713" rtlCol="0" anchor="ctr"/>
+          <a:lstStyle/>
+          <a:p>
+            <a:pPr algn="ctr"/>
+            <a:r>
+              <a:rPr lang="en-US" altLang="ko-KR" sz="1500" dirty="0" smtClean="0">
+                <a:solidFill>
+                  <a:schemeClr val="tx1"/>
+                </a:solidFill>
+              </a:rPr>
+              <a:t>Void Free(Data* data)</a:t>
+            </a:r>
+            <a:endParaRPr lang="en-US" altLang="ko-KR" sz="1500" dirty="0">
+              <a:solidFill>
+                <a:schemeClr val="tx1"/>
+              </a:solidFill>
+            </a:endParaRPr>
+          </a:p>
+        </p:txBody>
+      </p:sp>
+      <p:sp>
+        <p:nvSpPr>
+          <p:cNvPr id="44" name="모서리가 둥근 사각형 설명선 43"/>
+          <p:cNvSpPr/>
+          <p:nvPr/>
+        </p:nvSpPr>
+        <p:spPr>
+          <a:xfrm>
+            <a:off x="16610078" y="2022069"/>
+            <a:ext cx="2176001" cy="692215"/>
+          </a:xfrm>
+          <a:prstGeom prst="wedgeRoundRectCallout">
+            <a:avLst>
+              <a:gd name="adj1" fmla="val -60735"/>
+              <a:gd name="adj2" fmla="val 106289"/>
+              <a:gd name="adj3" fmla="val 16667"/>
+            </a:avLst>
+          </a:prstGeom>
+          <a:solidFill>
+            <a:schemeClr val="bg1"/>
+          </a:solidFill>
+          <a:ln w="3175">
+            <a:solidFill>
+              <a:schemeClr val="tx1"/>
+            </a:solidFill>
+          </a:ln>
+        </p:spPr>
+        <p:style>
+          <a:lnRef idx="2">
+            <a:schemeClr val="accent1">
+              <a:shade val="50000"/>
+            </a:schemeClr>
+          </a:lnRef>
+          <a:fillRef idx="1">
+            <a:schemeClr val="accent1"/>
+          </a:fillRef>
+          <a:effectRef idx="0">
+            <a:schemeClr val="accent1"/>
+          </a:effectRef>
+          <a:fontRef idx="minor">
+            <a:schemeClr val="lt1"/>
+          </a:fontRef>
+        </p:style>
+        <p:txBody>
+          <a:bodyPr lIns="91422" tIns="45711" rIns="91422" bIns="45711" rtlCol="0" anchor="ctr"/>
+          <a:lstStyle/>
+          <a:p>
+            <a:r>
+              <a:rPr lang="en-US" altLang="ko-KR" sz="1200" dirty="0" smtClean="0">
+                <a:solidFill>
+                  <a:schemeClr val="tx1"/>
+                </a:solidFill>
+              </a:rPr>
+              <a:t>Chunk</a:t>
+            </a:r>
+            <a:r>
+              <a:rPr lang="ko-KR" altLang="en-US" sz="1200" dirty="0" smtClean="0">
+                <a:solidFill>
+                  <a:schemeClr val="tx1"/>
+                </a:solidFill>
+              </a:rPr>
+              <a:t>를 다루는 </a:t>
+            </a:r>
+            <a:r>
+              <a:rPr lang="ko-KR" altLang="en-US" sz="1200" dirty="0" err="1" smtClean="0">
+                <a:solidFill>
+                  <a:schemeClr val="tx1"/>
+                </a:solidFill>
+              </a:rPr>
+              <a:t>메모리풀</a:t>
+            </a:r>
+            <a:endParaRPr lang="en-US" altLang="ko-KR" sz="1200" dirty="0" smtClean="0">
+              <a:solidFill>
+                <a:schemeClr val="tx1"/>
+              </a:solidFill>
+            </a:endParaRPr>
+          </a:p>
+        </p:txBody>
+      </p:sp>
+      <p:sp>
+        <p:nvSpPr>
+          <p:cNvPr id="45" name="모서리가 둥근 사각형 설명선 44"/>
+          <p:cNvSpPr/>
+          <p:nvPr/>
+        </p:nvSpPr>
+        <p:spPr>
+          <a:xfrm>
+            <a:off x="9678117" y="5501883"/>
+            <a:ext cx="3303029" cy="504174"/>
+          </a:xfrm>
+          <a:prstGeom prst="wedgeRoundRectCallout">
+            <a:avLst>
+              <a:gd name="adj1" fmla="val -13299"/>
+              <a:gd name="adj2" fmla="val -116727"/>
+              <a:gd name="adj3" fmla="val 16667"/>
+            </a:avLst>
+          </a:prstGeom>
+          <a:solidFill>
+            <a:schemeClr val="bg1"/>
+          </a:solidFill>
+          <a:ln w="3175">
+            <a:solidFill>
+              <a:schemeClr val="tx1"/>
+            </a:solidFill>
+          </a:ln>
+        </p:spPr>
+        <p:style>
+          <a:lnRef idx="2">
+            <a:schemeClr val="accent1">
+              <a:shade val="50000"/>
+            </a:schemeClr>
+          </a:lnRef>
+          <a:fillRef idx="1">
+            <a:schemeClr val="accent1"/>
+          </a:fillRef>
+          <a:effectRef idx="0">
+            <a:schemeClr val="accent1"/>
+          </a:effectRef>
+          <a:fontRef idx="minor">
+            <a:schemeClr val="lt1"/>
+          </a:fontRef>
+        </p:style>
+        <p:txBody>
+          <a:bodyPr lIns="91422" tIns="45711" rIns="91422" bIns="45711" rtlCol="0" anchor="ctr"/>
+          <a:lstStyle/>
+          <a:p>
+            <a:r>
+              <a:rPr lang="en-US" altLang="ko-KR" sz="1200" b="1" dirty="0" smtClean="0">
+                <a:solidFill>
+                  <a:schemeClr val="tx1"/>
+                </a:solidFill>
+              </a:rPr>
+              <a:t>Chunk : </a:t>
+            </a:r>
+            <a:r>
+              <a:rPr lang="en-US" altLang="ko-KR" sz="1200" dirty="0" smtClean="0">
+                <a:solidFill>
+                  <a:schemeClr val="tx1"/>
+                </a:solidFill>
+              </a:rPr>
+              <a:t>N</a:t>
+            </a:r>
+            <a:r>
+              <a:rPr lang="ko-KR" altLang="en-US" sz="1200" dirty="0" smtClean="0">
+                <a:solidFill>
+                  <a:schemeClr val="tx1"/>
+                </a:solidFill>
+              </a:rPr>
+              <a:t>개의 </a:t>
+            </a:r>
+            <a:r>
+              <a:rPr lang="en-US" altLang="ko-KR" sz="1200" dirty="0" smtClean="0">
+                <a:solidFill>
+                  <a:schemeClr val="tx1"/>
+                </a:solidFill>
+              </a:rPr>
+              <a:t>Node</a:t>
+            </a:r>
+            <a:r>
+              <a:rPr lang="ko-KR" altLang="en-US" sz="1200" dirty="0" smtClean="0">
+                <a:solidFill>
+                  <a:schemeClr val="tx1"/>
+                </a:solidFill>
+              </a:rPr>
+              <a:t>로 이루어진 집합</a:t>
+            </a:r>
+            <a:endParaRPr lang="en-US" altLang="ko-KR" sz="1200" dirty="0" smtClean="0">
+              <a:solidFill>
+                <a:schemeClr val="tx1"/>
+              </a:solidFill>
+            </a:endParaRPr>
+          </a:p>
+        </p:txBody>
+      </p:sp>
+      <p:sp>
+        <p:nvSpPr>
+          <p:cNvPr id="46" name="모서리가 둥근 사각형 설명선 45"/>
+          <p:cNvSpPr/>
+          <p:nvPr/>
+        </p:nvSpPr>
+        <p:spPr>
+          <a:xfrm>
+            <a:off x="13368764" y="9234912"/>
+            <a:ext cx="3741133" cy="844402"/>
+          </a:xfrm>
+          <a:prstGeom prst="wedgeRoundRectCallout">
+            <a:avLst>
+              <a:gd name="adj1" fmla="val -51139"/>
+              <a:gd name="adj2" fmla="val -89596"/>
+              <a:gd name="adj3" fmla="val 16667"/>
+            </a:avLst>
+          </a:prstGeom>
+          <a:solidFill>
+            <a:schemeClr val="bg1"/>
+          </a:solidFill>
+          <a:ln w="3175">
+            <a:solidFill>
+              <a:schemeClr val="tx1"/>
+            </a:solidFill>
+          </a:ln>
+        </p:spPr>
+        <p:style>
+          <a:lnRef idx="2">
+            <a:schemeClr val="accent1">
+              <a:shade val="50000"/>
+            </a:schemeClr>
+          </a:lnRef>
+          <a:fillRef idx="1">
+            <a:schemeClr val="accent1"/>
+          </a:fillRef>
+          <a:effectRef idx="0">
+            <a:schemeClr val="accent1"/>
+          </a:effectRef>
+          <a:fontRef idx="minor">
+            <a:schemeClr val="lt1"/>
+          </a:fontRef>
+        </p:style>
+        <p:txBody>
+          <a:bodyPr lIns="91422" tIns="45711" rIns="91422" bIns="45711" rtlCol="0" anchor="ctr"/>
+          <a:lstStyle/>
+          <a:p>
+            <a:r>
+              <a:rPr lang="en-US" altLang="ko-KR" sz="1200" dirty="0" smtClean="0">
+                <a:solidFill>
+                  <a:schemeClr val="tx1"/>
+                </a:solidFill>
+              </a:rPr>
+              <a:t>TLS</a:t>
+            </a:r>
+            <a:r>
+              <a:rPr lang="ko-KR" altLang="en-US" sz="1200" dirty="0" smtClean="0">
+                <a:solidFill>
+                  <a:schemeClr val="tx1"/>
+                </a:solidFill>
+              </a:rPr>
+              <a:t>의 </a:t>
+            </a:r>
+            <a:r>
+              <a:rPr lang="en-US" altLang="ko-KR" sz="1200" dirty="0" smtClean="0">
+                <a:solidFill>
+                  <a:schemeClr val="tx1"/>
+                </a:solidFill>
+              </a:rPr>
+              <a:t>Chuck</a:t>
+            </a:r>
+            <a:r>
+              <a:rPr lang="ko-KR" altLang="en-US" sz="1200" dirty="0">
+                <a:solidFill>
+                  <a:schemeClr val="tx1"/>
+                </a:solidFill>
+              </a:rPr>
+              <a:t> </a:t>
+            </a:r>
+            <a:r>
+              <a:rPr lang="ko-KR" altLang="en-US" sz="1200" dirty="0" smtClean="0">
+                <a:solidFill>
+                  <a:schemeClr val="tx1"/>
+                </a:solidFill>
+              </a:rPr>
+              <a:t>확인 후 </a:t>
+            </a:r>
+            <a:r>
+              <a:rPr lang="en-US" altLang="ko-KR" sz="1200" dirty="0" smtClean="0">
+                <a:solidFill>
+                  <a:schemeClr val="tx1"/>
+                </a:solidFill>
+              </a:rPr>
+              <a:t>Node </a:t>
+            </a:r>
+            <a:r>
+              <a:rPr lang="ko-KR" altLang="en-US" sz="1200" dirty="0" smtClean="0">
+                <a:solidFill>
+                  <a:schemeClr val="tx1"/>
+                </a:solidFill>
+              </a:rPr>
+              <a:t>반환</a:t>
+            </a:r>
+            <a:endParaRPr lang="en-US" altLang="ko-KR" sz="1200" dirty="0" smtClean="0">
+              <a:solidFill>
+                <a:schemeClr val="tx1"/>
+              </a:solidFill>
+            </a:endParaRPr>
+          </a:p>
+          <a:p>
+            <a:r>
+              <a:rPr lang="en-US" altLang="ko-KR" sz="1200" dirty="0" smtClean="0">
+                <a:solidFill>
+                  <a:schemeClr val="tx1"/>
+                </a:solidFill>
+              </a:rPr>
+              <a:t>Chuck</a:t>
+            </a:r>
+            <a:r>
+              <a:rPr lang="ko-KR" altLang="en-US" sz="1200" dirty="0" smtClean="0">
+                <a:solidFill>
+                  <a:schemeClr val="tx1"/>
+                </a:solidFill>
+              </a:rPr>
+              <a:t>가 없다면</a:t>
+            </a:r>
+            <a:r>
+              <a:rPr lang="en-US" altLang="ko-KR" sz="1200" dirty="0" smtClean="0">
+                <a:solidFill>
+                  <a:schemeClr val="tx1"/>
+                </a:solidFill>
+              </a:rPr>
+              <a:t>, Memory Pool</a:t>
+            </a:r>
+            <a:r>
+              <a:rPr lang="ko-KR" altLang="en-US" sz="1200" dirty="0" smtClean="0">
+                <a:solidFill>
+                  <a:schemeClr val="tx1"/>
+                </a:solidFill>
+              </a:rPr>
+              <a:t>에서 </a:t>
+            </a:r>
+            <a:r>
+              <a:rPr lang="en-US" altLang="ko-KR" sz="1200" dirty="0" smtClean="0">
+                <a:solidFill>
+                  <a:schemeClr val="tx1"/>
+                </a:solidFill>
+              </a:rPr>
+              <a:t>Chuck </a:t>
+            </a:r>
+            <a:r>
+              <a:rPr lang="en-US" altLang="ko-KR" sz="1200" dirty="0" err="1" smtClean="0">
+                <a:solidFill>
+                  <a:schemeClr val="tx1"/>
+                </a:solidFill>
+              </a:rPr>
+              <a:t>Alloc</a:t>
+            </a:r>
+            <a:r>
+              <a:rPr lang="en-US" altLang="ko-KR" sz="1200" dirty="0" smtClean="0">
+                <a:solidFill>
+                  <a:schemeClr val="tx1"/>
+                </a:solidFill>
+              </a:rPr>
+              <a:t>.</a:t>
+            </a:r>
+            <a:endParaRPr lang="en-US" altLang="ko-KR" sz="1200" dirty="0" smtClean="0">
+              <a:solidFill>
+                <a:schemeClr val="tx1"/>
+              </a:solidFill>
+            </a:endParaRPr>
+          </a:p>
+        </p:txBody>
+      </p:sp>
+      <p:sp>
+        <p:nvSpPr>
+          <p:cNvPr id="47" name="모서리가 둥근 사각형 설명선 46"/>
+          <p:cNvSpPr/>
+          <p:nvPr/>
+        </p:nvSpPr>
+        <p:spPr>
+          <a:xfrm>
+            <a:off x="12981146" y="6130815"/>
+            <a:ext cx="2448272" cy="643262"/>
+          </a:xfrm>
+          <a:prstGeom prst="wedgeRoundRectCallout">
+            <a:avLst>
+              <a:gd name="adj1" fmla="val -47809"/>
+              <a:gd name="adj2" fmla="val 101906"/>
+              <a:gd name="adj3" fmla="val 16667"/>
+            </a:avLst>
+          </a:prstGeom>
+          <a:solidFill>
+            <a:schemeClr val="bg1"/>
+          </a:solidFill>
+          <a:ln w="3175">
+            <a:solidFill>
+              <a:schemeClr val="tx1"/>
+            </a:solidFill>
+          </a:ln>
+        </p:spPr>
+        <p:style>
+          <a:lnRef idx="2">
+            <a:schemeClr val="accent1">
+              <a:shade val="50000"/>
+            </a:schemeClr>
+          </a:lnRef>
+          <a:fillRef idx="1">
+            <a:schemeClr val="accent1"/>
+          </a:fillRef>
+          <a:effectRef idx="0">
+            <a:schemeClr val="accent1"/>
+          </a:effectRef>
+          <a:fontRef idx="minor">
+            <a:schemeClr val="lt1"/>
+          </a:fontRef>
+        </p:style>
+        <p:txBody>
+          <a:bodyPr lIns="91422" tIns="45711" rIns="91422" bIns="45711" rtlCol="0" anchor="ctr"/>
+          <a:lstStyle/>
+          <a:p>
+            <a:r>
+              <a:rPr lang="en-US" altLang="ko-KR" sz="1200" dirty="0" smtClean="0">
+                <a:solidFill>
+                  <a:schemeClr val="tx1"/>
+                </a:solidFill>
+              </a:rPr>
+              <a:t>Memory Pool</a:t>
+            </a:r>
+            <a:r>
+              <a:rPr lang="ko-KR" altLang="en-US" sz="1200" dirty="0" smtClean="0">
+                <a:solidFill>
+                  <a:schemeClr val="tx1"/>
+                </a:solidFill>
+              </a:rPr>
+              <a:t>에 </a:t>
+            </a:r>
+            <a:r>
+              <a:rPr lang="en-US" altLang="ko-KR" sz="1200" dirty="0" smtClean="0">
+                <a:solidFill>
+                  <a:schemeClr val="tx1"/>
+                </a:solidFill>
+              </a:rPr>
+              <a:t>Chuck </a:t>
+            </a:r>
+            <a:r>
+              <a:rPr lang="ko-KR" altLang="en-US" sz="1200" dirty="0" smtClean="0">
+                <a:solidFill>
+                  <a:schemeClr val="tx1"/>
+                </a:solidFill>
+              </a:rPr>
+              <a:t>반환</a:t>
+            </a:r>
+            <a:endParaRPr lang="en-US" altLang="ko-KR" sz="1200" dirty="0" smtClean="0">
+              <a:solidFill>
+                <a:schemeClr val="tx1"/>
+              </a:solidFill>
+            </a:endParaRPr>
+          </a:p>
+        </p:txBody>
+      </p:sp>
+      <p:cxnSp>
+        <p:nvCxnSpPr>
+          <p:cNvPr id="50" name="꺾인 연결선 49"/>
+          <p:cNvCxnSpPr/>
+          <p:nvPr/>
+        </p:nvCxnSpPr>
+        <p:spPr>
+          <a:xfrm>
+            <a:off x="6082224" y="5930068"/>
+            <a:ext cx="4349494" cy="1556519"/>
+          </a:xfrm>
+          <a:prstGeom prst="bentConnector3">
+            <a:avLst>
+              <a:gd name="adj1" fmla="val 50000"/>
+            </a:avLst>
+          </a:prstGeom>
+          <a:ln w="28575">
+            <a:solidFill>
+              <a:schemeClr val="tx1"/>
+            </a:solidFill>
+            <a:tailEnd type="arrow"/>
+          </a:ln>
+        </p:spPr>
+        <p:style>
+          <a:lnRef idx="1">
+            <a:schemeClr val="accent1"/>
+          </a:lnRef>
+          <a:fillRef idx="0">
+            <a:schemeClr val="accent1"/>
+          </a:fillRef>
+          <a:effectRef idx="0">
+            <a:schemeClr val="accent1"/>
+          </a:effectRef>
+          <a:fontRef idx="minor">
+            <a:schemeClr val="tx1"/>
+          </a:fontRef>
+        </p:style>
+      </p:cxnSp>
+      <p:cxnSp>
+        <p:nvCxnSpPr>
+          <p:cNvPr id="53" name="꺾인 연결선 52"/>
+          <p:cNvCxnSpPr/>
+          <p:nvPr/>
+        </p:nvCxnSpPr>
+        <p:spPr>
+          <a:xfrm>
+            <a:off x="6087428" y="7022575"/>
+            <a:ext cx="4349494" cy="1528086"/>
+          </a:xfrm>
+          <a:prstGeom prst="bentConnector3">
+            <a:avLst>
+              <a:gd name="adj1" fmla="val 41240"/>
+            </a:avLst>
+          </a:prstGeom>
+          <a:ln w="28575">
+            <a:solidFill>
+              <a:schemeClr val="tx1"/>
+            </a:solidFill>
+            <a:tailEnd type="arrow"/>
+          </a:ln>
+        </p:spPr>
+        <p:style>
+          <a:lnRef idx="1">
+            <a:schemeClr val="accent1"/>
+          </a:lnRef>
+          <a:fillRef idx="0">
+            <a:schemeClr val="accent1"/>
+          </a:fillRef>
+          <a:effectRef idx="0">
+            <a:schemeClr val="accent1"/>
+          </a:effectRef>
+          <a:fontRef idx="minor">
+            <a:schemeClr val="tx1"/>
+          </a:fontRef>
+        </p:style>
+      </p:cxnSp>
+      <p:cxnSp>
+        <p:nvCxnSpPr>
+          <p:cNvPr id="58" name="꺾인 연결선 57"/>
+          <p:cNvCxnSpPr>
+            <a:stCxn id="16" idx="2"/>
+            <a:endCxn id="10" idx="3"/>
+          </p:cNvCxnSpPr>
+          <p:nvPr/>
+        </p:nvCxnSpPr>
+        <p:spPr>
+          <a:xfrm rot="5400000" flipH="1">
+            <a:off x="7482063" y="4391052"/>
+            <a:ext cx="1223031" cy="7646559"/>
+          </a:xfrm>
+          <a:prstGeom prst="bentConnector3">
+            <a:avLst>
+              <a:gd name="adj1" fmla="val -57631"/>
+            </a:avLst>
+          </a:prstGeom>
+          <a:ln w="28575">
+            <a:solidFill>
+              <a:schemeClr val="tx1"/>
+            </a:solidFill>
+            <a:tailEnd type="arrow"/>
+          </a:ln>
+        </p:spPr>
+        <p:style>
+          <a:lnRef idx="1">
+            <a:schemeClr val="accent1"/>
+          </a:lnRef>
+          <a:fillRef idx="0">
+            <a:schemeClr val="accent1"/>
+          </a:fillRef>
+          <a:effectRef idx="0">
+            <a:schemeClr val="accent1"/>
+          </a:effectRef>
+          <a:fontRef idx="minor">
+            <a:schemeClr val="tx1"/>
+          </a:fontRef>
+        </p:style>
+      </p:cxnSp>
+      <p:cxnSp>
+        <p:nvCxnSpPr>
+          <p:cNvPr id="62" name="꺾인 연결선 61"/>
+          <p:cNvCxnSpPr>
+            <a:stCxn id="37" idx="3"/>
+            <a:endCxn id="15" idx="3"/>
+          </p:cNvCxnSpPr>
+          <p:nvPr/>
+        </p:nvCxnSpPr>
+        <p:spPr>
+          <a:xfrm flipV="1">
+            <a:off x="13401998" y="4525525"/>
+            <a:ext cx="2522900" cy="2961062"/>
+          </a:xfrm>
+          <a:prstGeom prst="bentConnector2">
+            <a:avLst/>
+          </a:prstGeom>
+          <a:ln w="28575">
+            <a:solidFill>
+              <a:schemeClr val="tx1"/>
+            </a:solidFill>
+            <a:tailEnd type="arrow"/>
+          </a:ln>
+        </p:spPr>
+        <p:style>
+          <a:lnRef idx="1">
+            <a:schemeClr val="accent1"/>
+          </a:lnRef>
+          <a:fillRef idx="0">
+            <a:schemeClr val="accent1"/>
+          </a:fillRef>
+          <a:effectRef idx="0">
+            <a:schemeClr val="accent1"/>
+          </a:effectRef>
+          <a:fontRef idx="minor">
+            <a:schemeClr val="tx1"/>
+          </a:fontRef>
+        </p:style>
+      </p:cxnSp>
+      <p:cxnSp>
+        <p:nvCxnSpPr>
+          <p:cNvPr id="65" name="꺾인 연결선 64"/>
+          <p:cNvCxnSpPr>
+            <a:endCxn id="16" idx="3"/>
+          </p:cNvCxnSpPr>
+          <p:nvPr/>
+        </p:nvCxnSpPr>
+        <p:spPr>
+          <a:xfrm rot="5400000">
+            <a:off x="12842111" y="5085412"/>
+            <a:ext cx="4025136" cy="2905362"/>
+          </a:xfrm>
+          <a:prstGeom prst="bentConnector2">
+            <a:avLst/>
+          </a:prstGeom>
+          <a:ln w="28575">
+            <a:solidFill>
+              <a:schemeClr val="tx1"/>
+            </a:solidFill>
+            <a:tailEnd type="arrow"/>
+          </a:ln>
+        </p:spPr>
+        <p:style>
+          <a:lnRef idx="1">
+            <a:schemeClr val="accent1"/>
+          </a:lnRef>
+          <a:fillRef idx="0">
+            <a:schemeClr val="accent1"/>
+          </a:fillRef>
+          <a:effectRef idx="0">
+            <a:schemeClr val="accent1"/>
+          </a:effectRef>
+          <a:fontRef idx="minor">
+            <a:schemeClr val="tx1"/>
+          </a:fontRef>
+        </p:style>
+      </p:cxnSp>
+      <p:sp>
+        <p:nvSpPr>
+          <p:cNvPr id="72" name="직사각형 71"/>
+          <p:cNvSpPr/>
+          <p:nvPr/>
+        </p:nvSpPr>
+        <p:spPr>
+          <a:xfrm>
+            <a:off x="2436609" y="10441310"/>
+            <a:ext cx="14369313" cy="2123658"/>
+          </a:xfrm>
+          <a:prstGeom prst="rect">
+            <a:avLst/>
+          </a:prstGeom>
+        </p:spPr>
+        <p:txBody>
+          <a:bodyPr wrap="square">
+            <a:spAutoFit/>
+          </a:bodyPr>
+          <a:lstStyle/>
+          <a:p>
+            <a:pPr marL="342900" indent="-342900">
+              <a:buFontTx/>
+              <a:buChar char="-"/>
+            </a:pPr>
+            <a:endParaRPr lang="en-US" altLang="ko-KR" sz="1800" dirty="0"/>
+          </a:p>
+          <a:p>
+            <a:endParaRPr lang="en-US" altLang="ko-KR" sz="1800" dirty="0"/>
+          </a:p>
+          <a:p>
+            <a:r>
+              <a:rPr lang="en-US" altLang="ko-KR" sz="2400" b="1" dirty="0" smtClean="0"/>
+              <a:t>New/Delete</a:t>
+            </a:r>
+            <a:r>
+              <a:rPr lang="ko-KR" altLang="en-US" sz="2400" b="1" dirty="0" smtClean="0"/>
+              <a:t>와 비교 </a:t>
+            </a:r>
+            <a:r>
+              <a:rPr lang="ko-KR" altLang="en-US" sz="2400" b="1" dirty="0"/>
+              <a:t>테스트</a:t>
+            </a:r>
+            <a:endParaRPr lang="en-US" altLang="ko-KR" sz="2400" b="1" dirty="0"/>
+          </a:p>
+          <a:p>
+            <a:endParaRPr lang="en-US" altLang="ko-KR" sz="1800" dirty="0"/>
+          </a:p>
+          <a:p>
+            <a:pPr marL="342900" indent="-342900">
+              <a:buFontTx/>
+              <a:buChar char="-"/>
+            </a:pPr>
+            <a:r>
+              <a:rPr lang="en-US" altLang="ko-KR" sz="1800" dirty="0"/>
+              <a:t>new, delete, </a:t>
+            </a:r>
+            <a:r>
+              <a:rPr lang="ko-KR" altLang="en-US" sz="1800" dirty="0"/>
+              <a:t>메모리 풀 </a:t>
+            </a:r>
+            <a:r>
+              <a:rPr lang="en-US" altLang="ko-KR" sz="1800" dirty="0" err="1"/>
+              <a:t>Alloc</a:t>
+            </a:r>
+            <a:r>
+              <a:rPr lang="en-US" altLang="ko-KR" sz="1800" dirty="0"/>
+              <a:t>, </a:t>
+            </a:r>
+            <a:r>
+              <a:rPr lang="ko-KR" altLang="en-US" sz="1800" dirty="0"/>
+              <a:t>메모리 풀 </a:t>
+            </a:r>
+            <a:r>
+              <a:rPr lang="en-US" altLang="ko-KR" sz="1800" dirty="0"/>
+              <a:t>Free</a:t>
+            </a:r>
+            <a:r>
+              <a:rPr lang="ko-KR" altLang="en-US" sz="1800" dirty="0"/>
+              <a:t>를 각각 </a:t>
+            </a:r>
+            <a:r>
+              <a:rPr lang="en-US" altLang="ko-KR" sz="1800" dirty="0"/>
+              <a:t>1</a:t>
+            </a:r>
+            <a:r>
+              <a:rPr lang="ko-KR" altLang="en-US" sz="1800" dirty="0" err="1"/>
+              <a:t>억회</a:t>
+            </a:r>
+            <a:r>
+              <a:rPr lang="ko-KR" altLang="en-US" sz="1800" dirty="0"/>
+              <a:t> 테스트 </a:t>
+            </a:r>
+            <a:r>
+              <a:rPr lang="en-US" altLang="ko-KR" sz="1800" dirty="0"/>
+              <a:t>(</a:t>
+            </a:r>
+            <a:r>
+              <a:rPr lang="ko-KR" altLang="en-US" sz="1800" dirty="0"/>
+              <a:t>직접 제작한 </a:t>
+            </a:r>
+            <a:r>
+              <a:rPr lang="ko-KR" altLang="en-US" sz="1800" dirty="0" err="1"/>
+              <a:t>프로파일링</a:t>
+            </a:r>
+            <a:r>
+              <a:rPr lang="ko-KR" altLang="en-US" sz="1800" dirty="0"/>
+              <a:t> 라이브러리 사용</a:t>
+            </a:r>
+            <a:r>
+              <a:rPr lang="en-US" altLang="ko-KR" sz="1800" dirty="0"/>
+              <a:t>)</a:t>
+            </a:r>
+          </a:p>
+          <a:p>
+            <a:pPr marL="342900" indent="-342900">
+              <a:buFontTx/>
+              <a:buChar char="-"/>
+            </a:pPr>
+            <a:r>
+              <a:rPr lang="en-US" altLang="ko-KR" sz="1800" dirty="0"/>
+              <a:t>New </a:t>
+            </a:r>
+            <a:r>
+              <a:rPr lang="ko-KR" altLang="en-US" sz="1800" dirty="0"/>
+              <a:t>보다 약 </a:t>
+            </a:r>
+            <a:r>
+              <a:rPr lang="en-US" altLang="ko-KR" sz="1800" dirty="0"/>
+              <a:t>5</a:t>
+            </a:r>
+            <a:r>
+              <a:rPr lang="ko-KR" altLang="en-US" sz="1800" dirty="0"/>
+              <a:t>배 빠른 </a:t>
+            </a:r>
+            <a:r>
+              <a:rPr lang="en-US" altLang="ko-KR" sz="1800" dirty="0" err="1"/>
+              <a:t>Alloc</a:t>
+            </a:r>
+            <a:r>
+              <a:rPr lang="en-US" altLang="ko-KR" sz="1800" dirty="0"/>
+              <a:t>.</a:t>
+            </a:r>
+          </a:p>
+          <a:p>
+            <a:pPr marL="342900" indent="-342900">
+              <a:buFontTx/>
+              <a:buChar char="-"/>
+            </a:pPr>
+            <a:r>
+              <a:rPr lang="en-US" altLang="ko-KR" sz="1800" dirty="0"/>
+              <a:t>Delete</a:t>
+            </a:r>
+            <a:r>
+              <a:rPr lang="ko-KR" altLang="en-US" sz="1800" dirty="0"/>
+              <a:t> 보다 약 </a:t>
+            </a:r>
+            <a:r>
+              <a:rPr lang="en-US" altLang="ko-KR" sz="1800" dirty="0"/>
+              <a:t>2.5</a:t>
+            </a:r>
+            <a:r>
+              <a:rPr lang="ko-KR" altLang="en-US" sz="1800" dirty="0"/>
+              <a:t>배 빠른 </a:t>
+            </a:r>
+            <a:r>
+              <a:rPr lang="en-US" altLang="ko-KR" sz="1800" dirty="0"/>
+              <a:t>Free.</a:t>
+            </a:r>
+          </a:p>
+        </p:txBody>
+      </p:sp>
+      <p:pic>
+        <p:nvPicPr>
+          <p:cNvPr id="1027" name="Picture 3"/>
+          <p:cNvPicPr>
+            <a:picLocks noChangeAspect="1" noChangeArrowheads="1"/>
+          </p:cNvPicPr>
+          <p:nvPr/>
+        </p:nvPicPr>
+        <p:blipFill>
+          <a:blip r:embed="rId2">
+            <a:extLst>
+              <a:ext uri="{28A0092B-C50C-407E-A947-70E740481C1C}">
+                <a14:useLocalDpi xmlns:a14="http://schemas.microsoft.com/office/drawing/2010/main" val="0"/>
+              </a:ext>
+            </a:extLst>
+          </a:blip>
+          <a:srcRect/>
+          <a:stretch>
+            <a:fillRect/>
+          </a:stretch>
+        </p:blipFill>
+        <p:spPr bwMode="auto">
+          <a:xfrm>
+            <a:off x="826528" y="12859741"/>
+            <a:ext cx="9663831" cy="7500119"/>
+          </a:xfrm>
+          <a:prstGeom prst="rect">
+            <a:avLst/>
+          </a:prstGeom>
+          <a:noFill/>
+          <a:ln>
+            <a:noFill/>
+          </a:ln>
+          <a:effectLst/>
+          <a:extLst>
+            <a:ext uri="{909E8E84-426E-40DD-AFC4-6F175D3DCCD1}">
+              <a14:hiddenFill xmlns:a14="http://schemas.microsoft.com/office/drawing/2010/main">
+                <a:solidFill>
+                  <a:schemeClr val="accent1"/>
+                </a:solidFill>
+              </a14:hiddenFill>
+            </a:ext>
+            <a:ext uri="{91240B29-F687-4F45-9708-019B960494DF}">
+              <a14:hiddenLine xmlns:a14="http://schemas.microsoft.com/office/drawing/2010/main" w="9525">
+                <a:solidFill>
+                  <a:schemeClr val="tx1"/>
+                </a:solidFill>
+                <a:miter lim="800000"/>
+                <a:headEnd/>
+                <a:tailEnd/>
+              </a14:hiddenLine>
+            </a:ext>
+            <a:ext uri="{AF507438-7753-43E0-B8FC-AC1667EBCBE1}">
+              <a14:hiddenEffects xmlns:a14="http://schemas.microsoft.com/office/drawing/2010/main">
+                <a:effectLst>
+                  <a:outerShdw dist="35921" dir="2700000" algn="ctr" rotWithShape="0">
+                    <a:schemeClr val="bg2"/>
+                  </a:outerShdw>
+                </a:effectLst>
+              </a14:hiddenEffects>
+            </a:ext>
+          </a:extLst>
+        </p:spPr>
+      </p:pic>
+      <p:sp>
+        <p:nvSpPr>
+          <p:cNvPr id="73" name="직사각형 72"/>
+          <p:cNvSpPr/>
+          <p:nvPr/>
+        </p:nvSpPr>
+        <p:spPr>
+          <a:xfrm>
+            <a:off x="4963538" y="14185726"/>
+            <a:ext cx="1301308" cy="5832648"/>
+          </a:xfrm>
+          <a:prstGeom prst="rect">
+            <a:avLst/>
+          </a:prstGeom>
+          <a:noFill/>
+          <a:ln>
+            <a:solidFill>
+              <a:srgbClr val="FF0000"/>
+            </a:solidFill>
+          </a:ln>
+        </p:spPr>
+        <p:style>
+          <a:lnRef idx="2">
+            <a:schemeClr val="accent1">
+              <a:shade val="50000"/>
+            </a:schemeClr>
+          </a:lnRef>
+          <a:fillRef idx="1">
+            <a:schemeClr val="accent1"/>
+          </a:fillRef>
+          <a:effectRef idx="0">
+            <a:schemeClr val="accent1"/>
+          </a:effectRef>
+          <a:fontRef idx="minor">
+            <a:schemeClr val="lt1"/>
+          </a:fontRef>
+        </p:style>
+        <p:txBody>
+          <a:bodyPr rtlCol="0" anchor="ctr"/>
+          <a:lstStyle/>
+          <a:p>
+            <a:pPr algn="ctr"/>
+            <a:endParaRPr lang="ko-KR" altLang="en-US"/>
+          </a:p>
+        </p:txBody>
+      </p:sp>
+      <p:pic>
+        <p:nvPicPr>
+          <p:cNvPr id="1028" name="Picture 4"/>
+          <p:cNvPicPr>
+            <a:picLocks noChangeAspect="1" noChangeArrowheads="1"/>
+          </p:cNvPicPr>
+          <p:nvPr/>
+        </p:nvPicPr>
+        <p:blipFill>
+          <a:blip r:embed="rId3">
+            <a:extLst>
+              <a:ext uri="{28A0092B-C50C-407E-A947-70E740481C1C}">
+                <a14:useLocalDpi xmlns:a14="http://schemas.microsoft.com/office/drawing/2010/main" val="0"/>
+              </a:ext>
+            </a:extLst>
+          </a:blip>
+          <a:srcRect/>
+          <a:stretch>
+            <a:fillRect/>
+          </a:stretch>
+        </p:blipFill>
+        <p:spPr bwMode="auto">
+          <a:xfrm>
+            <a:off x="10908786" y="12859740"/>
+            <a:ext cx="9613644" cy="7507157"/>
+          </a:xfrm>
+          <a:prstGeom prst="rect">
+            <a:avLst/>
+          </a:prstGeom>
+          <a:noFill/>
+          <a:ln>
+            <a:noFill/>
+          </a:ln>
+          <a:effectLst/>
+          <a:extLst>
+            <a:ext uri="{909E8E84-426E-40DD-AFC4-6F175D3DCCD1}">
+              <a14:hiddenFill xmlns:a14="http://schemas.microsoft.com/office/drawing/2010/main">
+                <a:solidFill>
+                  <a:schemeClr val="accent1"/>
+                </a:solidFill>
+              </a14:hiddenFill>
+            </a:ext>
+            <a:ext uri="{91240B29-F687-4F45-9708-019B960494DF}">
+              <a14:hiddenLine xmlns:a14="http://schemas.microsoft.com/office/drawing/2010/main" w="9525">
+                <a:solidFill>
+                  <a:schemeClr val="tx1"/>
+                </a:solidFill>
+                <a:miter lim="800000"/>
+                <a:headEnd/>
+                <a:tailEnd/>
+              </a14:hiddenLine>
+            </a:ext>
+            <a:ext uri="{AF507438-7753-43E0-B8FC-AC1667EBCBE1}">
+              <a14:hiddenEffects xmlns:a14="http://schemas.microsoft.com/office/drawing/2010/main">
+                <a:effectLst>
+                  <a:outerShdw dist="35921" dir="2700000" algn="ctr" rotWithShape="0">
+                    <a:schemeClr val="bg2"/>
+                  </a:outerShdw>
+                </a:effectLst>
+              </a14:hiddenEffects>
+            </a:ext>
+          </a:extLst>
+        </p:spPr>
+      </p:pic>
+      <p:sp>
+        <p:nvSpPr>
+          <p:cNvPr id="78" name="직사각형 77"/>
+          <p:cNvSpPr/>
+          <p:nvPr/>
+        </p:nvSpPr>
+        <p:spPr>
+          <a:xfrm>
+            <a:off x="15064954" y="14198252"/>
+            <a:ext cx="1301308" cy="5832648"/>
+          </a:xfrm>
+          <a:prstGeom prst="rect">
+            <a:avLst/>
+          </a:prstGeom>
+          <a:noFill/>
+          <a:ln>
+            <a:solidFill>
+              <a:srgbClr val="FF0000"/>
+            </a:solidFill>
+          </a:ln>
+        </p:spPr>
+        <p:style>
+          <a:lnRef idx="2">
+            <a:schemeClr val="accent1">
+              <a:shade val="50000"/>
+            </a:schemeClr>
+          </a:lnRef>
+          <a:fillRef idx="1">
+            <a:schemeClr val="accent1"/>
+          </a:fillRef>
+          <a:effectRef idx="0">
+            <a:schemeClr val="accent1"/>
+          </a:effectRef>
+          <a:fontRef idx="minor">
+            <a:schemeClr val="lt1"/>
+          </a:fontRef>
+        </p:style>
+        <p:txBody>
+          <a:bodyPr rtlCol="0" anchor="ctr"/>
+          <a:lstStyle/>
+          <a:p>
+            <a:pPr algn="ctr"/>
+            <a:endParaRPr lang="ko-KR" altLang="en-US"/>
+          </a:p>
+        </p:txBody>
+      </p:sp>
+      <p:sp>
+        <p:nvSpPr>
+          <p:cNvPr id="75" name="모서리가 둥근 사각형 설명선 74"/>
+          <p:cNvSpPr/>
+          <p:nvPr/>
+        </p:nvSpPr>
+        <p:spPr>
+          <a:xfrm>
+            <a:off x="15827511" y="12313517"/>
+            <a:ext cx="2030623" cy="546223"/>
+          </a:xfrm>
+          <a:prstGeom prst="wedgeRoundRectCallout">
+            <a:avLst>
+              <a:gd name="adj1" fmla="val -37601"/>
+              <a:gd name="adj2" fmla="val 303052"/>
+              <a:gd name="adj3" fmla="val 16667"/>
+            </a:avLst>
+          </a:prstGeom>
+          <a:solidFill>
+            <a:schemeClr val="bg1"/>
+          </a:solidFill>
+          <a:ln w="3175">
+            <a:solidFill>
+              <a:schemeClr val="tx1"/>
+            </a:solidFill>
+          </a:ln>
+        </p:spPr>
+        <p:style>
+          <a:lnRef idx="2">
+            <a:schemeClr val="accent1">
+              <a:shade val="50000"/>
+            </a:schemeClr>
+          </a:lnRef>
+          <a:fillRef idx="1">
+            <a:schemeClr val="accent1"/>
+          </a:fillRef>
+          <a:effectRef idx="0">
+            <a:schemeClr val="accent1"/>
+          </a:effectRef>
+          <a:fontRef idx="minor">
+            <a:schemeClr val="lt1"/>
+          </a:fontRef>
+        </p:style>
+        <p:txBody>
+          <a:bodyPr lIns="91422" tIns="45711" rIns="91422" bIns="45711" rtlCol="0" anchor="ctr"/>
+          <a:lstStyle/>
+          <a:p>
+            <a:r>
+              <a:rPr lang="ko-KR" altLang="en-US" sz="1200" dirty="0" smtClean="0">
+                <a:solidFill>
+                  <a:schemeClr val="tx1"/>
+                </a:solidFill>
+              </a:rPr>
+              <a:t>마이크로 세컨드 기준</a:t>
+            </a:r>
+            <a:r>
+              <a:rPr lang="en-US" altLang="ko-KR" sz="1200" dirty="0" smtClean="0">
+                <a:solidFill>
+                  <a:schemeClr val="tx1"/>
+                </a:solidFill>
+              </a:rPr>
+              <a:t>.</a:t>
+            </a:r>
+            <a:endParaRPr lang="en-US" altLang="ko-KR" sz="1200" dirty="0" smtClean="0">
+              <a:solidFill>
+                <a:schemeClr val="tx1"/>
+              </a:solidFill>
+            </a:endParaRPr>
+          </a:p>
+        </p:txBody>
+      </p:sp>
+    </p:spTree>
+    <p:extLst>
+      <p:ext uri="{BB962C8B-B14F-4D97-AF65-F5344CB8AC3E}">
+        <p14:creationId xmlns:p14="http://schemas.microsoft.com/office/powerpoint/2010/main" val="1223250057"/>
+      </p:ext>
+    </p:extLst>
+  </p:cSld>
+  <p:clrMapOvr>
+    <a:masterClrMapping/>
+  </p:clrMapOvr>
+  <p:timing>
+    <p:tnLst>
+      <p:par>
+        <p:cTn id="1" dur="indefinite" restart="never" nodeType="tmRoot"/>
+      </p:par>
+    </p:tnLst>
+  </p:timing>
+</p:sld>
+</file>
+
+<file path=ppt/slides/slide6.xml><?xml version="1.0" encoding="utf-8"?>
+<p:sld xmlns:a="http://schemas.openxmlformats.org/drawingml/2006/main" xmlns:r="http://schemas.openxmlformats.org/officeDocument/2006/relationships" xmlns:p="http://schemas.openxmlformats.org/presentationml/2006/main">
+  <p:cSld>
+    <p:spTree>
+      <p:nvGrpSpPr>
+        <p:cNvPr id="1" name=""/>
+        <p:cNvGrpSpPr/>
+        <p:nvPr/>
+      </p:nvGrpSpPr>
+      <p:grpSpPr>
+        <a:xfrm>
+          <a:off x="0" y="0"/>
+          <a:ext cx="0" cy="0"/>
+          <a:chOff x="0" y="0"/>
+          <a:chExt cx="0" cy="0"/>
+        </a:xfrm>
+      </p:grpSpPr>
+      <p:sp>
+        <p:nvSpPr>
+          <p:cNvPr id="4" name="TextBox 3"/>
+          <p:cNvSpPr txBox="1"/>
+          <p:nvPr/>
+        </p:nvSpPr>
+        <p:spPr>
+          <a:xfrm>
+            <a:off x="6605665" y="200765"/>
+            <a:ext cx="8971176" cy="553970"/>
+          </a:xfrm>
+          <a:prstGeom prst="rect">
+            <a:avLst/>
+          </a:prstGeom>
+          <a:noFill/>
+        </p:spPr>
+        <p:txBody>
+          <a:bodyPr wrap="none" lIns="91409" tIns="45706" rIns="91409" bIns="45706" rtlCol="0">
+            <a:spAutoFit/>
+          </a:bodyPr>
+          <a:lstStyle/>
+          <a:p>
+            <a:r>
+              <a:rPr lang="ko-KR" altLang="en-US" sz="3000" b="1" dirty="0" smtClean="0"/>
+              <a:t>라이브러리 제작 </a:t>
+            </a:r>
+            <a:r>
+              <a:rPr lang="en-US" altLang="ko-KR" sz="3000" b="1" dirty="0" smtClean="0"/>
+              <a:t>– </a:t>
+            </a:r>
+            <a:r>
+              <a:rPr lang="ko-KR" altLang="en-US" sz="3000" b="1" dirty="0" err="1" smtClean="0"/>
+              <a:t>락프리</a:t>
+            </a:r>
+            <a:r>
+              <a:rPr lang="ko-KR" altLang="en-US" sz="3000" b="1" dirty="0" smtClean="0"/>
+              <a:t> 자료구조</a:t>
+            </a:r>
+            <a:r>
+              <a:rPr lang="en-US" altLang="ko-KR" sz="3000" b="1" dirty="0" smtClean="0"/>
+              <a:t>(Queue, Stack)</a:t>
+            </a:r>
+            <a:endParaRPr lang="en-US" altLang="ko-KR" sz="3000" b="1" dirty="0"/>
+          </a:p>
+        </p:txBody>
+      </p:sp>
+      <p:sp>
+        <p:nvSpPr>
+          <p:cNvPr id="3" name="TextBox 2"/>
+          <p:cNvSpPr txBox="1"/>
+          <p:nvPr/>
+        </p:nvSpPr>
+        <p:spPr>
+          <a:xfrm>
+            <a:off x="2436610" y="1008262"/>
+            <a:ext cx="3928770" cy="1400355"/>
+          </a:xfrm>
+          <a:prstGeom prst="rect">
+            <a:avLst/>
+          </a:prstGeom>
+          <a:noFill/>
+        </p:spPr>
+        <p:txBody>
+          <a:bodyPr wrap="none" lIns="91409" tIns="45706" rIns="91409" bIns="45706" rtlCol="0">
+            <a:spAutoFit/>
+          </a:bodyPr>
+          <a:lstStyle/>
+          <a:p>
+            <a:r>
+              <a:rPr lang="ko-KR" altLang="en-US" sz="2500" b="1" dirty="0" smtClean="0"/>
+              <a:t>특징</a:t>
+            </a:r>
+            <a:endParaRPr lang="en-US" altLang="ko-KR" sz="2500" b="1" dirty="0" smtClean="0"/>
+          </a:p>
+          <a:p>
+            <a:endParaRPr lang="en-US" altLang="ko-KR" sz="2000" dirty="0"/>
+          </a:p>
+          <a:p>
+            <a:pPr marL="342900" indent="-342900">
+              <a:buFontTx/>
+              <a:buChar char="-"/>
+            </a:pPr>
+            <a:r>
+              <a:rPr lang="en-US" altLang="ko-KR" sz="2000" dirty="0"/>
+              <a:t>d</a:t>
+            </a:r>
+            <a:r>
+              <a:rPr lang="en-US" altLang="ko-KR" sz="2000" dirty="0" smtClean="0"/>
+              <a:t>ouble CAS</a:t>
+            </a:r>
+            <a:r>
+              <a:rPr lang="ko-KR" altLang="en-US" sz="2000" dirty="0"/>
+              <a:t> </a:t>
+            </a:r>
+            <a:r>
+              <a:rPr lang="ko-KR" altLang="en-US" sz="2000" dirty="0" smtClean="0"/>
+              <a:t>기반의 </a:t>
+            </a:r>
+            <a:r>
+              <a:rPr lang="en-US" altLang="ko-KR" sz="2000" dirty="0" err="1" smtClean="0"/>
+              <a:t>LockFree</a:t>
+            </a:r>
+            <a:r>
+              <a:rPr lang="en-US" altLang="ko-KR" sz="2000" dirty="0" smtClean="0"/>
+              <a:t>.</a:t>
+            </a:r>
+          </a:p>
+          <a:p>
+            <a:pPr marL="342900" indent="-342900">
+              <a:buFontTx/>
+              <a:buChar char="-"/>
+            </a:pPr>
+            <a:r>
+              <a:rPr lang="en-US" altLang="ko-KR" sz="2000" dirty="0" smtClean="0"/>
+              <a:t>Unique Count </a:t>
+            </a:r>
+            <a:r>
+              <a:rPr lang="ko-KR" altLang="en-US" sz="2000" dirty="0" smtClean="0"/>
+              <a:t>사용</a:t>
+            </a:r>
+            <a:r>
+              <a:rPr lang="en-US" altLang="ko-KR" sz="2000" dirty="0" smtClean="0"/>
+              <a:t>.</a:t>
+            </a:r>
+          </a:p>
+        </p:txBody>
+      </p:sp>
+      <p:sp>
+        <p:nvSpPr>
+          <p:cNvPr id="25" name="모서리가 둥근 직사각형 24"/>
+          <p:cNvSpPr/>
+          <p:nvPr/>
+        </p:nvSpPr>
+        <p:spPr>
+          <a:xfrm>
+            <a:off x="6841048" y="3064597"/>
+            <a:ext cx="8178186" cy="6492884"/>
+          </a:xfrm>
+          <a:prstGeom prst="roundRect">
+            <a:avLst>
+              <a:gd name="adj" fmla="val 2647"/>
+            </a:avLst>
+          </a:prstGeom>
+          <a:solidFill>
+            <a:schemeClr val="accent6">
+              <a:lumMod val="20000"/>
+              <a:lumOff val="80000"/>
+            </a:schemeClr>
+          </a:solidFill>
+          <a:ln w="3175">
+            <a:solidFill>
+              <a:schemeClr val="tx1"/>
+            </a:solidFill>
+          </a:ln>
+        </p:spPr>
+        <p:style>
+          <a:lnRef idx="2">
+            <a:schemeClr val="accent1">
+              <a:shade val="50000"/>
+            </a:schemeClr>
+          </a:lnRef>
+          <a:fillRef idx="1">
+            <a:schemeClr val="accent1"/>
+          </a:fillRef>
+          <a:effectRef idx="0">
+            <a:schemeClr val="accent1"/>
+          </a:effectRef>
+          <a:fontRef idx="minor">
+            <a:schemeClr val="lt1"/>
+          </a:fontRef>
+        </p:style>
+        <p:txBody>
+          <a:bodyPr lIns="91409" tIns="45706" rIns="91409" bIns="45706" rtlCol="0" anchor="ctr"/>
+          <a:lstStyle/>
+          <a:p>
+            <a:pPr algn="ctr"/>
+            <a:endParaRPr lang="ko-KR" altLang="en-US" dirty="0"/>
+          </a:p>
+        </p:txBody>
+      </p:sp>
+      <p:sp>
+        <p:nvSpPr>
+          <p:cNvPr id="26" name="TextBox 25"/>
+          <p:cNvSpPr txBox="1"/>
+          <p:nvPr/>
+        </p:nvSpPr>
+        <p:spPr>
+          <a:xfrm>
+            <a:off x="10507933" y="3136605"/>
+            <a:ext cx="1836786" cy="523192"/>
+          </a:xfrm>
+          <a:prstGeom prst="rect">
+            <a:avLst/>
+          </a:prstGeom>
+          <a:noFill/>
+        </p:spPr>
+        <p:txBody>
+          <a:bodyPr wrap="none" lIns="91409" tIns="45706" rIns="91409" bIns="45706" rtlCol="0">
+            <a:spAutoFit/>
+          </a:bodyPr>
+          <a:lstStyle/>
+          <a:p>
+            <a:pPr algn="ctr"/>
+            <a:r>
+              <a:rPr lang="en-US" altLang="ko-KR" sz="1400" b="1" dirty="0" err="1" smtClean="0"/>
+              <a:t>CLockFree</a:t>
+            </a:r>
+            <a:r>
+              <a:rPr lang="en-US" altLang="ko-KR" sz="1400" b="1" dirty="0"/>
+              <a:t> </a:t>
+            </a:r>
+            <a:r>
+              <a:rPr lang="en-US" altLang="ko-KR" sz="1400" b="1" dirty="0" smtClean="0"/>
+              <a:t>&lt;DATA&gt;</a:t>
+            </a:r>
+          </a:p>
+          <a:p>
+            <a:pPr algn="ctr"/>
+            <a:r>
+              <a:rPr lang="en-US" altLang="ko-KR" sz="1400" dirty="0" smtClean="0"/>
+              <a:t>(</a:t>
+            </a:r>
+            <a:r>
+              <a:rPr lang="ko-KR" altLang="en-US" sz="1400" dirty="0" err="1" smtClean="0"/>
+              <a:t>락프리</a:t>
+            </a:r>
+            <a:r>
+              <a:rPr lang="ko-KR" altLang="en-US" sz="1400" dirty="0" smtClean="0"/>
+              <a:t> </a:t>
+            </a:r>
+            <a:r>
+              <a:rPr lang="ko-KR" altLang="en-US" sz="1400" dirty="0" smtClean="0"/>
+              <a:t>자료구</a:t>
+            </a:r>
+            <a:r>
+              <a:rPr lang="ko-KR" altLang="en-US" sz="1400" dirty="0"/>
+              <a:t>조</a:t>
+            </a:r>
+            <a:r>
+              <a:rPr lang="en-US" altLang="ko-KR" sz="1400" dirty="0" smtClean="0"/>
+              <a:t>)</a:t>
+            </a:r>
+            <a:endParaRPr lang="en-US" altLang="ko-KR" sz="1400" dirty="0"/>
+          </a:p>
+        </p:txBody>
+      </p:sp>
+      <p:sp>
+        <p:nvSpPr>
+          <p:cNvPr id="28" name="원통 27"/>
+          <p:cNvSpPr/>
+          <p:nvPr/>
+        </p:nvSpPr>
+        <p:spPr>
+          <a:xfrm>
+            <a:off x="12365029" y="3907741"/>
+            <a:ext cx="1762050" cy="1274037"/>
+          </a:xfrm>
+          <a:prstGeom prst="can">
+            <a:avLst/>
+          </a:prstGeom>
+          <a:solidFill>
+            <a:schemeClr val="bg1"/>
+          </a:solidFill>
+          <a:ln w="3175">
+            <a:solidFill>
+              <a:schemeClr val="tx1"/>
+            </a:solidFill>
+          </a:ln>
+        </p:spPr>
+        <p:style>
+          <a:lnRef idx="2">
+            <a:schemeClr val="accent1">
+              <a:shade val="50000"/>
+            </a:schemeClr>
+          </a:lnRef>
+          <a:fillRef idx="1">
+            <a:schemeClr val="accent1"/>
+          </a:fillRef>
+          <a:effectRef idx="0">
+            <a:schemeClr val="accent1"/>
+          </a:effectRef>
+          <a:fontRef idx="minor">
+            <a:schemeClr val="lt1"/>
+          </a:fontRef>
+        </p:style>
+        <p:txBody>
+          <a:bodyPr lIns="91422" tIns="45711" rIns="91422" bIns="45711" rtlCol="0" anchor="ctr"/>
+          <a:lstStyle/>
+          <a:p>
+            <a:pPr algn="ctr"/>
+            <a:r>
+              <a:rPr lang="en-US" altLang="ko-KR" sz="1200" dirty="0" smtClean="0">
+                <a:solidFill>
+                  <a:schemeClr val="tx1"/>
+                </a:solidFill>
+              </a:rPr>
+              <a:t>Memory Pool</a:t>
+            </a:r>
+          </a:p>
+          <a:p>
+            <a:pPr algn="ctr"/>
+            <a:r>
+              <a:rPr lang="en-US" altLang="ko-KR" sz="1200" dirty="0" smtClean="0">
+                <a:solidFill>
+                  <a:schemeClr val="tx1"/>
+                </a:solidFill>
+              </a:rPr>
+              <a:t>(</a:t>
+            </a:r>
+            <a:r>
+              <a:rPr lang="en-US" altLang="ko-KR" sz="1200" dirty="0" err="1" smtClean="0">
+                <a:solidFill>
+                  <a:schemeClr val="tx1"/>
+                </a:solidFill>
+              </a:rPr>
+              <a:t>LockFree</a:t>
+            </a:r>
+            <a:r>
+              <a:rPr lang="en-US" altLang="ko-KR" sz="1200" dirty="0" smtClean="0">
+                <a:solidFill>
+                  <a:schemeClr val="tx1"/>
+                </a:solidFill>
+              </a:rPr>
+              <a:t> </a:t>
+            </a:r>
+            <a:r>
+              <a:rPr lang="ko-KR" altLang="en-US" sz="1200" dirty="0" smtClean="0">
+                <a:solidFill>
+                  <a:schemeClr val="tx1"/>
+                </a:solidFill>
+              </a:rPr>
+              <a:t>구조</a:t>
+            </a:r>
+            <a:r>
+              <a:rPr lang="en-US" altLang="ko-KR" sz="1200" dirty="0" smtClean="0">
+                <a:solidFill>
+                  <a:schemeClr val="tx1"/>
+                </a:solidFill>
+              </a:rPr>
+              <a:t>)</a:t>
+            </a:r>
+            <a:endParaRPr lang="ko-KR" altLang="en-US" sz="1200" dirty="0">
+              <a:solidFill>
+                <a:schemeClr val="tx1"/>
+              </a:solidFill>
+            </a:endParaRPr>
+          </a:p>
+        </p:txBody>
+      </p:sp>
+      <p:sp>
+        <p:nvSpPr>
+          <p:cNvPr id="39" name="모서리가 둥근 사각형 설명선 38"/>
+          <p:cNvSpPr/>
+          <p:nvPr/>
+        </p:nvSpPr>
+        <p:spPr>
+          <a:xfrm>
+            <a:off x="13931234" y="2678322"/>
+            <a:ext cx="2176001" cy="692215"/>
+          </a:xfrm>
+          <a:prstGeom prst="wedgeRoundRectCallout">
+            <a:avLst>
+              <a:gd name="adj1" fmla="val -60735"/>
+              <a:gd name="adj2" fmla="val 106289"/>
+              <a:gd name="adj3" fmla="val 16667"/>
+            </a:avLst>
+          </a:prstGeom>
+          <a:solidFill>
+            <a:schemeClr val="bg1"/>
+          </a:solidFill>
+          <a:ln w="3175">
+            <a:solidFill>
+              <a:schemeClr val="tx1"/>
+            </a:solidFill>
+          </a:ln>
+        </p:spPr>
+        <p:style>
+          <a:lnRef idx="2">
+            <a:schemeClr val="accent1">
+              <a:shade val="50000"/>
+            </a:schemeClr>
+          </a:lnRef>
+          <a:fillRef idx="1">
+            <a:schemeClr val="accent1"/>
+          </a:fillRef>
+          <a:effectRef idx="0">
+            <a:schemeClr val="accent1"/>
+          </a:effectRef>
+          <a:fontRef idx="minor">
+            <a:schemeClr val="lt1"/>
+          </a:fontRef>
+        </p:style>
+        <p:txBody>
+          <a:bodyPr lIns="91422" tIns="45711" rIns="91422" bIns="45711" rtlCol="0" anchor="ctr"/>
+          <a:lstStyle/>
+          <a:p>
+            <a:r>
+              <a:rPr lang="en-US" altLang="ko-KR" sz="1200" dirty="0" smtClean="0">
+                <a:solidFill>
+                  <a:schemeClr val="tx1"/>
+                </a:solidFill>
+              </a:rPr>
+              <a:t>Node</a:t>
+            </a:r>
+            <a:r>
+              <a:rPr lang="ko-KR" altLang="en-US" sz="1200" dirty="0" smtClean="0">
+                <a:solidFill>
+                  <a:schemeClr val="tx1"/>
+                </a:solidFill>
+              </a:rPr>
+              <a:t>를 다루는 </a:t>
+            </a:r>
+            <a:r>
+              <a:rPr lang="ko-KR" altLang="en-US" sz="1200" dirty="0" err="1" smtClean="0">
+                <a:solidFill>
+                  <a:schemeClr val="tx1"/>
+                </a:solidFill>
+              </a:rPr>
+              <a:t>메모리</a:t>
+            </a:r>
+            <a:r>
+              <a:rPr lang="ko-KR" altLang="en-US" sz="1200" dirty="0" err="1">
+                <a:solidFill>
+                  <a:schemeClr val="tx1"/>
+                </a:solidFill>
+              </a:rPr>
+              <a:t>풀</a:t>
+            </a:r>
+            <a:endParaRPr lang="en-US" altLang="ko-KR" sz="1200" dirty="0" smtClean="0">
+              <a:solidFill>
+                <a:schemeClr val="tx1"/>
+              </a:solidFill>
+            </a:endParaRPr>
+          </a:p>
+        </p:txBody>
+      </p:sp>
+      <p:grpSp>
+        <p:nvGrpSpPr>
+          <p:cNvPr id="87" name="그룹 86"/>
+          <p:cNvGrpSpPr/>
+          <p:nvPr/>
+        </p:nvGrpSpPr>
+        <p:grpSpPr>
+          <a:xfrm>
+            <a:off x="7891299" y="3907740"/>
+            <a:ext cx="2448272" cy="1274037"/>
+            <a:chOff x="6984926" y="4154627"/>
+            <a:chExt cx="2448272" cy="1274037"/>
+          </a:xfrm>
+        </p:grpSpPr>
+        <p:sp>
+          <p:nvSpPr>
+            <p:cNvPr id="47" name="모서리가 둥근 직사각형 46"/>
+            <p:cNvSpPr/>
+            <p:nvPr/>
+          </p:nvSpPr>
+          <p:spPr>
+            <a:xfrm>
+              <a:off x="6984926" y="4154627"/>
+              <a:ext cx="2448272" cy="1274037"/>
+            </a:xfrm>
+            <a:prstGeom prst="roundRect">
+              <a:avLst>
+                <a:gd name="adj" fmla="val 4958"/>
+              </a:avLst>
+            </a:prstGeom>
+            <a:solidFill>
+              <a:schemeClr val="bg1"/>
+            </a:solidFill>
+            <a:ln w="3175">
+              <a:solidFill>
+                <a:schemeClr val="tx1"/>
+              </a:solidFill>
+            </a:ln>
+          </p:spPr>
+          <p:style>
+            <a:lnRef idx="2">
+              <a:schemeClr val="accent1">
+                <a:shade val="50000"/>
+              </a:schemeClr>
+            </a:lnRef>
+            <a:fillRef idx="1">
+              <a:schemeClr val="accent1"/>
+            </a:fillRef>
+            <a:effectRef idx="0">
+              <a:schemeClr val="accent1"/>
+            </a:effectRef>
+            <a:fontRef idx="minor">
+              <a:schemeClr val="lt1"/>
+            </a:fontRef>
+          </p:style>
+          <p:txBody>
+            <a:bodyPr lIns="91426" tIns="45713" rIns="91426" bIns="45713" rtlCol="0" anchor="ctr"/>
+            <a:lstStyle/>
+            <a:p>
+              <a:endParaRPr lang="en-US" altLang="ko-KR" dirty="0" smtClean="0">
+                <a:solidFill>
+                  <a:schemeClr val="tx1"/>
+                </a:solidFill>
+              </a:endParaRPr>
+            </a:p>
+            <a:p>
+              <a:r>
+                <a:rPr lang="en-US" altLang="ko-KR" dirty="0" smtClean="0">
+                  <a:solidFill>
+                    <a:schemeClr val="tx1"/>
+                  </a:solidFill>
+                </a:rPr>
+                <a:t>DATA </a:t>
+              </a:r>
+              <a:r>
+                <a:rPr lang="en-US" altLang="ko-KR" dirty="0" err="1" smtClean="0">
+                  <a:solidFill>
+                    <a:schemeClr val="tx1"/>
+                  </a:solidFill>
+                </a:rPr>
+                <a:t>data</a:t>
+              </a:r>
+              <a:endParaRPr lang="en-US" altLang="ko-KR" dirty="0" smtClean="0">
+                <a:solidFill>
+                  <a:schemeClr val="tx1"/>
+                </a:solidFill>
+              </a:endParaRPr>
+            </a:p>
+            <a:p>
+              <a:r>
+                <a:rPr lang="en-US" altLang="ko-KR" dirty="0" smtClean="0">
+                  <a:solidFill>
+                    <a:schemeClr val="tx1"/>
+                  </a:solidFill>
+                </a:rPr>
+                <a:t>LONG64 count</a:t>
+              </a:r>
+              <a:endParaRPr lang="ko-KR" altLang="en-US" dirty="0">
+                <a:solidFill>
+                  <a:schemeClr val="tx1"/>
+                </a:solidFill>
+              </a:endParaRPr>
+            </a:p>
+          </p:txBody>
+        </p:sp>
+        <p:sp>
+          <p:nvSpPr>
+            <p:cNvPr id="50" name="TextBox 49"/>
+            <p:cNvSpPr txBox="1"/>
+            <p:nvPr/>
+          </p:nvSpPr>
+          <p:spPr>
+            <a:xfrm>
+              <a:off x="7748181" y="4169141"/>
+              <a:ext cx="816186" cy="384692"/>
+            </a:xfrm>
+            <a:prstGeom prst="rect">
+              <a:avLst/>
+            </a:prstGeom>
+            <a:noFill/>
+          </p:spPr>
+          <p:txBody>
+            <a:bodyPr wrap="none" lIns="91409" tIns="45706" rIns="91409" bIns="45706" rtlCol="0">
+              <a:spAutoFit/>
+            </a:bodyPr>
+            <a:lstStyle/>
+            <a:p>
+              <a:pPr algn="ctr"/>
+              <a:r>
+                <a:rPr lang="en-US" altLang="ko-KR" b="1" dirty="0" smtClean="0"/>
+                <a:t>Node</a:t>
+              </a:r>
+              <a:endParaRPr lang="en-US" altLang="ko-KR" b="1" dirty="0"/>
+            </a:p>
+          </p:txBody>
+        </p:sp>
+      </p:grpSp>
+      <p:sp>
+        <p:nvSpPr>
+          <p:cNvPr id="51" name="모서리가 둥근 직사각형 50"/>
+          <p:cNvSpPr/>
+          <p:nvPr/>
+        </p:nvSpPr>
+        <p:spPr>
+          <a:xfrm>
+            <a:off x="7633136" y="5478718"/>
+            <a:ext cx="2970280" cy="550371"/>
+          </a:xfrm>
+          <a:prstGeom prst="roundRect">
+            <a:avLst/>
+          </a:prstGeom>
+          <a:solidFill>
+            <a:schemeClr val="accent4">
+              <a:lumMod val="40000"/>
+              <a:lumOff val="60000"/>
+            </a:schemeClr>
+          </a:solidFill>
+          <a:ln>
+            <a:solidFill>
+              <a:schemeClr val="bg1">
+                <a:lumMod val="75000"/>
+              </a:schemeClr>
+            </a:solidFill>
+          </a:ln>
+        </p:spPr>
+        <p:style>
+          <a:lnRef idx="2">
+            <a:schemeClr val="accent1">
+              <a:shade val="50000"/>
+            </a:schemeClr>
+          </a:lnRef>
+          <a:fillRef idx="1">
+            <a:schemeClr val="accent1"/>
+          </a:fillRef>
+          <a:effectRef idx="0">
+            <a:schemeClr val="accent1"/>
+          </a:effectRef>
+          <a:fontRef idx="minor">
+            <a:schemeClr val="lt1"/>
+          </a:fontRef>
+        </p:style>
+        <p:txBody>
+          <a:bodyPr lIns="91426" tIns="45713" rIns="91426" bIns="45713" rtlCol="0" anchor="ctr"/>
+          <a:lstStyle/>
+          <a:p>
+            <a:pPr algn="ctr"/>
+            <a:r>
+              <a:rPr lang="ko-KR" altLang="en-US" sz="1500" dirty="0" smtClean="0">
+                <a:solidFill>
+                  <a:schemeClr val="tx1"/>
+                </a:solidFill>
+              </a:rPr>
+              <a:t>데이터 넣기</a:t>
+            </a:r>
+            <a:r>
+              <a:rPr lang="en-US" altLang="ko-KR" sz="1500" dirty="0" smtClean="0">
+                <a:solidFill>
+                  <a:schemeClr val="tx1"/>
+                </a:solidFill>
+              </a:rPr>
+              <a:t>(</a:t>
+            </a:r>
+            <a:r>
+              <a:rPr lang="en-US" altLang="ko-KR" sz="1500" dirty="0" err="1" smtClean="0">
+                <a:solidFill>
+                  <a:schemeClr val="tx1"/>
+                </a:solidFill>
+              </a:rPr>
+              <a:t>Enqueue</a:t>
+            </a:r>
+            <a:r>
+              <a:rPr lang="en-US" altLang="ko-KR" sz="1500" dirty="0" smtClean="0">
+                <a:solidFill>
+                  <a:schemeClr val="tx1"/>
+                </a:solidFill>
+              </a:rPr>
+              <a:t> / Push)</a:t>
+            </a:r>
+            <a:endParaRPr lang="en-US" altLang="ko-KR" sz="1500" dirty="0">
+              <a:solidFill>
+                <a:schemeClr val="tx1"/>
+              </a:solidFill>
+            </a:endParaRPr>
+          </a:p>
+        </p:txBody>
+      </p:sp>
+      <p:sp>
+        <p:nvSpPr>
+          <p:cNvPr id="54" name="모서리가 둥근 직사각형 53"/>
+          <p:cNvSpPr/>
+          <p:nvPr/>
+        </p:nvSpPr>
+        <p:spPr>
+          <a:xfrm>
+            <a:off x="7561128" y="8359038"/>
+            <a:ext cx="2970280" cy="550371"/>
+          </a:xfrm>
+          <a:prstGeom prst="roundRect">
+            <a:avLst/>
+          </a:prstGeom>
+          <a:solidFill>
+            <a:schemeClr val="accent4">
+              <a:lumMod val="40000"/>
+              <a:lumOff val="60000"/>
+            </a:schemeClr>
+          </a:solidFill>
+          <a:ln>
+            <a:solidFill>
+              <a:schemeClr val="bg1">
+                <a:lumMod val="75000"/>
+              </a:schemeClr>
+            </a:solidFill>
+          </a:ln>
+        </p:spPr>
+        <p:style>
+          <a:lnRef idx="2">
+            <a:schemeClr val="accent1">
+              <a:shade val="50000"/>
+            </a:schemeClr>
+          </a:lnRef>
+          <a:fillRef idx="1">
+            <a:schemeClr val="accent1"/>
+          </a:fillRef>
+          <a:effectRef idx="0">
+            <a:schemeClr val="accent1"/>
+          </a:effectRef>
+          <a:fontRef idx="minor">
+            <a:schemeClr val="lt1"/>
+          </a:fontRef>
+        </p:style>
+        <p:txBody>
+          <a:bodyPr lIns="91426" tIns="45713" rIns="91426" bIns="45713" rtlCol="0" anchor="ctr"/>
+          <a:lstStyle/>
+          <a:p>
+            <a:pPr algn="ctr"/>
+            <a:r>
+              <a:rPr lang="ko-KR" altLang="en-US" sz="1500" dirty="0" smtClean="0">
+                <a:solidFill>
+                  <a:schemeClr val="tx1"/>
+                </a:solidFill>
+              </a:rPr>
+              <a:t>데이터 빼기 </a:t>
+            </a:r>
+            <a:r>
+              <a:rPr lang="en-US" altLang="ko-KR" sz="1500" dirty="0" smtClean="0">
+                <a:solidFill>
+                  <a:schemeClr val="tx1"/>
+                </a:solidFill>
+              </a:rPr>
+              <a:t>(</a:t>
+            </a:r>
+            <a:r>
+              <a:rPr lang="en-US" altLang="ko-KR" sz="1500" dirty="0" err="1" smtClean="0">
+                <a:solidFill>
+                  <a:schemeClr val="tx1"/>
+                </a:solidFill>
+              </a:rPr>
+              <a:t>Dequeue</a:t>
+            </a:r>
+            <a:r>
+              <a:rPr lang="en-US" altLang="ko-KR" sz="1500" dirty="0" smtClean="0">
+                <a:solidFill>
+                  <a:schemeClr val="tx1"/>
+                </a:solidFill>
+              </a:rPr>
+              <a:t> / Pop)</a:t>
+            </a:r>
+            <a:endParaRPr lang="en-US" altLang="ko-KR" sz="1500" dirty="0">
+              <a:solidFill>
+                <a:schemeClr val="tx1"/>
+              </a:solidFill>
+            </a:endParaRPr>
+          </a:p>
+        </p:txBody>
+      </p:sp>
+      <p:sp>
+        <p:nvSpPr>
+          <p:cNvPr id="73" name="모서리가 둥근 직사각형 72"/>
+          <p:cNvSpPr/>
+          <p:nvPr/>
+        </p:nvSpPr>
+        <p:spPr>
+          <a:xfrm>
+            <a:off x="2003818" y="5189776"/>
+            <a:ext cx="2592285" cy="2634381"/>
+          </a:xfrm>
+          <a:prstGeom prst="roundRect">
+            <a:avLst/>
+          </a:prstGeom>
+          <a:solidFill>
+            <a:schemeClr val="bg1">
+              <a:lumMod val="95000"/>
+            </a:schemeClr>
+          </a:solidFill>
+          <a:ln>
+            <a:solidFill>
+              <a:schemeClr val="bg1">
+                <a:lumMod val="75000"/>
+              </a:schemeClr>
+            </a:solidFill>
+          </a:ln>
+        </p:spPr>
+        <p:style>
+          <a:lnRef idx="2">
+            <a:schemeClr val="accent1">
+              <a:shade val="50000"/>
+            </a:schemeClr>
+          </a:lnRef>
+          <a:fillRef idx="1">
+            <a:schemeClr val="accent1"/>
+          </a:fillRef>
+          <a:effectRef idx="0">
+            <a:schemeClr val="accent1"/>
+          </a:effectRef>
+          <a:fontRef idx="minor">
+            <a:schemeClr val="lt1"/>
+          </a:fontRef>
+        </p:style>
+        <p:txBody>
+          <a:bodyPr lIns="91409" tIns="45706" rIns="91409" bIns="45706" rtlCol="0" anchor="ctr"/>
+          <a:lstStyle/>
+          <a:p>
+            <a:pPr algn="ctr"/>
+            <a:endParaRPr lang="ko-KR" altLang="en-US" sz="1100" b="1" dirty="0">
+              <a:solidFill>
+                <a:schemeClr val="tx1"/>
+              </a:solidFill>
+            </a:endParaRPr>
+          </a:p>
+        </p:txBody>
+      </p:sp>
+      <p:sp>
+        <p:nvSpPr>
+          <p:cNvPr id="74" name="모서리가 둥근 직사각형 73"/>
+          <p:cNvSpPr/>
+          <p:nvPr/>
+        </p:nvSpPr>
+        <p:spPr>
+          <a:xfrm>
+            <a:off x="2219842" y="5390018"/>
+            <a:ext cx="2592285" cy="2634381"/>
+          </a:xfrm>
+          <a:prstGeom prst="roundRect">
+            <a:avLst/>
+          </a:prstGeom>
+          <a:solidFill>
+            <a:schemeClr val="bg1">
+              <a:lumMod val="95000"/>
+            </a:schemeClr>
+          </a:solidFill>
+          <a:ln>
+            <a:solidFill>
+              <a:schemeClr val="bg1">
+                <a:lumMod val="75000"/>
+              </a:schemeClr>
+            </a:solidFill>
+          </a:ln>
+        </p:spPr>
+        <p:style>
+          <a:lnRef idx="2">
+            <a:schemeClr val="accent1">
+              <a:shade val="50000"/>
+            </a:schemeClr>
+          </a:lnRef>
+          <a:fillRef idx="1">
+            <a:schemeClr val="accent1"/>
+          </a:fillRef>
+          <a:effectRef idx="0">
+            <a:schemeClr val="accent1"/>
+          </a:effectRef>
+          <a:fontRef idx="minor">
+            <a:schemeClr val="lt1"/>
+          </a:fontRef>
+        </p:style>
+        <p:txBody>
+          <a:bodyPr lIns="91409" tIns="45706" rIns="91409" bIns="45706" rtlCol="0" anchor="ctr"/>
+          <a:lstStyle/>
+          <a:p>
+            <a:pPr algn="ctr"/>
+            <a:endParaRPr lang="ko-KR" altLang="en-US" sz="1100" b="1" dirty="0">
+              <a:solidFill>
+                <a:schemeClr val="tx1"/>
+              </a:solidFill>
+            </a:endParaRPr>
+          </a:p>
+        </p:txBody>
+      </p:sp>
+      <p:sp>
+        <p:nvSpPr>
+          <p:cNvPr id="75" name="TextBox 74"/>
+          <p:cNvSpPr txBox="1"/>
+          <p:nvPr/>
+        </p:nvSpPr>
+        <p:spPr>
+          <a:xfrm>
+            <a:off x="2721115" y="5534034"/>
+            <a:ext cx="1587975" cy="553970"/>
+          </a:xfrm>
+          <a:prstGeom prst="rect">
+            <a:avLst/>
+          </a:prstGeom>
+          <a:noFill/>
+        </p:spPr>
+        <p:txBody>
+          <a:bodyPr wrap="square" lIns="91409" tIns="45706" rIns="91409" bIns="45706" rtlCol="0">
+            <a:spAutoFit/>
+          </a:bodyPr>
+          <a:lstStyle/>
+          <a:p>
+            <a:r>
+              <a:rPr lang="en-US" altLang="ko-KR" sz="3000" b="1" dirty="0" smtClean="0"/>
+              <a:t>Thread</a:t>
+            </a:r>
+            <a:endParaRPr lang="en-US" altLang="ko-KR" sz="3000" b="1" dirty="0" smtClean="0"/>
+          </a:p>
+        </p:txBody>
+      </p:sp>
+      <p:grpSp>
+        <p:nvGrpSpPr>
+          <p:cNvPr id="104" name="그룹 103"/>
+          <p:cNvGrpSpPr/>
+          <p:nvPr/>
+        </p:nvGrpSpPr>
+        <p:grpSpPr>
+          <a:xfrm>
+            <a:off x="7244068" y="6601670"/>
+            <a:ext cx="3996768" cy="1101028"/>
+            <a:chOff x="6984926" y="4145613"/>
+            <a:chExt cx="3996768" cy="1101028"/>
+          </a:xfrm>
+        </p:grpSpPr>
+        <p:sp>
+          <p:nvSpPr>
+            <p:cNvPr id="105" name="모서리가 둥근 직사각형 104"/>
+            <p:cNvSpPr/>
+            <p:nvPr/>
+          </p:nvSpPr>
+          <p:spPr>
+            <a:xfrm>
+              <a:off x="6984926" y="4145613"/>
+              <a:ext cx="3996768" cy="1101028"/>
+            </a:xfrm>
+            <a:prstGeom prst="roundRect">
+              <a:avLst>
+                <a:gd name="adj" fmla="val 4958"/>
+              </a:avLst>
+            </a:prstGeom>
+            <a:solidFill>
+              <a:schemeClr val="bg1"/>
+            </a:solidFill>
+            <a:ln w="3175">
+              <a:solidFill>
+                <a:schemeClr val="tx1"/>
+              </a:solidFill>
+            </a:ln>
+          </p:spPr>
+          <p:style>
+            <a:lnRef idx="2">
+              <a:schemeClr val="accent1">
+                <a:shade val="50000"/>
+              </a:schemeClr>
+            </a:lnRef>
+            <a:fillRef idx="1">
+              <a:schemeClr val="accent1"/>
+            </a:fillRef>
+            <a:effectRef idx="0">
+              <a:schemeClr val="accent1"/>
+            </a:effectRef>
+            <a:fontRef idx="minor">
+              <a:schemeClr val="lt1"/>
+            </a:fontRef>
+          </p:style>
+          <p:txBody>
+            <a:bodyPr lIns="91426" tIns="45713" rIns="91426" bIns="45713" rtlCol="0" anchor="ctr"/>
+            <a:lstStyle/>
+            <a:p>
+              <a:endParaRPr lang="en-US" altLang="ko-KR" dirty="0" smtClean="0">
+                <a:solidFill>
+                  <a:schemeClr val="tx1"/>
+                </a:solidFill>
+              </a:endParaRPr>
+            </a:p>
+          </p:txBody>
+        </p:sp>
+        <p:sp>
+          <p:nvSpPr>
+            <p:cNvPr id="106" name="TextBox 105"/>
+            <p:cNvSpPr txBox="1"/>
+            <p:nvPr/>
+          </p:nvSpPr>
+          <p:spPr>
+            <a:xfrm>
+              <a:off x="8235802" y="4182080"/>
+              <a:ext cx="1240983" cy="384692"/>
+            </a:xfrm>
+            <a:prstGeom prst="rect">
+              <a:avLst/>
+            </a:prstGeom>
+            <a:noFill/>
+          </p:spPr>
+          <p:txBody>
+            <a:bodyPr wrap="none" lIns="91409" tIns="45706" rIns="91409" bIns="45706" rtlCol="0">
+              <a:spAutoFit/>
+            </a:bodyPr>
+            <a:lstStyle/>
+            <a:p>
+              <a:pPr algn="ctr"/>
+              <a:r>
+                <a:rPr lang="en-US" altLang="ko-KR" b="1" dirty="0" smtClean="0"/>
+                <a:t>Node </a:t>
+              </a:r>
+              <a:r>
+                <a:rPr lang="en-US" altLang="ko-KR" b="1" dirty="0" smtClean="0"/>
+                <a:t>list</a:t>
+              </a:r>
+              <a:endParaRPr lang="en-US" altLang="ko-KR" b="1" dirty="0"/>
+            </a:p>
+          </p:txBody>
+        </p:sp>
+      </p:grpSp>
+      <p:cxnSp>
+        <p:nvCxnSpPr>
+          <p:cNvPr id="91" name="직선 화살표 연결선 90"/>
+          <p:cNvCxnSpPr/>
+          <p:nvPr/>
+        </p:nvCxnSpPr>
+        <p:spPr>
+          <a:xfrm>
+            <a:off x="8303509" y="7346287"/>
+            <a:ext cx="628195" cy="0"/>
+          </a:xfrm>
+          <a:prstGeom prst="straightConnector1">
+            <a:avLst/>
+          </a:prstGeom>
+          <a:ln w="28575">
+            <a:solidFill>
+              <a:schemeClr val="tx1"/>
+            </a:solidFill>
+            <a:tailEnd type="arrow"/>
+          </a:ln>
+        </p:spPr>
+        <p:style>
+          <a:lnRef idx="1">
+            <a:schemeClr val="accent1"/>
+          </a:lnRef>
+          <a:fillRef idx="0">
+            <a:schemeClr val="accent1"/>
+          </a:fillRef>
+          <a:effectRef idx="0">
+            <a:schemeClr val="accent1"/>
+          </a:effectRef>
+          <a:fontRef idx="minor">
+            <a:schemeClr val="tx1"/>
+          </a:fontRef>
+        </p:style>
+      </p:cxnSp>
+      <p:sp>
+        <p:nvSpPr>
+          <p:cNvPr id="99" name="직사각형 98"/>
+          <p:cNvSpPr/>
+          <p:nvPr/>
+        </p:nvSpPr>
+        <p:spPr>
+          <a:xfrm>
+            <a:off x="7774071" y="7082791"/>
+            <a:ext cx="529438" cy="526991"/>
+          </a:xfrm>
+          <a:prstGeom prst="rect">
+            <a:avLst/>
+          </a:prstGeom>
+          <a:solidFill>
+            <a:schemeClr val="bg2">
+              <a:lumMod val="50000"/>
+            </a:schemeClr>
+          </a:solidFill>
+          <a:ln>
+            <a:solidFill>
+              <a:schemeClr val="tx1"/>
+            </a:solidFill>
+          </a:ln>
+        </p:spPr>
+        <p:style>
+          <a:lnRef idx="2">
+            <a:schemeClr val="accent1">
+              <a:shade val="50000"/>
+            </a:schemeClr>
+          </a:lnRef>
+          <a:fillRef idx="1">
+            <a:schemeClr val="accent1"/>
+          </a:fillRef>
+          <a:effectRef idx="0">
+            <a:schemeClr val="accent1"/>
+          </a:effectRef>
+          <a:fontRef idx="minor">
+            <a:schemeClr val="lt1"/>
+          </a:fontRef>
+        </p:style>
+        <p:txBody>
+          <a:bodyPr rtlCol="0" anchor="ctr"/>
+          <a:lstStyle/>
+          <a:p>
+            <a:pPr algn="ctr"/>
+            <a:endParaRPr lang="ko-KR" altLang="en-US" dirty="0"/>
+          </a:p>
+        </p:txBody>
+      </p:sp>
+      <p:sp>
+        <p:nvSpPr>
+          <p:cNvPr id="100" name="직사각형 99"/>
+          <p:cNvSpPr/>
+          <p:nvPr/>
+        </p:nvSpPr>
+        <p:spPr>
+          <a:xfrm>
+            <a:off x="8931704" y="7082791"/>
+            <a:ext cx="529438" cy="526991"/>
+          </a:xfrm>
+          <a:prstGeom prst="rect">
+            <a:avLst/>
+          </a:prstGeom>
+          <a:solidFill>
+            <a:schemeClr val="bg2">
+              <a:lumMod val="50000"/>
+            </a:schemeClr>
+          </a:solidFill>
+          <a:ln>
+            <a:solidFill>
+              <a:schemeClr val="tx1"/>
+            </a:solidFill>
+          </a:ln>
+        </p:spPr>
+        <p:style>
+          <a:lnRef idx="2">
+            <a:schemeClr val="accent1">
+              <a:shade val="50000"/>
+            </a:schemeClr>
+          </a:lnRef>
+          <a:fillRef idx="1">
+            <a:schemeClr val="accent1"/>
+          </a:fillRef>
+          <a:effectRef idx="0">
+            <a:schemeClr val="accent1"/>
+          </a:effectRef>
+          <a:fontRef idx="minor">
+            <a:schemeClr val="lt1"/>
+          </a:fontRef>
+        </p:style>
+        <p:txBody>
+          <a:bodyPr rtlCol="0" anchor="ctr"/>
+          <a:lstStyle/>
+          <a:p>
+            <a:pPr algn="ctr"/>
+            <a:endParaRPr lang="ko-KR" altLang="en-US"/>
+          </a:p>
+        </p:txBody>
+      </p:sp>
+      <p:cxnSp>
+        <p:nvCxnSpPr>
+          <p:cNvPr id="102" name="직선 화살표 연결선 101"/>
+          <p:cNvCxnSpPr/>
+          <p:nvPr/>
+        </p:nvCxnSpPr>
+        <p:spPr>
+          <a:xfrm>
+            <a:off x="9478266" y="7346287"/>
+            <a:ext cx="628195" cy="0"/>
+          </a:xfrm>
+          <a:prstGeom prst="straightConnector1">
+            <a:avLst/>
+          </a:prstGeom>
+          <a:ln w="28575">
+            <a:solidFill>
+              <a:schemeClr val="tx1"/>
+            </a:solidFill>
+            <a:tailEnd type="arrow"/>
+          </a:ln>
+        </p:spPr>
+        <p:style>
+          <a:lnRef idx="1">
+            <a:schemeClr val="accent1"/>
+          </a:lnRef>
+          <a:fillRef idx="0">
+            <a:schemeClr val="accent1"/>
+          </a:fillRef>
+          <a:effectRef idx="0">
+            <a:schemeClr val="accent1"/>
+          </a:effectRef>
+          <a:fontRef idx="minor">
+            <a:schemeClr val="tx1"/>
+          </a:fontRef>
+        </p:style>
+      </p:cxnSp>
+      <p:sp>
+        <p:nvSpPr>
+          <p:cNvPr id="103" name="직사각형 102"/>
+          <p:cNvSpPr/>
+          <p:nvPr/>
+        </p:nvSpPr>
+        <p:spPr>
+          <a:xfrm>
+            <a:off x="10106461" y="7082791"/>
+            <a:ext cx="529438" cy="526991"/>
+          </a:xfrm>
+          <a:prstGeom prst="rect">
+            <a:avLst/>
+          </a:prstGeom>
+          <a:solidFill>
+            <a:schemeClr val="bg2">
+              <a:lumMod val="50000"/>
+            </a:schemeClr>
+          </a:solidFill>
+          <a:ln>
+            <a:solidFill>
+              <a:schemeClr val="tx1"/>
+            </a:solidFill>
+          </a:ln>
+        </p:spPr>
+        <p:style>
+          <a:lnRef idx="2">
+            <a:schemeClr val="accent1">
+              <a:shade val="50000"/>
+            </a:schemeClr>
+          </a:lnRef>
+          <a:fillRef idx="1">
+            <a:schemeClr val="accent1"/>
+          </a:fillRef>
+          <a:effectRef idx="0">
+            <a:schemeClr val="accent1"/>
+          </a:effectRef>
+          <a:fontRef idx="minor">
+            <a:schemeClr val="lt1"/>
+          </a:fontRef>
+        </p:style>
+        <p:txBody>
+          <a:bodyPr rtlCol="0" anchor="ctr"/>
+          <a:lstStyle/>
+          <a:p>
+            <a:pPr algn="ctr"/>
+            <a:endParaRPr lang="ko-KR" altLang="en-US"/>
+          </a:p>
+        </p:txBody>
+      </p:sp>
+      <p:cxnSp>
+        <p:nvCxnSpPr>
+          <p:cNvPr id="107" name="직선 화살표 연결선 106"/>
+          <p:cNvCxnSpPr>
+            <a:stCxn id="51" idx="2"/>
+          </p:cNvCxnSpPr>
+          <p:nvPr/>
+        </p:nvCxnSpPr>
+        <p:spPr>
+          <a:xfrm flipH="1">
+            <a:off x="9115436" y="6029089"/>
+            <a:ext cx="2840" cy="609048"/>
+          </a:xfrm>
+          <a:prstGeom prst="straightConnector1">
+            <a:avLst/>
+          </a:prstGeom>
+          <a:ln w="28575">
+            <a:solidFill>
+              <a:schemeClr val="tx1"/>
+            </a:solidFill>
+            <a:tailEnd type="arrow"/>
+          </a:ln>
+        </p:spPr>
+        <p:style>
+          <a:lnRef idx="1">
+            <a:schemeClr val="accent1"/>
+          </a:lnRef>
+          <a:fillRef idx="0">
+            <a:schemeClr val="accent1"/>
+          </a:fillRef>
+          <a:effectRef idx="0">
+            <a:schemeClr val="accent1"/>
+          </a:effectRef>
+          <a:fontRef idx="minor">
+            <a:schemeClr val="tx1"/>
+          </a:fontRef>
+        </p:style>
+      </p:cxnSp>
+      <p:cxnSp>
+        <p:nvCxnSpPr>
+          <p:cNvPr id="110" name="직선 화살표 연결선 109"/>
+          <p:cNvCxnSpPr/>
+          <p:nvPr/>
+        </p:nvCxnSpPr>
+        <p:spPr>
+          <a:xfrm>
+            <a:off x="9116388" y="7702698"/>
+            <a:ext cx="0" cy="656340"/>
+          </a:xfrm>
+          <a:prstGeom prst="straightConnector1">
+            <a:avLst/>
+          </a:prstGeom>
+          <a:ln w="28575">
+            <a:solidFill>
+              <a:schemeClr val="tx1"/>
+            </a:solidFill>
+            <a:tailEnd type="arrow"/>
+          </a:ln>
+        </p:spPr>
+        <p:style>
+          <a:lnRef idx="1">
+            <a:schemeClr val="accent1"/>
+          </a:lnRef>
+          <a:fillRef idx="0">
+            <a:schemeClr val="accent1"/>
+          </a:fillRef>
+          <a:effectRef idx="0">
+            <a:schemeClr val="accent1"/>
+          </a:effectRef>
+          <a:fontRef idx="minor">
+            <a:schemeClr val="tx1"/>
+          </a:fontRef>
+        </p:style>
+      </p:cxnSp>
+      <p:cxnSp>
+        <p:nvCxnSpPr>
+          <p:cNvPr id="114" name="꺾인 연결선 113"/>
+          <p:cNvCxnSpPr>
+            <a:stCxn id="28" idx="3"/>
+            <a:endCxn id="51" idx="3"/>
+          </p:cNvCxnSpPr>
+          <p:nvPr/>
+        </p:nvCxnSpPr>
+        <p:spPr>
+          <a:xfrm rot="5400000">
+            <a:off x="11638672" y="4146522"/>
+            <a:ext cx="572126" cy="2642638"/>
+          </a:xfrm>
+          <a:prstGeom prst="bentConnector2">
+            <a:avLst/>
+          </a:prstGeom>
+          <a:ln w="28575">
+            <a:solidFill>
+              <a:schemeClr val="tx1"/>
+            </a:solidFill>
+            <a:tailEnd type="arrow"/>
+          </a:ln>
+        </p:spPr>
+        <p:style>
+          <a:lnRef idx="1">
+            <a:schemeClr val="accent1"/>
+          </a:lnRef>
+          <a:fillRef idx="0">
+            <a:schemeClr val="accent1"/>
+          </a:fillRef>
+          <a:effectRef idx="0">
+            <a:schemeClr val="accent1"/>
+          </a:effectRef>
+          <a:fontRef idx="minor">
+            <a:schemeClr val="tx1"/>
+          </a:fontRef>
+        </p:style>
+      </p:cxnSp>
+      <p:cxnSp>
+        <p:nvCxnSpPr>
+          <p:cNvPr id="118" name="꺾인 연결선 117"/>
+          <p:cNvCxnSpPr>
+            <a:stCxn id="54" idx="3"/>
+            <a:endCxn id="28" idx="4"/>
+          </p:cNvCxnSpPr>
+          <p:nvPr/>
+        </p:nvCxnSpPr>
+        <p:spPr>
+          <a:xfrm flipV="1">
+            <a:off x="10531408" y="4544760"/>
+            <a:ext cx="3595671" cy="4089464"/>
+          </a:xfrm>
+          <a:prstGeom prst="bentConnector3">
+            <a:avLst>
+              <a:gd name="adj1" fmla="val 109587"/>
+            </a:avLst>
+          </a:prstGeom>
+          <a:ln w="28575">
+            <a:solidFill>
+              <a:schemeClr val="tx1"/>
+            </a:solidFill>
+            <a:tailEnd type="arrow"/>
+          </a:ln>
+        </p:spPr>
+        <p:style>
+          <a:lnRef idx="1">
+            <a:schemeClr val="accent1"/>
+          </a:lnRef>
+          <a:fillRef idx="0">
+            <a:schemeClr val="accent1"/>
+          </a:fillRef>
+          <a:effectRef idx="0">
+            <a:schemeClr val="accent1"/>
+          </a:effectRef>
+          <a:fontRef idx="minor">
+            <a:schemeClr val="tx1"/>
+          </a:fontRef>
+        </p:style>
+      </p:cxnSp>
+      <p:cxnSp>
+        <p:nvCxnSpPr>
+          <p:cNvPr id="125" name="꺾인 연결선 124"/>
+          <p:cNvCxnSpPr>
+            <a:endCxn id="51" idx="1"/>
+          </p:cNvCxnSpPr>
+          <p:nvPr/>
+        </p:nvCxnSpPr>
+        <p:spPr>
+          <a:xfrm flipV="1">
+            <a:off x="4812127" y="5753904"/>
+            <a:ext cx="2821009" cy="652427"/>
+          </a:xfrm>
+          <a:prstGeom prst="bentConnector3">
+            <a:avLst>
+              <a:gd name="adj1" fmla="val 49486"/>
+            </a:avLst>
+          </a:prstGeom>
+          <a:ln w="28575">
+            <a:solidFill>
+              <a:schemeClr val="tx1"/>
+            </a:solidFill>
+            <a:tailEnd type="arrow"/>
+          </a:ln>
+        </p:spPr>
+        <p:style>
+          <a:lnRef idx="1">
+            <a:schemeClr val="accent1"/>
+          </a:lnRef>
+          <a:fillRef idx="0">
+            <a:schemeClr val="accent1"/>
+          </a:fillRef>
+          <a:effectRef idx="0">
+            <a:schemeClr val="accent1"/>
+          </a:effectRef>
+          <a:fontRef idx="minor">
+            <a:schemeClr val="tx1"/>
+          </a:fontRef>
+        </p:style>
+      </p:cxnSp>
+      <p:cxnSp>
+        <p:nvCxnSpPr>
+          <p:cNvPr id="128" name="꺾인 연결선 127"/>
+          <p:cNvCxnSpPr>
+            <a:stCxn id="74" idx="3"/>
+            <a:endCxn id="54" idx="1"/>
+          </p:cNvCxnSpPr>
+          <p:nvPr/>
+        </p:nvCxnSpPr>
+        <p:spPr>
+          <a:xfrm>
+            <a:off x="4812127" y="6707209"/>
+            <a:ext cx="2749001" cy="1927015"/>
+          </a:xfrm>
+          <a:prstGeom prst="bentConnector3">
+            <a:avLst>
+              <a:gd name="adj1" fmla="val 50000"/>
+            </a:avLst>
+          </a:prstGeom>
+          <a:ln w="28575">
+            <a:solidFill>
+              <a:schemeClr val="tx1"/>
+            </a:solidFill>
+            <a:tailEnd type="arrow"/>
+          </a:ln>
+        </p:spPr>
+        <p:style>
+          <a:lnRef idx="1">
+            <a:schemeClr val="accent1"/>
+          </a:lnRef>
+          <a:fillRef idx="0">
+            <a:schemeClr val="accent1"/>
+          </a:fillRef>
+          <a:effectRef idx="0">
+            <a:schemeClr val="accent1"/>
+          </a:effectRef>
+          <a:fontRef idx="minor">
+            <a:schemeClr val="tx1"/>
+          </a:fontRef>
+        </p:style>
+      </p:cxnSp>
+    </p:spTree>
+    <p:extLst>
+      <p:ext uri="{BB962C8B-B14F-4D97-AF65-F5344CB8AC3E}">
+        <p14:creationId xmlns:p14="http://schemas.microsoft.com/office/powerpoint/2010/main" val="974104270"/>
+      </p:ext>
+    </p:extLst>
+  </p:cSld>
+  <p:clrMapOvr>
+    <a:masterClrMapping/>
+  </p:clrMapOvr>
+  <p:timing>
+    <p:tnLst>
+      <p:par>
+        <p:cTn id="1" dur="indefinite" restart="never" nodeType="tmRoot"/>
+      </p:par>
+    </p:tnLst>
+  </p:timing>
+</p:sld>
+</file>
+
+<file path=ppt/slides/slide7.xml><?xml version="1.0" encoding="utf-8"?>
+<p:sld xmlns:a="http://schemas.openxmlformats.org/drawingml/2006/main" xmlns:r="http://schemas.openxmlformats.org/officeDocument/2006/relationships" xmlns:p="http://schemas.openxmlformats.org/presentationml/2006/main">
+  <p:cSld>
+    <p:spTree>
+      <p:nvGrpSpPr>
+        <p:cNvPr id="1" name=""/>
+        <p:cNvGrpSpPr/>
+        <p:nvPr/>
+      </p:nvGrpSpPr>
+      <p:grpSpPr>
+        <a:xfrm>
+          <a:off x="0" y="0"/>
+          <a:ext cx="0" cy="0"/>
+          <a:chOff x="0" y="0"/>
+          <a:chExt cx="0" cy="0"/>
+        </a:xfrm>
+      </p:grpSpPr>
+      <p:sp>
+        <p:nvSpPr>
+          <p:cNvPr id="4" name="TextBox 3"/>
+          <p:cNvSpPr txBox="1"/>
+          <p:nvPr/>
+        </p:nvSpPr>
+        <p:spPr>
+          <a:xfrm>
+            <a:off x="7939364" y="238268"/>
+            <a:ext cx="5537031" cy="553970"/>
+          </a:xfrm>
+          <a:prstGeom prst="rect">
+            <a:avLst/>
+          </a:prstGeom>
+          <a:noFill/>
+        </p:spPr>
+        <p:txBody>
+          <a:bodyPr wrap="none" lIns="91409" tIns="45706" rIns="91409" bIns="45706" rtlCol="0">
+            <a:spAutoFit/>
+          </a:bodyPr>
+          <a:lstStyle/>
+          <a:p>
+            <a:r>
+              <a:rPr lang="ko-KR" altLang="en-US" sz="3000" b="1" dirty="0" smtClean="0"/>
+              <a:t>라이브러리 제작 </a:t>
+            </a:r>
+            <a:r>
+              <a:rPr lang="en-US" altLang="ko-KR" sz="3000" b="1" dirty="0" smtClean="0"/>
+              <a:t>– </a:t>
+            </a:r>
+            <a:r>
+              <a:rPr lang="ko-KR" altLang="en-US" sz="3000" b="1" dirty="0" smtClean="0"/>
+              <a:t>직렬화 버퍼</a:t>
+            </a:r>
+            <a:endParaRPr lang="en-US" altLang="ko-KR" sz="3000" b="1" dirty="0"/>
+          </a:p>
+        </p:txBody>
+      </p:sp>
+      <p:sp>
+        <p:nvSpPr>
+          <p:cNvPr id="3" name="TextBox 2"/>
+          <p:cNvSpPr txBox="1"/>
+          <p:nvPr/>
+        </p:nvSpPr>
+        <p:spPr>
+          <a:xfrm>
+            <a:off x="2436610" y="1008262"/>
+            <a:ext cx="6652592" cy="1708132"/>
+          </a:xfrm>
+          <a:prstGeom prst="rect">
+            <a:avLst/>
+          </a:prstGeom>
+          <a:noFill/>
+        </p:spPr>
+        <p:txBody>
+          <a:bodyPr wrap="none" lIns="91409" tIns="45706" rIns="91409" bIns="45706" rtlCol="0">
+            <a:spAutoFit/>
+          </a:bodyPr>
+          <a:lstStyle/>
+          <a:p>
+            <a:r>
+              <a:rPr lang="ko-KR" altLang="en-US" sz="2500" b="1" dirty="0" smtClean="0"/>
+              <a:t>특징</a:t>
+            </a:r>
+            <a:endParaRPr lang="en-US" altLang="ko-KR" sz="2500" b="1" dirty="0" smtClean="0"/>
+          </a:p>
+          <a:p>
+            <a:endParaRPr lang="en-US" altLang="ko-KR" sz="2000" dirty="0"/>
+          </a:p>
+          <a:p>
+            <a:pPr marL="342900" indent="-342900">
+              <a:buFontTx/>
+              <a:buChar char="-"/>
+            </a:pPr>
+            <a:r>
+              <a:rPr lang="en-US" altLang="ko-KR" sz="2000" dirty="0" smtClean="0"/>
+              <a:t>Byte </a:t>
+            </a:r>
+            <a:r>
+              <a:rPr lang="ko-KR" altLang="en-US" sz="2000" dirty="0" smtClean="0"/>
+              <a:t>버퍼</a:t>
+            </a:r>
+            <a:r>
+              <a:rPr lang="en-US" altLang="ko-KR" sz="2000" dirty="0" smtClean="0"/>
+              <a:t>.</a:t>
+            </a:r>
+          </a:p>
+          <a:p>
+            <a:pPr marL="342900" indent="-342900">
+              <a:buFontTx/>
+              <a:buChar char="-"/>
+            </a:pPr>
+            <a:r>
+              <a:rPr lang="en-US" altLang="ko-KR" sz="2000" dirty="0" smtClean="0"/>
+              <a:t>Reference Count </a:t>
+            </a:r>
+            <a:r>
+              <a:rPr lang="ko-KR" altLang="en-US" sz="2000" dirty="0" smtClean="0"/>
+              <a:t>사용</a:t>
+            </a:r>
+            <a:endParaRPr lang="en-US" altLang="ko-KR" sz="2000" dirty="0" smtClean="0"/>
+          </a:p>
+          <a:p>
+            <a:pPr marL="342900" indent="-342900">
+              <a:buFontTx/>
+              <a:buChar char="-"/>
+            </a:pPr>
+            <a:r>
+              <a:rPr lang="ko-KR" altLang="en-US" sz="2000" dirty="0" smtClean="0"/>
+              <a:t>네트워크 모듈</a:t>
+            </a:r>
+            <a:r>
+              <a:rPr lang="en-US" altLang="ko-KR" sz="2000" dirty="0" smtClean="0"/>
+              <a:t>(</a:t>
+            </a:r>
+            <a:r>
+              <a:rPr lang="en-US" altLang="ko-KR" sz="2000" dirty="0" err="1" smtClean="0"/>
+              <a:t>CNetServer</a:t>
+            </a:r>
+            <a:r>
+              <a:rPr lang="en-US" altLang="ko-KR" sz="2000" dirty="0" smtClean="0"/>
+              <a:t> / </a:t>
+            </a:r>
+            <a:r>
+              <a:rPr lang="en-US" altLang="ko-KR" sz="2000" dirty="0" err="1" smtClean="0"/>
+              <a:t>CMMOServer</a:t>
+            </a:r>
+            <a:r>
+              <a:rPr lang="en-US" altLang="ko-KR" sz="2000" dirty="0" smtClean="0"/>
+              <a:t>)</a:t>
+            </a:r>
+            <a:r>
+              <a:rPr lang="ko-KR" altLang="en-US" sz="2000" dirty="0" smtClean="0"/>
+              <a:t>에 종속적</a:t>
+            </a:r>
+            <a:r>
+              <a:rPr lang="en-US" altLang="ko-KR" sz="2000" dirty="0" smtClean="0"/>
+              <a:t>.</a:t>
+            </a:r>
+          </a:p>
+        </p:txBody>
+      </p:sp>
+      <p:sp>
+        <p:nvSpPr>
+          <p:cNvPr id="5" name="모서리가 둥근 직사각형 4"/>
+          <p:cNvSpPr/>
+          <p:nvPr/>
+        </p:nvSpPr>
+        <p:spPr>
+          <a:xfrm>
+            <a:off x="2418329" y="3122962"/>
+            <a:ext cx="8602354" cy="5662164"/>
+          </a:xfrm>
+          <a:prstGeom prst="roundRect">
+            <a:avLst>
+              <a:gd name="adj" fmla="val 2647"/>
+            </a:avLst>
+          </a:prstGeom>
+          <a:solidFill>
+            <a:schemeClr val="accent6">
+              <a:lumMod val="20000"/>
+              <a:lumOff val="80000"/>
+            </a:schemeClr>
+          </a:solidFill>
+          <a:ln w="3175">
+            <a:solidFill>
+              <a:schemeClr val="tx1"/>
+            </a:solidFill>
+          </a:ln>
+        </p:spPr>
+        <p:style>
+          <a:lnRef idx="2">
+            <a:schemeClr val="accent1">
+              <a:shade val="50000"/>
+            </a:schemeClr>
+          </a:lnRef>
+          <a:fillRef idx="1">
+            <a:schemeClr val="accent1"/>
+          </a:fillRef>
+          <a:effectRef idx="0">
+            <a:schemeClr val="accent1"/>
+          </a:effectRef>
+          <a:fontRef idx="minor">
+            <a:schemeClr val="lt1"/>
+          </a:fontRef>
+        </p:style>
+        <p:txBody>
+          <a:bodyPr lIns="91409" tIns="45706" rIns="91409" bIns="45706" rtlCol="0" anchor="ctr"/>
+          <a:lstStyle/>
+          <a:p>
+            <a:pPr algn="ctr"/>
+            <a:endParaRPr lang="ko-KR" altLang="en-US" dirty="0"/>
+          </a:p>
+        </p:txBody>
+      </p:sp>
+      <p:sp>
+        <p:nvSpPr>
+          <p:cNvPr id="6" name="TextBox 5"/>
+          <p:cNvSpPr txBox="1"/>
+          <p:nvPr/>
+        </p:nvSpPr>
+        <p:spPr>
+          <a:xfrm>
+            <a:off x="6083318" y="3194970"/>
+            <a:ext cx="1375571" cy="523192"/>
+          </a:xfrm>
+          <a:prstGeom prst="rect">
+            <a:avLst/>
+          </a:prstGeom>
+          <a:noFill/>
+        </p:spPr>
+        <p:txBody>
+          <a:bodyPr wrap="none" lIns="91409" tIns="45706" rIns="91409" bIns="45706" rtlCol="0">
+            <a:spAutoFit/>
+          </a:bodyPr>
+          <a:lstStyle/>
+          <a:p>
+            <a:pPr algn="ctr"/>
+            <a:r>
+              <a:rPr lang="en-US" altLang="ko-KR" sz="1400" b="1" dirty="0" err="1" smtClean="0"/>
+              <a:t>CProtocolBuff</a:t>
+            </a:r>
+            <a:endParaRPr lang="en-US" altLang="ko-KR" sz="1400" b="1" dirty="0" smtClean="0"/>
+          </a:p>
+          <a:p>
+            <a:pPr algn="ctr"/>
+            <a:r>
+              <a:rPr lang="en-US" altLang="ko-KR" sz="1400" dirty="0" smtClean="0"/>
+              <a:t>(</a:t>
+            </a:r>
+            <a:r>
+              <a:rPr lang="ko-KR" altLang="en-US" sz="1400" dirty="0" smtClean="0"/>
+              <a:t>직렬화 버퍼</a:t>
+            </a:r>
+            <a:r>
+              <a:rPr lang="en-US" altLang="ko-KR" sz="1400" dirty="0"/>
+              <a:t>)</a:t>
+            </a:r>
+            <a:endParaRPr lang="en-US" altLang="ko-KR" sz="1400" dirty="0"/>
+          </a:p>
+        </p:txBody>
+      </p:sp>
+      <p:sp>
+        <p:nvSpPr>
+          <p:cNvPr id="7" name="모서리가 둥근 직사각형 6"/>
+          <p:cNvSpPr/>
+          <p:nvPr/>
+        </p:nvSpPr>
+        <p:spPr>
+          <a:xfrm>
+            <a:off x="7458888" y="5931274"/>
+            <a:ext cx="2970280" cy="550371"/>
+          </a:xfrm>
+          <a:prstGeom prst="roundRect">
+            <a:avLst/>
+          </a:prstGeom>
+          <a:solidFill>
+            <a:schemeClr val="accent4">
+              <a:lumMod val="40000"/>
+              <a:lumOff val="60000"/>
+            </a:schemeClr>
+          </a:solidFill>
+          <a:ln>
+            <a:solidFill>
+              <a:schemeClr val="bg1">
+                <a:lumMod val="75000"/>
+              </a:schemeClr>
+            </a:solidFill>
+          </a:ln>
+        </p:spPr>
+        <p:style>
+          <a:lnRef idx="2">
+            <a:schemeClr val="accent1">
+              <a:shade val="50000"/>
+            </a:schemeClr>
+          </a:lnRef>
+          <a:fillRef idx="1">
+            <a:schemeClr val="accent1"/>
+          </a:fillRef>
+          <a:effectRef idx="0">
+            <a:schemeClr val="accent1"/>
+          </a:effectRef>
+          <a:fontRef idx="minor">
+            <a:schemeClr val="lt1"/>
+          </a:fontRef>
+        </p:style>
+        <p:txBody>
+          <a:bodyPr lIns="91426" tIns="45713" rIns="91426" bIns="45713" rtlCol="0" anchor="ctr"/>
+          <a:lstStyle/>
+          <a:p>
+            <a:pPr algn="ctr"/>
+            <a:r>
+              <a:rPr lang="en-US" altLang="ko-KR" sz="1500" dirty="0" smtClean="0">
+                <a:solidFill>
+                  <a:schemeClr val="tx1"/>
+                </a:solidFill>
+              </a:rPr>
+              <a:t>Static Void Free</a:t>
+            </a:r>
+          </a:p>
+          <a:p>
+            <a:pPr algn="ctr"/>
+            <a:r>
+              <a:rPr lang="en-US" altLang="ko-KR" sz="1500" dirty="0" smtClean="0">
+                <a:solidFill>
+                  <a:schemeClr val="tx1"/>
+                </a:solidFill>
+              </a:rPr>
+              <a:t>(</a:t>
+            </a:r>
+            <a:r>
+              <a:rPr lang="en-US" altLang="ko-KR" sz="1500" dirty="0" err="1">
+                <a:solidFill>
+                  <a:schemeClr val="tx1"/>
+                </a:solidFill>
+              </a:rPr>
+              <a:t>CProtocolBuf</a:t>
+            </a:r>
+            <a:r>
+              <a:rPr lang="en-US" altLang="ko-KR" sz="1500" dirty="0">
+                <a:solidFill>
+                  <a:schemeClr val="tx1"/>
+                </a:solidFill>
+              </a:rPr>
+              <a:t>* </a:t>
+            </a:r>
+            <a:r>
+              <a:rPr lang="en-US" altLang="ko-KR" sz="1500" dirty="0" smtClean="0">
+                <a:solidFill>
+                  <a:schemeClr val="tx1"/>
+                </a:solidFill>
+              </a:rPr>
+              <a:t>data)</a:t>
+            </a:r>
+            <a:endParaRPr lang="en-US" altLang="ko-KR" sz="1500" dirty="0">
+              <a:solidFill>
+                <a:schemeClr val="tx1"/>
+              </a:solidFill>
+            </a:endParaRPr>
+          </a:p>
+        </p:txBody>
+      </p:sp>
+      <p:sp>
+        <p:nvSpPr>
+          <p:cNvPr id="8" name="모서리가 둥근 직사각형 7"/>
+          <p:cNvSpPr/>
+          <p:nvPr/>
+        </p:nvSpPr>
+        <p:spPr>
+          <a:xfrm>
+            <a:off x="7458889" y="4779146"/>
+            <a:ext cx="2970280" cy="550371"/>
+          </a:xfrm>
+          <a:prstGeom prst="roundRect">
+            <a:avLst/>
+          </a:prstGeom>
+          <a:solidFill>
+            <a:schemeClr val="accent4">
+              <a:lumMod val="40000"/>
+              <a:lumOff val="60000"/>
+            </a:schemeClr>
+          </a:solidFill>
+          <a:ln>
+            <a:solidFill>
+              <a:schemeClr val="bg1">
+                <a:lumMod val="75000"/>
+              </a:schemeClr>
+            </a:solidFill>
+          </a:ln>
+        </p:spPr>
+        <p:style>
+          <a:lnRef idx="2">
+            <a:schemeClr val="accent1">
+              <a:shade val="50000"/>
+            </a:schemeClr>
+          </a:lnRef>
+          <a:fillRef idx="1">
+            <a:schemeClr val="accent1"/>
+          </a:fillRef>
+          <a:effectRef idx="0">
+            <a:schemeClr val="accent1"/>
+          </a:effectRef>
+          <a:fontRef idx="minor">
+            <a:schemeClr val="lt1"/>
+          </a:fontRef>
+        </p:style>
+        <p:txBody>
+          <a:bodyPr lIns="91426" tIns="45713" rIns="91426" bIns="45713" rtlCol="0" anchor="ctr"/>
+          <a:lstStyle/>
+          <a:p>
+            <a:pPr algn="ctr"/>
+            <a:r>
+              <a:rPr lang="en-US" altLang="ko-KR" sz="1500" dirty="0" smtClean="0">
+                <a:solidFill>
+                  <a:schemeClr val="tx1"/>
+                </a:solidFill>
+              </a:rPr>
+              <a:t>Static </a:t>
+            </a:r>
+            <a:r>
+              <a:rPr lang="en-US" altLang="ko-KR" sz="1500" dirty="0" err="1" smtClean="0">
+                <a:solidFill>
+                  <a:schemeClr val="tx1"/>
+                </a:solidFill>
+              </a:rPr>
+              <a:t>CProtocolBuff</a:t>
+            </a:r>
+            <a:r>
+              <a:rPr lang="en-US" altLang="ko-KR" sz="1500" dirty="0" smtClean="0">
+                <a:solidFill>
+                  <a:schemeClr val="tx1"/>
+                </a:solidFill>
+              </a:rPr>
+              <a:t>* </a:t>
+            </a:r>
+            <a:r>
+              <a:rPr lang="en-US" altLang="ko-KR" sz="1500" dirty="0" err="1" smtClean="0">
+                <a:solidFill>
+                  <a:schemeClr val="tx1"/>
+                </a:solidFill>
+              </a:rPr>
+              <a:t>Alloc</a:t>
+            </a:r>
+            <a:r>
+              <a:rPr lang="en-US" altLang="ko-KR" sz="1500" dirty="0" smtClean="0">
+                <a:solidFill>
+                  <a:schemeClr val="tx1"/>
+                </a:solidFill>
+              </a:rPr>
+              <a:t>()</a:t>
+            </a:r>
+            <a:endParaRPr lang="en-US" altLang="ko-KR" sz="1500" dirty="0">
+              <a:solidFill>
+                <a:schemeClr val="tx1"/>
+              </a:solidFill>
+            </a:endParaRPr>
+          </a:p>
+        </p:txBody>
+      </p:sp>
+      <p:sp>
+        <p:nvSpPr>
+          <p:cNvPr id="9" name="직사각형 8"/>
+          <p:cNvSpPr/>
+          <p:nvPr/>
+        </p:nvSpPr>
+        <p:spPr>
+          <a:xfrm>
+            <a:off x="7813434" y="4491114"/>
+            <a:ext cx="2261189" cy="352442"/>
+          </a:xfrm>
+          <a:prstGeom prst="rect">
+            <a:avLst/>
+          </a:prstGeom>
+          <a:solidFill>
+            <a:srgbClr val="FFFF00"/>
+          </a:solidFill>
+          <a:ln>
+            <a:solidFill>
+              <a:srgbClr val="FF0000"/>
+            </a:solidFill>
+          </a:ln>
+        </p:spPr>
+        <p:style>
+          <a:lnRef idx="2">
+            <a:schemeClr val="accent1">
+              <a:shade val="50000"/>
+            </a:schemeClr>
+          </a:lnRef>
+          <a:fillRef idx="1">
+            <a:schemeClr val="accent1"/>
+          </a:fillRef>
+          <a:effectRef idx="0">
+            <a:schemeClr val="accent1"/>
+          </a:effectRef>
+          <a:fontRef idx="minor">
+            <a:schemeClr val="lt1"/>
+          </a:fontRef>
+        </p:style>
+        <p:txBody>
+          <a:bodyPr rtlCol="0" anchor="ctr"/>
+          <a:lstStyle/>
+          <a:p>
+            <a:pPr algn="ctr"/>
+            <a:r>
+              <a:rPr lang="en-US" altLang="ko-KR" sz="1500" b="1" dirty="0" smtClean="0">
+                <a:solidFill>
+                  <a:schemeClr val="tx1"/>
+                </a:solidFill>
+              </a:rPr>
+              <a:t>class </a:t>
+            </a:r>
+            <a:r>
+              <a:rPr lang="ko-KR" altLang="en-US" sz="1500" b="1" dirty="0" smtClean="0">
+                <a:solidFill>
+                  <a:schemeClr val="tx1"/>
+                </a:solidFill>
+              </a:rPr>
+              <a:t>정적</a:t>
+            </a:r>
+            <a:r>
+              <a:rPr lang="en-US" altLang="ko-KR" sz="1500" b="1" dirty="0" smtClean="0">
+                <a:solidFill>
+                  <a:schemeClr val="tx1"/>
+                </a:solidFill>
+              </a:rPr>
+              <a:t> </a:t>
+            </a:r>
+            <a:r>
+              <a:rPr lang="ko-KR" altLang="en-US" sz="1500" b="1" dirty="0" smtClean="0">
+                <a:solidFill>
+                  <a:schemeClr val="tx1"/>
+                </a:solidFill>
+              </a:rPr>
+              <a:t>멤버 함수</a:t>
+            </a:r>
+            <a:endParaRPr lang="en-US" altLang="ko-KR" sz="1500" b="1" dirty="0" smtClean="0">
+              <a:solidFill>
+                <a:schemeClr val="tx1"/>
+              </a:solidFill>
+            </a:endParaRPr>
+          </a:p>
+        </p:txBody>
+      </p:sp>
+      <p:sp>
+        <p:nvSpPr>
+          <p:cNvPr id="10" name="직사각형 9"/>
+          <p:cNvSpPr/>
+          <p:nvPr/>
+        </p:nvSpPr>
+        <p:spPr>
+          <a:xfrm>
+            <a:off x="7813434" y="5605781"/>
+            <a:ext cx="2261189" cy="352442"/>
+          </a:xfrm>
+          <a:prstGeom prst="rect">
+            <a:avLst/>
+          </a:prstGeom>
+          <a:solidFill>
+            <a:srgbClr val="FFFF00"/>
+          </a:solidFill>
+          <a:ln>
+            <a:solidFill>
+              <a:srgbClr val="FF0000"/>
+            </a:solidFill>
+          </a:ln>
+        </p:spPr>
+        <p:style>
+          <a:lnRef idx="2">
+            <a:schemeClr val="accent1">
+              <a:shade val="50000"/>
+            </a:schemeClr>
+          </a:lnRef>
+          <a:fillRef idx="1">
+            <a:schemeClr val="accent1"/>
+          </a:fillRef>
+          <a:effectRef idx="0">
+            <a:schemeClr val="accent1"/>
+          </a:effectRef>
+          <a:fontRef idx="minor">
+            <a:schemeClr val="lt1"/>
+          </a:fontRef>
+        </p:style>
+        <p:txBody>
+          <a:bodyPr rtlCol="0" anchor="ctr"/>
+          <a:lstStyle/>
+          <a:p>
+            <a:pPr algn="ctr"/>
+            <a:r>
+              <a:rPr lang="en-US" altLang="ko-KR" sz="1500" b="1" dirty="0" smtClean="0">
+                <a:solidFill>
+                  <a:schemeClr val="tx1"/>
+                </a:solidFill>
+              </a:rPr>
+              <a:t>class </a:t>
+            </a:r>
+            <a:r>
+              <a:rPr lang="ko-KR" altLang="en-US" sz="1500" b="1" dirty="0" smtClean="0">
+                <a:solidFill>
+                  <a:schemeClr val="tx1"/>
+                </a:solidFill>
+              </a:rPr>
+              <a:t>정적</a:t>
+            </a:r>
+            <a:r>
+              <a:rPr lang="en-US" altLang="ko-KR" sz="1500" b="1" dirty="0" smtClean="0">
+                <a:solidFill>
+                  <a:schemeClr val="tx1"/>
+                </a:solidFill>
+              </a:rPr>
+              <a:t> </a:t>
+            </a:r>
+            <a:r>
+              <a:rPr lang="ko-KR" altLang="en-US" sz="1500" b="1" dirty="0" smtClean="0">
+                <a:solidFill>
+                  <a:schemeClr val="tx1"/>
+                </a:solidFill>
+              </a:rPr>
+              <a:t>멤버 함수</a:t>
+            </a:r>
+            <a:endParaRPr lang="en-US" altLang="ko-KR" sz="1500" b="1" dirty="0" smtClean="0">
+              <a:solidFill>
+                <a:schemeClr val="tx1"/>
+              </a:solidFill>
+            </a:endParaRPr>
+          </a:p>
+        </p:txBody>
+      </p:sp>
+      <p:sp>
+        <p:nvSpPr>
+          <p:cNvPr id="11" name="원통 10"/>
+          <p:cNvSpPr/>
+          <p:nvPr/>
+        </p:nvSpPr>
+        <p:spPr>
+          <a:xfrm>
+            <a:off x="2893908" y="4665378"/>
+            <a:ext cx="1902663" cy="1397593"/>
+          </a:xfrm>
+          <a:prstGeom prst="can">
+            <a:avLst/>
+          </a:prstGeom>
+          <a:solidFill>
+            <a:schemeClr val="bg1"/>
+          </a:solidFill>
+          <a:ln w="3175">
+            <a:solidFill>
+              <a:schemeClr val="tx1"/>
+            </a:solidFill>
+          </a:ln>
+        </p:spPr>
+        <p:style>
+          <a:lnRef idx="2">
+            <a:schemeClr val="accent1">
+              <a:shade val="50000"/>
+            </a:schemeClr>
+          </a:lnRef>
+          <a:fillRef idx="1">
+            <a:schemeClr val="accent1"/>
+          </a:fillRef>
+          <a:effectRef idx="0">
+            <a:schemeClr val="accent1"/>
+          </a:effectRef>
+          <a:fontRef idx="minor">
+            <a:schemeClr val="lt1"/>
+          </a:fontRef>
+        </p:style>
+        <p:txBody>
+          <a:bodyPr rtlCol="0" anchor="ctr"/>
+          <a:lstStyle/>
+          <a:p>
+            <a:pPr algn="ctr"/>
+            <a:r>
+              <a:rPr lang="en-US" altLang="ko-KR" sz="1200" dirty="0" smtClean="0">
+                <a:solidFill>
+                  <a:schemeClr val="tx1"/>
+                </a:solidFill>
+              </a:rPr>
+              <a:t>Static </a:t>
+            </a:r>
+            <a:r>
+              <a:rPr lang="en-US" altLang="ko-KR" sz="1200" dirty="0" err="1" smtClean="0">
+                <a:solidFill>
+                  <a:schemeClr val="tx1"/>
+                </a:solidFill>
+              </a:rPr>
+              <a:t>CMemoryPoolTLS</a:t>
+            </a:r>
+            <a:r>
+              <a:rPr lang="en-US" altLang="ko-KR" sz="1200" dirty="0" smtClean="0">
+                <a:solidFill>
+                  <a:schemeClr val="tx1"/>
+                </a:solidFill>
+              </a:rPr>
+              <a:t> &lt;</a:t>
+            </a:r>
+            <a:r>
+              <a:rPr lang="en-US" altLang="ko-KR" sz="1200" dirty="0" err="1" smtClean="0">
+                <a:solidFill>
+                  <a:schemeClr val="tx1"/>
+                </a:solidFill>
+              </a:rPr>
+              <a:t>CProtocolBuff</a:t>
+            </a:r>
+            <a:r>
+              <a:rPr lang="en-US" altLang="ko-KR" sz="1200" dirty="0" smtClean="0">
+                <a:solidFill>
+                  <a:schemeClr val="tx1"/>
+                </a:solidFill>
+              </a:rPr>
+              <a:t>&gt;</a:t>
+            </a:r>
+          </a:p>
+        </p:txBody>
+      </p:sp>
+      <p:sp>
+        <p:nvSpPr>
+          <p:cNvPr id="12" name="모서리가 둥근 사각형 설명선 11"/>
+          <p:cNvSpPr/>
+          <p:nvPr/>
+        </p:nvSpPr>
+        <p:spPr>
+          <a:xfrm>
+            <a:off x="2865188" y="6335256"/>
+            <a:ext cx="3088185" cy="692215"/>
+          </a:xfrm>
+          <a:prstGeom prst="wedgeRoundRectCallout">
+            <a:avLst>
+              <a:gd name="adj1" fmla="val -21256"/>
+              <a:gd name="adj2" fmla="val -82422"/>
+              <a:gd name="adj3" fmla="val 16667"/>
+            </a:avLst>
+          </a:prstGeom>
+          <a:solidFill>
+            <a:schemeClr val="bg1"/>
+          </a:solidFill>
+          <a:ln w="3175">
+            <a:solidFill>
+              <a:schemeClr val="tx1"/>
+            </a:solidFill>
+          </a:ln>
+        </p:spPr>
+        <p:style>
+          <a:lnRef idx="2">
+            <a:schemeClr val="accent1">
+              <a:shade val="50000"/>
+            </a:schemeClr>
+          </a:lnRef>
+          <a:fillRef idx="1">
+            <a:schemeClr val="accent1"/>
+          </a:fillRef>
+          <a:effectRef idx="0">
+            <a:schemeClr val="accent1"/>
+          </a:effectRef>
+          <a:fontRef idx="minor">
+            <a:schemeClr val="lt1"/>
+          </a:fontRef>
+        </p:style>
+        <p:txBody>
+          <a:bodyPr lIns="91422" tIns="45711" rIns="91422" bIns="45711" rtlCol="0" anchor="ctr"/>
+          <a:lstStyle/>
+          <a:p>
+            <a:r>
+              <a:rPr lang="en-US" altLang="ko-KR" sz="1200" dirty="0" err="1" smtClean="0">
+                <a:solidFill>
+                  <a:schemeClr val="tx1"/>
+                </a:solidFill>
+              </a:rPr>
+              <a:t>CProtocolBuff</a:t>
+            </a:r>
+            <a:r>
+              <a:rPr lang="ko-KR" altLang="en-US" sz="1200" dirty="0" smtClean="0">
+                <a:solidFill>
+                  <a:schemeClr val="tx1"/>
+                </a:solidFill>
+              </a:rPr>
+              <a:t>를 다루는 </a:t>
+            </a:r>
+            <a:r>
+              <a:rPr lang="ko-KR" altLang="en-US" sz="1200" dirty="0" err="1" smtClean="0">
+                <a:solidFill>
+                  <a:schemeClr val="tx1"/>
+                </a:solidFill>
+              </a:rPr>
+              <a:t>메모리풀</a:t>
+            </a:r>
+            <a:r>
+              <a:rPr lang="ko-KR" altLang="en-US" sz="1200" dirty="0" smtClean="0">
+                <a:solidFill>
+                  <a:schemeClr val="tx1"/>
+                </a:solidFill>
+              </a:rPr>
+              <a:t> </a:t>
+            </a:r>
+            <a:r>
+              <a:rPr lang="en-US" altLang="ko-KR" sz="1200" dirty="0" smtClean="0">
+                <a:solidFill>
+                  <a:schemeClr val="tx1"/>
+                </a:solidFill>
+              </a:rPr>
+              <a:t>TLS</a:t>
+            </a:r>
+          </a:p>
+        </p:txBody>
+      </p:sp>
+      <p:sp>
+        <p:nvSpPr>
+          <p:cNvPr id="13" name="직사각형 12"/>
+          <p:cNvSpPr/>
+          <p:nvPr/>
+        </p:nvSpPr>
+        <p:spPr>
+          <a:xfrm>
+            <a:off x="2714644" y="4385408"/>
+            <a:ext cx="2261189" cy="352442"/>
+          </a:xfrm>
+          <a:prstGeom prst="rect">
+            <a:avLst/>
+          </a:prstGeom>
+          <a:solidFill>
+            <a:srgbClr val="FFFF00"/>
+          </a:solidFill>
+          <a:ln>
+            <a:solidFill>
+              <a:srgbClr val="FF0000"/>
+            </a:solidFill>
+          </a:ln>
+        </p:spPr>
+        <p:style>
+          <a:lnRef idx="2">
+            <a:schemeClr val="accent1">
+              <a:shade val="50000"/>
+            </a:schemeClr>
+          </a:lnRef>
+          <a:fillRef idx="1">
+            <a:schemeClr val="accent1"/>
+          </a:fillRef>
+          <a:effectRef idx="0">
+            <a:schemeClr val="accent1"/>
+          </a:effectRef>
+          <a:fontRef idx="minor">
+            <a:schemeClr val="lt1"/>
+          </a:fontRef>
+        </p:style>
+        <p:txBody>
+          <a:bodyPr rtlCol="0" anchor="ctr"/>
+          <a:lstStyle/>
+          <a:p>
+            <a:pPr algn="ctr"/>
+            <a:r>
+              <a:rPr lang="en-US" altLang="ko-KR" sz="1500" b="1" dirty="0" smtClean="0">
+                <a:solidFill>
+                  <a:schemeClr val="tx1"/>
+                </a:solidFill>
+              </a:rPr>
+              <a:t>class </a:t>
+            </a:r>
+            <a:r>
+              <a:rPr lang="ko-KR" altLang="en-US" sz="1500" b="1" dirty="0" smtClean="0">
+                <a:solidFill>
+                  <a:schemeClr val="tx1"/>
+                </a:solidFill>
+              </a:rPr>
+              <a:t>정적</a:t>
+            </a:r>
+            <a:r>
+              <a:rPr lang="en-US" altLang="ko-KR" sz="1500" b="1" dirty="0" smtClean="0">
+                <a:solidFill>
+                  <a:schemeClr val="tx1"/>
+                </a:solidFill>
+              </a:rPr>
+              <a:t> </a:t>
+            </a:r>
+            <a:r>
+              <a:rPr lang="ko-KR" altLang="en-US" sz="1500" b="1" dirty="0" smtClean="0">
+                <a:solidFill>
+                  <a:schemeClr val="tx1"/>
+                </a:solidFill>
+              </a:rPr>
+              <a:t>멤버 변</a:t>
+            </a:r>
+            <a:r>
+              <a:rPr lang="ko-KR" altLang="en-US" sz="1500" b="1" dirty="0">
+                <a:solidFill>
+                  <a:schemeClr val="tx1"/>
+                </a:solidFill>
+              </a:rPr>
+              <a:t>수</a:t>
+            </a:r>
+            <a:endParaRPr lang="en-US" altLang="ko-KR" sz="1500" b="1" dirty="0" smtClean="0">
+              <a:solidFill>
+                <a:schemeClr val="tx1"/>
+              </a:solidFill>
+            </a:endParaRPr>
+          </a:p>
+        </p:txBody>
+      </p:sp>
+      <p:sp>
+        <p:nvSpPr>
+          <p:cNvPr id="20" name="모서리가 둥근 직사각형 19"/>
+          <p:cNvSpPr/>
+          <p:nvPr/>
+        </p:nvSpPr>
+        <p:spPr>
+          <a:xfrm>
+            <a:off x="14269661" y="4046983"/>
+            <a:ext cx="2592285" cy="2634381"/>
+          </a:xfrm>
+          <a:prstGeom prst="roundRect">
+            <a:avLst/>
+          </a:prstGeom>
+          <a:solidFill>
+            <a:schemeClr val="bg1">
+              <a:lumMod val="95000"/>
+            </a:schemeClr>
+          </a:solidFill>
+          <a:ln>
+            <a:solidFill>
+              <a:schemeClr val="bg1">
+                <a:lumMod val="75000"/>
+              </a:schemeClr>
+            </a:solidFill>
+          </a:ln>
+        </p:spPr>
+        <p:style>
+          <a:lnRef idx="2">
+            <a:schemeClr val="accent1">
+              <a:shade val="50000"/>
+            </a:schemeClr>
+          </a:lnRef>
+          <a:fillRef idx="1">
+            <a:schemeClr val="accent1"/>
+          </a:fillRef>
+          <a:effectRef idx="0">
+            <a:schemeClr val="accent1"/>
+          </a:effectRef>
+          <a:fontRef idx="minor">
+            <a:schemeClr val="lt1"/>
+          </a:fontRef>
+        </p:style>
+        <p:txBody>
+          <a:bodyPr lIns="91409" tIns="45706" rIns="91409" bIns="45706" rtlCol="0" anchor="ctr"/>
+          <a:lstStyle/>
+          <a:p>
+            <a:pPr algn="ctr"/>
+            <a:endParaRPr lang="ko-KR" altLang="en-US" sz="1100" b="1" dirty="0">
+              <a:solidFill>
+                <a:schemeClr val="tx1"/>
+              </a:solidFill>
+            </a:endParaRPr>
+          </a:p>
+        </p:txBody>
+      </p:sp>
+      <p:sp>
+        <p:nvSpPr>
+          <p:cNvPr id="18" name="모서리가 둥근 직사각형 17"/>
+          <p:cNvSpPr/>
+          <p:nvPr/>
+        </p:nvSpPr>
+        <p:spPr>
+          <a:xfrm>
+            <a:off x="14485685" y="4247225"/>
+            <a:ext cx="2592285" cy="2634381"/>
+          </a:xfrm>
+          <a:prstGeom prst="roundRect">
+            <a:avLst/>
+          </a:prstGeom>
+          <a:solidFill>
+            <a:schemeClr val="bg1">
+              <a:lumMod val="95000"/>
+            </a:schemeClr>
+          </a:solidFill>
+          <a:ln>
+            <a:solidFill>
+              <a:schemeClr val="bg1">
+                <a:lumMod val="75000"/>
+              </a:schemeClr>
+            </a:solidFill>
+          </a:ln>
+        </p:spPr>
+        <p:style>
+          <a:lnRef idx="2">
+            <a:schemeClr val="accent1">
+              <a:shade val="50000"/>
+            </a:schemeClr>
+          </a:lnRef>
+          <a:fillRef idx="1">
+            <a:schemeClr val="accent1"/>
+          </a:fillRef>
+          <a:effectRef idx="0">
+            <a:schemeClr val="accent1"/>
+          </a:effectRef>
+          <a:fontRef idx="minor">
+            <a:schemeClr val="lt1"/>
+          </a:fontRef>
+        </p:style>
+        <p:txBody>
+          <a:bodyPr lIns="91409" tIns="45706" rIns="91409" bIns="45706" rtlCol="0" anchor="ctr"/>
+          <a:lstStyle/>
+          <a:p>
+            <a:pPr algn="ctr"/>
+            <a:endParaRPr lang="ko-KR" altLang="en-US" sz="1100" b="1" dirty="0">
+              <a:solidFill>
+                <a:schemeClr val="tx1"/>
+              </a:solidFill>
+            </a:endParaRPr>
+          </a:p>
+        </p:txBody>
+      </p:sp>
+      <p:sp>
+        <p:nvSpPr>
+          <p:cNvPr id="19" name="TextBox 18"/>
+          <p:cNvSpPr txBox="1"/>
+          <p:nvPr/>
+        </p:nvSpPr>
+        <p:spPr>
+          <a:xfrm>
+            <a:off x="14986958" y="4391241"/>
+            <a:ext cx="1587975" cy="553970"/>
+          </a:xfrm>
+          <a:prstGeom prst="rect">
+            <a:avLst/>
+          </a:prstGeom>
+          <a:noFill/>
+        </p:spPr>
+        <p:txBody>
+          <a:bodyPr wrap="square" lIns="91409" tIns="45706" rIns="91409" bIns="45706" rtlCol="0">
+            <a:spAutoFit/>
+          </a:bodyPr>
+          <a:lstStyle/>
+          <a:p>
+            <a:r>
+              <a:rPr lang="en-US" altLang="ko-KR" sz="3000" b="1" dirty="0" smtClean="0"/>
+              <a:t>Thread</a:t>
+            </a:r>
+            <a:endParaRPr lang="en-US" altLang="ko-KR" sz="3000" b="1" dirty="0" smtClean="0"/>
+          </a:p>
+        </p:txBody>
+      </p:sp>
+      <p:cxnSp>
+        <p:nvCxnSpPr>
+          <p:cNvPr id="21" name="꺾인 연결선 20"/>
+          <p:cNvCxnSpPr>
+            <a:stCxn id="20" idx="1"/>
+            <a:endCxn id="8" idx="3"/>
+          </p:cNvCxnSpPr>
+          <p:nvPr/>
+        </p:nvCxnSpPr>
+        <p:spPr>
+          <a:xfrm rot="10800000">
+            <a:off x="10429169" y="5054332"/>
+            <a:ext cx="3840492" cy="309842"/>
+          </a:xfrm>
+          <a:prstGeom prst="bentConnector3">
+            <a:avLst>
+              <a:gd name="adj1" fmla="val 50000"/>
+            </a:avLst>
+          </a:prstGeom>
+          <a:ln w="28575">
+            <a:solidFill>
+              <a:schemeClr val="tx1"/>
+            </a:solidFill>
+            <a:tailEnd type="arrow"/>
+          </a:ln>
+        </p:spPr>
+        <p:style>
+          <a:lnRef idx="1">
+            <a:schemeClr val="accent1"/>
+          </a:lnRef>
+          <a:fillRef idx="0">
+            <a:schemeClr val="accent1"/>
+          </a:fillRef>
+          <a:effectRef idx="0">
+            <a:schemeClr val="accent1"/>
+          </a:effectRef>
+          <a:fontRef idx="minor">
+            <a:schemeClr val="tx1"/>
+          </a:fontRef>
+        </p:style>
+      </p:cxnSp>
+      <p:cxnSp>
+        <p:nvCxnSpPr>
+          <p:cNvPr id="23" name="꺾인 연결선 22"/>
+          <p:cNvCxnSpPr>
+            <a:endCxn id="7" idx="3"/>
+          </p:cNvCxnSpPr>
+          <p:nvPr/>
+        </p:nvCxnSpPr>
+        <p:spPr>
+          <a:xfrm rot="10800000" flipV="1">
+            <a:off x="10429169" y="5785316"/>
+            <a:ext cx="3840493" cy="421144"/>
+          </a:xfrm>
+          <a:prstGeom prst="bentConnector3">
+            <a:avLst>
+              <a:gd name="adj1" fmla="val 50000"/>
+            </a:avLst>
+          </a:prstGeom>
+          <a:ln w="28575">
+            <a:solidFill>
+              <a:schemeClr val="tx1"/>
+            </a:solidFill>
+            <a:tailEnd type="arrow"/>
+          </a:ln>
+        </p:spPr>
+        <p:style>
+          <a:lnRef idx="1">
+            <a:schemeClr val="accent1"/>
+          </a:lnRef>
+          <a:fillRef idx="0">
+            <a:schemeClr val="accent1"/>
+          </a:fillRef>
+          <a:effectRef idx="0">
+            <a:schemeClr val="accent1"/>
+          </a:effectRef>
+          <a:fontRef idx="minor">
+            <a:schemeClr val="tx1"/>
+          </a:fontRef>
+        </p:style>
+      </p:cxnSp>
+      <p:cxnSp>
+        <p:nvCxnSpPr>
+          <p:cNvPr id="27" name="꺾인 연결선 26"/>
+          <p:cNvCxnSpPr>
+            <a:stCxn id="11" idx="4"/>
+            <a:endCxn id="8" idx="1"/>
+          </p:cNvCxnSpPr>
+          <p:nvPr/>
+        </p:nvCxnSpPr>
+        <p:spPr>
+          <a:xfrm flipV="1">
+            <a:off x="4796571" y="5054332"/>
+            <a:ext cx="2662318" cy="309843"/>
+          </a:xfrm>
+          <a:prstGeom prst="bentConnector3">
+            <a:avLst>
+              <a:gd name="adj1" fmla="val 50000"/>
+            </a:avLst>
+          </a:prstGeom>
+          <a:ln w="28575">
+            <a:solidFill>
+              <a:schemeClr val="tx1"/>
+            </a:solidFill>
+            <a:tailEnd type="arrow"/>
+          </a:ln>
+        </p:spPr>
+        <p:style>
+          <a:lnRef idx="1">
+            <a:schemeClr val="accent1"/>
+          </a:lnRef>
+          <a:fillRef idx="0">
+            <a:schemeClr val="accent1"/>
+          </a:fillRef>
+          <a:effectRef idx="0">
+            <a:schemeClr val="accent1"/>
+          </a:effectRef>
+          <a:fontRef idx="minor">
+            <a:schemeClr val="tx1"/>
+          </a:fontRef>
+        </p:style>
+      </p:cxnSp>
+      <p:cxnSp>
+        <p:nvCxnSpPr>
+          <p:cNvPr id="30" name="꺾인 연결선 29"/>
+          <p:cNvCxnSpPr>
+            <a:stCxn id="7" idx="1"/>
+          </p:cNvCxnSpPr>
+          <p:nvPr/>
+        </p:nvCxnSpPr>
+        <p:spPr>
+          <a:xfrm rot="10800000">
+            <a:off x="4796572" y="5564416"/>
+            <a:ext cx="2662317" cy="642045"/>
+          </a:xfrm>
+          <a:prstGeom prst="bentConnector3">
+            <a:avLst>
+              <a:gd name="adj1" fmla="val 50000"/>
+            </a:avLst>
+          </a:prstGeom>
+          <a:ln w="28575">
+            <a:solidFill>
+              <a:schemeClr val="tx1"/>
+            </a:solidFill>
+            <a:tailEnd type="arrow"/>
+          </a:ln>
+        </p:spPr>
+        <p:style>
+          <a:lnRef idx="1">
+            <a:schemeClr val="accent1"/>
+          </a:lnRef>
+          <a:fillRef idx="0">
+            <a:schemeClr val="accent1"/>
+          </a:fillRef>
+          <a:effectRef idx="0">
+            <a:schemeClr val="accent1"/>
+          </a:effectRef>
+          <a:fontRef idx="minor">
+            <a:schemeClr val="tx1"/>
+          </a:fontRef>
+        </p:style>
+      </p:cxnSp>
+      <p:sp>
+        <p:nvSpPr>
+          <p:cNvPr id="33" name="모서리가 둥근 사각형 설명선 32"/>
+          <p:cNvSpPr/>
+          <p:nvPr/>
+        </p:nvSpPr>
+        <p:spPr>
+          <a:xfrm>
+            <a:off x="7475246" y="6881606"/>
+            <a:ext cx="3232633" cy="692215"/>
+          </a:xfrm>
+          <a:prstGeom prst="wedgeRoundRectCallout">
+            <a:avLst>
+              <a:gd name="adj1" fmla="val -9492"/>
+              <a:gd name="adj2" fmla="val -92906"/>
+              <a:gd name="adj3" fmla="val 16667"/>
+            </a:avLst>
+          </a:prstGeom>
+          <a:solidFill>
+            <a:schemeClr val="bg1"/>
+          </a:solidFill>
+          <a:ln w="3175">
+            <a:solidFill>
+              <a:schemeClr val="tx1"/>
+            </a:solidFill>
+          </a:ln>
+        </p:spPr>
+        <p:style>
+          <a:lnRef idx="2">
+            <a:schemeClr val="accent1">
+              <a:shade val="50000"/>
+            </a:schemeClr>
+          </a:lnRef>
+          <a:fillRef idx="1">
+            <a:schemeClr val="accent1"/>
+          </a:fillRef>
+          <a:effectRef idx="0">
+            <a:schemeClr val="accent1"/>
+          </a:effectRef>
+          <a:fontRef idx="minor">
+            <a:schemeClr val="lt1"/>
+          </a:fontRef>
+        </p:style>
+        <p:txBody>
+          <a:bodyPr lIns="91422" tIns="45711" rIns="91422" bIns="45711" rtlCol="0" anchor="ctr"/>
+          <a:lstStyle/>
+          <a:p>
+            <a:r>
+              <a:rPr lang="en-US" altLang="ko-KR" sz="1200" dirty="0" smtClean="0">
+                <a:solidFill>
+                  <a:schemeClr val="tx1"/>
+                </a:solidFill>
+              </a:rPr>
+              <a:t>Reference Count 1 </a:t>
+            </a:r>
+            <a:r>
+              <a:rPr lang="ko-KR" altLang="en-US" sz="1200" dirty="0" smtClean="0">
+                <a:solidFill>
+                  <a:schemeClr val="tx1"/>
+                </a:solidFill>
+              </a:rPr>
+              <a:t>감소</a:t>
+            </a:r>
+            <a:r>
+              <a:rPr lang="en-US" altLang="ko-KR" sz="1200" dirty="0" smtClean="0">
+                <a:solidFill>
+                  <a:schemeClr val="tx1"/>
+                </a:solidFill>
+              </a:rPr>
+              <a:t>.</a:t>
+            </a:r>
+          </a:p>
+          <a:p>
+            <a:r>
+              <a:rPr lang="en-US" altLang="ko-KR" sz="1200" dirty="0" smtClean="0">
+                <a:solidFill>
+                  <a:schemeClr val="tx1"/>
+                </a:solidFill>
+              </a:rPr>
+              <a:t>0</a:t>
+            </a:r>
+            <a:r>
+              <a:rPr lang="ko-KR" altLang="en-US" sz="1200" dirty="0" smtClean="0">
+                <a:solidFill>
+                  <a:schemeClr val="tx1"/>
+                </a:solidFill>
+              </a:rPr>
+              <a:t>이 되면</a:t>
+            </a:r>
+            <a:r>
+              <a:rPr lang="en-US" altLang="ko-KR" sz="1200" dirty="0" err="1" smtClean="0">
+                <a:solidFill>
+                  <a:schemeClr val="tx1"/>
+                </a:solidFill>
+              </a:rPr>
+              <a:t>CMemoryPoolTLS</a:t>
+            </a:r>
+            <a:r>
+              <a:rPr lang="ko-KR" altLang="en-US" sz="1200" dirty="0" smtClean="0">
+                <a:solidFill>
+                  <a:schemeClr val="tx1"/>
+                </a:solidFill>
+              </a:rPr>
+              <a:t>에 </a:t>
+            </a:r>
+            <a:r>
+              <a:rPr lang="ko-KR" altLang="en-US" sz="1200" dirty="0" smtClean="0">
+                <a:solidFill>
+                  <a:schemeClr val="tx1"/>
+                </a:solidFill>
+              </a:rPr>
+              <a:t>반환</a:t>
+            </a:r>
+            <a:r>
+              <a:rPr lang="en-US" altLang="ko-KR" sz="1200" dirty="0" smtClean="0">
+                <a:solidFill>
+                  <a:schemeClr val="tx1"/>
+                </a:solidFill>
+              </a:rPr>
+              <a:t>.</a:t>
+            </a:r>
+          </a:p>
+        </p:txBody>
+      </p:sp>
+      <p:sp>
+        <p:nvSpPr>
+          <p:cNvPr id="37" name="모서리가 둥근 직사각형 36"/>
+          <p:cNvSpPr/>
+          <p:nvPr/>
+        </p:nvSpPr>
+        <p:spPr>
+          <a:xfrm>
+            <a:off x="7477699" y="7829174"/>
+            <a:ext cx="2970280" cy="550371"/>
+          </a:xfrm>
+          <a:prstGeom prst="roundRect">
+            <a:avLst/>
+          </a:prstGeom>
+          <a:solidFill>
+            <a:schemeClr val="accent4">
+              <a:lumMod val="40000"/>
+              <a:lumOff val="60000"/>
+            </a:schemeClr>
+          </a:solidFill>
+          <a:ln>
+            <a:solidFill>
+              <a:schemeClr val="bg1">
+                <a:lumMod val="75000"/>
+              </a:schemeClr>
+            </a:solidFill>
+          </a:ln>
+        </p:spPr>
+        <p:style>
+          <a:lnRef idx="2">
+            <a:schemeClr val="accent1">
+              <a:shade val="50000"/>
+            </a:schemeClr>
+          </a:lnRef>
+          <a:fillRef idx="1">
+            <a:schemeClr val="accent1"/>
+          </a:fillRef>
+          <a:effectRef idx="0">
+            <a:schemeClr val="accent1"/>
+          </a:effectRef>
+          <a:fontRef idx="minor">
+            <a:schemeClr val="lt1"/>
+          </a:fontRef>
+        </p:style>
+        <p:txBody>
+          <a:bodyPr lIns="91426" tIns="45713" rIns="91426" bIns="45713" rtlCol="0" anchor="ctr"/>
+          <a:lstStyle/>
+          <a:p>
+            <a:pPr algn="ctr"/>
+            <a:r>
+              <a:rPr lang="en-US" altLang="ko-KR" sz="1500" dirty="0" smtClean="0">
+                <a:solidFill>
+                  <a:schemeClr val="tx1"/>
+                </a:solidFill>
+              </a:rPr>
+              <a:t>Void </a:t>
+            </a:r>
+            <a:r>
+              <a:rPr lang="en-US" altLang="ko-KR" sz="1500" dirty="0" err="1" smtClean="0">
+                <a:solidFill>
+                  <a:schemeClr val="tx1"/>
+                </a:solidFill>
+              </a:rPr>
+              <a:t>RefAdd</a:t>
+            </a:r>
+            <a:r>
+              <a:rPr lang="en-US" altLang="ko-KR" sz="1500" dirty="0" smtClean="0">
+                <a:solidFill>
+                  <a:schemeClr val="tx1"/>
+                </a:solidFill>
+              </a:rPr>
+              <a:t>()</a:t>
+            </a:r>
+            <a:endParaRPr lang="en-US" altLang="ko-KR" sz="1500" dirty="0">
+              <a:solidFill>
+                <a:schemeClr val="tx1"/>
+              </a:solidFill>
+            </a:endParaRPr>
+          </a:p>
+        </p:txBody>
+      </p:sp>
+      <p:cxnSp>
+        <p:nvCxnSpPr>
+          <p:cNvPr id="38" name="꺾인 연결선 37"/>
+          <p:cNvCxnSpPr>
+            <a:endCxn id="37" idx="3"/>
+          </p:cNvCxnSpPr>
+          <p:nvPr/>
+        </p:nvCxnSpPr>
+        <p:spPr>
+          <a:xfrm rot="10800000" flipV="1">
+            <a:off x="10447979" y="6203536"/>
+            <a:ext cx="3821682" cy="1900824"/>
+          </a:xfrm>
+          <a:prstGeom prst="bentConnector3">
+            <a:avLst>
+              <a:gd name="adj1" fmla="val 44683"/>
+            </a:avLst>
+          </a:prstGeom>
+          <a:ln w="28575">
+            <a:solidFill>
+              <a:schemeClr val="tx1"/>
+            </a:solidFill>
+            <a:tailEnd type="arrow"/>
+          </a:ln>
+        </p:spPr>
+        <p:style>
+          <a:lnRef idx="1">
+            <a:schemeClr val="accent1"/>
+          </a:lnRef>
+          <a:fillRef idx="0">
+            <a:schemeClr val="accent1"/>
+          </a:fillRef>
+          <a:effectRef idx="0">
+            <a:schemeClr val="accent1"/>
+          </a:effectRef>
+          <a:fontRef idx="minor">
+            <a:schemeClr val="tx1"/>
+          </a:fontRef>
+        </p:style>
+      </p:cxnSp>
+      <p:sp>
+        <p:nvSpPr>
+          <p:cNvPr id="43" name="모서리가 둥근 사각형 설명선 42"/>
+          <p:cNvSpPr/>
+          <p:nvPr/>
+        </p:nvSpPr>
+        <p:spPr>
+          <a:xfrm>
+            <a:off x="5075206" y="7483066"/>
+            <a:ext cx="2016223" cy="692215"/>
+          </a:xfrm>
+          <a:prstGeom prst="wedgeRoundRectCallout">
+            <a:avLst>
+              <a:gd name="adj1" fmla="val 62866"/>
+              <a:gd name="adj2" fmla="val 28708"/>
+              <a:gd name="adj3" fmla="val 16667"/>
+            </a:avLst>
+          </a:prstGeom>
+          <a:solidFill>
+            <a:schemeClr val="bg1"/>
+          </a:solidFill>
+          <a:ln w="3175">
+            <a:solidFill>
+              <a:schemeClr val="tx1"/>
+            </a:solidFill>
+          </a:ln>
+        </p:spPr>
+        <p:style>
+          <a:lnRef idx="2">
+            <a:schemeClr val="accent1">
+              <a:shade val="50000"/>
+            </a:schemeClr>
+          </a:lnRef>
+          <a:fillRef idx="1">
+            <a:schemeClr val="accent1"/>
+          </a:fillRef>
+          <a:effectRef idx="0">
+            <a:schemeClr val="accent1"/>
+          </a:effectRef>
+          <a:fontRef idx="minor">
+            <a:schemeClr val="lt1"/>
+          </a:fontRef>
+        </p:style>
+        <p:txBody>
+          <a:bodyPr lIns="91422" tIns="45711" rIns="91422" bIns="45711" rtlCol="0" anchor="ctr"/>
+          <a:lstStyle/>
+          <a:p>
+            <a:r>
+              <a:rPr lang="en-US" altLang="ko-KR" sz="1200" smtClean="0">
+                <a:solidFill>
+                  <a:schemeClr val="tx1"/>
+                </a:solidFill>
+              </a:rPr>
+              <a:t>Reference Count 1 </a:t>
+            </a:r>
+            <a:r>
+              <a:rPr lang="ko-KR" altLang="en-US" sz="1200" dirty="0" smtClean="0">
+                <a:solidFill>
+                  <a:schemeClr val="tx1"/>
+                </a:solidFill>
+              </a:rPr>
+              <a:t>증가</a:t>
+            </a:r>
+            <a:endParaRPr lang="en-US" altLang="ko-KR" sz="1200" dirty="0" smtClean="0">
+              <a:solidFill>
+                <a:schemeClr val="tx1"/>
+              </a:solidFill>
+            </a:endParaRPr>
+          </a:p>
+        </p:txBody>
+      </p:sp>
+      <p:sp>
+        <p:nvSpPr>
+          <p:cNvPr id="49" name="모서리가 둥근 사각형 설명선 48"/>
+          <p:cNvSpPr/>
+          <p:nvPr/>
+        </p:nvSpPr>
+        <p:spPr>
+          <a:xfrm>
+            <a:off x="7939364" y="3718162"/>
+            <a:ext cx="2357929" cy="472277"/>
+          </a:xfrm>
+          <a:prstGeom prst="wedgeRoundRectCallout">
+            <a:avLst>
+              <a:gd name="adj1" fmla="val -21343"/>
+              <a:gd name="adj2" fmla="val 92875"/>
+              <a:gd name="adj3" fmla="val 16667"/>
+            </a:avLst>
+          </a:prstGeom>
+          <a:solidFill>
+            <a:schemeClr val="bg1"/>
+          </a:solidFill>
+          <a:ln w="3175">
+            <a:solidFill>
+              <a:schemeClr val="tx1"/>
+            </a:solidFill>
+          </a:ln>
+        </p:spPr>
+        <p:style>
+          <a:lnRef idx="2">
+            <a:schemeClr val="accent1">
+              <a:shade val="50000"/>
+            </a:schemeClr>
+          </a:lnRef>
+          <a:fillRef idx="1">
+            <a:schemeClr val="accent1"/>
+          </a:fillRef>
+          <a:effectRef idx="0">
+            <a:schemeClr val="accent1"/>
+          </a:effectRef>
+          <a:fontRef idx="minor">
+            <a:schemeClr val="lt1"/>
+          </a:fontRef>
+        </p:style>
+        <p:txBody>
+          <a:bodyPr lIns="91422" tIns="45711" rIns="91422" bIns="45711" rtlCol="0" anchor="ctr"/>
+          <a:lstStyle/>
+          <a:p>
+            <a:r>
+              <a:rPr lang="ko-KR" altLang="en-US" sz="1200" dirty="0" smtClean="0">
+                <a:solidFill>
+                  <a:schemeClr val="tx1"/>
+                </a:solidFill>
+              </a:rPr>
+              <a:t>최초 </a:t>
+            </a:r>
+            <a:r>
+              <a:rPr lang="en-US" altLang="ko-KR" sz="1200" dirty="0" smtClean="0">
+                <a:solidFill>
+                  <a:schemeClr val="tx1"/>
+                </a:solidFill>
+              </a:rPr>
+              <a:t>Reference Count</a:t>
+            </a:r>
+            <a:r>
+              <a:rPr lang="ko-KR" altLang="en-US" sz="1200" dirty="0" smtClean="0">
+                <a:solidFill>
+                  <a:schemeClr val="tx1"/>
+                </a:solidFill>
+              </a:rPr>
+              <a:t>는 </a:t>
+            </a:r>
+            <a:r>
+              <a:rPr lang="en-US" altLang="ko-KR" sz="1200" dirty="0" smtClean="0">
+                <a:solidFill>
+                  <a:schemeClr val="tx1"/>
+                </a:solidFill>
+              </a:rPr>
+              <a:t>1</a:t>
+            </a:r>
+          </a:p>
+        </p:txBody>
+      </p:sp>
+    </p:spTree>
+    <p:extLst>
+      <p:ext uri="{BB962C8B-B14F-4D97-AF65-F5344CB8AC3E}">
+        <p14:creationId xmlns:p14="http://schemas.microsoft.com/office/powerpoint/2010/main" val="3575330091"/>
       </p:ext>
     </p:extLst>
   </p:cSld>

--- a/_포트폴리오/최종/포트폴리오_송진규.pptx
+++ b/_포트폴리오/최종/포트폴리오_송진규.pptx
@@ -198,7 +198,7 @@
           <a:p>
             <a:fld id="{EB762C6C-61A4-4A96-BF6C-CDA03ADAA243}" type="datetimeFigureOut">
               <a:rPr lang="ko-KR" altLang="en-US" smtClean="0"/>
-              <a:t>2019-01-17</a:t>
+              <a:t>2019-01-18</a:t>
             </a:fld>
             <a:endParaRPr lang="ko-KR" altLang="en-US"/>
           </a:p>
@@ -815,7 +815,7 @@
           <a:p>
             <a:fld id="{7124A09B-C8D5-4831-A103-306AD3D3BC49}" type="datetimeFigureOut">
               <a:rPr lang="ko-KR" altLang="en-US" smtClean="0"/>
-              <a:t>2019-01-17</a:t>
+              <a:t>2019-01-18</a:t>
             </a:fld>
             <a:endParaRPr lang="ko-KR" altLang="en-US"/>
           </a:p>
@@ -985,7 +985,7 @@
           <a:p>
             <a:fld id="{7124A09B-C8D5-4831-A103-306AD3D3BC49}" type="datetimeFigureOut">
               <a:rPr lang="ko-KR" altLang="en-US" smtClean="0"/>
-              <a:t>2019-01-17</a:t>
+              <a:t>2019-01-18</a:t>
             </a:fld>
             <a:endParaRPr lang="ko-KR" altLang="en-US"/>
           </a:p>
@@ -1165,7 +1165,7 @@
           <a:p>
             <a:fld id="{7124A09B-C8D5-4831-A103-306AD3D3BC49}" type="datetimeFigureOut">
               <a:rPr lang="ko-KR" altLang="en-US" smtClean="0"/>
-              <a:t>2019-01-17</a:t>
+              <a:t>2019-01-18</a:t>
             </a:fld>
             <a:endParaRPr lang="ko-KR" altLang="en-US"/>
           </a:p>
@@ -1335,7 +1335,7 @@
           <a:p>
             <a:fld id="{7124A09B-C8D5-4831-A103-306AD3D3BC49}" type="datetimeFigureOut">
               <a:rPr lang="ko-KR" altLang="en-US" smtClean="0"/>
-              <a:t>2019-01-17</a:t>
+              <a:t>2019-01-18</a:t>
             </a:fld>
             <a:endParaRPr lang="ko-KR" altLang="en-US"/>
           </a:p>
@@ -1581,7 +1581,7 @@
           <a:p>
             <a:fld id="{7124A09B-C8D5-4831-A103-306AD3D3BC49}" type="datetimeFigureOut">
               <a:rPr lang="ko-KR" altLang="en-US" smtClean="0"/>
-              <a:t>2019-01-17</a:t>
+              <a:t>2019-01-18</a:t>
             </a:fld>
             <a:endParaRPr lang="ko-KR" altLang="en-US"/>
           </a:p>
@@ -1869,7 +1869,7 @@
           <a:p>
             <a:fld id="{7124A09B-C8D5-4831-A103-306AD3D3BC49}" type="datetimeFigureOut">
               <a:rPr lang="ko-KR" altLang="en-US" smtClean="0"/>
-              <a:t>2019-01-17</a:t>
+              <a:t>2019-01-18</a:t>
             </a:fld>
             <a:endParaRPr lang="ko-KR" altLang="en-US"/>
           </a:p>
@@ -2291,7 +2291,7 @@
           <a:p>
             <a:fld id="{7124A09B-C8D5-4831-A103-306AD3D3BC49}" type="datetimeFigureOut">
               <a:rPr lang="ko-KR" altLang="en-US" smtClean="0"/>
-              <a:t>2019-01-17</a:t>
+              <a:t>2019-01-18</a:t>
             </a:fld>
             <a:endParaRPr lang="ko-KR" altLang="en-US"/>
           </a:p>
@@ -2409,7 +2409,7 @@
           <a:p>
             <a:fld id="{7124A09B-C8D5-4831-A103-306AD3D3BC49}" type="datetimeFigureOut">
               <a:rPr lang="ko-KR" altLang="en-US" smtClean="0"/>
-              <a:t>2019-01-17</a:t>
+              <a:t>2019-01-18</a:t>
             </a:fld>
             <a:endParaRPr lang="ko-KR" altLang="en-US"/>
           </a:p>
@@ -2504,7 +2504,7 @@
           <a:p>
             <a:fld id="{7124A09B-C8D5-4831-A103-306AD3D3BC49}" type="datetimeFigureOut">
               <a:rPr lang="ko-KR" altLang="en-US" smtClean="0"/>
-              <a:t>2019-01-17</a:t>
+              <a:t>2019-01-18</a:t>
             </a:fld>
             <a:endParaRPr lang="ko-KR" altLang="en-US"/>
           </a:p>
@@ -2781,7 +2781,7 @@
           <a:p>
             <a:fld id="{7124A09B-C8D5-4831-A103-306AD3D3BC49}" type="datetimeFigureOut">
               <a:rPr lang="ko-KR" altLang="en-US" smtClean="0"/>
-              <a:t>2019-01-17</a:t>
+              <a:t>2019-01-18</a:t>
             </a:fld>
             <a:endParaRPr lang="ko-KR" altLang="en-US"/>
           </a:p>
@@ -3034,7 +3034,7 @@
           <a:p>
             <a:fld id="{7124A09B-C8D5-4831-A103-306AD3D3BC49}" type="datetimeFigureOut">
               <a:rPr lang="ko-KR" altLang="en-US" smtClean="0"/>
-              <a:t>2019-01-17</a:t>
+              <a:t>2019-01-18</a:t>
             </a:fld>
             <a:endParaRPr lang="ko-KR" altLang="en-US"/>
           </a:p>
@@ -3247,7 +3247,7 @@
           <a:p>
             <a:fld id="{7124A09B-C8D5-4831-A103-306AD3D3BC49}" type="datetimeFigureOut">
               <a:rPr lang="ko-KR" altLang="en-US" smtClean="0"/>
-              <a:t>2019-01-17</a:t>
+              <a:t>2019-01-18</a:t>
             </a:fld>
             <a:endParaRPr lang="ko-KR" altLang="en-US"/>
           </a:p>
@@ -11135,11 +11135,6 @@
               </a:rPr>
               <a:t>Number</a:t>
             </a:r>
-            <a:endParaRPr lang="en-US" altLang="ko-KR" sz="1500" dirty="0" smtClean="0">
-              <a:solidFill>
-                <a:schemeClr val="tx1"/>
-              </a:solidFill>
-            </a:endParaRPr>
           </a:p>
           <a:p>
             <a:r>
@@ -11258,15 +11253,7 @@
                   <a:schemeClr val="tx1"/>
                 </a:solidFill>
               </a:rPr>
-              <a:t>별 저장 가능한 유저 </a:t>
-            </a:r>
-            <a:r>
-              <a:rPr lang="ko-KR" altLang="en-US" sz="1500" dirty="0" smtClean="0">
-                <a:solidFill>
-                  <a:schemeClr val="tx1"/>
-                </a:solidFill>
-              </a:rPr>
-              <a:t>수</a:t>
+              <a:t>별 저장 가능한 유저 수</a:t>
             </a:r>
             <a:endParaRPr lang="en-US" altLang="ko-KR" sz="1500" dirty="0" smtClean="0">
               <a:solidFill>
@@ -11417,63 +11404,31 @@
                   <a:schemeClr val="tx1"/>
                 </a:solidFill>
               </a:rPr>
+              <a:t>DB Number, Content</a:t>
+            </a:r>
+            <a:r>
+              <a:rPr lang="ko-KR" altLang="en-US" sz="1500" dirty="0" smtClean="0">
+                <a:solidFill>
+                  <a:schemeClr val="tx1"/>
+                </a:solidFill>
+              </a:rPr>
+              <a:t> </a:t>
+            </a:r>
+            <a:r>
+              <a:rPr lang="en-US" altLang="ko-KR" sz="1500" dirty="0" smtClean="0">
+                <a:solidFill>
+                  <a:schemeClr val="tx1"/>
+                </a:solidFill>
+              </a:rPr>
               <a:t>DB </a:t>
             </a:r>
             <a:r>
-              <a:rPr lang="en-US" altLang="ko-KR" sz="1500" dirty="0" smtClean="0">
-                <a:solidFill>
-                  <a:schemeClr val="tx1"/>
-                </a:solidFill>
-              </a:rPr>
-              <a:t>Number</a:t>
-            </a:r>
-            <a:r>
-              <a:rPr lang="en-US" altLang="ko-KR" sz="1500" dirty="0" smtClean="0">
-                <a:solidFill>
-                  <a:schemeClr val="tx1"/>
-                </a:solidFill>
-              </a:rPr>
-              <a:t>, </a:t>
-            </a:r>
-            <a:r>
-              <a:rPr lang="en-US" altLang="ko-KR" sz="1500" dirty="0" smtClean="0">
-                <a:solidFill>
-                  <a:schemeClr val="tx1"/>
-                </a:solidFill>
-              </a:rPr>
-              <a:t>Content</a:t>
-            </a:r>
-            <a:r>
               <a:rPr lang="ko-KR" altLang="en-US" sz="1500" dirty="0" smtClean="0">
                 <a:solidFill>
                   <a:schemeClr val="tx1"/>
                 </a:solidFill>
               </a:rPr>
-              <a:t> </a:t>
-            </a:r>
-            <a:r>
-              <a:rPr lang="en-US" altLang="ko-KR" sz="1500" dirty="0" smtClean="0">
-                <a:solidFill>
-                  <a:schemeClr val="tx1"/>
-                </a:solidFill>
-              </a:rPr>
-              <a:t>DB </a:t>
-            </a:r>
-            <a:r>
-              <a:rPr lang="ko-KR" altLang="en-US" sz="1500" dirty="0" smtClean="0">
-                <a:solidFill>
-                  <a:schemeClr val="tx1"/>
-                </a:solidFill>
-              </a:rPr>
-              <a:t>접속 </a:t>
-            </a:r>
-            <a:r>
-              <a:rPr lang="ko-KR" altLang="en-US" sz="1500" dirty="0" smtClean="0">
-                <a:solidFill>
-                  <a:schemeClr val="tx1"/>
-                </a:solidFill>
-              </a:rPr>
-              <a:t>정보</a:t>
+              <a:t>접속 정보</a:t>
             </a:r>
             <a:endParaRPr lang="en-US" altLang="ko-KR" sz="1500" dirty="0" smtClean="0">
               <a:solidFill>
@@ -11744,15 +11699,7 @@
                   <a:schemeClr val="tx1"/>
                 </a:solidFill>
               </a:rPr>
-              <a:t> </a:t>
-            </a:r>
-            <a:r>
-              <a:rPr lang="ko-KR" altLang="en-US" sz="1500" dirty="0" smtClean="0">
-                <a:solidFill>
-                  <a:schemeClr val="tx1"/>
-                </a:solidFill>
-              </a:rPr>
-              <a:t>정보</a:t>
+              <a:t> 정보</a:t>
             </a:r>
             <a:endParaRPr lang="en-US" altLang="ko-KR" sz="1500" dirty="0" smtClean="0">
               <a:solidFill>
@@ -20046,11 +19993,7 @@
             <a:pPr algn="ctr"/>
             <a:r>
               <a:rPr lang="en-US" altLang="ko-KR" sz="1400" b="1" dirty="0" err="1" smtClean="0"/>
-              <a:t>CMemoryPool</a:t>
-            </a:r>
-            <a:r>
-              <a:rPr lang="en-US" altLang="ko-KR" sz="1400" b="1" dirty="0" err="1" smtClean="0"/>
-              <a:t>TLS</a:t>
+              <a:t>CMemoryPoolTLS</a:t>
             </a:r>
             <a:r>
               <a:rPr lang="en-US" altLang="ko-KR" sz="1400" b="1" dirty="0" smtClean="0"/>
@@ -20401,7 +20344,6 @@
               <a:rPr lang="en-US" altLang="ko-KR" sz="3000" b="1" dirty="0" smtClean="0"/>
               <a:t>Thread</a:t>
             </a:r>
-            <a:endParaRPr lang="en-US" altLang="ko-KR" sz="3000" b="1" dirty="0" smtClean="0"/>
           </a:p>
         </p:txBody>
       </p:sp>
@@ -21122,11 +21064,6 @@
               </a:rPr>
               <a:t>.</a:t>
             </a:r>
-            <a:endParaRPr lang="en-US" altLang="ko-KR" sz="1200" dirty="0" smtClean="0">
-              <a:solidFill>
-                <a:schemeClr val="tx1"/>
-              </a:solidFill>
-            </a:endParaRPr>
           </a:p>
         </p:txBody>
       </p:sp>
@@ -21866,11 +21803,6 @@
               </a:rPr>
               <a:t>.</a:t>
             </a:r>
-            <a:endParaRPr lang="en-US" altLang="ko-KR" sz="1200" dirty="0" smtClean="0">
-              <a:solidFill>
-                <a:schemeClr val="tx1"/>
-              </a:solidFill>
-            </a:endParaRPr>
           </a:p>
         </p:txBody>
       </p:sp>
@@ -22139,11 +22071,7 @@
             </a:r>
             <a:r>
               <a:rPr lang="ko-KR" altLang="en-US" sz="1400" dirty="0" smtClean="0"/>
-              <a:t> </a:t>
-            </a:r>
-            <a:r>
-              <a:rPr lang="ko-KR" altLang="en-US" sz="1400" dirty="0" smtClean="0"/>
-              <a:t>자료구</a:t>
+              <a:t> 자료구</a:t>
             </a:r>
             <a:r>
               <a:rPr lang="ko-KR" altLang="en-US" sz="1400" dirty="0"/>
@@ -22800,7 +22728,6 @@
               <a:rPr lang="en-US" altLang="ko-KR" sz="3000" b="1" dirty="0" smtClean="0"/>
               <a:t>Thread</a:t>
             </a:r>
-            <a:endParaRPr lang="en-US" altLang="ko-KR" sz="3000" b="1" dirty="0" smtClean="0"/>
           </a:p>
         </p:txBody>
       </p:sp>
@@ -22896,11 +22823,7 @@
               <a:pPr algn="ctr"/>
               <a:r>
                 <a:rPr lang="en-US" altLang="ko-KR" b="1" dirty="0" smtClean="0"/>
-                <a:t>Node </a:t>
-              </a:r>
-              <a:r>
-                <a:rPr lang="en-US" altLang="ko-KR" b="1" dirty="0" smtClean="0"/>
-                <a:t>list</a:t>
+                <a:t>Node list</a:t>
               </a:r>
               <a:endParaRPr lang="en-US" altLang="ko-KR" b="1" dirty="0"/>
             </a:p>
@@ -23364,6 +23287,900 @@
           </a:fontRef>
         </p:style>
       </p:cxnSp>
+      <p:sp>
+        <p:nvSpPr>
+          <p:cNvPr id="30" name="직사각형 29"/>
+          <p:cNvSpPr/>
+          <p:nvPr/>
+        </p:nvSpPr>
+        <p:spPr>
+          <a:xfrm>
+            <a:off x="2400891" y="9721230"/>
+            <a:ext cx="14369313" cy="1846659"/>
+          </a:xfrm>
+          <a:prstGeom prst="rect">
+            <a:avLst/>
+          </a:prstGeom>
+        </p:spPr>
+        <p:txBody>
+          <a:bodyPr wrap="square">
+            <a:spAutoFit/>
+          </a:bodyPr>
+          <a:lstStyle/>
+          <a:p>
+            <a:pPr marL="342900" indent="-342900">
+              <a:buFontTx/>
+              <a:buChar char="-"/>
+            </a:pPr>
+            <a:endParaRPr lang="en-US" altLang="ko-KR" sz="1800" dirty="0"/>
+          </a:p>
+          <a:p>
+            <a:endParaRPr lang="en-US" altLang="ko-KR" sz="1800" dirty="0"/>
+          </a:p>
+          <a:p>
+            <a:r>
+              <a:rPr lang="ko-KR" altLang="en-US" sz="2400" b="1" dirty="0" smtClean="0"/>
+              <a:t>비교 </a:t>
+            </a:r>
+            <a:r>
+              <a:rPr lang="ko-KR" altLang="en-US" sz="2400" b="1" dirty="0"/>
+              <a:t>테스트</a:t>
+            </a:r>
+            <a:endParaRPr lang="en-US" altLang="ko-KR" sz="2400" b="1" dirty="0"/>
+          </a:p>
+          <a:p>
+            <a:endParaRPr lang="en-US" altLang="ko-KR" sz="1800" dirty="0"/>
+          </a:p>
+          <a:p>
+            <a:pPr marL="342900" indent="-342900">
+              <a:buFontTx/>
+              <a:buChar char="-"/>
+            </a:pPr>
+            <a:r>
+              <a:rPr lang="en-US" altLang="ko-KR" sz="1800" dirty="0" smtClean="0"/>
+              <a:t>Critical Section / SRW Lock / </a:t>
+            </a:r>
+            <a:r>
+              <a:rPr lang="en-US" altLang="ko-KR" sz="1800" dirty="0" err="1" smtClean="0"/>
+              <a:t>LockFree</a:t>
+            </a:r>
+            <a:r>
+              <a:rPr lang="en-US" altLang="ko-KR" sz="1800" dirty="0" smtClean="0"/>
+              <a:t>-Queue</a:t>
+            </a:r>
+            <a:r>
+              <a:rPr lang="ko-KR" altLang="en-US" sz="1800" dirty="0" smtClean="0"/>
+              <a:t> 의 </a:t>
+            </a:r>
+            <a:r>
+              <a:rPr lang="en-US" altLang="ko-KR" sz="1800" dirty="0" err="1" smtClean="0"/>
+              <a:t>Enqueue</a:t>
+            </a:r>
+            <a:r>
+              <a:rPr lang="en-US" altLang="ko-KR" sz="1800" dirty="0" smtClean="0"/>
+              <a:t> / </a:t>
+            </a:r>
+            <a:r>
+              <a:rPr lang="en-US" altLang="ko-KR" sz="1800" dirty="0" err="1" smtClean="0"/>
+              <a:t>Dequeue</a:t>
+            </a:r>
+            <a:r>
+              <a:rPr lang="ko-KR" altLang="en-US" sz="1800" dirty="0" smtClean="0"/>
+              <a:t> 속도 비교 </a:t>
+            </a:r>
+            <a:r>
+              <a:rPr lang="en-US" altLang="ko-KR" sz="1800" dirty="0"/>
+              <a:t>(</a:t>
+            </a:r>
+            <a:r>
+              <a:rPr lang="ko-KR" altLang="en-US" sz="1800" dirty="0"/>
+              <a:t>직접 제작한 </a:t>
+            </a:r>
+            <a:r>
+              <a:rPr lang="ko-KR" altLang="en-US" sz="1800" dirty="0" err="1"/>
+              <a:t>프로파일링</a:t>
+            </a:r>
+            <a:r>
+              <a:rPr lang="ko-KR" altLang="en-US" sz="1800" dirty="0"/>
+              <a:t> 라이브러리 사용</a:t>
+            </a:r>
+            <a:r>
+              <a:rPr lang="en-US" altLang="ko-KR" sz="1800" dirty="0" smtClean="0"/>
+              <a:t>)</a:t>
+            </a:r>
+            <a:endParaRPr lang="en-US" altLang="ko-KR" sz="1800" dirty="0" smtClean="0"/>
+          </a:p>
+          <a:p>
+            <a:pPr marL="342900" indent="-342900">
+              <a:buFontTx/>
+              <a:buChar char="-"/>
+            </a:pPr>
+            <a:r>
+              <a:rPr lang="ko-KR" altLang="en-US" sz="1800" dirty="0" err="1" smtClean="0"/>
+              <a:t>스레드</a:t>
+            </a:r>
+            <a:r>
+              <a:rPr lang="ko-KR" altLang="en-US" sz="1800" dirty="0" smtClean="0"/>
+              <a:t> </a:t>
+            </a:r>
+            <a:r>
+              <a:rPr lang="en-US" altLang="ko-KR" sz="1800" dirty="0" smtClean="0"/>
+              <a:t>4</a:t>
+            </a:r>
+            <a:r>
+              <a:rPr lang="ko-KR" altLang="en-US" sz="1800" dirty="0" smtClean="0"/>
+              <a:t>개가 각각 </a:t>
+            </a:r>
+            <a:r>
+              <a:rPr lang="en-US" altLang="ko-KR" sz="1800" dirty="0" smtClean="0"/>
+              <a:t>100</a:t>
+            </a:r>
+            <a:r>
+              <a:rPr lang="ko-KR" altLang="en-US" sz="1800" dirty="0" smtClean="0"/>
+              <a:t>만개의 데이터</a:t>
+            </a:r>
+            <a:r>
+              <a:rPr lang="en-US" altLang="ko-KR" sz="1800" dirty="0" smtClean="0"/>
+              <a:t>, </a:t>
+            </a:r>
+            <a:r>
+              <a:rPr lang="ko-KR" altLang="en-US" sz="1800" dirty="0" smtClean="0"/>
+              <a:t>총 </a:t>
+            </a:r>
+            <a:r>
+              <a:rPr lang="en-US" altLang="ko-KR" sz="1800" dirty="0" smtClean="0"/>
+              <a:t>400</a:t>
+            </a:r>
+            <a:r>
+              <a:rPr lang="ko-KR" altLang="en-US" sz="1800" dirty="0" smtClean="0"/>
+              <a:t>만개의 데이터를 </a:t>
+            </a:r>
+            <a:r>
+              <a:rPr lang="en-US" altLang="ko-KR" sz="1800" dirty="0" err="1" smtClean="0"/>
+              <a:t>Enqueue</a:t>
+            </a:r>
+            <a:r>
+              <a:rPr lang="en-US" altLang="ko-KR" sz="1800" dirty="0" smtClean="0"/>
+              <a:t> / </a:t>
+            </a:r>
+            <a:r>
+              <a:rPr lang="en-US" altLang="ko-KR" sz="1800" dirty="0" err="1" smtClean="0"/>
+              <a:t>Dequeue</a:t>
+            </a:r>
+            <a:endParaRPr lang="en-US" altLang="ko-KR" sz="1800" dirty="0"/>
+          </a:p>
+        </p:txBody>
+      </p:sp>
+      <p:pic>
+        <p:nvPicPr>
+          <p:cNvPr id="31" name="Picture 2"/>
+          <p:cNvPicPr>
+            <a:picLocks noChangeAspect="1" noChangeArrowheads="1"/>
+          </p:cNvPicPr>
+          <p:nvPr/>
+        </p:nvPicPr>
+        <p:blipFill>
+          <a:blip r:embed="rId3">
+            <a:extLst>
+              <a:ext uri="{28A0092B-C50C-407E-A947-70E740481C1C}">
+                <a14:useLocalDpi xmlns:a14="http://schemas.microsoft.com/office/drawing/2010/main" val="0"/>
+              </a:ext>
+            </a:extLst>
+          </a:blip>
+          <a:srcRect/>
+          <a:stretch>
+            <a:fillRect/>
+          </a:stretch>
+        </p:blipFill>
+        <p:spPr bwMode="auto">
+          <a:xfrm>
+            <a:off x="2436610" y="12241510"/>
+            <a:ext cx="9401833" cy="2232248"/>
+          </a:xfrm>
+          <a:prstGeom prst="rect">
+            <a:avLst/>
+          </a:prstGeom>
+          <a:noFill/>
+          <a:ln>
+            <a:noFill/>
+          </a:ln>
+          <a:effectLst/>
+          <a:extLst>
+            <a:ext uri="{909E8E84-426E-40DD-AFC4-6F175D3DCCD1}">
+              <a14:hiddenFill xmlns:a14="http://schemas.microsoft.com/office/drawing/2010/main">
+                <a:solidFill>
+                  <a:schemeClr val="accent1"/>
+                </a:solidFill>
+              </a14:hiddenFill>
+            </a:ext>
+            <a:ext uri="{91240B29-F687-4F45-9708-019B960494DF}">
+              <a14:hiddenLine xmlns:a14="http://schemas.microsoft.com/office/drawing/2010/main" w="9525">
+                <a:solidFill>
+                  <a:schemeClr val="tx1"/>
+                </a:solidFill>
+                <a:miter lim="800000"/>
+                <a:headEnd/>
+                <a:tailEnd/>
+              </a14:hiddenLine>
+            </a:ext>
+            <a:ext uri="{AF507438-7753-43E0-B8FC-AC1667EBCBE1}">
+              <a14:hiddenEffects xmlns:a14="http://schemas.microsoft.com/office/drawing/2010/main">
+                <a:effectLst>
+                  <a:outerShdw dist="35921" dir="2700000" algn="ctr" rotWithShape="0">
+                    <a:schemeClr val="bg2"/>
+                  </a:outerShdw>
+                </a:effectLst>
+              </a14:hiddenEffects>
+            </a:ext>
+          </a:extLst>
+        </p:spPr>
+      </p:pic>
+      <p:pic>
+        <p:nvPicPr>
+          <p:cNvPr id="2050" name="Picture 2"/>
+          <p:cNvPicPr>
+            <a:picLocks noChangeAspect="1" noChangeArrowheads="1"/>
+          </p:cNvPicPr>
+          <p:nvPr/>
+        </p:nvPicPr>
+        <p:blipFill>
+          <a:blip r:embed="rId4">
+            <a:extLst>
+              <a:ext uri="{28A0092B-C50C-407E-A947-70E740481C1C}">
+                <a14:useLocalDpi xmlns:a14="http://schemas.microsoft.com/office/drawing/2010/main" val="0"/>
+              </a:ext>
+            </a:extLst>
+          </a:blip>
+          <a:srcRect/>
+          <a:stretch>
+            <a:fillRect/>
+          </a:stretch>
+        </p:blipFill>
+        <p:spPr bwMode="auto">
+          <a:xfrm>
+            <a:off x="2522902" y="15218586"/>
+            <a:ext cx="9344904" cy="2279508"/>
+          </a:xfrm>
+          <a:prstGeom prst="rect">
+            <a:avLst/>
+          </a:prstGeom>
+          <a:noFill/>
+          <a:ln>
+            <a:noFill/>
+          </a:ln>
+          <a:effectLst/>
+          <a:extLst>
+            <a:ext uri="{909E8E84-426E-40DD-AFC4-6F175D3DCCD1}">
+              <a14:hiddenFill xmlns:a14="http://schemas.microsoft.com/office/drawing/2010/main">
+                <a:solidFill>
+                  <a:schemeClr val="accent1"/>
+                </a:solidFill>
+              </a14:hiddenFill>
+            </a:ext>
+            <a:ext uri="{91240B29-F687-4F45-9708-019B960494DF}">
+              <a14:hiddenLine xmlns:a14="http://schemas.microsoft.com/office/drawing/2010/main" w="9525">
+                <a:solidFill>
+                  <a:schemeClr val="tx1"/>
+                </a:solidFill>
+                <a:miter lim="800000"/>
+                <a:headEnd/>
+                <a:tailEnd/>
+              </a14:hiddenLine>
+            </a:ext>
+            <a:ext uri="{AF507438-7753-43E0-B8FC-AC1667EBCBE1}">
+              <a14:hiddenEffects xmlns:a14="http://schemas.microsoft.com/office/drawing/2010/main">
+                <a:effectLst>
+                  <a:outerShdw dist="35921" dir="2700000" algn="ctr" rotWithShape="0">
+                    <a:schemeClr val="bg2"/>
+                  </a:outerShdw>
+                </a:effectLst>
+              </a14:hiddenEffects>
+            </a:ext>
+          </a:extLst>
+        </p:spPr>
+      </p:pic>
+      <p:pic>
+        <p:nvPicPr>
+          <p:cNvPr id="2051" name="Picture 3"/>
+          <p:cNvPicPr>
+            <a:picLocks noChangeAspect="1" noChangeArrowheads="1"/>
+          </p:cNvPicPr>
+          <p:nvPr/>
+        </p:nvPicPr>
+        <p:blipFill>
+          <a:blip r:embed="rId5">
+            <a:extLst>
+              <a:ext uri="{28A0092B-C50C-407E-A947-70E740481C1C}">
+                <a14:useLocalDpi xmlns:a14="http://schemas.microsoft.com/office/drawing/2010/main" val="0"/>
+              </a:ext>
+            </a:extLst>
+          </a:blip>
+          <a:srcRect/>
+          <a:stretch>
+            <a:fillRect/>
+          </a:stretch>
+        </p:blipFill>
+        <p:spPr bwMode="auto">
+          <a:xfrm>
+            <a:off x="2522902" y="18482541"/>
+            <a:ext cx="9344904" cy="2286753"/>
+          </a:xfrm>
+          <a:prstGeom prst="rect">
+            <a:avLst/>
+          </a:prstGeom>
+          <a:noFill/>
+          <a:ln>
+            <a:noFill/>
+          </a:ln>
+          <a:effectLst/>
+          <a:extLst>
+            <a:ext uri="{909E8E84-426E-40DD-AFC4-6F175D3DCCD1}">
+              <a14:hiddenFill xmlns:a14="http://schemas.microsoft.com/office/drawing/2010/main">
+                <a:solidFill>
+                  <a:schemeClr val="accent1"/>
+                </a:solidFill>
+              </a14:hiddenFill>
+            </a:ext>
+            <a:ext uri="{91240B29-F687-4F45-9708-019B960494DF}">
+              <a14:hiddenLine xmlns:a14="http://schemas.microsoft.com/office/drawing/2010/main" w="9525">
+                <a:solidFill>
+                  <a:schemeClr val="tx1"/>
+                </a:solidFill>
+                <a:miter lim="800000"/>
+                <a:headEnd/>
+                <a:tailEnd/>
+              </a14:hiddenLine>
+            </a:ext>
+            <a:ext uri="{AF507438-7753-43E0-B8FC-AC1667EBCBE1}">
+              <a14:hiddenEffects xmlns:a14="http://schemas.microsoft.com/office/drawing/2010/main">
+                <a:effectLst>
+                  <a:outerShdw dist="35921" dir="2700000" algn="ctr" rotWithShape="0">
+                    <a:schemeClr val="bg2"/>
+                  </a:outerShdw>
+                </a:effectLst>
+              </a14:hiddenEffects>
+            </a:ext>
+          </a:extLst>
+        </p:spPr>
+      </p:pic>
+      <p:sp>
+        <p:nvSpPr>
+          <p:cNvPr id="34" name="직사각형 33"/>
+          <p:cNvSpPr/>
+          <p:nvPr/>
+        </p:nvSpPr>
+        <p:spPr>
+          <a:xfrm>
+            <a:off x="6327262" y="13537654"/>
+            <a:ext cx="1337312" cy="720080"/>
+          </a:xfrm>
+          <a:prstGeom prst="rect">
+            <a:avLst/>
+          </a:prstGeom>
+          <a:noFill/>
+          <a:ln>
+            <a:solidFill>
+              <a:srgbClr val="FF0000"/>
+            </a:solidFill>
+          </a:ln>
+        </p:spPr>
+        <p:style>
+          <a:lnRef idx="2">
+            <a:schemeClr val="accent1">
+              <a:shade val="50000"/>
+            </a:schemeClr>
+          </a:lnRef>
+          <a:fillRef idx="1">
+            <a:schemeClr val="accent1"/>
+          </a:fillRef>
+          <a:effectRef idx="0">
+            <a:schemeClr val="accent1"/>
+          </a:effectRef>
+          <a:fontRef idx="minor">
+            <a:schemeClr val="lt1"/>
+          </a:fontRef>
+        </p:style>
+        <p:txBody>
+          <a:bodyPr rtlCol="0" anchor="ctr"/>
+          <a:lstStyle/>
+          <a:p>
+            <a:pPr algn="ctr"/>
+            <a:endParaRPr lang="ko-KR" altLang="en-US"/>
+          </a:p>
+        </p:txBody>
+      </p:sp>
+      <p:sp>
+        <p:nvSpPr>
+          <p:cNvPr id="35" name="직사각형 34"/>
+          <p:cNvSpPr/>
+          <p:nvPr/>
+        </p:nvSpPr>
+        <p:spPr>
+          <a:xfrm>
+            <a:off x="6377550" y="16466386"/>
+            <a:ext cx="1337312" cy="720080"/>
+          </a:xfrm>
+          <a:prstGeom prst="rect">
+            <a:avLst/>
+          </a:prstGeom>
+          <a:noFill/>
+          <a:ln>
+            <a:solidFill>
+              <a:srgbClr val="FF0000"/>
+            </a:solidFill>
+          </a:ln>
+        </p:spPr>
+        <p:style>
+          <a:lnRef idx="2">
+            <a:schemeClr val="accent1">
+              <a:shade val="50000"/>
+            </a:schemeClr>
+          </a:lnRef>
+          <a:fillRef idx="1">
+            <a:schemeClr val="accent1"/>
+          </a:fillRef>
+          <a:effectRef idx="0">
+            <a:schemeClr val="accent1"/>
+          </a:effectRef>
+          <a:fontRef idx="minor">
+            <a:schemeClr val="lt1"/>
+          </a:fontRef>
+        </p:style>
+        <p:txBody>
+          <a:bodyPr rtlCol="0" anchor="ctr"/>
+          <a:lstStyle/>
+          <a:p>
+            <a:pPr algn="ctr"/>
+            <a:endParaRPr lang="ko-KR" altLang="en-US"/>
+          </a:p>
+        </p:txBody>
+      </p:sp>
+      <p:sp>
+        <p:nvSpPr>
+          <p:cNvPr id="36" name="직사각형 35"/>
+          <p:cNvSpPr/>
+          <p:nvPr/>
+        </p:nvSpPr>
+        <p:spPr>
+          <a:xfrm>
+            <a:off x="6377550" y="19706678"/>
+            <a:ext cx="1337312" cy="720080"/>
+          </a:xfrm>
+          <a:prstGeom prst="rect">
+            <a:avLst/>
+          </a:prstGeom>
+          <a:noFill/>
+          <a:ln>
+            <a:solidFill>
+              <a:srgbClr val="FF0000"/>
+            </a:solidFill>
+          </a:ln>
+        </p:spPr>
+        <p:style>
+          <a:lnRef idx="2">
+            <a:schemeClr val="accent1">
+              <a:shade val="50000"/>
+            </a:schemeClr>
+          </a:lnRef>
+          <a:fillRef idx="1">
+            <a:schemeClr val="accent1"/>
+          </a:fillRef>
+          <a:effectRef idx="0">
+            <a:schemeClr val="accent1"/>
+          </a:effectRef>
+          <a:fontRef idx="minor">
+            <a:schemeClr val="lt1"/>
+          </a:fontRef>
+        </p:style>
+        <p:txBody>
+          <a:bodyPr rtlCol="0" anchor="ctr"/>
+          <a:lstStyle/>
+          <a:p>
+            <a:pPr algn="ctr"/>
+            <a:endParaRPr lang="ko-KR" altLang="en-US"/>
+          </a:p>
+        </p:txBody>
+      </p:sp>
+      <p:sp>
+        <p:nvSpPr>
+          <p:cNvPr id="37" name="모서리가 둥근 사각형 설명선 36"/>
+          <p:cNvSpPr/>
+          <p:nvPr/>
+        </p:nvSpPr>
+        <p:spPr>
+          <a:xfrm>
+            <a:off x="8654554" y="17498094"/>
+            <a:ext cx="4392487" cy="1368153"/>
+          </a:xfrm>
+          <a:prstGeom prst="wedgeRoundRectCallout">
+            <a:avLst>
+              <a:gd name="adj1" fmla="val -79070"/>
+              <a:gd name="adj2" fmla="val 109443"/>
+              <a:gd name="adj3" fmla="val 16667"/>
+            </a:avLst>
+          </a:prstGeom>
+          <a:solidFill>
+            <a:schemeClr val="bg1"/>
+          </a:solidFill>
+          <a:ln w="3175">
+            <a:solidFill>
+              <a:schemeClr val="tx1"/>
+            </a:solidFill>
+          </a:ln>
+        </p:spPr>
+        <p:style>
+          <a:lnRef idx="2">
+            <a:schemeClr val="accent1">
+              <a:shade val="50000"/>
+            </a:schemeClr>
+          </a:lnRef>
+          <a:fillRef idx="1">
+            <a:schemeClr val="accent1"/>
+          </a:fillRef>
+          <a:effectRef idx="0">
+            <a:schemeClr val="accent1"/>
+          </a:effectRef>
+          <a:fontRef idx="minor">
+            <a:schemeClr val="lt1"/>
+          </a:fontRef>
+        </p:style>
+        <p:txBody>
+          <a:bodyPr lIns="91422" tIns="45711" rIns="91422" bIns="45711" rtlCol="0" anchor="ctr"/>
+          <a:lstStyle/>
+          <a:p>
+            <a:r>
+              <a:rPr lang="en-US" altLang="ko-KR" sz="1200" b="1" dirty="0" err="1">
+                <a:solidFill>
+                  <a:schemeClr val="tx1"/>
+                </a:solidFill>
+              </a:rPr>
+              <a:t>v</a:t>
+            </a:r>
+            <a:r>
+              <a:rPr lang="en-US" altLang="ko-KR" sz="1200" b="1" dirty="0" err="1" smtClean="0">
+                <a:solidFill>
+                  <a:schemeClr val="tx1"/>
+                </a:solidFill>
+              </a:rPr>
+              <a:t>s</a:t>
+            </a:r>
+            <a:r>
+              <a:rPr lang="en-US" altLang="ko-KR" sz="1200" b="1" dirty="0" smtClean="0">
+                <a:solidFill>
+                  <a:schemeClr val="tx1"/>
+                </a:solidFill>
+              </a:rPr>
+              <a:t> Critical Section</a:t>
+            </a:r>
+            <a:endParaRPr lang="en-US" altLang="ko-KR" sz="1200" b="1" dirty="0" smtClean="0">
+              <a:solidFill>
+                <a:schemeClr val="tx1"/>
+              </a:solidFill>
+            </a:endParaRPr>
+          </a:p>
+          <a:p>
+            <a:r>
+              <a:rPr lang="en-US" altLang="ko-KR" sz="1200" dirty="0" smtClean="0">
+                <a:solidFill>
+                  <a:schemeClr val="tx1"/>
+                </a:solidFill>
+              </a:rPr>
+              <a:t>- </a:t>
+            </a:r>
+            <a:r>
+              <a:rPr lang="en-US" altLang="ko-KR" sz="1200" dirty="0" err="1" smtClean="0">
+                <a:solidFill>
+                  <a:schemeClr val="tx1"/>
+                </a:solidFill>
+              </a:rPr>
+              <a:t>Enqueue</a:t>
+            </a:r>
+            <a:r>
+              <a:rPr lang="ko-KR" altLang="en-US" sz="1200" dirty="0" smtClean="0">
+                <a:solidFill>
+                  <a:schemeClr val="tx1"/>
+                </a:solidFill>
+              </a:rPr>
+              <a:t>는 약 </a:t>
+            </a:r>
+            <a:r>
+              <a:rPr lang="en-US" altLang="ko-KR" sz="1200" dirty="0" smtClean="0">
+                <a:solidFill>
+                  <a:schemeClr val="tx1"/>
+                </a:solidFill>
+              </a:rPr>
+              <a:t>1.7</a:t>
+            </a:r>
+            <a:r>
+              <a:rPr lang="ko-KR" altLang="en-US" sz="1200" dirty="0" smtClean="0">
+                <a:solidFill>
+                  <a:schemeClr val="tx1"/>
+                </a:solidFill>
+              </a:rPr>
+              <a:t>배</a:t>
+            </a:r>
+            <a:r>
+              <a:rPr lang="en-US" altLang="ko-KR" sz="1200" dirty="0" smtClean="0">
+                <a:solidFill>
+                  <a:schemeClr val="tx1"/>
+                </a:solidFill>
+              </a:rPr>
+              <a:t>, </a:t>
+            </a:r>
+            <a:r>
+              <a:rPr lang="en-US" altLang="ko-KR" sz="1200" dirty="0" err="1" smtClean="0">
+                <a:solidFill>
+                  <a:schemeClr val="tx1"/>
+                </a:solidFill>
+              </a:rPr>
+              <a:t>Dequeue</a:t>
+            </a:r>
+            <a:r>
+              <a:rPr lang="ko-KR" altLang="en-US" sz="1200" dirty="0" smtClean="0">
+                <a:solidFill>
+                  <a:schemeClr val="tx1"/>
+                </a:solidFill>
+              </a:rPr>
+              <a:t>는 약 </a:t>
+            </a:r>
+            <a:r>
+              <a:rPr lang="en-US" altLang="ko-KR" sz="1200" dirty="0" smtClean="0">
+                <a:solidFill>
+                  <a:schemeClr val="tx1"/>
+                </a:solidFill>
+              </a:rPr>
+              <a:t>3</a:t>
+            </a:r>
+            <a:r>
+              <a:rPr lang="ko-KR" altLang="en-US" sz="1200" dirty="0" smtClean="0">
+                <a:solidFill>
+                  <a:schemeClr val="tx1"/>
+                </a:solidFill>
+              </a:rPr>
+              <a:t>배 빠르다</a:t>
+            </a:r>
+            <a:r>
+              <a:rPr lang="en-US" altLang="ko-KR" sz="1200" dirty="0" smtClean="0">
+                <a:solidFill>
+                  <a:schemeClr val="tx1"/>
+                </a:solidFill>
+              </a:rPr>
+              <a:t>.</a:t>
+            </a:r>
+          </a:p>
+          <a:p>
+            <a:endParaRPr lang="en-US" altLang="ko-KR" sz="1200" dirty="0">
+              <a:solidFill>
+                <a:schemeClr val="tx1"/>
+              </a:solidFill>
+            </a:endParaRPr>
+          </a:p>
+          <a:p>
+            <a:r>
+              <a:rPr lang="en-US" altLang="ko-KR" sz="1200" b="1" dirty="0" err="1">
+                <a:solidFill>
+                  <a:schemeClr val="tx1"/>
+                </a:solidFill>
+              </a:rPr>
+              <a:t>v</a:t>
+            </a:r>
+            <a:r>
+              <a:rPr lang="en-US" altLang="ko-KR" sz="1200" b="1" dirty="0" err="1" smtClean="0">
+                <a:solidFill>
+                  <a:schemeClr val="tx1"/>
+                </a:solidFill>
+              </a:rPr>
+              <a:t>s</a:t>
+            </a:r>
+            <a:r>
+              <a:rPr lang="en-US" altLang="ko-KR" sz="1200" b="1" dirty="0" smtClean="0">
+                <a:solidFill>
+                  <a:schemeClr val="tx1"/>
+                </a:solidFill>
+              </a:rPr>
+              <a:t> </a:t>
+            </a:r>
+            <a:r>
+              <a:rPr lang="en-US" altLang="ko-KR" sz="1200" b="1" dirty="0" err="1" smtClean="0">
+                <a:solidFill>
+                  <a:schemeClr val="tx1"/>
+                </a:solidFill>
+              </a:rPr>
+              <a:t>SRWLock</a:t>
+            </a:r>
+            <a:r>
+              <a:rPr lang="ko-KR" altLang="en-US" sz="1200" b="1" dirty="0" smtClean="0">
+                <a:solidFill>
+                  <a:schemeClr val="tx1"/>
+                </a:solidFill>
+              </a:rPr>
+              <a:t>과 비교</a:t>
+            </a:r>
+            <a:endParaRPr lang="en-US" altLang="ko-KR" sz="1200" b="1" dirty="0" smtClean="0">
+              <a:solidFill>
+                <a:schemeClr val="tx1"/>
+              </a:solidFill>
+            </a:endParaRPr>
+          </a:p>
+          <a:p>
+            <a:r>
+              <a:rPr lang="en-US" altLang="ko-KR" sz="1200" dirty="0" smtClean="0">
+                <a:solidFill>
+                  <a:schemeClr val="tx1"/>
+                </a:solidFill>
+              </a:rPr>
+              <a:t>- </a:t>
+            </a:r>
+            <a:r>
+              <a:rPr lang="en-US" altLang="ko-KR" sz="1200" dirty="0" err="1" smtClean="0">
+                <a:solidFill>
+                  <a:schemeClr val="tx1"/>
+                </a:solidFill>
+              </a:rPr>
+              <a:t>Enqueue</a:t>
+            </a:r>
+            <a:r>
+              <a:rPr lang="ko-KR" altLang="en-US" sz="1200" dirty="0" smtClean="0">
+                <a:solidFill>
+                  <a:schemeClr val="tx1"/>
+                </a:solidFill>
+              </a:rPr>
+              <a:t>는 비슷하며</a:t>
+            </a:r>
+            <a:r>
+              <a:rPr lang="en-US" altLang="ko-KR" sz="1200" dirty="0" smtClean="0">
+                <a:solidFill>
+                  <a:schemeClr val="tx1"/>
+                </a:solidFill>
+              </a:rPr>
+              <a:t>, </a:t>
+            </a:r>
+            <a:r>
+              <a:rPr lang="en-US" altLang="ko-KR" sz="1200" dirty="0" err="1" smtClean="0">
+                <a:solidFill>
+                  <a:schemeClr val="tx1"/>
+                </a:solidFill>
+              </a:rPr>
+              <a:t>Dequeue</a:t>
+            </a:r>
+            <a:r>
+              <a:rPr lang="ko-KR" altLang="en-US" sz="1200" dirty="0" smtClean="0">
+                <a:solidFill>
+                  <a:schemeClr val="tx1"/>
+                </a:solidFill>
+              </a:rPr>
+              <a:t>는 약 </a:t>
+            </a:r>
+            <a:r>
+              <a:rPr lang="en-US" altLang="ko-KR" sz="1200" dirty="0" smtClean="0">
+                <a:solidFill>
+                  <a:schemeClr val="tx1"/>
+                </a:solidFill>
+              </a:rPr>
+              <a:t>1.9</a:t>
+            </a:r>
+            <a:r>
+              <a:rPr lang="ko-KR" altLang="en-US" sz="1200" dirty="0" smtClean="0">
+                <a:solidFill>
+                  <a:schemeClr val="tx1"/>
+                </a:solidFill>
+              </a:rPr>
+              <a:t>배 느리다</a:t>
+            </a:r>
+            <a:r>
+              <a:rPr lang="en-US" altLang="ko-KR" sz="1200" dirty="0" smtClean="0">
+                <a:solidFill>
+                  <a:schemeClr val="tx1"/>
+                </a:solidFill>
+              </a:rPr>
+              <a:t>.</a:t>
+            </a:r>
+            <a:endParaRPr lang="en-US" altLang="ko-KR" sz="1200" dirty="0">
+              <a:solidFill>
+                <a:schemeClr val="tx1"/>
+              </a:solidFill>
+            </a:endParaRPr>
+          </a:p>
+        </p:txBody>
+      </p:sp>
+      <p:sp>
+        <p:nvSpPr>
+          <p:cNvPr id="2" name="TextBox 1"/>
+          <p:cNvSpPr txBox="1"/>
+          <p:nvPr/>
+        </p:nvSpPr>
+        <p:spPr>
+          <a:xfrm>
+            <a:off x="2436610" y="11761118"/>
+            <a:ext cx="2267800" cy="384721"/>
+          </a:xfrm>
+          <a:prstGeom prst="rect">
+            <a:avLst/>
+          </a:prstGeom>
+          <a:noFill/>
+        </p:spPr>
+        <p:txBody>
+          <a:bodyPr wrap="none" rtlCol="0">
+            <a:spAutoFit/>
+          </a:bodyPr>
+          <a:lstStyle/>
+          <a:p>
+            <a:r>
+              <a:rPr lang="en-US" altLang="ko-KR" b="1" dirty="0" smtClean="0"/>
+              <a:t>&lt;Critical Section&gt;</a:t>
+            </a:r>
+            <a:endParaRPr lang="ko-KR" altLang="en-US" b="1" dirty="0"/>
+          </a:p>
+        </p:txBody>
+      </p:sp>
+      <p:sp>
+        <p:nvSpPr>
+          <p:cNvPr id="40" name="TextBox 39"/>
+          <p:cNvSpPr txBox="1"/>
+          <p:nvPr/>
+        </p:nvSpPr>
+        <p:spPr>
+          <a:xfrm>
+            <a:off x="2522902" y="14737177"/>
+            <a:ext cx="1689886" cy="384721"/>
+          </a:xfrm>
+          <a:prstGeom prst="rect">
+            <a:avLst/>
+          </a:prstGeom>
+          <a:noFill/>
+        </p:spPr>
+        <p:txBody>
+          <a:bodyPr wrap="none" rtlCol="0">
+            <a:spAutoFit/>
+          </a:bodyPr>
+          <a:lstStyle/>
+          <a:p>
+            <a:r>
+              <a:rPr lang="en-US" altLang="ko-KR" b="1" dirty="0" smtClean="0"/>
+              <a:t>&lt;SRW Lock&gt;</a:t>
+            </a:r>
+            <a:endParaRPr lang="ko-KR" altLang="en-US" b="1" dirty="0"/>
+          </a:p>
+        </p:txBody>
+      </p:sp>
+      <p:sp>
+        <p:nvSpPr>
+          <p:cNvPr id="41" name="TextBox 40"/>
+          <p:cNvSpPr txBox="1"/>
+          <p:nvPr/>
+        </p:nvSpPr>
+        <p:spPr>
+          <a:xfrm>
+            <a:off x="2448422" y="17905461"/>
+            <a:ext cx="2410019" cy="384721"/>
+          </a:xfrm>
+          <a:prstGeom prst="rect">
+            <a:avLst/>
+          </a:prstGeom>
+          <a:noFill/>
+        </p:spPr>
+        <p:txBody>
+          <a:bodyPr wrap="none" rtlCol="0">
+            <a:spAutoFit/>
+          </a:bodyPr>
+          <a:lstStyle/>
+          <a:p>
+            <a:r>
+              <a:rPr lang="en-US" altLang="ko-KR" b="1" dirty="0" smtClean="0"/>
+              <a:t>&lt;</a:t>
+            </a:r>
+            <a:r>
+              <a:rPr lang="en-US" altLang="ko-KR" b="1" dirty="0" err="1" smtClean="0"/>
+              <a:t>LockFree</a:t>
+            </a:r>
+            <a:r>
+              <a:rPr lang="en-US" altLang="ko-KR" b="1" dirty="0" smtClean="0"/>
+              <a:t>-Queue&gt;</a:t>
+            </a:r>
+            <a:endParaRPr lang="ko-KR" altLang="en-US" b="1" dirty="0"/>
+          </a:p>
+        </p:txBody>
+      </p:sp>
     </p:spTree>
     <p:extLst>
       <p:ext uri="{BB962C8B-B14F-4D97-AF65-F5344CB8AC3E}">
@@ -23639,7 +24456,6 @@
               <a:rPr lang="en-US" altLang="ko-KR" sz="1400" dirty="0"/>
               <a:t>)</a:t>
             </a:r>
-            <a:endParaRPr lang="en-US" altLang="ko-KR" sz="1400" dirty="0"/>
           </a:p>
         </p:txBody>
       </p:sp>
@@ -24415,7 +25231,6 @@
               <a:rPr lang="en-US" altLang="ko-KR" sz="3000" b="1" dirty="0" smtClean="0"/>
               <a:t>Thread</a:t>
             </a:r>
-            <a:endParaRPr lang="en-US" altLang="ko-KR" sz="3000" b="1" dirty="0" smtClean="0"/>
           </a:p>
         </p:txBody>
       </p:sp>
@@ -24684,15 +25499,7 @@
                   <a:schemeClr val="tx1"/>
                 </a:solidFill>
               </a:rPr>
-              <a:t>에 </a:t>
-            </a:r>
-            <a:r>
-              <a:rPr lang="ko-KR" altLang="en-US" sz="1200" dirty="0" smtClean="0">
-                <a:solidFill>
-                  <a:schemeClr val="tx1"/>
-                </a:solidFill>
-              </a:rPr>
-              <a:t>반환</a:t>
+              <a:t>에 반환</a:t>
             </a:r>
             <a:r>
               <a:rPr lang="en-US" altLang="ko-KR" sz="1200" dirty="0" smtClean="0">

--- a/_포트폴리오/최종/포트폴리오_송진규.pptx
+++ b/_포트폴리오/최종/포트폴리오_송진규.pptx
@@ -198,7 +198,7 @@
           <a:p>
             <a:fld id="{EB762C6C-61A4-4A96-BF6C-CDA03ADAA243}" type="datetimeFigureOut">
               <a:rPr lang="ko-KR" altLang="en-US" smtClean="0"/>
-              <a:t>2019-01-18</a:t>
+              <a:t>2019-01-20</a:t>
             </a:fld>
             <a:endParaRPr lang="ko-KR" altLang="en-US"/>
           </a:p>
@@ -815,7 +815,7 @@
           <a:p>
             <a:fld id="{7124A09B-C8D5-4831-A103-306AD3D3BC49}" type="datetimeFigureOut">
               <a:rPr lang="ko-KR" altLang="en-US" smtClean="0"/>
-              <a:t>2019-01-18</a:t>
+              <a:t>2019-01-20</a:t>
             </a:fld>
             <a:endParaRPr lang="ko-KR" altLang="en-US"/>
           </a:p>
@@ -985,7 +985,7 @@
           <a:p>
             <a:fld id="{7124A09B-C8D5-4831-A103-306AD3D3BC49}" type="datetimeFigureOut">
               <a:rPr lang="ko-KR" altLang="en-US" smtClean="0"/>
-              <a:t>2019-01-18</a:t>
+              <a:t>2019-01-20</a:t>
             </a:fld>
             <a:endParaRPr lang="ko-KR" altLang="en-US"/>
           </a:p>
@@ -1165,7 +1165,7 @@
           <a:p>
             <a:fld id="{7124A09B-C8D5-4831-A103-306AD3D3BC49}" type="datetimeFigureOut">
               <a:rPr lang="ko-KR" altLang="en-US" smtClean="0"/>
-              <a:t>2019-01-18</a:t>
+              <a:t>2019-01-20</a:t>
             </a:fld>
             <a:endParaRPr lang="ko-KR" altLang="en-US"/>
           </a:p>
@@ -1335,7 +1335,7 @@
           <a:p>
             <a:fld id="{7124A09B-C8D5-4831-A103-306AD3D3BC49}" type="datetimeFigureOut">
               <a:rPr lang="ko-KR" altLang="en-US" smtClean="0"/>
-              <a:t>2019-01-18</a:t>
+              <a:t>2019-01-20</a:t>
             </a:fld>
             <a:endParaRPr lang="ko-KR" altLang="en-US"/>
           </a:p>
@@ -1581,7 +1581,7 @@
           <a:p>
             <a:fld id="{7124A09B-C8D5-4831-A103-306AD3D3BC49}" type="datetimeFigureOut">
               <a:rPr lang="ko-KR" altLang="en-US" smtClean="0"/>
-              <a:t>2019-01-18</a:t>
+              <a:t>2019-01-20</a:t>
             </a:fld>
             <a:endParaRPr lang="ko-KR" altLang="en-US"/>
           </a:p>
@@ -1869,7 +1869,7 @@
           <a:p>
             <a:fld id="{7124A09B-C8D5-4831-A103-306AD3D3BC49}" type="datetimeFigureOut">
               <a:rPr lang="ko-KR" altLang="en-US" smtClean="0"/>
-              <a:t>2019-01-18</a:t>
+              <a:t>2019-01-20</a:t>
             </a:fld>
             <a:endParaRPr lang="ko-KR" altLang="en-US"/>
           </a:p>
@@ -2291,7 +2291,7 @@
           <a:p>
             <a:fld id="{7124A09B-C8D5-4831-A103-306AD3D3BC49}" type="datetimeFigureOut">
               <a:rPr lang="ko-KR" altLang="en-US" smtClean="0"/>
-              <a:t>2019-01-18</a:t>
+              <a:t>2019-01-20</a:t>
             </a:fld>
             <a:endParaRPr lang="ko-KR" altLang="en-US"/>
           </a:p>
@@ -2409,7 +2409,7 @@
           <a:p>
             <a:fld id="{7124A09B-C8D5-4831-A103-306AD3D3BC49}" type="datetimeFigureOut">
               <a:rPr lang="ko-KR" altLang="en-US" smtClean="0"/>
-              <a:t>2019-01-18</a:t>
+              <a:t>2019-01-20</a:t>
             </a:fld>
             <a:endParaRPr lang="ko-KR" altLang="en-US"/>
           </a:p>
@@ -2504,7 +2504,7 @@
           <a:p>
             <a:fld id="{7124A09B-C8D5-4831-A103-306AD3D3BC49}" type="datetimeFigureOut">
               <a:rPr lang="ko-KR" altLang="en-US" smtClean="0"/>
-              <a:t>2019-01-18</a:t>
+              <a:t>2019-01-20</a:t>
             </a:fld>
             <a:endParaRPr lang="ko-KR" altLang="en-US"/>
           </a:p>
@@ -2781,7 +2781,7 @@
           <a:p>
             <a:fld id="{7124A09B-C8D5-4831-A103-306AD3D3BC49}" type="datetimeFigureOut">
               <a:rPr lang="ko-KR" altLang="en-US" smtClean="0"/>
-              <a:t>2019-01-18</a:t>
+              <a:t>2019-01-20</a:t>
             </a:fld>
             <a:endParaRPr lang="ko-KR" altLang="en-US"/>
           </a:p>
@@ -3034,7 +3034,7 @@
           <a:p>
             <a:fld id="{7124A09B-C8D5-4831-A103-306AD3D3BC49}" type="datetimeFigureOut">
               <a:rPr lang="ko-KR" altLang="en-US" smtClean="0"/>
-              <a:t>2019-01-18</a:t>
+              <a:t>2019-01-20</a:t>
             </a:fld>
             <a:endParaRPr lang="ko-KR" altLang="en-US"/>
           </a:p>
@@ -3247,7 +3247,7 @@
           <a:p>
             <a:fld id="{7124A09B-C8D5-4831-A103-306AD3D3BC49}" type="datetimeFigureOut">
               <a:rPr lang="ko-KR" altLang="en-US" smtClean="0"/>
-              <a:t>2019-01-18</a:t>
+              <a:t>2019-01-20</a:t>
             </a:fld>
             <a:endParaRPr lang="ko-KR" altLang="en-US"/>
           </a:p>
@@ -23388,7 +23388,6 @@
               <a:rPr lang="en-US" altLang="ko-KR" sz="1800" dirty="0" smtClean="0"/>
               <a:t>)</a:t>
             </a:r>
-            <a:endParaRPr lang="en-US" altLang="ko-KR" sz="1800" dirty="0" smtClean="0"/>
           </a:p>
           <a:p>
             <a:pPr marL="342900" indent="-342900">
@@ -23852,11 +23851,6 @@
               </a:rPr>
               <a:t> Critical Section</a:t>
             </a:r>
-            <a:endParaRPr lang="en-US" altLang="ko-KR" sz="1200" b="1" dirty="0" smtClean="0">
-              <a:solidFill>
-                <a:schemeClr val="tx1"/>
-              </a:solidFill>
-            </a:endParaRPr>
           </a:p>
           <a:p>
             <a:r>

--- a/_포트폴리오/최종/포트폴리오_송진규.pptx
+++ b/_포트폴리오/최종/포트폴리오_송진규.pptx
@@ -198,7 +198,7 @@
           <a:p>
             <a:fld id="{EB762C6C-61A4-4A96-BF6C-CDA03ADAA243}" type="datetimeFigureOut">
               <a:rPr lang="ko-KR" altLang="en-US" smtClean="0"/>
-              <a:t>2019-01-20</a:t>
+              <a:t>2019-01-23</a:t>
             </a:fld>
             <a:endParaRPr lang="ko-KR" altLang="en-US"/>
           </a:p>
@@ -815,7 +815,7 @@
           <a:p>
             <a:fld id="{7124A09B-C8D5-4831-A103-306AD3D3BC49}" type="datetimeFigureOut">
               <a:rPr lang="ko-KR" altLang="en-US" smtClean="0"/>
-              <a:t>2019-01-20</a:t>
+              <a:t>2019-01-23</a:t>
             </a:fld>
             <a:endParaRPr lang="ko-KR" altLang="en-US"/>
           </a:p>
@@ -985,7 +985,7 @@
           <a:p>
             <a:fld id="{7124A09B-C8D5-4831-A103-306AD3D3BC49}" type="datetimeFigureOut">
               <a:rPr lang="ko-KR" altLang="en-US" smtClean="0"/>
-              <a:t>2019-01-20</a:t>
+              <a:t>2019-01-23</a:t>
             </a:fld>
             <a:endParaRPr lang="ko-KR" altLang="en-US"/>
           </a:p>
@@ -1165,7 +1165,7 @@
           <a:p>
             <a:fld id="{7124A09B-C8D5-4831-A103-306AD3D3BC49}" type="datetimeFigureOut">
               <a:rPr lang="ko-KR" altLang="en-US" smtClean="0"/>
-              <a:t>2019-01-20</a:t>
+              <a:t>2019-01-23</a:t>
             </a:fld>
             <a:endParaRPr lang="ko-KR" altLang="en-US"/>
           </a:p>
@@ -1335,7 +1335,7 @@
           <a:p>
             <a:fld id="{7124A09B-C8D5-4831-A103-306AD3D3BC49}" type="datetimeFigureOut">
               <a:rPr lang="ko-KR" altLang="en-US" smtClean="0"/>
-              <a:t>2019-01-20</a:t>
+              <a:t>2019-01-23</a:t>
             </a:fld>
             <a:endParaRPr lang="ko-KR" altLang="en-US"/>
           </a:p>
@@ -1581,7 +1581,7 @@
           <a:p>
             <a:fld id="{7124A09B-C8D5-4831-A103-306AD3D3BC49}" type="datetimeFigureOut">
               <a:rPr lang="ko-KR" altLang="en-US" smtClean="0"/>
-              <a:t>2019-01-20</a:t>
+              <a:t>2019-01-23</a:t>
             </a:fld>
             <a:endParaRPr lang="ko-KR" altLang="en-US"/>
           </a:p>
@@ -1869,7 +1869,7 @@
           <a:p>
             <a:fld id="{7124A09B-C8D5-4831-A103-306AD3D3BC49}" type="datetimeFigureOut">
               <a:rPr lang="ko-KR" altLang="en-US" smtClean="0"/>
-              <a:t>2019-01-20</a:t>
+              <a:t>2019-01-23</a:t>
             </a:fld>
             <a:endParaRPr lang="ko-KR" altLang="en-US"/>
           </a:p>
@@ -2291,7 +2291,7 @@
           <a:p>
             <a:fld id="{7124A09B-C8D5-4831-A103-306AD3D3BC49}" type="datetimeFigureOut">
               <a:rPr lang="ko-KR" altLang="en-US" smtClean="0"/>
-              <a:t>2019-01-20</a:t>
+              <a:t>2019-01-23</a:t>
             </a:fld>
             <a:endParaRPr lang="ko-KR" altLang="en-US"/>
           </a:p>
@@ -2409,7 +2409,7 @@
           <a:p>
             <a:fld id="{7124A09B-C8D5-4831-A103-306AD3D3BC49}" type="datetimeFigureOut">
               <a:rPr lang="ko-KR" altLang="en-US" smtClean="0"/>
-              <a:t>2019-01-20</a:t>
+              <a:t>2019-01-23</a:t>
             </a:fld>
             <a:endParaRPr lang="ko-KR" altLang="en-US"/>
           </a:p>
@@ -2504,7 +2504,7 @@
           <a:p>
             <a:fld id="{7124A09B-C8D5-4831-A103-306AD3D3BC49}" type="datetimeFigureOut">
               <a:rPr lang="ko-KR" altLang="en-US" smtClean="0"/>
-              <a:t>2019-01-20</a:t>
+              <a:t>2019-01-23</a:t>
             </a:fld>
             <a:endParaRPr lang="ko-KR" altLang="en-US"/>
           </a:p>
@@ -2781,7 +2781,7 @@
           <a:p>
             <a:fld id="{7124A09B-C8D5-4831-A103-306AD3D3BC49}" type="datetimeFigureOut">
               <a:rPr lang="ko-KR" altLang="en-US" smtClean="0"/>
-              <a:t>2019-01-20</a:t>
+              <a:t>2019-01-23</a:t>
             </a:fld>
             <a:endParaRPr lang="ko-KR" altLang="en-US"/>
           </a:p>
@@ -3034,7 +3034,7 @@
           <a:p>
             <a:fld id="{7124A09B-C8D5-4831-A103-306AD3D3BC49}" type="datetimeFigureOut">
               <a:rPr lang="ko-KR" altLang="en-US" smtClean="0"/>
-              <a:t>2019-01-20</a:t>
+              <a:t>2019-01-23</a:t>
             </a:fld>
             <a:endParaRPr lang="ko-KR" altLang="en-US"/>
           </a:p>
@@ -3247,7 +3247,7 @@
           <a:p>
             <a:fld id="{7124A09B-C8D5-4831-A103-306AD3D3BC49}" type="datetimeFigureOut">
               <a:rPr lang="ko-KR" altLang="en-US" smtClean="0"/>
-              <a:t>2019-01-20</a:t>
+              <a:t>2019-01-23</a:t>
             </a:fld>
             <a:endParaRPr lang="ko-KR" altLang="en-US"/>
           </a:p>
@@ -21543,7 +21543,7 @@
         </p:blipFill>
         <p:spPr bwMode="auto">
           <a:xfrm>
-            <a:off x="826528" y="12859741"/>
+            <a:off x="2553832" y="12859740"/>
             <a:ext cx="9663831" cy="7500119"/>
           </a:xfrm>
           <a:prstGeom prst="rect">
@@ -21592,7 +21592,7 @@
         </p:nvSpPr>
         <p:spPr>
           <a:xfrm>
-            <a:off x="4963538" y="14185726"/>
+            <a:off x="6690842" y="14185725"/>
             <a:ext cx="1301308" cy="5832648"/>
           </a:xfrm>
           <a:prstGeom prst="rect">
@@ -21630,116 +21630,6 @@
           </a:p>
         </p:txBody>
       </p:sp>
-      <p:pic>
-        <p:nvPicPr>
-          <p:cNvPr id="1028" name="Picture 4"/>
-          <p:cNvPicPr>
-            <a:picLocks noChangeAspect="1" noChangeArrowheads="1"/>
-          </p:cNvPicPr>
-          <p:nvPr/>
-        </p:nvPicPr>
-        <p:blipFill>
-          <a:blip r:embed="rId3">
-            <a:extLst>
-              <a:ext uri="{28A0092B-C50C-407E-A947-70E740481C1C}">
-                <a14:useLocalDpi xmlns:a14="http://schemas.microsoft.com/office/drawing/2010/main" val="0"/>
-              </a:ext>
-            </a:extLst>
-          </a:blip>
-          <a:srcRect/>
-          <a:stretch>
-            <a:fillRect/>
-          </a:stretch>
-        </p:blipFill>
-        <p:spPr bwMode="auto">
-          <a:xfrm>
-            <a:off x="10908786" y="12859740"/>
-            <a:ext cx="9613644" cy="7507157"/>
-          </a:xfrm>
-          <a:prstGeom prst="rect">
-            <a:avLst/>
-          </a:prstGeom>
-          <a:noFill/>
-          <a:ln>
-            <a:noFill/>
-          </a:ln>
-          <a:effectLst/>
-          <a:extLst>
-            <a:ext uri="{909E8E84-426E-40DD-AFC4-6F175D3DCCD1}">
-              <a14:hiddenFill xmlns:a14="http://schemas.microsoft.com/office/drawing/2010/main">
-                <a:solidFill>
-                  <a:schemeClr val="accent1"/>
-                </a:solidFill>
-              </a14:hiddenFill>
-            </a:ext>
-            <a:ext uri="{91240B29-F687-4F45-9708-019B960494DF}">
-              <a14:hiddenLine xmlns:a14="http://schemas.microsoft.com/office/drawing/2010/main" w="9525">
-                <a:solidFill>
-                  <a:schemeClr val="tx1"/>
-                </a:solidFill>
-                <a:miter lim="800000"/>
-                <a:headEnd/>
-                <a:tailEnd/>
-              </a14:hiddenLine>
-            </a:ext>
-            <a:ext uri="{AF507438-7753-43E0-B8FC-AC1667EBCBE1}">
-              <a14:hiddenEffects xmlns:a14="http://schemas.microsoft.com/office/drawing/2010/main">
-                <a:effectLst>
-                  <a:outerShdw dist="35921" dir="2700000" algn="ctr" rotWithShape="0">
-                    <a:schemeClr val="bg2"/>
-                  </a:outerShdw>
-                </a:effectLst>
-              </a14:hiddenEffects>
-            </a:ext>
-          </a:extLst>
-        </p:spPr>
-      </p:pic>
-      <p:sp>
-        <p:nvSpPr>
-          <p:cNvPr id="78" name="직사각형 77"/>
-          <p:cNvSpPr/>
-          <p:nvPr/>
-        </p:nvSpPr>
-        <p:spPr>
-          <a:xfrm>
-            <a:off x="15064954" y="14198252"/>
-            <a:ext cx="1301308" cy="5832648"/>
-          </a:xfrm>
-          <a:prstGeom prst="rect">
-            <a:avLst/>
-          </a:prstGeom>
-          <a:noFill/>
-          <a:ln>
-            <a:solidFill>
-              <a:srgbClr val="FF0000"/>
-            </a:solidFill>
-          </a:ln>
-        </p:spPr>
-        <p:style>
-          <a:lnRef idx="2">
-            <a:schemeClr val="accent1">
-              <a:shade val="50000"/>
-            </a:schemeClr>
-          </a:lnRef>
-          <a:fillRef idx="1">
-            <a:schemeClr val="accent1"/>
-          </a:fillRef>
-          <a:effectRef idx="0">
-            <a:schemeClr val="accent1"/>
-          </a:effectRef>
-          <a:fontRef idx="minor">
-            <a:schemeClr val="lt1"/>
-          </a:fontRef>
-        </p:style>
-        <p:txBody>
-          <a:bodyPr rtlCol="0" anchor="ctr"/>
-          <a:lstStyle/>
-          <a:p>
-            <a:pPr algn="ctr"/>
-            <a:endParaRPr lang="ko-KR" altLang="en-US"/>
-          </a:p>
-        </p:txBody>
-      </p:sp>
       <p:sp>
         <p:nvSpPr>
           <p:cNvPr id="75" name="모서리가 둥근 사각형 설명선 74"/>
@@ -21748,13 +21638,13 @@
         </p:nvSpPr>
         <p:spPr>
           <a:xfrm>
-            <a:off x="15827511" y="12313517"/>
+            <a:off x="7627409" y="12519459"/>
             <a:ext cx="2030623" cy="546223"/>
           </a:xfrm>
           <a:prstGeom prst="wedgeRoundRectCallout">
             <a:avLst>
-              <a:gd name="adj1" fmla="val -37601"/>
-              <a:gd name="adj2" fmla="val 303052"/>
+              <a:gd name="adj1" fmla="val -40460"/>
+              <a:gd name="adj2" fmla="val 260537"/>
               <a:gd name="adj3" fmla="val 16667"/>
             </a:avLst>
           </a:prstGeom>
@@ -23403,8 +23293,12 @@
               <a:t> </a:t>
             </a:r>
             <a:r>
+              <a:rPr lang="en-US" altLang="ko-KR" sz="1800" dirty="0"/>
+              <a:t>5</a:t>
+            </a:r>
+            <a:r>
               <a:rPr lang="en-US" altLang="ko-KR" sz="1800" dirty="0" smtClean="0"/>
-              <a:t>4</a:t>
+              <a:t>0</a:t>
             </a:r>
             <a:r>
               <a:rPr lang="ko-KR" altLang="en-US" sz="1800" dirty="0" smtClean="0"/>
@@ -23428,7 +23322,7 @@
             </a:r>
             <a:r>
               <a:rPr lang="en-US" altLang="ko-KR" sz="1800" dirty="0" smtClean="0"/>
-              <a:t>400</a:t>
+              <a:t>5000</a:t>
             </a:r>
             <a:r>
               <a:rPr lang="ko-KR" altLang="en-US" sz="1800" dirty="0" smtClean="0"/>
@@ -23450,9 +23344,107 @@
           </a:p>
         </p:txBody>
       </p:sp>
+      <p:sp>
+        <p:nvSpPr>
+          <p:cNvPr id="2" name="TextBox 1"/>
+          <p:cNvSpPr txBox="1"/>
+          <p:nvPr/>
+        </p:nvSpPr>
+        <p:spPr>
+          <a:xfrm>
+            <a:off x="2436610" y="11761118"/>
+            <a:ext cx="2267800" cy="384721"/>
+          </a:xfrm>
+          <a:prstGeom prst="rect">
+            <a:avLst/>
+          </a:prstGeom>
+          <a:noFill/>
+        </p:spPr>
+        <p:txBody>
+          <a:bodyPr wrap="none" rtlCol="0">
+            <a:spAutoFit/>
+          </a:bodyPr>
+          <a:lstStyle/>
+          <a:p>
+            <a:r>
+              <a:rPr lang="en-US" altLang="ko-KR" b="1" dirty="0" smtClean="0"/>
+              <a:t>&lt;Critical Section&gt;</a:t>
+            </a:r>
+            <a:endParaRPr lang="ko-KR" altLang="en-US" b="1" dirty="0"/>
+          </a:p>
+        </p:txBody>
+      </p:sp>
+      <p:sp>
+        <p:nvSpPr>
+          <p:cNvPr id="40" name="TextBox 39"/>
+          <p:cNvSpPr txBox="1"/>
+          <p:nvPr/>
+        </p:nvSpPr>
+        <p:spPr>
+          <a:xfrm>
+            <a:off x="2522902" y="14737177"/>
+            <a:ext cx="1689886" cy="384721"/>
+          </a:xfrm>
+          <a:prstGeom prst="rect">
+            <a:avLst/>
+          </a:prstGeom>
+          <a:noFill/>
+        </p:spPr>
+        <p:txBody>
+          <a:bodyPr wrap="none" rtlCol="0">
+            <a:spAutoFit/>
+          </a:bodyPr>
+          <a:lstStyle/>
+          <a:p>
+            <a:r>
+              <a:rPr lang="en-US" altLang="ko-KR" b="1" dirty="0" smtClean="0"/>
+              <a:t>&lt;SRW Lock&gt;</a:t>
+            </a:r>
+            <a:endParaRPr lang="ko-KR" altLang="en-US" b="1" dirty="0"/>
+          </a:p>
+        </p:txBody>
+      </p:sp>
+      <p:sp>
+        <p:nvSpPr>
+          <p:cNvPr id="41" name="TextBox 40"/>
+          <p:cNvSpPr txBox="1"/>
+          <p:nvPr/>
+        </p:nvSpPr>
+        <p:spPr>
+          <a:xfrm>
+            <a:off x="2448422" y="17905461"/>
+            <a:ext cx="2410019" cy="384721"/>
+          </a:xfrm>
+          <a:prstGeom prst="rect">
+            <a:avLst/>
+          </a:prstGeom>
+          <a:noFill/>
+        </p:spPr>
+        <p:txBody>
+          <a:bodyPr wrap="none" rtlCol="0">
+            <a:spAutoFit/>
+          </a:bodyPr>
+          <a:lstStyle/>
+          <a:p>
+            <a:r>
+              <a:rPr lang="en-US" altLang="ko-KR" b="1" dirty="0" smtClean="0"/>
+              <a:t>&lt;</a:t>
+            </a:r>
+            <a:r>
+              <a:rPr lang="en-US" altLang="ko-KR" b="1" dirty="0" err="1" smtClean="0"/>
+              <a:t>LockFree</a:t>
+            </a:r>
+            <a:r>
+              <a:rPr lang="en-US" altLang="ko-KR" b="1" dirty="0" smtClean="0"/>
+              <a:t>-Queue&gt;</a:t>
+            </a:r>
+            <a:endParaRPr lang="ko-KR" altLang="en-US" b="1" dirty="0"/>
+          </a:p>
+        </p:txBody>
+      </p:sp>
       <p:pic>
         <p:nvPicPr>
-          <p:cNvPr id="31" name="Picture 2"/>
+          <p:cNvPr id="1026" name="Picture 2"/>
           <p:cNvPicPr>
             <a:picLocks noChangeAspect="1" noChangeArrowheads="1"/>
           </p:cNvPicPr>
@@ -23473,8 +23465,8 @@
         </p:blipFill>
         <p:spPr bwMode="auto">
           <a:xfrm>
-            <a:off x="2436610" y="12241510"/>
-            <a:ext cx="9401833" cy="2232248"/>
+            <a:off x="2522902" y="12313518"/>
+            <a:ext cx="8201025" cy="1847850"/>
           </a:xfrm>
           <a:prstGeom prst="rect">
             <a:avLst/>
@@ -23514,9 +23506,55 @@
           </a:extLst>
         </p:spPr>
       </p:pic>
+      <p:sp>
+        <p:nvSpPr>
+          <p:cNvPr id="34" name="직사각형 33"/>
+          <p:cNvSpPr/>
+          <p:nvPr/>
+        </p:nvSpPr>
+        <p:spPr>
+          <a:xfrm>
+            <a:off x="5858042" y="13393638"/>
+            <a:ext cx="1337312" cy="720080"/>
+          </a:xfrm>
+          <a:prstGeom prst="rect">
+            <a:avLst/>
+          </a:prstGeom>
+          <a:noFill/>
+          <a:ln>
+            <a:solidFill>
+              <a:srgbClr val="FF0000"/>
+            </a:solidFill>
+          </a:ln>
+        </p:spPr>
+        <p:style>
+          <a:lnRef idx="2">
+            <a:schemeClr val="accent1">
+              <a:shade val="50000"/>
+            </a:schemeClr>
+          </a:lnRef>
+          <a:fillRef idx="1">
+            <a:schemeClr val="accent1"/>
+          </a:fillRef>
+          <a:effectRef idx="0">
+            <a:schemeClr val="accent1"/>
+          </a:effectRef>
+          <a:fontRef idx="minor">
+            <a:schemeClr val="lt1"/>
+          </a:fontRef>
+        </p:style>
+        <p:txBody>
+          <a:bodyPr rtlCol="0" anchor="ctr"/>
+          <a:lstStyle/>
+          <a:p>
+            <a:pPr algn="ctr"/>
+            <a:endParaRPr lang="ko-KR" altLang="en-US"/>
+          </a:p>
+        </p:txBody>
+      </p:sp>
       <p:pic>
         <p:nvPicPr>
-          <p:cNvPr id="2050" name="Picture 2"/>
+          <p:cNvPr id="1027" name="Picture 3"/>
           <p:cNvPicPr>
             <a:picLocks noChangeAspect="1" noChangeArrowheads="1"/>
           </p:cNvPicPr>
@@ -23537,8 +23575,8 @@
         </p:blipFill>
         <p:spPr bwMode="auto">
           <a:xfrm>
-            <a:off x="2522902" y="15218586"/>
-            <a:ext cx="9344904" cy="2279508"/>
+            <a:off x="2478591" y="15265846"/>
+            <a:ext cx="8124825" cy="1971675"/>
           </a:xfrm>
           <a:prstGeom prst="rect">
             <a:avLst/>
@@ -23578,9 +23616,55 @@
           </a:extLst>
         </p:spPr>
       </p:pic>
+      <p:sp>
+        <p:nvSpPr>
+          <p:cNvPr id="35" name="직사각형 34"/>
+          <p:cNvSpPr/>
+          <p:nvPr/>
+        </p:nvSpPr>
+        <p:spPr>
+          <a:xfrm>
+            <a:off x="5841224" y="16251683"/>
+            <a:ext cx="1337312" cy="720080"/>
+          </a:xfrm>
+          <a:prstGeom prst="rect">
+            <a:avLst/>
+          </a:prstGeom>
+          <a:noFill/>
+          <a:ln>
+            <a:solidFill>
+              <a:srgbClr val="FF0000"/>
+            </a:solidFill>
+          </a:ln>
+        </p:spPr>
+        <p:style>
+          <a:lnRef idx="2">
+            <a:schemeClr val="accent1">
+              <a:shade val="50000"/>
+            </a:schemeClr>
+          </a:lnRef>
+          <a:fillRef idx="1">
+            <a:schemeClr val="accent1"/>
+          </a:fillRef>
+          <a:effectRef idx="0">
+            <a:schemeClr val="accent1"/>
+          </a:effectRef>
+          <a:fontRef idx="minor">
+            <a:schemeClr val="lt1"/>
+          </a:fontRef>
+        </p:style>
+        <p:txBody>
+          <a:bodyPr rtlCol="0" anchor="ctr"/>
+          <a:lstStyle/>
+          <a:p>
+            <a:pPr algn="ctr"/>
+            <a:endParaRPr lang="ko-KR" altLang="en-US"/>
+          </a:p>
+        </p:txBody>
+      </p:sp>
       <p:pic>
         <p:nvPicPr>
-          <p:cNvPr id="2051" name="Picture 3"/>
+          <p:cNvPr id="1028" name="Picture 4"/>
           <p:cNvPicPr>
             <a:picLocks noChangeAspect="1" noChangeArrowheads="1"/>
           </p:cNvPicPr>
@@ -23601,8 +23685,8 @@
         </p:blipFill>
         <p:spPr bwMode="auto">
           <a:xfrm>
-            <a:off x="2522902" y="18482541"/>
-            <a:ext cx="9344904" cy="2286753"/>
+            <a:off x="2467864" y="18434198"/>
+            <a:ext cx="8220075" cy="1952625"/>
           </a:xfrm>
           <a:prstGeom prst="rect">
             <a:avLst/>
@@ -23644,13 +23728,13 @@
       </p:pic>
       <p:sp>
         <p:nvSpPr>
-          <p:cNvPr id="34" name="직사각형 33"/>
+          <p:cNvPr id="36" name="직사각형 35"/>
           <p:cNvSpPr/>
           <p:nvPr/>
         </p:nvSpPr>
         <p:spPr>
           <a:xfrm>
-            <a:off x="6327262" y="13537654"/>
+            <a:off x="5841224" y="19514318"/>
             <a:ext cx="1337312" cy="720080"/>
           </a:xfrm>
           <a:prstGeom prst="rect">
@@ -23690,105 +23774,13 @@
       </p:sp>
       <p:sp>
         <p:nvSpPr>
-          <p:cNvPr id="35" name="직사각형 34"/>
-          <p:cNvSpPr/>
-          <p:nvPr/>
-        </p:nvSpPr>
-        <p:spPr>
-          <a:xfrm>
-            <a:off x="6377550" y="16466386"/>
-            <a:ext cx="1337312" cy="720080"/>
-          </a:xfrm>
-          <a:prstGeom prst="rect">
-            <a:avLst/>
-          </a:prstGeom>
-          <a:noFill/>
-          <a:ln>
-            <a:solidFill>
-              <a:srgbClr val="FF0000"/>
-            </a:solidFill>
-          </a:ln>
-        </p:spPr>
-        <p:style>
-          <a:lnRef idx="2">
-            <a:schemeClr val="accent1">
-              <a:shade val="50000"/>
-            </a:schemeClr>
-          </a:lnRef>
-          <a:fillRef idx="1">
-            <a:schemeClr val="accent1"/>
-          </a:fillRef>
-          <a:effectRef idx="0">
-            <a:schemeClr val="accent1"/>
-          </a:effectRef>
-          <a:fontRef idx="minor">
-            <a:schemeClr val="lt1"/>
-          </a:fontRef>
-        </p:style>
-        <p:txBody>
-          <a:bodyPr rtlCol="0" anchor="ctr"/>
-          <a:lstStyle/>
-          <a:p>
-            <a:pPr algn="ctr"/>
-            <a:endParaRPr lang="ko-KR" altLang="en-US"/>
-          </a:p>
-        </p:txBody>
-      </p:sp>
-      <p:sp>
-        <p:nvSpPr>
-          <p:cNvPr id="36" name="직사각형 35"/>
-          <p:cNvSpPr/>
-          <p:nvPr/>
-        </p:nvSpPr>
-        <p:spPr>
-          <a:xfrm>
-            <a:off x="6377550" y="19706678"/>
-            <a:ext cx="1337312" cy="720080"/>
-          </a:xfrm>
-          <a:prstGeom prst="rect">
-            <a:avLst/>
-          </a:prstGeom>
-          <a:noFill/>
-          <a:ln>
-            <a:solidFill>
-              <a:srgbClr val="FF0000"/>
-            </a:solidFill>
-          </a:ln>
-        </p:spPr>
-        <p:style>
-          <a:lnRef idx="2">
-            <a:schemeClr val="accent1">
-              <a:shade val="50000"/>
-            </a:schemeClr>
-          </a:lnRef>
-          <a:fillRef idx="1">
-            <a:schemeClr val="accent1"/>
-          </a:fillRef>
-          <a:effectRef idx="0">
-            <a:schemeClr val="accent1"/>
-          </a:effectRef>
-          <a:fontRef idx="minor">
-            <a:schemeClr val="lt1"/>
-          </a:fontRef>
-        </p:style>
-        <p:txBody>
-          <a:bodyPr rtlCol="0" anchor="ctr"/>
-          <a:lstStyle/>
-          <a:p>
-            <a:pPr algn="ctr"/>
-            <a:endParaRPr lang="ko-KR" altLang="en-US"/>
-          </a:p>
-        </p:txBody>
-      </p:sp>
-      <p:sp>
-        <p:nvSpPr>
           <p:cNvPr id="37" name="모서리가 둥근 사각형 설명선 36"/>
           <p:cNvSpPr/>
           <p:nvPr/>
         </p:nvSpPr>
         <p:spPr>
           <a:xfrm>
-            <a:off x="8654554" y="17498094"/>
+            <a:off x="8303509" y="17413744"/>
             <a:ext cx="4392487" cy="1368153"/>
           </a:xfrm>
           <a:prstGeom prst="wedgeRoundRectCallout">
@@ -23883,7 +23875,7 @@
                   <a:schemeClr val="tx1"/>
                 </a:solidFill>
               </a:rPr>
-              <a:t>1.7</a:t>
+              <a:t>2</a:t>
             </a:r>
             <a:r>
               <a:rPr lang="ko-KR" altLang="en-US" sz="1200" dirty="0" smtClean="0">
@@ -23899,7 +23891,7 @@
                   <a:schemeClr val="tx1"/>
                 </a:solidFill>
               </a:rPr>
-              <a:t>, </a:t>
+              <a:t>,  </a:t>
             </a:r>
             <a:r>
               <a:rPr lang="en-US" altLang="ko-KR" sz="1200" dirty="0" err="1" smtClean="0">
@@ -23923,7 +23915,7 @@
                   <a:schemeClr val="tx1"/>
                 </a:solidFill>
               </a:rPr>
-              <a:t>3</a:t>
+              <a:t>2.3</a:t>
             </a:r>
             <a:r>
               <a:rPr lang="ko-KR" altLang="en-US" sz="1200" dirty="0" smtClean="0">
@@ -24019,7 +24011,7 @@
                   <a:schemeClr val="tx1"/>
                 </a:solidFill>
               </a:rPr>
-              <a:t>는 비슷하며</a:t>
+              <a:t>는 약 </a:t>
             </a:r>
             <a:r>
               <a:rPr lang="en-US" altLang="ko-KR" sz="1200" dirty="0" smtClean="0">
@@ -24027,6 +24019,38 @@
                   <a:schemeClr val="tx1"/>
                 </a:solidFill>
               </a:rPr>
+              <a:t>1.1</a:t>
+            </a:r>
+            <a:r>
+              <a:rPr lang="ko-KR" altLang="en-US" sz="1200" dirty="0" smtClean="0">
+                <a:solidFill>
+                  <a:schemeClr val="tx1"/>
+                </a:solidFill>
+              </a:rPr>
+              <a:t>배</a:t>
+            </a:r>
+            <a:r>
+              <a:rPr lang="en-US" altLang="ko-KR" sz="1200" dirty="0">
+                <a:solidFill>
+                  <a:schemeClr val="tx1"/>
+                </a:solidFill>
+              </a:rPr>
+              <a:t> </a:t>
+            </a:r>
+            <a:r>
+              <a:rPr lang="ko-KR" altLang="en-US" sz="1200" dirty="0" smtClean="0">
+                <a:solidFill>
+                  <a:schemeClr val="tx1"/>
+                </a:solidFill>
+              </a:rPr>
+              <a:t>빠르며</a:t>
+            </a:r>
+            <a:r>
+              <a:rPr lang="en-US" altLang="ko-KR" sz="1200" dirty="0" smtClean="0">
+                <a:solidFill>
+                  <a:schemeClr val="tx1"/>
+                </a:solidFill>
+              </a:rPr>
               <a:t>, </a:t>
             </a:r>
             <a:r>
@@ -24043,23 +24067,7 @@
                   <a:schemeClr val="tx1"/>
                 </a:solidFill>
               </a:rPr>
-              <a:t>는 약 </a:t>
-            </a:r>
-            <a:r>
-              <a:rPr lang="en-US" altLang="ko-KR" sz="1200" dirty="0" smtClean="0">
-                <a:solidFill>
-                  <a:schemeClr val="tx1"/>
-                </a:solidFill>
-              </a:rPr>
-              <a:t>1.9</a:t>
-            </a:r>
-            <a:r>
-              <a:rPr lang="ko-KR" altLang="en-US" sz="1200" dirty="0" smtClean="0">
-                <a:solidFill>
-                  <a:schemeClr val="tx1"/>
-                </a:solidFill>
-              </a:rPr>
-              <a:t>배 느리다</a:t>
+              <a:t>는 비슷하다</a:t>
             </a:r>
             <a:r>
               <a:rPr lang="en-US" altLang="ko-KR" sz="1200" dirty="0" smtClean="0">
@@ -24074,104 +24082,6 @@
                 <a:schemeClr val="tx1"/>
               </a:solidFill>
             </a:endParaRPr>
-          </a:p>
-        </p:txBody>
-      </p:sp>
-      <p:sp>
-        <p:nvSpPr>
-          <p:cNvPr id="2" name="TextBox 1"/>
-          <p:cNvSpPr txBox="1"/>
-          <p:nvPr/>
-        </p:nvSpPr>
-        <p:spPr>
-          <a:xfrm>
-            <a:off x="2436610" y="11761118"/>
-            <a:ext cx="2267800" cy="384721"/>
-          </a:xfrm>
-          <a:prstGeom prst="rect">
-            <a:avLst/>
-          </a:prstGeom>
-          <a:noFill/>
-        </p:spPr>
-        <p:txBody>
-          <a:bodyPr wrap="none" rtlCol="0">
-            <a:spAutoFit/>
-          </a:bodyPr>
-          <a:lstStyle/>
-          <a:p>
-            <a:r>
-              <a:rPr lang="en-US" altLang="ko-KR" b="1" dirty="0" smtClean="0"/>
-              <a:t>&lt;Critical Section&gt;</a:t>
-            </a:r>
-            <a:endParaRPr lang="ko-KR" altLang="en-US" b="1" dirty="0"/>
-          </a:p>
-        </p:txBody>
-      </p:sp>
-      <p:sp>
-        <p:nvSpPr>
-          <p:cNvPr id="40" name="TextBox 39"/>
-          <p:cNvSpPr txBox="1"/>
-          <p:nvPr/>
-        </p:nvSpPr>
-        <p:spPr>
-          <a:xfrm>
-            <a:off x="2522902" y="14737177"/>
-            <a:ext cx="1689886" cy="384721"/>
-          </a:xfrm>
-          <a:prstGeom prst="rect">
-            <a:avLst/>
-          </a:prstGeom>
-          <a:noFill/>
-        </p:spPr>
-        <p:txBody>
-          <a:bodyPr wrap="none" rtlCol="0">
-            <a:spAutoFit/>
-          </a:bodyPr>
-          <a:lstStyle/>
-          <a:p>
-            <a:r>
-              <a:rPr lang="en-US" altLang="ko-KR" b="1" dirty="0" smtClean="0"/>
-              <a:t>&lt;SRW Lock&gt;</a:t>
-            </a:r>
-            <a:endParaRPr lang="ko-KR" altLang="en-US" b="1" dirty="0"/>
-          </a:p>
-        </p:txBody>
-      </p:sp>
-      <p:sp>
-        <p:nvSpPr>
-          <p:cNvPr id="41" name="TextBox 40"/>
-          <p:cNvSpPr txBox="1"/>
-          <p:nvPr/>
-        </p:nvSpPr>
-        <p:spPr>
-          <a:xfrm>
-            <a:off x="2448422" y="17905461"/>
-            <a:ext cx="2410019" cy="384721"/>
-          </a:xfrm>
-          <a:prstGeom prst="rect">
-            <a:avLst/>
-          </a:prstGeom>
-          <a:noFill/>
-        </p:spPr>
-        <p:txBody>
-          <a:bodyPr wrap="none" rtlCol="0">
-            <a:spAutoFit/>
-          </a:bodyPr>
-          <a:lstStyle/>
-          <a:p>
-            <a:r>
-              <a:rPr lang="en-US" altLang="ko-KR" b="1" dirty="0" smtClean="0"/>
-              <a:t>&lt;</a:t>
-            </a:r>
-            <a:r>
-              <a:rPr lang="en-US" altLang="ko-KR" b="1" dirty="0" err="1" smtClean="0"/>
-              <a:t>LockFree</a:t>
-            </a:r>
-            <a:r>
-              <a:rPr lang="en-US" altLang="ko-KR" b="1" dirty="0" smtClean="0"/>
-              <a:t>-Queue&gt;</a:t>
-            </a:r>
-            <a:endParaRPr lang="ko-KR" altLang="en-US" b="1" dirty="0"/>
           </a:p>
         </p:txBody>
       </p:sp>

--- a/_포트폴리오/최종/포트폴리오_송진규.pptx
+++ b/_포트폴리오/최종/포트폴리오_송진규.pptx
@@ -198,7 +198,7 @@
           <a:p>
             <a:fld id="{EB762C6C-61A4-4A96-BF6C-CDA03ADAA243}" type="datetimeFigureOut">
               <a:rPr lang="ko-KR" altLang="en-US" smtClean="0"/>
-              <a:t>2019-01-23</a:t>
+              <a:t>2019-01-24</a:t>
             </a:fld>
             <a:endParaRPr lang="ko-KR" altLang="en-US"/>
           </a:p>
@@ -815,7 +815,7 @@
           <a:p>
             <a:fld id="{7124A09B-C8D5-4831-A103-306AD3D3BC49}" type="datetimeFigureOut">
               <a:rPr lang="ko-KR" altLang="en-US" smtClean="0"/>
-              <a:t>2019-01-23</a:t>
+              <a:t>2019-01-24</a:t>
             </a:fld>
             <a:endParaRPr lang="ko-KR" altLang="en-US"/>
           </a:p>
@@ -985,7 +985,7 @@
           <a:p>
             <a:fld id="{7124A09B-C8D5-4831-A103-306AD3D3BC49}" type="datetimeFigureOut">
               <a:rPr lang="ko-KR" altLang="en-US" smtClean="0"/>
-              <a:t>2019-01-23</a:t>
+              <a:t>2019-01-24</a:t>
             </a:fld>
             <a:endParaRPr lang="ko-KR" altLang="en-US"/>
           </a:p>
@@ -1165,7 +1165,7 @@
           <a:p>
             <a:fld id="{7124A09B-C8D5-4831-A103-306AD3D3BC49}" type="datetimeFigureOut">
               <a:rPr lang="ko-KR" altLang="en-US" smtClean="0"/>
-              <a:t>2019-01-23</a:t>
+              <a:t>2019-01-24</a:t>
             </a:fld>
             <a:endParaRPr lang="ko-KR" altLang="en-US"/>
           </a:p>
@@ -1335,7 +1335,7 @@
           <a:p>
             <a:fld id="{7124A09B-C8D5-4831-A103-306AD3D3BC49}" type="datetimeFigureOut">
               <a:rPr lang="ko-KR" altLang="en-US" smtClean="0"/>
-              <a:t>2019-01-23</a:t>
+              <a:t>2019-01-24</a:t>
             </a:fld>
             <a:endParaRPr lang="ko-KR" altLang="en-US"/>
           </a:p>
@@ -1581,7 +1581,7 @@
           <a:p>
             <a:fld id="{7124A09B-C8D5-4831-A103-306AD3D3BC49}" type="datetimeFigureOut">
               <a:rPr lang="ko-KR" altLang="en-US" smtClean="0"/>
-              <a:t>2019-01-23</a:t>
+              <a:t>2019-01-24</a:t>
             </a:fld>
             <a:endParaRPr lang="ko-KR" altLang="en-US"/>
           </a:p>
@@ -1869,7 +1869,7 @@
           <a:p>
             <a:fld id="{7124A09B-C8D5-4831-A103-306AD3D3BC49}" type="datetimeFigureOut">
               <a:rPr lang="ko-KR" altLang="en-US" smtClean="0"/>
-              <a:t>2019-01-23</a:t>
+              <a:t>2019-01-24</a:t>
             </a:fld>
             <a:endParaRPr lang="ko-KR" altLang="en-US"/>
           </a:p>
@@ -2291,7 +2291,7 @@
           <a:p>
             <a:fld id="{7124A09B-C8D5-4831-A103-306AD3D3BC49}" type="datetimeFigureOut">
               <a:rPr lang="ko-KR" altLang="en-US" smtClean="0"/>
-              <a:t>2019-01-23</a:t>
+              <a:t>2019-01-24</a:t>
             </a:fld>
             <a:endParaRPr lang="ko-KR" altLang="en-US"/>
           </a:p>
@@ -2409,7 +2409,7 @@
           <a:p>
             <a:fld id="{7124A09B-C8D5-4831-A103-306AD3D3BC49}" type="datetimeFigureOut">
               <a:rPr lang="ko-KR" altLang="en-US" smtClean="0"/>
-              <a:t>2019-01-23</a:t>
+              <a:t>2019-01-24</a:t>
             </a:fld>
             <a:endParaRPr lang="ko-KR" altLang="en-US"/>
           </a:p>
@@ -2504,7 +2504,7 @@
           <a:p>
             <a:fld id="{7124A09B-C8D5-4831-A103-306AD3D3BC49}" type="datetimeFigureOut">
               <a:rPr lang="ko-KR" altLang="en-US" smtClean="0"/>
-              <a:t>2019-01-23</a:t>
+              <a:t>2019-01-24</a:t>
             </a:fld>
             <a:endParaRPr lang="ko-KR" altLang="en-US"/>
           </a:p>
@@ -2781,7 +2781,7 @@
           <a:p>
             <a:fld id="{7124A09B-C8D5-4831-A103-306AD3D3BC49}" type="datetimeFigureOut">
               <a:rPr lang="ko-KR" altLang="en-US" smtClean="0"/>
-              <a:t>2019-01-23</a:t>
+              <a:t>2019-01-24</a:t>
             </a:fld>
             <a:endParaRPr lang="ko-KR" altLang="en-US"/>
           </a:p>
@@ -3034,7 +3034,7 @@
           <a:p>
             <a:fld id="{7124A09B-C8D5-4831-A103-306AD3D3BC49}" type="datetimeFigureOut">
               <a:rPr lang="ko-KR" altLang="en-US" smtClean="0"/>
-              <a:t>2019-01-23</a:t>
+              <a:t>2019-01-24</a:t>
             </a:fld>
             <a:endParaRPr lang="ko-KR" altLang="en-US"/>
           </a:p>
@@ -3247,7 +3247,7 @@
           <a:p>
             <a:fld id="{7124A09B-C8D5-4831-A103-306AD3D3BC49}" type="datetimeFigureOut">
               <a:rPr lang="ko-KR" altLang="en-US" smtClean="0"/>
-              <a:t>2019-01-23</a:t>
+              <a:t>2019-01-24</a:t>
             </a:fld>
             <a:endParaRPr lang="ko-KR" altLang="en-US"/>
           </a:p>
@@ -18367,7 +18367,7 @@
         <p:spPr>
           <a:xfrm>
             <a:off x="2436610" y="1008262"/>
-            <a:ext cx="14058081" cy="2477573"/>
+            <a:ext cx="13699778" cy="2939238"/>
           </a:xfrm>
           <a:prstGeom prst="rect">
             <a:avLst/>
@@ -18556,6 +18556,20 @@
               <a:rPr lang="en-US" altLang="ko-KR" sz="2000" dirty="0" smtClean="0"/>
               <a:t>.</a:t>
             </a:r>
+          </a:p>
+          <a:p>
+            <a:endParaRPr lang="en-US" altLang="ko-KR" sz="1000" dirty="0" smtClean="0"/>
+          </a:p>
+          <a:p>
+            <a:pPr marL="342900" indent="-342900">
+              <a:buFontTx/>
+              <a:buChar char="-"/>
+            </a:pPr>
+            <a:r>
+              <a:rPr lang="ko-KR" altLang="en-US" sz="2000" dirty="0" smtClean="0"/>
+              <a:t>세션 별 모드 지정으로 세션 동기화 제거</a:t>
+            </a:r>
+            <a:endParaRPr lang="en-US" altLang="ko-KR" sz="2000" dirty="0" smtClean="0"/>
           </a:p>
           <a:p>
             <a:endParaRPr lang="en-US" altLang="ko-KR" sz="1000" dirty="0" smtClean="0"/>

--- a/_포트폴리오/최종/포트폴리오_송진규.pptx
+++ b/_포트폴리오/최종/포트폴리오_송진규.pptx
@@ -5,7 +5,7 @@
     <p:sldMasterId id="2147483768" r:id="rId1"/>
   </p:sldMasterIdLst>
   <p:notesMasterIdLst>
-    <p:notesMasterId r:id="rId9"/>
+    <p:notesMasterId r:id="rId8"/>
   </p:notesMasterIdLst>
   <p:sldIdLst>
     <p:sldId id="270" r:id="rId2"/>
@@ -14,7 +14,6 @@
     <p:sldId id="273" r:id="rId5"/>
     <p:sldId id="274" r:id="rId6"/>
     <p:sldId id="278" r:id="rId7"/>
-    <p:sldId id="276" r:id="rId8"/>
   </p:sldIdLst>
   <p:sldSz cx="21602700" cy="21602700"/>
   <p:notesSz cx="6858000" cy="9144000"/>
@@ -198,7 +197,7 @@
           <a:p>
             <a:fld id="{EB762C6C-61A4-4A96-BF6C-CDA03ADAA243}" type="datetimeFigureOut">
               <a:rPr lang="ko-KR" altLang="en-US" smtClean="0"/>
-              <a:t>2019-01-24</a:t>
+              <a:t>2019-01-28</a:t>
             </a:fld>
             <a:endParaRPr lang="ko-KR" altLang="en-US"/>
           </a:p>
@@ -550,90 +549,6 @@
 </p:notes>
 </file>
 
-<file path=ppt/notesSlides/notesSlide2.xml><?xml version="1.0" encoding="utf-8"?>
-<p:notes xmlns:a="http://schemas.openxmlformats.org/drawingml/2006/main" xmlns:r="http://schemas.openxmlformats.org/officeDocument/2006/relationships" xmlns:p="http://schemas.openxmlformats.org/presentationml/2006/main">
-  <p:cSld>
-    <p:spTree>
-      <p:nvGrpSpPr>
-        <p:cNvPr id="1" name=""/>
-        <p:cNvGrpSpPr/>
-        <p:nvPr/>
-      </p:nvGrpSpPr>
-      <p:grpSpPr>
-        <a:xfrm>
-          <a:off x="0" y="0"/>
-          <a:ext cx="0" cy="0"/>
-          <a:chOff x="0" y="0"/>
-          <a:chExt cx="0" cy="0"/>
-        </a:xfrm>
-      </p:grpSpPr>
-      <p:sp>
-        <p:nvSpPr>
-          <p:cNvPr id="2" name="슬라이드 이미지 개체 틀 1"/>
-          <p:cNvSpPr>
-            <a:spLocks noGrp="1" noRot="1" noChangeAspect="1"/>
-          </p:cNvSpPr>
-          <p:nvPr>
-            <p:ph type="sldImg"/>
-          </p:nvPr>
-        </p:nvSpPr>
-        <p:spPr/>
-      </p:sp>
-      <p:sp>
-        <p:nvSpPr>
-          <p:cNvPr id="3" name="슬라이드 노트 개체 틀 2"/>
-          <p:cNvSpPr>
-            <a:spLocks noGrp="1"/>
-          </p:cNvSpPr>
-          <p:nvPr>
-            <p:ph type="body" idx="1"/>
-          </p:nvPr>
-        </p:nvSpPr>
-        <p:spPr/>
-        <p:txBody>
-          <a:bodyPr/>
-          <a:lstStyle/>
-          <a:p>
-            <a:endParaRPr lang="ko-KR" altLang="en-US" dirty="0"/>
-          </a:p>
-        </p:txBody>
-      </p:sp>
-      <p:sp>
-        <p:nvSpPr>
-          <p:cNvPr id="4" name="슬라이드 번호 개체 틀 3"/>
-          <p:cNvSpPr>
-            <a:spLocks noGrp="1"/>
-          </p:cNvSpPr>
-          <p:nvPr>
-            <p:ph type="sldNum" sz="quarter" idx="10"/>
-          </p:nvPr>
-        </p:nvSpPr>
-        <p:spPr/>
-        <p:txBody>
-          <a:bodyPr/>
-          <a:lstStyle/>
-          <a:p>
-            <a:fld id="{4746F287-A522-482A-A4F7-FF8B69BD67B2}" type="slidenum">
-              <a:rPr lang="ko-KR" altLang="en-US" smtClean="0"/>
-              <a:t>7</a:t>
-            </a:fld>
-            <a:endParaRPr lang="ko-KR" altLang="en-US"/>
-          </a:p>
-        </p:txBody>
-      </p:sp>
-    </p:spTree>
-    <p:extLst>
-      <p:ext uri="{BB962C8B-B14F-4D97-AF65-F5344CB8AC3E}">
-        <p14:creationId xmlns:p14="http://schemas.microsoft.com/office/powerpoint/2010/main" val="3794755016"/>
-      </p:ext>
-    </p:extLst>
-  </p:cSld>
-  <p:clrMapOvr>
-    <a:masterClrMapping/>
-  </p:clrMapOvr>
-</p:notes>
-</file>
-
 <file path=ppt/slideLayouts/slideLayout1.xml><?xml version="1.0" encoding="utf-8"?>
 <p:sldLayout xmlns:a="http://schemas.openxmlformats.org/drawingml/2006/main" xmlns:r="http://schemas.openxmlformats.org/officeDocument/2006/relationships" xmlns:p="http://schemas.openxmlformats.org/presentationml/2006/main" type="title" preserve="1">
   <p:cSld name="제목 슬라이드">
@@ -815,7 +730,7 @@
           <a:p>
             <a:fld id="{7124A09B-C8D5-4831-A103-306AD3D3BC49}" type="datetimeFigureOut">
               <a:rPr lang="ko-KR" altLang="en-US" smtClean="0"/>
-              <a:t>2019-01-24</a:t>
+              <a:t>2019-01-28</a:t>
             </a:fld>
             <a:endParaRPr lang="ko-KR" altLang="en-US"/>
           </a:p>
@@ -985,7 +900,7 @@
           <a:p>
             <a:fld id="{7124A09B-C8D5-4831-A103-306AD3D3BC49}" type="datetimeFigureOut">
               <a:rPr lang="ko-KR" altLang="en-US" smtClean="0"/>
-              <a:t>2019-01-24</a:t>
+              <a:t>2019-01-28</a:t>
             </a:fld>
             <a:endParaRPr lang="ko-KR" altLang="en-US"/>
           </a:p>
@@ -1165,7 +1080,7 @@
           <a:p>
             <a:fld id="{7124A09B-C8D5-4831-A103-306AD3D3BC49}" type="datetimeFigureOut">
               <a:rPr lang="ko-KR" altLang="en-US" smtClean="0"/>
-              <a:t>2019-01-24</a:t>
+              <a:t>2019-01-28</a:t>
             </a:fld>
             <a:endParaRPr lang="ko-KR" altLang="en-US"/>
           </a:p>
@@ -1335,7 +1250,7 @@
           <a:p>
             <a:fld id="{7124A09B-C8D5-4831-A103-306AD3D3BC49}" type="datetimeFigureOut">
               <a:rPr lang="ko-KR" altLang="en-US" smtClean="0"/>
-              <a:t>2019-01-24</a:t>
+              <a:t>2019-01-28</a:t>
             </a:fld>
             <a:endParaRPr lang="ko-KR" altLang="en-US"/>
           </a:p>
@@ -1581,7 +1496,7 @@
           <a:p>
             <a:fld id="{7124A09B-C8D5-4831-A103-306AD3D3BC49}" type="datetimeFigureOut">
               <a:rPr lang="ko-KR" altLang="en-US" smtClean="0"/>
-              <a:t>2019-01-24</a:t>
+              <a:t>2019-01-28</a:t>
             </a:fld>
             <a:endParaRPr lang="ko-KR" altLang="en-US"/>
           </a:p>
@@ -1869,7 +1784,7 @@
           <a:p>
             <a:fld id="{7124A09B-C8D5-4831-A103-306AD3D3BC49}" type="datetimeFigureOut">
               <a:rPr lang="ko-KR" altLang="en-US" smtClean="0"/>
-              <a:t>2019-01-24</a:t>
+              <a:t>2019-01-28</a:t>
             </a:fld>
             <a:endParaRPr lang="ko-KR" altLang="en-US"/>
           </a:p>
@@ -2291,7 +2206,7 @@
           <a:p>
             <a:fld id="{7124A09B-C8D5-4831-A103-306AD3D3BC49}" type="datetimeFigureOut">
               <a:rPr lang="ko-KR" altLang="en-US" smtClean="0"/>
-              <a:t>2019-01-24</a:t>
+              <a:t>2019-01-28</a:t>
             </a:fld>
             <a:endParaRPr lang="ko-KR" altLang="en-US"/>
           </a:p>
@@ -2409,7 +2324,7 @@
           <a:p>
             <a:fld id="{7124A09B-C8D5-4831-A103-306AD3D3BC49}" type="datetimeFigureOut">
               <a:rPr lang="ko-KR" altLang="en-US" smtClean="0"/>
-              <a:t>2019-01-24</a:t>
+              <a:t>2019-01-28</a:t>
             </a:fld>
             <a:endParaRPr lang="ko-KR" altLang="en-US"/>
           </a:p>
@@ -2504,7 +2419,7 @@
           <a:p>
             <a:fld id="{7124A09B-C8D5-4831-A103-306AD3D3BC49}" type="datetimeFigureOut">
               <a:rPr lang="ko-KR" altLang="en-US" smtClean="0"/>
-              <a:t>2019-01-24</a:t>
+              <a:t>2019-01-28</a:t>
             </a:fld>
             <a:endParaRPr lang="ko-KR" altLang="en-US"/>
           </a:p>
@@ -2781,7 +2696,7 @@
           <a:p>
             <a:fld id="{7124A09B-C8D5-4831-A103-306AD3D3BC49}" type="datetimeFigureOut">
               <a:rPr lang="ko-KR" altLang="en-US" smtClean="0"/>
-              <a:t>2019-01-24</a:t>
+              <a:t>2019-01-28</a:t>
             </a:fld>
             <a:endParaRPr lang="ko-KR" altLang="en-US"/>
           </a:p>
@@ -3034,7 +2949,7 @@
           <a:p>
             <a:fld id="{7124A09B-C8D5-4831-A103-306AD3D3BC49}" type="datetimeFigureOut">
               <a:rPr lang="ko-KR" altLang="en-US" smtClean="0"/>
-              <a:t>2019-01-24</a:t>
+              <a:t>2019-01-28</a:t>
             </a:fld>
             <a:endParaRPr lang="ko-KR" altLang="en-US"/>
           </a:p>
@@ -3247,7 +3162,7 @@
           <a:p>
             <a:fld id="{7124A09B-C8D5-4831-A103-306AD3D3BC49}" type="datetimeFigureOut">
               <a:rPr lang="ko-KR" altLang="en-US" smtClean="0"/>
-              <a:t>2019-01-24</a:t>
+              <a:t>2019-01-28</a:t>
             </a:fld>
             <a:endParaRPr lang="ko-KR" altLang="en-US"/>
           </a:p>
@@ -14033,7 +13948,7 @@
         </p:nvSpPr>
         <p:spPr>
           <a:xfrm>
-            <a:off x="9710861" y="2664446"/>
+            <a:off x="9989768" y="2664446"/>
             <a:ext cx="1433343" cy="523192"/>
           </a:xfrm>
           <a:prstGeom prst="rect">
@@ -23242,7 +23157,7 @@
             </a:pPr>
             <a:r>
               <a:rPr lang="en-US" altLang="ko-KR" sz="1800" dirty="0" smtClean="0"/>
-              <a:t>Critical Section / SRW Lock / </a:t>
+              <a:t>Critical Section / </a:t>
             </a:r>
             <a:r>
               <a:rPr lang="en-US" altLang="ko-KR" sz="1800" dirty="0" err="1" smtClean="0"/>
@@ -23390,43 +23305,13 @@
       </p:sp>
       <p:sp>
         <p:nvSpPr>
-          <p:cNvPr id="40" name="TextBox 39"/>
-          <p:cNvSpPr txBox="1"/>
-          <p:nvPr/>
-        </p:nvSpPr>
-        <p:spPr>
-          <a:xfrm>
-            <a:off x="2522902" y="14737177"/>
-            <a:ext cx="1689886" cy="384721"/>
-          </a:xfrm>
-          <a:prstGeom prst="rect">
-            <a:avLst/>
-          </a:prstGeom>
-          <a:noFill/>
-        </p:spPr>
-        <p:txBody>
-          <a:bodyPr wrap="none" rtlCol="0">
-            <a:spAutoFit/>
-          </a:bodyPr>
-          <a:lstStyle/>
-          <a:p>
-            <a:r>
-              <a:rPr lang="en-US" altLang="ko-KR" b="1" dirty="0" smtClean="0"/>
-              <a:t>&lt;SRW Lock&gt;</a:t>
-            </a:r>
-            <a:endParaRPr lang="ko-KR" altLang="en-US" b="1" dirty="0"/>
-          </a:p>
-        </p:txBody>
-      </p:sp>
-      <p:sp>
-        <p:nvSpPr>
           <p:cNvPr id="41" name="TextBox 40"/>
           <p:cNvSpPr txBox="1"/>
           <p:nvPr/>
         </p:nvSpPr>
         <p:spPr>
           <a:xfrm>
-            <a:off x="2448422" y="17905461"/>
+            <a:off x="2536557" y="14914979"/>
             <a:ext cx="2410019" cy="384721"/>
           </a:xfrm>
           <a:prstGeom prst="rect">
@@ -23568,7 +23453,7 @@
       </p:sp>
       <p:pic>
         <p:nvPicPr>
-          <p:cNvPr id="1027" name="Picture 3"/>
+          <p:cNvPr id="1028" name="Picture 4"/>
           <p:cNvPicPr>
             <a:picLocks noChangeAspect="1" noChangeArrowheads="1"/>
           </p:cNvPicPr>
@@ -23589,8 +23474,8 @@
         </p:blipFill>
         <p:spPr bwMode="auto">
           <a:xfrm>
-            <a:off x="2478591" y="15265846"/>
-            <a:ext cx="8124825" cy="1971675"/>
+            <a:off x="2555999" y="15443716"/>
+            <a:ext cx="8220075" cy="1952625"/>
           </a:xfrm>
           <a:prstGeom prst="rect">
             <a:avLst/>
@@ -23632,13 +23517,13 @@
       </p:pic>
       <p:sp>
         <p:nvSpPr>
-          <p:cNvPr id="35" name="직사각형 34"/>
+          <p:cNvPr id="36" name="직사각형 35"/>
           <p:cNvSpPr/>
           <p:nvPr/>
         </p:nvSpPr>
         <p:spPr>
           <a:xfrm>
-            <a:off x="5841224" y="16251683"/>
+            <a:off x="5929359" y="16523836"/>
             <a:ext cx="1337312" cy="720080"/>
           </a:xfrm>
           <a:prstGeom prst="rect">
@@ -23676,116 +23561,6 @@
           </a:p>
         </p:txBody>
       </p:sp>
-      <p:pic>
-        <p:nvPicPr>
-          <p:cNvPr id="1028" name="Picture 4"/>
-          <p:cNvPicPr>
-            <a:picLocks noChangeAspect="1" noChangeArrowheads="1"/>
-          </p:cNvPicPr>
-          <p:nvPr/>
-        </p:nvPicPr>
-        <p:blipFill>
-          <a:blip r:embed="rId5">
-            <a:extLst>
-              <a:ext uri="{28A0092B-C50C-407E-A947-70E740481C1C}">
-                <a14:useLocalDpi xmlns:a14="http://schemas.microsoft.com/office/drawing/2010/main" val="0"/>
-              </a:ext>
-            </a:extLst>
-          </a:blip>
-          <a:srcRect/>
-          <a:stretch>
-            <a:fillRect/>
-          </a:stretch>
-        </p:blipFill>
-        <p:spPr bwMode="auto">
-          <a:xfrm>
-            <a:off x="2467864" y="18434198"/>
-            <a:ext cx="8220075" cy="1952625"/>
-          </a:xfrm>
-          <a:prstGeom prst="rect">
-            <a:avLst/>
-          </a:prstGeom>
-          <a:noFill/>
-          <a:ln>
-            <a:noFill/>
-          </a:ln>
-          <a:effectLst/>
-          <a:extLst>
-            <a:ext uri="{909E8E84-426E-40DD-AFC4-6F175D3DCCD1}">
-              <a14:hiddenFill xmlns:a14="http://schemas.microsoft.com/office/drawing/2010/main">
-                <a:solidFill>
-                  <a:schemeClr val="accent1"/>
-                </a:solidFill>
-              </a14:hiddenFill>
-            </a:ext>
-            <a:ext uri="{91240B29-F687-4F45-9708-019B960494DF}">
-              <a14:hiddenLine xmlns:a14="http://schemas.microsoft.com/office/drawing/2010/main" w="9525">
-                <a:solidFill>
-                  <a:schemeClr val="tx1"/>
-                </a:solidFill>
-                <a:miter lim="800000"/>
-                <a:headEnd/>
-                <a:tailEnd/>
-              </a14:hiddenLine>
-            </a:ext>
-            <a:ext uri="{AF507438-7753-43E0-B8FC-AC1667EBCBE1}">
-              <a14:hiddenEffects xmlns:a14="http://schemas.microsoft.com/office/drawing/2010/main">
-                <a:effectLst>
-                  <a:outerShdw dist="35921" dir="2700000" algn="ctr" rotWithShape="0">
-                    <a:schemeClr val="bg2"/>
-                  </a:outerShdw>
-                </a:effectLst>
-              </a14:hiddenEffects>
-            </a:ext>
-          </a:extLst>
-        </p:spPr>
-      </p:pic>
-      <p:sp>
-        <p:nvSpPr>
-          <p:cNvPr id="36" name="직사각형 35"/>
-          <p:cNvSpPr/>
-          <p:nvPr/>
-        </p:nvSpPr>
-        <p:spPr>
-          <a:xfrm>
-            <a:off x="5841224" y="19514318"/>
-            <a:ext cx="1337312" cy="720080"/>
-          </a:xfrm>
-          <a:prstGeom prst="rect">
-            <a:avLst/>
-          </a:prstGeom>
-          <a:noFill/>
-          <a:ln>
-            <a:solidFill>
-              <a:srgbClr val="FF0000"/>
-            </a:solidFill>
-          </a:ln>
-        </p:spPr>
-        <p:style>
-          <a:lnRef idx="2">
-            <a:schemeClr val="accent1">
-              <a:shade val="50000"/>
-            </a:schemeClr>
-          </a:lnRef>
-          <a:fillRef idx="1">
-            <a:schemeClr val="accent1"/>
-          </a:fillRef>
-          <a:effectRef idx="0">
-            <a:schemeClr val="accent1"/>
-          </a:effectRef>
-          <a:fontRef idx="minor">
-            <a:schemeClr val="lt1"/>
-          </a:fontRef>
-        </p:style>
-        <p:txBody>
-          <a:bodyPr rtlCol="0" anchor="ctr"/>
-          <a:lstStyle/>
-          <a:p>
-            <a:pPr algn="ctr"/>
-            <a:endParaRPr lang="ko-KR" altLang="en-US"/>
-          </a:p>
-        </p:txBody>
-      </p:sp>
       <p:sp>
         <p:nvSpPr>
           <p:cNvPr id="37" name="모서리가 둥근 사각형 설명선 36"/>
@@ -23794,7 +23569,7 @@
         </p:nvSpPr>
         <p:spPr>
           <a:xfrm>
-            <a:off x="8303509" y="17413744"/>
+            <a:off x="8391644" y="14423262"/>
             <a:ext cx="4392487" cy="1368153"/>
           </a:xfrm>
           <a:prstGeom prst="wedgeRoundRectCallout">
@@ -24103,1611 +23878,6 @@
     <p:extLst>
       <p:ext uri="{BB962C8B-B14F-4D97-AF65-F5344CB8AC3E}">
         <p14:creationId xmlns:p14="http://schemas.microsoft.com/office/powerpoint/2010/main" val="974104270"/>
-      </p:ext>
-    </p:extLst>
-  </p:cSld>
-  <p:clrMapOvr>
-    <a:masterClrMapping/>
-  </p:clrMapOvr>
-  <p:timing>
-    <p:tnLst>
-      <p:par>
-        <p:cTn id="1" dur="indefinite" restart="never" nodeType="tmRoot"/>
-      </p:par>
-    </p:tnLst>
-  </p:timing>
-</p:sld>
-</file>
-
-<file path=ppt/slides/slide7.xml><?xml version="1.0" encoding="utf-8"?>
-<p:sld xmlns:a="http://schemas.openxmlformats.org/drawingml/2006/main" xmlns:r="http://schemas.openxmlformats.org/officeDocument/2006/relationships" xmlns:p="http://schemas.openxmlformats.org/presentationml/2006/main">
-  <p:cSld>
-    <p:spTree>
-      <p:nvGrpSpPr>
-        <p:cNvPr id="1" name=""/>
-        <p:cNvGrpSpPr/>
-        <p:nvPr/>
-      </p:nvGrpSpPr>
-      <p:grpSpPr>
-        <a:xfrm>
-          <a:off x="0" y="0"/>
-          <a:ext cx="0" cy="0"/>
-          <a:chOff x="0" y="0"/>
-          <a:chExt cx="0" cy="0"/>
-        </a:xfrm>
-      </p:grpSpPr>
-      <p:sp>
-        <p:nvSpPr>
-          <p:cNvPr id="4" name="TextBox 3"/>
-          <p:cNvSpPr txBox="1"/>
-          <p:nvPr/>
-        </p:nvSpPr>
-        <p:spPr>
-          <a:xfrm>
-            <a:off x="7939364" y="238268"/>
-            <a:ext cx="5537031" cy="553970"/>
-          </a:xfrm>
-          <a:prstGeom prst="rect">
-            <a:avLst/>
-          </a:prstGeom>
-          <a:noFill/>
-        </p:spPr>
-        <p:txBody>
-          <a:bodyPr wrap="none" lIns="91409" tIns="45706" rIns="91409" bIns="45706" rtlCol="0">
-            <a:spAutoFit/>
-          </a:bodyPr>
-          <a:lstStyle/>
-          <a:p>
-            <a:r>
-              <a:rPr lang="ko-KR" altLang="en-US" sz="3000" b="1" dirty="0" smtClean="0"/>
-              <a:t>라이브러리 제작 </a:t>
-            </a:r>
-            <a:r>
-              <a:rPr lang="en-US" altLang="ko-KR" sz="3000" b="1" dirty="0" smtClean="0"/>
-              <a:t>– </a:t>
-            </a:r>
-            <a:r>
-              <a:rPr lang="ko-KR" altLang="en-US" sz="3000" b="1" dirty="0" smtClean="0"/>
-              <a:t>직렬화 버퍼</a:t>
-            </a:r>
-            <a:endParaRPr lang="en-US" altLang="ko-KR" sz="3000" b="1" dirty="0"/>
-          </a:p>
-        </p:txBody>
-      </p:sp>
-      <p:sp>
-        <p:nvSpPr>
-          <p:cNvPr id="3" name="TextBox 2"/>
-          <p:cNvSpPr txBox="1"/>
-          <p:nvPr/>
-        </p:nvSpPr>
-        <p:spPr>
-          <a:xfrm>
-            <a:off x="2436610" y="1008262"/>
-            <a:ext cx="6652592" cy="1708132"/>
-          </a:xfrm>
-          <a:prstGeom prst="rect">
-            <a:avLst/>
-          </a:prstGeom>
-          <a:noFill/>
-        </p:spPr>
-        <p:txBody>
-          <a:bodyPr wrap="none" lIns="91409" tIns="45706" rIns="91409" bIns="45706" rtlCol="0">
-            <a:spAutoFit/>
-          </a:bodyPr>
-          <a:lstStyle/>
-          <a:p>
-            <a:r>
-              <a:rPr lang="ko-KR" altLang="en-US" sz="2500" b="1" dirty="0" smtClean="0"/>
-              <a:t>특징</a:t>
-            </a:r>
-            <a:endParaRPr lang="en-US" altLang="ko-KR" sz="2500" b="1" dirty="0" smtClean="0"/>
-          </a:p>
-          <a:p>
-            <a:endParaRPr lang="en-US" altLang="ko-KR" sz="2000" dirty="0"/>
-          </a:p>
-          <a:p>
-            <a:pPr marL="342900" indent="-342900">
-              <a:buFontTx/>
-              <a:buChar char="-"/>
-            </a:pPr>
-            <a:r>
-              <a:rPr lang="en-US" altLang="ko-KR" sz="2000" dirty="0" smtClean="0"/>
-              <a:t>Byte </a:t>
-            </a:r>
-            <a:r>
-              <a:rPr lang="ko-KR" altLang="en-US" sz="2000" dirty="0" smtClean="0"/>
-              <a:t>버퍼</a:t>
-            </a:r>
-            <a:r>
-              <a:rPr lang="en-US" altLang="ko-KR" sz="2000" dirty="0" smtClean="0"/>
-              <a:t>.</a:t>
-            </a:r>
-          </a:p>
-          <a:p>
-            <a:pPr marL="342900" indent="-342900">
-              <a:buFontTx/>
-              <a:buChar char="-"/>
-            </a:pPr>
-            <a:r>
-              <a:rPr lang="en-US" altLang="ko-KR" sz="2000" dirty="0" smtClean="0"/>
-              <a:t>Reference Count </a:t>
-            </a:r>
-            <a:r>
-              <a:rPr lang="ko-KR" altLang="en-US" sz="2000" dirty="0" smtClean="0"/>
-              <a:t>사용</a:t>
-            </a:r>
-            <a:endParaRPr lang="en-US" altLang="ko-KR" sz="2000" dirty="0" smtClean="0"/>
-          </a:p>
-          <a:p>
-            <a:pPr marL="342900" indent="-342900">
-              <a:buFontTx/>
-              <a:buChar char="-"/>
-            </a:pPr>
-            <a:r>
-              <a:rPr lang="ko-KR" altLang="en-US" sz="2000" dirty="0" smtClean="0"/>
-              <a:t>네트워크 모듈</a:t>
-            </a:r>
-            <a:r>
-              <a:rPr lang="en-US" altLang="ko-KR" sz="2000" dirty="0" smtClean="0"/>
-              <a:t>(</a:t>
-            </a:r>
-            <a:r>
-              <a:rPr lang="en-US" altLang="ko-KR" sz="2000" dirty="0" err="1" smtClean="0"/>
-              <a:t>CNetServer</a:t>
-            </a:r>
-            <a:r>
-              <a:rPr lang="en-US" altLang="ko-KR" sz="2000" dirty="0" smtClean="0"/>
-              <a:t> / </a:t>
-            </a:r>
-            <a:r>
-              <a:rPr lang="en-US" altLang="ko-KR" sz="2000" dirty="0" err="1" smtClean="0"/>
-              <a:t>CMMOServer</a:t>
-            </a:r>
-            <a:r>
-              <a:rPr lang="en-US" altLang="ko-KR" sz="2000" dirty="0" smtClean="0"/>
-              <a:t>)</a:t>
-            </a:r>
-            <a:r>
-              <a:rPr lang="ko-KR" altLang="en-US" sz="2000" dirty="0" smtClean="0"/>
-              <a:t>에 종속적</a:t>
-            </a:r>
-            <a:r>
-              <a:rPr lang="en-US" altLang="ko-KR" sz="2000" dirty="0" smtClean="0"/>
-              <a:t>.</a:t>
-            </a:r>
-          </a:p>
-        </p:txBody>
-      </p:sp>
-      <p:sp>
-        <p:nvSpPr>
-          <p:cNvPr id="5" name="모서리가 둥근 직사각형 4"/>
-          <p:cNvSpPr/>
-          <p:nvPr/>
-        </p:nvSpPr>
-        <p:spPr>
-          <a:xfrm>
-            <a:off x="2418329" y="3122962"/>
-            <a:ext cx="8602354" cy="5662164"/>
-          </a:xfrm>
-          <a:prstGeom prst="roundRect">
-            <a:avLst>
-              <a:gd name="adj" fmla="val 2647"/>
-            </a:avLst>
-          </a:prstGeom>
-          <a:solidFill>
-            <a:schemeClr val="accent6">
-              <a:lumMod val="20000"/>
-              <a:lumOff val="80000"/>
-            </a:schemeClr>
-          </a:solidFill>
-          <a:ln w="3175">
-            <a:solidFill>
-              <a:schemeClr val="tx1"/>
-            </a:solidFill>
-          </a:ln>
-        </p:spPr>
-        <p:style>
-          <a:lnRef idx="2">
-            <a:schemeClr val="accent1">
-              <a:shade val="50000"/>
-            </a:schemeClr>
-          </a:lnRef>
-          <a:fillRef idx="1">
-            <a:schemeClr val="accent1"/>
-          </a:fillRef>
-          <a:effectRef idx="0">
-            <a:schemeClr val="accent1"/>
-          </a:effectRef>
-          <a:fontRef idx="minor">
-            <a:schemeClr val="lt1"/>
-          </a:fontRef>
-        </p:style>
-        <p:txBody>
-          <a:bodyPr lIns="91409" tIns="45706" rIns="91409" bIns="45706" rtlCol="0" anchor="ctr"/>
-          <a:lstStyle/>
-          <a:p>
-            <a:pPr algn="ctr"/>
-            <a:endParaRPr lang="ko-KR" altLang="en-US" dirty="0"/>
-          </a:p>
-        </p:txBody>
-      </p:sp>
-      <p:sp>
-        <p:nvSpPr>
-          <p:cNvPr id="6" name="TextBox 5"/>
-          <p:cNvSpPr txBox="1"/>
-          <p:nvPr/>
-        </p:nvSpPr>
-        <p:spPr>
-          <a:xfrm>
-            <a:off x="6083318" y="3194970"/>
-            <a:ext cx="1375571" cy="523192"/>
-          </a:xfrm>
-          <a:prstGeom prst="rect">
-            <a:avLst/>
-          </a:prstGeom>
-          <a:noFill/>
-        </p:spPr>
-        <p:txBody>
-          <a:bodyPr wrap="none" lIns="91409" tIns="45706" rIns="91409" bIns="45706" rtlCol="0">
-            <a:spAutoFit/>
-          </a:bodyPr>
-          <a:lstStyle/>
-          <a:p>
-            <a:pPr algn="ctr"/>
-            <a:r>
-              <a:rPr lang="en-US" altLang="ko-KR" sz="1400" b="1" dirty="0" err="1" smtClean="0"/>
-              <a:t>CProtocolBuff</a:t>
-            </a:r>
-            <a:endParaRPr lang="en-US" altLang="ko-KR" sz="1400" b="1" dirty="0" smtClean="0"/>
-          </a:p>
-          <a:p>
-            <a:pPr algn="ctr"/>
-            <a:r>
-              <a:rPr lang="en-US" altLang="ko-KR" sz="1400" dirty="0" smtClean="0"/>
-              <a:t>(</a:t>
-            </a:r>
-            <a:r>
-              <a:rPr lang="ko-KR" altLang="en-US" sz="1400" dirty="0" smtClean="0"/>
-              <a:t>직렬화 버퍼</a:t>
-            </a:r>
-            <a:r>
-              <a:rPr lang="en-US" altLang="ko-KR" sz="1400" dirty="0"/>
-              <a:t>)</a:t>
-            </a:r>
-          </a:p>
-        </p:txBody>
-      </p:sp>
-      <p:sp>
-        <p:nvSpPr>
-          <p:cNvPr id="7" name="모서리가 둥근 직사각형 6"/>
-          <p:cNvSpPr/>
-          <p:nvPr/>
-        </p:nvSpPr>
-        <p:spPr>
-          <a:xfrm>
-            <a:off x="7458888" y="5931274"/>
-            <a:ext cx="2970280" cy="550371"/>
-          </a:xfrm>
-          <a:prstGeom prst="roundRect">
-            <a:avLst/>
-          </a:prstGeom>
-          <a:solidFill>
-            <a:schemeClr val="accent4">
-              <a:lumMod val="40000"/>
-              <a:lumOff val="60000"/>
-            </a:schemeClr>
-          </a:solidFill>
-          <a:ln>
-            <a:solidFill>
-              <a:schemeClr val="bg1">
-                <a:lumMod val="75000"/>
-              </a:schemeClr>
-            </a:solidFill>
-          </a:ln>
-        </p:spPr>
-        <p:style>
-          <a:lnRef idx="2">
-            <a:schemeClr val="accent1">
-              <a:shade val="50000"/>
-            </a:schemeClr>
-          </a:lnRef>
-          <a:fillRef idx="1">
-            <a:schemeClr val="accent1"/>
-          </a:fillRef>
-          <a:effectRef idx="0">
-            <a:schemeClr val="accent1"/>
-          </a:effectRef>
-          <a:fontRef idx="minor">
-            <a:schemeClr val="lt1"/>
-          </a:fontRef>
-        </p:style>
-        <p:txBody>
-          <a:bodyPr lIns="91426" tIns="45713" rIns="91426" bIns="45713" rtlCol="0" anchor="ctr"/>
-          <a:lstStyle/>
-          <a:p>
-            <a:pPr algn="ctr"/>
-            <a:r>
-              <a:rPr lang="en-US" altLang="ko-KR" sz="1500" dirty="0" smtClean="0">
-                <a:solidFill>
-                  <a:schemeClr val="tx1"/>
-                </a:solidFill>
-              </a:rPr>
-              <a:t>Static Void Free</a:t>
-            </a:r>
-          </a:p>
-          <a:p>
-            <a:pPr algn="ctr"/>
-            <a:r>
-              <a:rPr lang="en-US" altLang="ko-KR" sz="1500" dirty="0" smtClean="0">
-                <a:solidFill>
-                  <a:schemeClr val="tx1"/>
-                </a:solidFill>
-              </a:rPr>
-              <a:t>(</a:t>
-            </a:r>
-            <a:r>
-              <a:rPr lang="en-US" altLang="ko-KR" sz="1500" dirty="0" err="1">
-                <a:solidFill>
-                  <a:schemeClr val="tx1"/>
-                </a:solidFill>
-              </a:rPr>
-              <a:t>CProtocolBuf</a:t>
-            </a:r>
-            <a:r>
-              <a:rPr lang="en-US" altLang="ko-KR" sz="1500" dirty="0">
-                <a:solidFill>
-                  <a:schemeClr val="tx1"/>
-                </a:solidFill>
-              </a:rPr>
-              <a:t>* </a:t>
-            </a:r>
-            <a:r>
-              <a:rPr lang="en-US" altLang="ko-KR" sz="1500" dirty="0" smtClean="0">
-                <a:solidFill>
-                  <a:schemeClr val="tx1"/>
-                </a:solidFill>
-              </a:rPr>
-              <a:t>data)</a:t>
-            </a:r>
-            <a:endParaRPr lang="en-US" altLang="ko-KR" sz="1500" dirty="0">
-              <a:solidFill>
-                <a:schemeClr val="tx1"/>
-              </a:solidFill>
-            </a:endParaRPr>
-          </a:p>
-        </p:txBody>
-      </p:sp>
-      <p:sp>
-        <p:nvSpPr>
-          <p:cNvPr id="8" name="모서리가 둥근 직사각형 7"/>
-          <p:cNvSpPr/>
-          <p:nvPr/>
-        </p:nvSpPr>
-        <p:spPr>
-          <a:xfrm>
-            <a:off x="7458889" y="4779146"/>
-            <a:ext cx="2970280" cy="550371"/>
-          </a:xfrm>
-          <a:prstGeom prst="roundRect">
-            <a:avLst/>
-          </a:prstGeom>
-          <a:solidFill>
-            <a:schemeClr val="accent4">
-              <a:lumMod val="40000"/>
-              <a:lumOff val="60000"/>
-            </a:schemeClr>
-          </a:solidFill>
-          <a:ln>
-            <a:solidFill>
-              <a:schemeClr val="bg1">
-                <a:lumMod val="75000"/>
-              </a:schemeClr>
-            </a:solidFill>
-          </a:ln>
-        </p:spPr>
-        <p:style>
-          <a:lnRef idx="2">
-            <a:schemeClr val="accent1">
-              <a:shade val="50000"/>
-            </a:schemeClr>
-          </a:lnRef>
-          <a:fillRef idx="1">
-            <a:schemeClr val="accent1"/>
-          </a:fillRef>
-          <a:effectRef idx="0">
-            <a:schemeClr val="accent1"/>
-          </a:effectRef>
-          <a:fontRef idx="minor">
-            <a:schemeClr val="lt1"/>
-          </a:fontRef>
-        </p:style>
-        <p:txBody>
-          <a:bodyPr lIns="91426" tIns="45713" rIns="91426" bIns="45713" rtlCol="0" anchor="ctr"/>
-          <a:lstStyle/>
-          <a:p>
-            <a:pPr algn="ctr"/>
-            <a:r>
-              <a:rPr lang="en-US" altLang="ko-KR" sz="1500" dirty="0" smtClean="0">
-                <a:solidFill>
-                  <a:schemeClr val="tx1"/>
-                </a:solidFill>
-              </a:rPr>
-              <a:t>Static </a:t>
-            </a:r>
-            <a:r>
-              <a:rPr lang="en-US" altLang="ko-KR" sz="1500" dirty="0" err="1" smtClean="0">
-                <a:solidFill>
-                  <a:schemeClr val="tx1"/>
-                </a:solidFill>
-              </a:rPr>
-              <a:t>CProtocolBuff</a:t>
-            </a:r>
-            <a:r>
-              <a:rPr lang="en-US" altLang="ko-KR" sz="1500" dirty="0" smtClean="0">
-                <a:solidFill>
-                  <a:schemeClr val="tx1"/>
-                </a:solidFill>
-              </a:rPr>
-              <a:t>* </a:t>
-            </a:r>
-            <a:r>
-              <a:rPr lang="en-US" altLang="ko-KR" sz="1500" dirty="0" err="1" smtClean="0">
-                <a:solidFill>
-                  <a:schemeClr val="tx1"/>
-                </a:solidFill>
-              </a:rPr>
-              <a:t>Alloc</a:t>
-            </a:r>
-            <a:r>
-              <a:rPr lang="en-US" altLang="ko-KR" sz="1500" dirty="0" smtClean="0">
-                <a:solidFill>
-                  <a:schemeClr val="tx1"/>
-                </a:solidFill>
-              </a:rPr>
-              <a:t>()</a:t>
-            </a:r>
-            <a:endParaRPr lang="en-US" altLang="ko-KR" sz="1500" dirty="0">
-              <a:solidFill>
-                <a:schemeClr val="tx1"/>
-              </a:solidFill>
-            </a:endParaRPr>
-          </a:p>
-        </p:txBody>
-      </p:sp>
-      <p:sp>
-        <p:nvSpPr>
-          <p:cNvPr id="9" name="직사각형 8"/>
-          <p:cNvSpPr/>
-          <p:nvPr/>
-        </p:nvSpPr>
-        <p:spPr>
-          <a:xfrm>
-            <a:off x="7813434" y="4491114"/>
-            <a:ext cx="2261189" cy="352442"/>
-          </a:xfrm>
-          <a:prstGeom prst="rect">
-            <a:avLst/>
-          </a:prstGeom>
-          <a:solidFill>
-            <a:srgbClr val="FFFF00"/>
-          </a:solidFill>
-          <a:ln>
-            <a:solidFill>
-              <a:srgbClr val="FF0000"/>
-            </a:solidFill>
-          </a:ln>
-        </p:spPr>
-        <p:style>
-          <a:lnRef idx="2">
-            <a:schemeClr val="accent1">
-              <a:shade val="50000"/>
-            </a:schemeClr>
-          </a:lnRef>
-          <a:fillRef idx="1">
-            <a:schemeClr val="accent1"/>
-          </a:fillRef>
-          <a:effectRef idx="0">
-            <a:schemeClr val="accent1"/>
-          </a:effectRef>
-          <a:fontRef idx="minor">
-            <a:schemeClr val="lt1"/>
-          </a:fontRef>
-        </p:style>
-        <p:txBody>
-          <a:bodyPr rtlCol="0" anchor="ctr"/>
-          <a:lstStyle/>
-          <a:p>
-            <a:pPr algn="ctr"/>
-            <a:r>
-              <a:rPr lang="en-US" altLang="ko-KR" sz="1500" b="1" dirty="0" smtClean="0">
-                <a:solidFill>
-                  <a:schemeClr val="tx1"/>
-                </a:solidFill>
-              </a:rPr>
-              <a:t>class </a:t>
-            </a:r>
-            <a:r>
-              <a:rPr lang="ko-KR" altLang="en-US" sz="1500" b="1" dirty="0" smtClean="0">
-                <a:solidFill>
-                  <a:schemeClr val="tx1"/>
-                </a:solidFill>
-              </a:rPr>
-              <a:t>정적</a:t>
-            </a:r>
-            <a:r>
-              <a:rPr lang="en-US" altLang="ko-KR" sz="1500" b="1" dirty="0" smtClean="0">
-                <a:solidFill>
-                  <a:schemeClr val="tx1"/>
-                </a:solidFill>
-              </a:rPr>
-              <a:t> </a:t>
-            </a:r>
-            <a:r>
-              <a:rPr lang="ko-KR" altLang="en-US" sz="1500" b="1" dirty="0" smtClean="0">
-                <a:solidFill>
-                  <a:schemeClr val="tx1"/>
-                </a:solidFill>
-              </a:rPr>
-              <a:t>멤버 함수</a:t>
-            </a:r>
-            <a:endParaRPr lang="en-US" altLang="ko-KR" sz="1500" b="1" dirty="0" smtClean="0">
-              <a:solidFill>
-                <a:schemeClr val="tx1"/>
-              </a:solidFill>
-            </a:endParaRPr>
-          </a:p>
-        </p:txBody>
-      </p:sp>
-      <p:sp>
-        <p:nvSpPr>
-          <p:cNvPr id="10" name="직사각형 9"/>
-          <p:cNvSpPr/>
-          <p:nvPr/>
-        </p:nvSpPr>
-        <p:spPr>
-          <a:xfrm>
-            <a:off x="7813434" y="5605781"/>
-            <a:ext cx="2261189" cy="352442"/>
-          </a:xfrm>
-          <a:prstGeom prst="rect">
-            <a:avLst/>
-          </a:prstGeom>
-          <a:solidFill>
-            <a:srgbClr val="FFFF00"/>
-          </a:solidFill>
-          <a:ln>
-            <a:solidFill>
-              <a:srgbClr val="FF0000"/>
-            </a:solidFill>
-          </a:ln>
-        </p:spPr>
-        <p:style>
-          <a:lnRef idx="2">
-            <a:schemeClr val="accent1">
-              <a:shade val="50000"/>
-            </a:schemeClr>
-          </a:lnRef>
-          <a:fillRef idx="1">
-            <a:schemeClr val="accent1"/>
-          </a:fillRef>
-          <a:effectRef idx="0">
-            <a:schemeClr val="accent1"/>
-          </a:effectRef>
-          <a:fontRef idx="minor">
-            <a:schemeClr val="lt1"/>
-          </a:fontRef>
-        </p:style>
-        <p:txBody>
-          <a:bodyPr rtlCol="0" anchor="ctr"/>
-          <a:lstStyle/>
-          <a:p>
-            <a:pPr algn="ctr"/>
-            <a:r>
-              <a:rPr lang="en-US" altLang="ko-KR" sz="1500" b="1" dirty="0" smtClean="0">
-                <a:solidFill>
-                  <a:schemeClr val="tx1"/>
-                </a:solidFill>
-              </a:rPr>
-              <a:t>class </a:t>
-            </a:r>
-            <a:r>
-              <a:rPr lang="ko-KR" altLang="en-US" sz="1500" b="1" dirty="0" smtClean="0">
-                <a:solidFill>
-                  <a:schemeClr val="tx1"/>
-                </a:solidFill>
-              </a:rPr>
-              <a:t>정적</a:t>
-            </a:r>
-            <a:r>
-              <a:rPr lang="en-US" altLang="ko-KR" sz="1500" b="1" dirty="0" smtClean="0">
-                <a:solidFill>
-                  <a:schemeClr val="tx1"/>
-                </a:solidFill>
-              </a:rPr>
-              <a:t> </a:t>
-            </a:r>
-            <a:r>
-              <a:rPr lang="ko-KR" altLang="en-US" sz="1500" b="1" dirty="0" smtClean="0">
-                <a:solidFill>
-                  <a:schemeClr val="tx1"/>
-                </a:solidFill>
-              </a:rPr>
-              <a:t>멤버 함수</a:t>
-            </a:r>
-            <a:endParaRPr lang="en-US" altLang="ko-KR" sz="1500" b="1" dirty="0" smtClean="0">
-              <a:solidFill>
-                <a:schemeClr val="tx1"/>
-              </a:solidFill>
-            </a:endParaRPr>
-          </a:p>
-        </p:txBody>
-      </p:sp>
-      <p:sp>
-        <p:nvSpPr>
-          <p:cNvPr id="11" name="원통 10"/>
-          <p:cNvSpPr/>
-          <p:nvPr/>
-        </p:nvSpPr>
-        <p:spPr>
-          <a:xfrm>
-            <a:off x="2893908" y="4665378"/>
-            <a:ext cx="1902663" cy="1397593"/>
-          </a:xfrm>
-          <a:prstGeom prst="can">
-            <a:avLst/>
-          </a:prstGeom>
-          <a:solidFill>
-            <a:schemeClr val="bg1"/>
-          </a:solidFill>
-          <a:ln w="3175">
-            <a:solidFill>
-              <a:schemeClr val="tx1"/>
-            </a:solidFill>
-          </a:ln>
-        </p:spPr>
-        <p:style>
-          <a:lnRef idx="2">
-            <a:schemeClr val="accent1">
-              <a:shade val="50000"/>
-            </a:schemeClr>
-          </a:lnRef>
-          <a:fillRef idx="1">
-            <a:schemeClr val="accent1"/>
-          </a:fillRef>
-          <a:effectRef idx="0">
-            <a:schemeClr val="accent1"/>
-          </a:effectRef>
-          <a:fontRef idx="minor">
-            <a:schemeClr val="lt1"/>
-          </a:fontRef>
-        </p:style>
-        <p:txBody>
-          <a:bodyPr rtlCol="0" anchor="ctr"/>
-          <a:lstStyle/>
-          <a:p>
-            <a:pPr algn="ctr"/>
-            <a:r>
-              <a:rPr lang="en-US" altLang="ko-KR" sz="1200" dirty="0" smtClean="0">
-                <a:solidFill>
-                  <a:schemeClr val="tx1"/>
-                </a:solidFill>
-              </a:rPr>
-              <a:t>Static </a:t>
-            </a:r>
-            <a:r>
-              <a:rPr lang="en-US" altLang="ko-KR" sz="1200" dirty="0" err="1" smtClean="0">
-                <a:solidFill>
-                  <a:schemeClr val="tx1"/>
-                </a:solidFill>
-              </a:rPr>
-              <a:t>CMemoryPoolTLS</a:t>
-            </a:r>
-            <a:r>
-              <a:rPr lang="en-US" altLang="ko-KR" sz="1200" dirty="0" smtClean="0">
-                <a:solidFill>
-                  <a:schemeClr val="tx1"/>
-                </a:solidFill>
-              </a:rPr>
-              <a:t> &lt;</a:t>
-            </a:r>
-            <a:r>
-              <a:rPr lang="en-US" altLang="ko-KR" sz="1200" dirty="0" err="1" smtClean="0">
-                <a:solidFill>
-                  <a:schemeClr val="tx1"/>
-                </a:solidFill>
-              </a:rPr>
-              <a:t>CProtocolBuff</a:t>
-            </a:r>
-            <a:r>
-              <a:rPr lang="en-US" altLang="ko-KR" sz="1200" dirty="0" smtClean="0">
-                <a:solidFill>
-                  <a:schemeClr val="tx1"/>
-                </a:solidFill>
-              </a:rPr>
-              <a:t>&gt;</a:t>
-            </a:r>
-          </a:p>
-        </p:txBody>
-      </p:sp>
-      <p:sp>
-        <p:nvSpPr>
-          <p:cNvPr id="12" name="모서리가 둥근 사각형 설명선 11"/>
-          <p:cNvSpPr/>
-          <p:nvPr/>
-        </p:nvSpPr>
-        <p:spPr>
-          <a:xfrm>
-            <a:off x="2865188" y="6335256"/>
-            <a:ext cx="3088185" cy="692215"/>
-          </a:xfrm>
-          <a:prstGeom prst="wedgeRoundRectCallout">
-            <a:avLst>
-              <a:gd name="adj1" fmla="val -21256"/>
-              <a:gd name="adj2" fmla="val -82422"/>
-              <a:gd name="adj3" fmla="val 16667"/>
-            </a:avLst>
-          </a:prstGeom>
-          <a:solidFill>
-            <a:schemeClr val="bg1"/>
-          </a:solidFill>
-          <a:ln w="3175">
-            <a:solidFill>
-              <a:schemeClr val="tx1"/>
-            </a:solidFill>
-          </a:ln>
-        </p:spPr>
-        <p:style>
-          <a:lnRef idx="2">
-            <a:schemeClr val="accent1">
-              <a:shade val="50000"/>
-            </a:schemeClr>
-          </a:lnRef>
-          <a:fillRef idx="1">
-            <a:schemeClr val="accent1"/>
-          </a:fillRef>
-          <a:effectRef idx="0">
-            <a:schemeClr val="accent1"/>
-          </a:effectRef>
-          <a:fontRef idx="minor">
-            <a:schemeClr val="lt1"/>
-          </a:fontRef>
-        </p:style>
-        <p:txBody>
-          <a:bodyPr lIns="91422" tIns="45711" rIns="91422" bIns="45711" rtlCol="0" anchor="ctr"/>
-          <a:lstStyle/>
-          <a:p>
-            <a:r>
-              <a:rPr lang="en-US" altLang="ko-KR" sz="1200" dirty="0" err="1" smtClean="0">
-                <a:solidFill>
-                  <a:schemeClr val="tx1"/>
-                </a:solidFill>
-              </a:rPr>
-              <a:t>CProtocolBuff</a:t>
-            </a:r>
-            <a:r>
-              <a:rPr lang="ko-KR" altLang="en-US" sz="1200" dirty="0" smtClean="0">
-                <a:solidFill>
-                  <a:schemeClr val="tx1"/>
-                </a:solidFill>
-              </a:rPr>
-              <a:t>를 다루는 </a:t>
-            </a:r>
-            <a:r>
-              <a:rPr lang="ko-KR" altLang="en-US" sz="1200" dirty="0" err="1" smtClean="0">
-                <a:solidFill>
-                  <a:schemeClr val="tx1"/>
-                </a:solidFill>
-              </a:rPr>
-              <a:t>메모리풀</a:t>
-            </a:r>
-            <a:r>
-              <a:rPr lang="ko-KR" altLang="en-US" sz="1200" dirty="0" smtClean="0">
-                <a:solidFill>
-                  <a:schemeClr val="tx1"/>
-                </a:solidFill>
-              </a:rPr>
-              <a:t> </a:t>
-            </a:r>
-            <a:r>
-              <a:rPr lang="en-US" altLang="ko-KR" sz="1200" dirty="0" smtClean="0">
-                <a:solidFill>
-                  <a:schemeClr val="tx1"/>
-                </a:solidFill>
-              </a:rPr>
-              <a:t>TLS</a:t>
-            </a:r>
-          </a:p>
-        </p:txBody>
-      </p:sp>
-      <p:sp>
-        <p:nvSpPr>
-          <p:cNvPr id="13" name="직사각형 12"/>
-          <p:cNvSpPr/>
-          <p:nvPr/>
-        </p:nvSpPr>
-        <p:spPr>
-          <a:xfrm>
-            <a:off x="2714644" y="4385408"/>
-            <a:ext cx="2261189" cy="352442"/>
-          </a:xfrm>
-          <a:prstGeom prst="rect">
-            <a:avLst/>
-          </a:prstGeom>
-          <a:solidFill>
-            <a:srgbClr val="FFFF00"/>
-          </a:solidFill>
-          <a:ln>
-            <a:solidFill>
-              <a:srgbClr val="FF0000"/>
-            </a:solidFill>
-          </a:ln>
-        </p:spPr>
-        <p:style>
-          <a:lnRef idx="2">
-            <a:schemeClr val="accent1">
-              <a:shade val="50000"/>
-            </a:schemeClr>
-          </a:lnRef>
-          <a:fillRef idx="1">
-            <a:schemeClr val="accent1"/>
-          </a:fillRef>
-          <a:effectRef idx="0">
-            <a:schemeClr val="accent1"/>
-          </a:effectRef>
-          <a:fontRef idx="minor">
-            <a:schemeClr val="lt1"/>
-          </a:fontRef>
-        </p:style>
-        <p:txBody>
-          <a:bodyPr rtlCol="0" anchor="ctr"/>
-          <a:lstStyle/>
-          <a:p>
-            <a:pPr algn="ctr"/>
-            <a:r>
-              <a:rPr lang="en-US" altLang="ko-KR" sz="1500" b="1" dirty="0" smtClean="0">
-                <a:solidFill>
-                  <a:schemeClr val="tx1"/>
-                </a:solidFill>
-              </a:rPr>
-              <a:t>class </a:t>
-            </a:r>
-            <a:r>
-              <a:rPr lang="ko-KR" altLang="en-US" sz="1500" b="1" dirty="0" smtClean="0">
-                <a:solidFill>
-                  <a:schemeClr val="tx1"/>
-                </a:solidFill>
-              </a:rPr>
-              <a:t>정적</a:t>
-            </a:r>
-            <a:r>
-              <a:rPr lang="en-US" altLang="ko-KR" sz="1500" b="1" dirty="0" smtClean="0">
-                <a:solidFill>
-                  <a:schemeClr val="tx1"/>
-                </a:solidFill>
-              </a:rPr>
-              <a:t> </a:t>
-            </a:r>
-            <a:r>
-              <a:rPr lang="ko-KR" altLang="en-US" sz="1500" b="1" dirty="0" smtClean="0">
-                <a:solidFill>
-                  <a:schemeClr val="tx1"/>
-                </a:solidFill>
-              </a:rPr>
-              <a:t>멤버 변</a:t>
-            </a:r>
-            <a:r>
-              <a:rPr lang="ko-KR" altLang="en-US" sz="1500" b="1" dirty="0">
-                <a:solidFill>
-                  <a:schemeClr val="tx1"/>
-                </a:solidFill>
-              </a:rPr>
-              <a:t>수</a:t>
-            </a:r>
-            <a:endParaRPr lang="en-US" altLang="ko-KR" sz="1500" b="1" dirty="0" smtClean="0">
-              <a:solidFill>
-                <a:schemeClr val="tx1"/>
-              </a:solidFill>
-            </a:endParaRPr>
-          </a:p>
-        </p:txBody>
-      </p:sp>
-      <p:sp>
-        <p:nvSpPr>
-          <p:cNvPr id="20" name="모서리가 둥근 직사각형 19"/>
-          <p:cNvSpPr/>
-          <p:nvPr/>
-        </p:nvSpPr>
-        <p:spPr>
-          <a:xfrm>
-            <a:off x="14269661" y="4046983"/>
-            <a:ext cx="2592285" cy="2634381"/>
-          </a:xfrm>
-          <a:prstGeom prst="roundRect">
-            <a:avLst/>
-          </a:prstGeom>
-          <a:solidFill>
-            <a:schemeClr val="bg1">
-              <a:lumMod val="95000"/>
-            </a:schemeClr>
-          </a:solidFill>
-          <a:ln>
-            <a:solidFill>
-              <a:schemeClr val="bg1">
-                <a:lumMod val="75000"/>
-              </a:schemeClr>
-            </a:solidFill>
-          </a:ln>
-        </p:spPr>
-        <p:style>
-          <a:lnRef idx="2">
-            <a:schemeClr val="accent1">
-              <a:shade val="50000"/>
-            </a:schemeClr>
-          </a:lnRef>
-          <a:fillRef idx="1">
-            <a:schemeClr val="accent1"/>
-          </a:fillRef>
-          <a:effectRef idx="0">
-            <a:schemeClr val="accent1"/>
-          </a:effectRef>
-          <a:fontRef idx="minor">
-            <a:schemeClr val="lt1"/>
-          </a:fontRef>
-        </p:style>
-        <p:txBody>
-          <a:bodyPr lIns="91409" tIns="45706" rIns="91409" bIns="45706" rtlCol="0" anchor="ctr"/>
-          <a:lstStyle/>
-          <a:p>
-            <a:pPr algn="ctr"/>
-            <a:endParaRPr lang="ko-KR" altLang="en-US" sz="1100" b="1" dirty="0">
-              <a:solidFill>
-                <a:schemeClr val="tx1"/>
-              </a:solidFill>
-            </a:endParaRPr>
-          </a:p>
-        </p:txBody>
-      </p:sp>
-      <p:sp>
-        <p:nvSpPr>
-          <p:cNvPr id="18" name="모서리가 둥근 직사각형 17"/>
-          <p:cNvSpPr/>
-          <p:nvPr/>
-        </p:nvSpPr>
-        <p:spPr>
-          <a:xfrm>
-            <a:off x="14485685" y="4247225"/>
-            <a:ext cx="2592285" cy="2634381"/>
-          </a:xfrm>
-          <a:prstGeom prst="roundRect">
-            <a:avLst/>
-          </a:prstGeom>
-          <a:solidFill>
-            <a:schemeClr val="bg1">
-              <a:lumMod val="95000"/>
-            </a:schemeClr>
-          </a:solidFill>
-          <a:ln>
-            <a:solidFill>
-              <a:schemeClr val="bg1">
-                <a:lumMod val="75000"/>
-              </a:schemeClr>
-            </a:solidFill>
-          </a:ln>
-        </p:spPr>
-        <p:style>
-          <a:lnRef idx="2">
-            <a:schemeClr val="accent1">
-              <a:shade val="50000"/>
-            </a:schemeClr>
-          </a:lnRef>
-          <a:fillRef idx="1">
-            <a:schemeClr val="accent1"/>
-          </a:fillRef>
-          <a:effectRef idx="0">
-            <a:schemeClr val="accent1"/>
-          </a:effectRef>
-          <a:fontRef idx="minor">
-            <a:schemeClr val="lt1"/>
-          </a:fontRef>
-        </p:style>
-        <p:txBody>
-          <a:bodyPr lIns="91409" tIns="45706" rIns="91409" bIns="45706" rtlCol="0" anchor="ctr"/>
-          <a:lstStyle/>
-          <a:p>
-            <a:pPr algn="ctr"/>
-            <a:endParaRPr lang="ko-KR" altLang="en-US" sz="1100" b="1" dirty="0">
-              <a:solidFill>
-                <a:schemeClr val="tx1"/>
-              </a:solidFill>
-            </a:endParaRPr>
-          </a:p>
-        </p:txBody>
-      </p:sp>
-      <p:sp>
-        <p:nvSpPr>
-          <p:cNvPr id="19" name="TextBox 18"/>
-          <p:cNvSpPr txBox="1"/>
-          <p:nvPr/>
-        </p:nvSpPr>
-        <p:spPr>
-          <a:xfrm>
-            <a:off x="14986958" y="4391241"/>
-            <a:ext cx="1587975" cy="553970"/>
-          </a:xfrm>
-          <a:prstGeom prst="rect">
-            <a:avLst/>
-          </a:prstGeom>
-          <a:noFill/>
-        </p:spPr>
-        <p:txBody>
-          <a:bodyPr wrap="square" lIns="91409" tIns="45706" rIns="91409" bIns="45706" rtlCol="0">
-            <a:spAutoFit/>
-          </a:bodyPr>
-          <a:lstStyle/>
-          <a:p>
-            <a:r>
-              <a:rPr lang="en-US" altLang="ko-KR" sz="3000" b="1" dirty="0" smtClean="0"/>
-              <a:t>Thread</a:t>
-            </a:r>
-          </a:p>
-        </p:txBody>
-      </p:sp>
-      <p:cxnSp>
-        <p:nvCxnSpPr>
-          <p:cNvPr id="21" name="꺾인 연결선 20"/>
-          <p:cNvCxnSpPr>
-            <a:stCxn id="20" idx="1"/>
-            <a:endCxn id="8" idx="3"/>
-          </p:cNvCxnSpPr>
-          <p:nvPr/>
-        </p:nvCxnSpPr>
-        <p:spPr>
-          <a:xfrm rot="10800000">
-            <a:off x="10429169" y="5054332"/>
-            <a:ext cx="3840492" cy="309842"/>
-          </a:xfrm>
-          <a:prstGeom prst="bentConnector3">
-            <a:avLst>
-              <a:gd name="adj1" fmla="val 50000"/>
-            </a:avLst>
-          </a:prstGeom>
-          <a:ln w="28575">
-            <a:solidFill>
-              <a:schemeClr val="tx1"/>
-            </a:solidFill>
-            <a:tailEnd type="arrow"/>
-          </a:ln>
-        </p:spPr>
-        <p:style>
-          <a:lnRef idx="1">
-            <a:schemeClr val="accent1"/>
-          </a:lnRef>
-          <a:fillRef idx="0">
-            <a:schemeClr val="accent1"/>
-          </a:fillRef>
-          <a:effectRef idx="0">
-            <a:schemeClr val="accent1"/>
-          </a:effectRef>
-          <a:fontRef idx="minor">
-            <a:schemeClr val="tx1"/>
-          </a:fontRef>
-        </p:style>
-      </p:cxnSp>
-      <p:cxnSp>
-        <p:nvCxnSpPr>
-          <p:cNvPr id="23" name="꺾인 연결선 22"/>
-          <p:cNvCxnSpPr>
-            <a:endCxn id="7" idx="3"/>
-          </p:cNvCxnSpPr>
-          <p:nvPr/>
-        </p:nvCxnSpPr>
-        <p:spPr>
-          <a:xfrm rot="10800000" flipV="1">
-            <a:off x="10429169" y="5785316"/>
-            <a:ext cx="3840493" cy="421144"/>
-          </a:xfrm>
-          <a:prstGeom prst="bentConnector3">
-            <a:avLst>
-              <a:gd name="adj1" fmla="val 50000"/>
-            </a:avLst>
-          </a:prstGeom>
-          <a:ln w="28575">
-            <a:solidFill>
-              <a:schemeClr val="tx1"/>
-            </a:solidFill>
-            <a:tailEnd type="arrow"/>
-          </a:ln>
-        </p:spPr>
-        <p:style>
-          <a:lnRef idx="1">
-            <a:schemeClr val="accent1"/>
-          </a:lnRef>
-          <a:fillRef idx="0">
-            <a:schemeClr val="accent1"/>
-          </a:fillRef>
-          <a:effectRef idx="0">
-            <a:schemeClr val="accent1"/>
-          </a:effectRef>
-          <a:fontRef idx="minor">
-            <a:schemeClr val="tx1"/>
-          </a:fontRef>
-        </p:style>
-      </p:cxnSp>
-      <p:cxnSp>
-        <p:nvCxnSpPr>
-          <p:cNvPr id="27" name="꺾인 연결선 26"/>
-          <p:cNvCxnSpPr>
-            <a:stCxn id="11" idx="4"/>
-            <a:endCxn id="8" idx="1"/>
-          </p:cNvCxnSpPr>
-          <p:nvPr/>
-        </p:nvCxnSpPr>
-        <p:spPr>
-          <a:xfrm flipV="1">
-            <a:off x="4796571" y="5054332"/>
-            <a:ext cx="2662318" cy="309843"/>
-          </a:xfrm>
-          <a:prstGeom prst="bentConnector3">
-            <a:avLst>
-              <a:gd name="adj1" fmla="val 50000"/>
-            </a:avLst>
-          </a:prstGeom>
-          <a:ln w="28575">
-            <a:solidFill>
-              <a:schemeClr val="tx1"/>
-            </a:solidFill>
-            <a:tailEnd type="arrow"/>
-          </a:ln>
-        </p:spPr>
-        <p:style>
-          <a:lnRef idx="1">
-            <a:schemeClr val="accent1"/>
-          </a:lnRef>
-          <a:fillRef idx="0">
-            <a:schemeClr val="accent1"/>
-          </a:fillRef>
-          <a:effectRef idx="0">
-            <a:schemeClr val="accent1"/>
-          </a:effectRef>
-          <a:fontRef idx="minor">
-            <a:schemeClr val="tx1"/>
-          </a:fontRef>
-        </p:style>
-      </p:cxnSp>
-      <p:cxnSp>
-        <p:nvCxnSpPr>
-          <p:cNvPr id="30" name="꺾인 연결선 29"/>
-          <p:cNvCxnSpPr>
-            <a:stCxn id="7" idx="1"/>
-          </p:cNvCxnSpPr>
-          <p:nvPr/>
-        </p:nvCxnSpPr>
-        <p:spPr>
-          <a:xfrm rot="10800000">
-            <a:off x="4796572" y="5564416"/>
-            <a:ext cx="2662317" cy="642045"/>
-          </a:xfrm>
-          <a:prstGeom prst="bentConnector3">
-            <a:avLst>
-              <a:gd name="adj1" fmla="val 50000"/>
-            </a:avLst>
-          </a:prstGeom>
-          <a:ln w="28575">
-            <a:solidFill>
-              <a:schemeClr val="tx1"/>
-            </a:solidFill>
-            <a:tailEnd type="arrow"/>
-          </a:ln>
-        </p:spPr>
-        <p:style>
-          <a:lnRef idx="1">
-            <a:schemeClr val="accent1"/>
-          </a:lnRef>
-          <a:fillRef idx="0">
-            <a:schemeClr val="accent1"/>
-          </a:fillRef>
-          <a:effectRef idx="0">
-            <a:schemeClr val="accent1"/>
-          </a:effectRef>
-          <a:fontRef idx="minor">
-            <a:schemeClr val="tx1"/>
-          </a:fontRef>
-        </p:style>
-      </p:cxnSp>
-      <p:sp>
-        <p:nvSpPr>
-          <p:cNvPr id="33" name="모서리가 둥근 사각형 설명선 32"/>
-          <p:cNvSpPr/>
-          <p:nvPr/>
-        </p:nvSpPr>
-        <p:spPr>
-          <a:xfrm>
-            <a:off x="7475246" y="6881606"/>
-            <a:ext cx="3232633" cy="692215"/>
-          </a:xfrm>
-          <a:prstGeom prst="wedgeRoundRectCallout">
-            <a:avLst>
-              <a:gd name="adj1" fmla="val -9492"/>
-              <a:gd name="adj2" fmla="val -92906"/>
-              <a:gd name="adj3" fmla="val 16667"/>
-            </a:avLst>
-          </a:prstGeom>
-          <a:solidFill>
-            <a:schemeClr val="bg1"/>
-          </a:solidFill>
-          <a:ln w="3175">
-            <a:solidFill>
-              <a:schemeClr val="tx1"/>
-            </a:solidFill>
-          </a:ln>
-        </p:spPr>
-        <p:style>
-          <a:lnRef idx="2">
-            <a:schemeClr val="accent1">
-              <a:shade val="50000"/>
-            </a:schemeClr>
-          </a:lnRef>
-          <a:fillRef idx="1">
-            <a:schemeClr val="accent1"/>
-          </a:fillRef>
-          <a:effectRef idx="0">
-            <a:schemeClr val="accent1"/>
-          </a:effectRef>
-          <a:fontRef idx="minor">
-            <a:schemeClr val="lt1"/>
-          </a:fontRef>
-        </p:style>
-        <p:txBody>
-          <a:bodyPr lIns="91422" tIns="45711" rIns="91422" bIns="45711" rtlCol="0" anchor="ctr"/>
-          <a:lstStyle/>
-          <a:p>
-            <a:r>
-              <a:rPr lang="en-US" altLang="ko-KR" sz="1200" dirty="0" smtClean="0">
-                <a:solidFill>
-                  <a:schemeClr val="tx1"/>
-                </a:solidFill>
-              </a:rPr>
-              <a:t>Reference Count 1 </a:t>
-            </a:r>
-            <a:r>
-              <a:rPr lang="ko-KR" altLang="en-US" sz="1200" dirty="0" smtClean="0">
-                <a:solidFill>
-                  <a:schemeClr val="tx1"/>
-                </a:solidFill>
-              </a:rPr>
-              <a:t>감소</a:t>
-            </a:r>
-            <a:r>
-              <a:rPr lang="en-US" altLang="ko-KR" sz="1200" dirty="0" smtClean="0">
-                <a:solidFill>
-                  <a:schemeClr val="tx1"/>
-                </a:solidFill>
-              </a:rPr>
-              <a:t>.</a:t>
-            </a:r>
-          </a:p>
-          <a:p>
-            <a:r>
-              <a:rPr lang="en-US" altLang="ko-KR" sz="1200" dirty="0" smtClean="0">
-                <a:solidFill>
-                  <a:schemeClr val="tx1"/>
-                </a:solidFill>
-              </a:rPr>
-              <a:t>0</a:t>
-            </a:r>
-            <a:r>
-              <a:rPr lang="ko-KR" altLang="en-US" sz="1200" dirty="0" smtClean="0">
-                <a:solidFill>
-                  <a:schemeClr val="tx1"/>
-                </a:solidFill>
-              </a:rPr>
-              <a:t>이 되면</a:t>
-            </a:r>
-            <a:r>
-              <a:rPr lang="en-US" altLang="ko-KR" sz="1200" dirty="0" err="1" smtClean="0">
-                <a:solidFill>
-                  <a:schemeClr val="tx1"/>
-                </a:solidFill>
-              </a:rPr>
-              <a:t>CMemoryPoolTLS</a:t>
-            </a:r>
-            <a:r>
-              <a:rPr lang="ko-KR" altLang="en-US" sz="1200" dirty="0" smtClean="0">
-                <a:solidFill>
-                  <a:schemeClr val="tx1"/>
-                </a:solidFill>
-              </a:rPr>
-              <a:t>에 반환</a:t>
-            </a:r>
-            <a:r>
-              <a:rPr lang="en-US" altLang="ko-KR" sz="1200" dirty="0" smtClean="0">
-                <a:solidFill>
-                  <a:schemeClr val="tx1"/>
-                </a:solidFill>
-              </a:rPr>
-              <a:t>.</a:t>
-            </a:r>
-          </a:p>
-        </p:txBody>
-      </p:sp>
-      <p:sp>
-        <p:nvSpPr>
-          <p:cNvPr id="37" name="모서리가 둥근 직사각형 36"/>
-          <p:cNvSpPr/>
-          <p:nvPr/>
-        </p:nvSpPr>
-        <p:spPr>
-          <a:xfrm>
-            <a:off x="7477699" y="7829174"/>
-            <a:ext cx="2970280" cy="550371"/>
-          </a:xfrm>
-          <a:prstGeom prst="roundRect">
-            <a:avLst/>
-          </a:prstGeom>
-          <a:solidFill>
-            <a:schemeClr val="accent4">
-              <a:lumMod val="40000"/>
-              <a:lumOff val="60000"/>
-            </a:schemeClr>
-          </a:solidFill>
-          <a:ln>
-            <a:solidFill>
-              <a:schemeClr val="bg1">
-                <a:lumMod val="75000"/>
-              </a:schemeClr>
-            </a:solidFill>
-          </a:ln>
-        </p:spPr>
-        <p:style>
-          <a:lnRef idx="2">
-            <a:schemeClr val="accent1">
-              <a:shade val="50000"/>
-            </a:schemeClr>
-          </a:lnRef>
-          <a:fillRef idx="1">
-            <a:schemeClr val="accent1"/>
-          </a:fillRef>
-          <a:effectRef idx="0">
-            <a:schemeClr val="accent1"/>
-          </a:effectRef>
-          <a:fontRef idx="minor">
-            <a:schemeClr val="lt1"/>
-          </a:fontRef>
-        </p:style>
-        <p:txBody>
-          <a:bodyPr lIns="91426" tIns="45713" rIns="91426" bIns="45713" rtlCol="0" anchor="ctr"/>
-          <a:lstStyle/>
-          <a:p>
-            <a:pPr algn="ctr"/>
-            <a:r>
-              <a:rPr lang="en-US" altLang="ko-KR" sz="1500" dirty="0" smtClean="0">
-                <a:solidFill>
-                  <a:schemeClr val="tx1"/>
-                </a:solidFill>
-              </a:rPr>
-              <a:t>Void </a:t>
-            </a:r>
-            <a:r>
-              <a:rPr lang="en-US" altLang="ko-KR" sz="1500" dirty="0" err="1" smtClean="0">
-                <a:solidFill>
-                  <a:schemeClr val="tx1"/>
-                </a:solidFill>
-              </a:rPr>
-              <a:t>RefAdd</a:t>
-            </a:r>
-            <a:r>
-              <a:rPr lang="en-US" altLang="ko-KR" sz="1500" dirty="0" smtClean="0">
-                <a:solidFill>
-                  <a:schemeClr val="tx1"/>
-                </a:solidFill>
-              </a:rPr>
-              <a:t>()</a:t>
-            </a:r>
-            <a:endParaRPr lang="en-US" altLang="ko-KR" sz="1500" dirty="0">
-              <a:solidFill>
-                <a:schemeClr val="tx1"/>
-              </a:solidFill>
-            </a:endParaRPr>
-          </a:p>
-        </p:txBody>
-      </p:sp>
-      <p:cxnSp>
-        <p:nvCxnSpPr>
-          <p:cNvPr id="38" name="꺾인 연결선 37"/>
-          <p:cNvCxnSpPr>
-            <a:endCxn id="37" idx="3"/>
-          </p:cNvCxnSpPr>
-          <p:nvPr/>
-        </p:nvCxnSpPr>
-        <p:spPr>
-          <a:xfrm rot="10800000" flipV="1">
-            <a:off x="10447979" y="6203536"/>
-            <a:ext cx="3821682" cy="1900824"/>
-          </a:xfrm>
-          <a:prstGeom prst="bentConnector3">
-            <a:avLst>
-              <a:gd name="adj1" fmla="val 44683"/>
-            </a:avLst>
-          </a:prstGeom>
-          <a:ln w="28575">
-            <a:solidFill>
-              <a:schemeClr val="tx1"/>
-            </a:solidFill>
-            <a:tailEnd type="arrow"/>
-          </a:ln>
-        </p:spPr>
-        <p:style>
-          <a:lnRef idx="1">
-            <a:schemeClr val="accent1"/>
-          </a:lnRef>
-          <a:fillRef idx="0">
-            <a:schemeClr val="accent1"/>
-          </a:fillRef>
-          <a:effectRef idx="0">
-            <a:schemeClr val="accent1"/>
-          </a:effectRef>
-          <a:fontRef idx="minor">
-            <a:schemeClr val="tx1"/>
-          </a:fontRef>
-        </p:style>
-      </p:cxnSp>
-      <p:sp>
-        <p:nvSpPr>
-          <p:cNvPr id="43" name="모서리가 둥근 사각형 설명선 42"/>
-          <p:cNvSpPr/>
-          <p:nvPr/>
-        </p:nvSpPr>
-        <p:spPr>
-          <a:xfrm>
-            <a:off x="5075206" y="7483066"/>
-            <a:ext cx="2016223" cy="692215"/>
-          </a:xfrm>
-          <a:prstGeom prst="wedgeRoundRectCallout">
-            <a:avLst>
-              <a:gd name="adj1" fmla="val 62866"/>
-              <a:gd name="adj2" fmla="val 28708"/>
-              <a:gd name="adj3" fmla="val 16667"/>
-            </a:avLst>
-          </a:prstGeom>
-          <a:solidFill>
-            <a:schemeClr val="bg1"/>
-          </a:solidFill>
-          <a:ln w="3175">
-            <a:solidFill>
-              <a:schemeClr val="tx1"/>
-            </a:solidFill>
-          </a:ln>
-        </p:spPr>
-        <p:style>
-          <a:lnRef idx="2">
-            <a:schemeClr val="accent1">
-              <a:shade val="50000"/>
-            </a:schemeClr>
-          </a:lnRef>
-          <a:fillRef idx="1">
-            <a:schemeClr val="accent1"/>
-          </a:fillRef>
-          <a:effectRef idx="0">
-            <a:schemeClr val="accent1"/>
-          </a:effectRef>
-          <a:fontRef idx="minor">
-            <a:schemeClr val="lt1"/>
-          </a:fontRef>
-        </p:style>
-        <p:txBody>
-          <a:bodyPr lIns="91422" tIns="45711" rIns="91422" bIns="45711" rtlCol="0" anchor="ctr"/>
-          <a:lstStyle/>
-          <a:p>
-            <a:r>
-              <a:rPr lang="en-US" altLang="ko-KR" sz="1200" smtClean="0">
-                <a:solidFill>
-                  <a:schemeClr val="tx1"/>
-                </a:solidFill>
-              </a:rPr>
-              <a:t>Reference Count 1 </a:t>
-            </a:r>
-            <a:r>
-              <a:rPr lang="ko-KR" altLang="en-US" sz="1200" dirty="0" smtClean="0">
-                <a:solidFill>
-                  <a:schemeClr val="tx1"/>
-                </a:solidFill>
-              </a:rPr>
-              <a:t>증가</a:t>
-            </a:r>
-            <a:endParaRPr lang="en-US" altLang="ko-KR" sz="1200" dirty="0" smtClean="0">
-              <a:solidFill>
-                <a:schemeClr val="tx1"/>
-              </a:solidFill>
-            </a:endParaRPr>
-          </a:p>
-        </p:txBody>
-      </p:sp>
-      <p:sp>
-        <p:nvSpPr>
-          <p:cNvPr id="49" name="모서리가 둥근 사각형 설명선 48"/>
-          <p:cNvSpPr/>
-          <p:nvPr/>
-        </p:nvSpPr>
-        <p:spPr>
-          <a:xfrm>
-            <a:off x="7939364" y="3718162"/>
-            <a:ext cx="2357929" cy="472277"/>
-          </a:xfrm>
-          <a:prstGeom prst="wedgeRoundRectCallout">
-            <a:avLst>
-              <a:gd name="adj1" fmla="val -21343"/>
-              <a:gd name="adj2" fmla="val 92875"/>
-              <a:gd name="adj3" fmla="val 16667"/>
-            </a:avLst>
-          </a:prstGeom>
-          <a:solidFill>
-            <a:schemeClr val="bg1"/>
-          </a:solidFill>
-          <a:ln w="3175">
-            <a:solidFill>
-              <a:schemeClr val="tx1"/>
-            </a:solidFill>
-          </a:ln>
-        </p:spPr>
-        <p:style>
-          <a:lnRef idx="2">
-            <a:schemeClr val="accent1">
-              <a:shade val="50000"/>
-            </a:schemeClr>
-          </a:lnRef>
-          <a:fillRef idx="1">
-            <a:schemeClr val="accent1"/>
-          </a:fillRef>
-          <a:effectRef idx="0">
-            <a:schemeClr val="accent1"/>
-          </a:effectRef>
-          <a:fontRef idx="minor">
-            <a:schemeClr val="lt1"/>
-          </a:fontRef>
-        </p:style>
-        <p:txBody>
-          <a:bodyPr lIns="91422" tIns="45711" rIns="91422" bIns="45711" rtlCol="0" anchor="ctr"/>
-          <a:lstStyle/>
-          <a:p>
-            <a:r>
-              <a:rPr lang="ko-KR" altLang="en-US" sz="1200" dirty="0" smtClean="0">
-                <a:solidFill>
-                  <a:schemeClr val="tx1"/>
-                </a:solidFill>
-              </a:rPr>
-              <a:t>최초 </a:t>
-            </a:r>
-            <a:r>
-              <a:rPr lang="en-US" altLang="ko-KR" sz="1200" dirty="0" smtClean="0">
-                <a:solidFill>
-                  <a:schemeClr val="tx1"/>
-                </a:solidFill>
-              </a:rPr>
-              <a:t>Reference Count</a:t>
-            </a:r>
-            <a:r>
-              <a:rPr lang="ko-KR" altLang="en-US" sz="1200" dirty="0" smtClean="0">
-                <a:solidFill>
-                  <a:schemeClr val="tx1"/>
-                </a:solidFill>
-              </a:rPr>
-              <a:t>는 </a:t>
-            </a:r>
-            <a:r>
-              <a:rPr lang="en-US" altLang="ko-KR" sz="1200" dirty="0" smtClean="0">
-                <a:solidFill>
-                  <a:schemeClr val="tx1"/>
-                </a:solidFill>
-              </a:rPr>
-              <a:t>1</a:t>
-            </a:r>
-          </a:p>
-        </p:txBody>
-      </p:sp>
-    </p:spTree>
-    <p:extLst>
-      <p:ext uri="{BB962C8B-B14F-4D97-AF65-F5344CB8AC3E}">
-        <p14:creationId xmlns:p14="http://schemas.microsoft.com/office/powerpoint/2010/main" val="3575330091"/>
       </p:ext>
     </p:extLst>
   </p:cSld>
